--- a/fall11/slidesF11/slides14w.pptx
+++ b/fall11/slidesF11/slides14w.pptx
@@ -6159,7 +6159,11 @@
             </a:r>
             <a:r>
               <a:rPr lang="en-US" dirty="0" smtClean="0"/>
-              <a:t> 12F.</a:t>
+              <a:t> </a:t>
+            </a:r>
+            <a:r>
+              <a:rPr lang="en-US" dirty="0" smtClean="0"/>
+              <a:t>14W.</a:t>
             </a:r>
             <a:fld id="{FC9265C7-2444-489D-860F-86AAC4235083}" type="slidenum">
               <a:rPr lang="en-US" smtClean="0"/>
@@ -6334,7 +6338,11 @@
             </a:r>
             <a:r>
               <a:rPr lang="en-US" dirty="0" smtClean="0"/>
-              <a:t> 12F.</a:t>
+              <a:t> </a:t>
+            </a:r>
+            <a:r>
+              <a:rPr lang="en-US" dirty="0" smtClean="0"/>
+              <a:t>14W.</a:t>
             </a:r>
             <a:fld id="{7886A709-CED2-48A3-8616-B2655C008ECB}" type="slidenum">
               <a:rPr lang="en-US" smtClean="0"/>
@@ -6500,7 +6508,11 @@
             </a:r>
             <a:r>
               <a:rPr lang="en-US" dirty="0" smtClean="0"/>
-              <a:t> 12F.</a:t>
+              <a:t> </a:t>
+            </a:r>
+            <a:r>
+              <a:rPr lang="en-US" dirty="0" smtClean="0"/>
+              <a:t>14W.</a:t>
             </a:r>
             <a:fld id="{BF80F45E-FB96-45E0-92FC-8BB2C6497030}" type="slidenum">
               <a:rPr lang="en-US" smtClean="0"/>
@@ -6596,7 +6608,11 @@
             </a:r>
             <a:r>
               <a:rPr lang="en-US" dirty="0" smtClean="0"/>
-              <a:t> 12F.</a:t>
+              <a:t> </a:t>
+            </a:r>
+            <a:r>
+              <a:rPr lang="en-US" dirty="0" smtClean="0"/>
+              <a:t>14W.</a:t>
             </a:r>
             <a:fld id="{9B55653B-1858-43BF-A49A-533C730B553F}" type="slidenum">
               <a:rPr lang="en-US" smtClean="0"/>
@@ -6665,7 +6681,11 @@
             </a:r>
             <a:r>
               <a:rPr lang="en-US" dirty="0" smtClean="0"/>
-              <a:t> 12F.</a:t>
+              <a:t> </a:t>
+            </a:r>
+            <a:r>
+              <a:rPr lang="en-US" dirty="0" smtClean="0"/>
+              <a:t>14W.</a:t>
             </a:r>
             <a:fld id="{4E62291C-8AD8-4AE0-8F6D-A8437E91FB33}" type="slidenum">
               <a:rPr lang="en-US" smtClean="0"/>
@@ -6876,7 +6896,11 @@
             </a:r>
             <a:r>
               <a:rPr lang="en-US" dirty="0" smtClean="0"/>
-              <a:t> 12F.</a:t>
+              <a:t> </a:t>
+            </a:r>
+            <a:r>
+              <a:rPr lang="en-US" dirty="0" smtClean="0"/>
+              <a:t>14W.</a:t>
             </a:r>
             <a:fld id="{7886A709-CED2-48A3-8616-B2655C008ECB}" type="slidenum">
               <a:rPr lang="en-US" smtClean="0"/>
@@ -6931,8 +6955,8 @@
         </p:nvSpPr>
         <p:spPr>
           <a:xfrm>
-            <a:off x="3158290" y="6556963"/>
-            <a:ext cx="3031784" cy="301037"/>
+            <a:off x="3158289" y="6534727"/>
+            <a:ext cx="3295619" cy="323273"/>
           </a:xfrm>
           <a:prstGeom prst="rect">
             <a:avLst/>
@@ -6972,7 +6996,37 @@
                 <a:uFillTx/>
                 <a:latin typeface="Comic Sans MS" pitchFamily="66" charset="0"/>
               </a:rPr>
-              <a:t>Albert R Meyer,            April 29, 2011</a:t>
+              <a:t>Albert R Meyer,            </a:t>
+            </a:r>
+            <a:r>
+              <a:rPr kumimoji="0" lang="en-US" sz="1200" b="0" i="0" u="none" strike="noStrike" kern="1200" cap="none" spc="0" normalizeH="0" baseline="0" noProof="0" dirty="0" smtClean="0">
+                <a:ln>
+                  <a:noFill/>
+                </a:ln>
+                <a:solidFill>
+                  <a:schemeClr val="tx1"/>
+                </a:solidFill>
+                <a:effectLst/>
+                <a:uLnTx/>
+                <a:uFillTx/>
+                <a:latin typeface="Comic Sans MS" pitchFamily="66" charset="0"/>
+              </a:rPr>
+              <a:t>December 7, </a:t>
+            </a:r>
+            <a:r>
+              <a:rPr kumimoji="0" lang="en-US" sz="1200" b="0" i="0" u="none" strike="noStrike" kern="1200" cap="none" spc="0" normalizeH="0" baseline="0" noProof="0" dirty="0" smtClean="0">
+                <a:ln>
+                  <a:noFill/>
+                </a:ln>
+                <a:solidFill>
+                  <a:schemeClr val="tx1"/>
+                </a:solidFill>
+                <a:effectLst/>
+                <a:uLnTx/>
+                <a:uFillTx/>
+                <a:latin typeface="Comic Sans MS" pitchFamily="66" charset="0"/>
+              </a:rPr>
+              <a:t>2011</a:t>
             </a:r>
             <a:endParaRPr kumimoji="0" lang="en-US" sz="1200" b="0" i="0" u="none" strike="noStrike" kern="1200" cap="none" spc="0" normalizeH="0" baseline="0" noProof="0" dirty="0">
               <a:ln>
@@ -7577,7 +7631,11 @@
             </a:r>
             <a:r>
               <a:rPr lang="en-US" dirty="0" smtClean="0"/>
-              <a:t> 12F.</a:t>
+              <a:t> </a:t>
+            </a:r>
+            <a:r>
+              <a:rPr lang="en-US" dirty="0" smtClean="0"/>
+              <a:t>14W.</a:t>
             </a:r>
             <a:fld id="{93DA0692-DAF7-4AFE-9BE7-E02439D3694A}" type="slidenum">
               <a:rPr lang="en-US" smtClean="0"/>
@@ -7939,7 +7997,14 @@
                 <a:latin typeface="Comic Sans MS"/>
                 <a:cs typeface="Comic Sans MS"/>
               </a:rPr>
-              <a:t> 12F.</a:t>
+              <a:t> </a:t>
+            </a:r>
+            <a:r>
+              <a:rPr lang="en-US" sz="1200" dirty="0" smtClean="0">
+                <a:latin typeface="Comic Sans MS"/>
+                <a:cs typeface="Comic Sans MS"/>
+              </a:rPr>
+              <a:t>14W.</a:t>
             </a:r>
             <a:fld id="{93DA0692-DAF7-4AFE-9BE7-E02439D3694A}" type="slidenum">
               <a:rPr lang="en-US" sz="1200" smtClean="0">
@@ -8228,7 +8293,7 @@
           <a:graphicData uri="http://schemas.openxmlformats.org/presentationml/2006/ole">
             <mc:AlternateContent xmlns:mc="http://schemas.openxmlformats.org/markup-compatibility/2006">
               <mc:Choice xmlns:v="urn:schemas-microsoft-com:vml" Requires="v">
-                <p:oleObj spid="_x0000_s174084" name="Equation" r:id="rId4" imgW="2006280" imgH="812520" progId="Equation.DSMT4">
+                <p:oleObj spid="_x0000_s174087" name="Equation" r:id="rId4" imgW="2006280" imgH="812520" progId="Equation.DSMT4">
                   <p:embed/>
                 </p:oleObj>
               </mc:Choice>
@@ -8474,7 +8539,14 @@
                 <a:latin typeface="Comic Sans MS"/>
                 <a:cs typeface="Comic Sans MS"/>
               </a:rPr>
-              <a:t> 12F.</a:t>
+              <a:t> </a:t>
+            </a:r>
+            <a:r>
+              <a:rPr lang="en-US" sz="1200" dirty="0" smtClean="0">
+                <a:latin typeface="Comic Sans MS"/>
+                <a:cs typeface="Comic Sans MS"/>
+              </a:rPr>
+              <a:t>14W.</a:t>
             </a:r>
             <a:fld id="{93DA0692-DAF7-4AFE-9BE7-E02439D3694A}" type="slidenum">
               <a:rPr lang="en-US" sz="1200" smtClean="0">
@@ -8620,7 +8692,7 @@
           <a:graphicData uri="http://schemas.openxmlformats.org/presentationml/2006/ole">
             <mc:AlternateContent xmlns:mc="http://schemas.openxmlformats.org/markup-compatibility/2006">
               <mc:Choice xmlns:v="urn:schemas-microsoft-com:vml" Requires="v">
-                <p:oleObj spid="_x0000_s176132" name="Equation" r:id="rId4" imgW="2006280" imgH="812520" progId="Equation.DSMT4">
+                <p:oleObj spid="_x0000_s176135" name="Equation" r:id="rId4" imgW="2006280" imgH="812520" progId="Equation.DSMT4">
                   <p:embed/>
                 </p:oleObj>
               </mc:Choice>
@@ -8915,7 +8987,14 @@
                 <a:latin typeface="Comic Sans MS"/>
                 <a:cs typeface="Comic Sans MS"/>
               </a:rPr>
-              <a:t> 12F.</a:t>
+              <a:t> </a:t>
+            </a:r>
+            <a:r>
+              <a:rPr lang="en-US" sz="1200" dirty="0" smtClean="0">
+                <a:latin typeface="Comic Sans MS"/>
+                <a:cs typeface="Comic Sans MS"/>
+              </a:rPr>
+              <a:t>14W.</a:t>
             </a:r>
             <a:fld id="{93DA0692-DAF7-4AFE-9BE7-E02439D3694A}" type="slidenum">
               <a:rPr lang="en-US" sz="1200" smtClean="0">
@@ -8972,7 +9051,14 @@
                 <a:latin typeface="Comic Sans MS"/>
                 <a:cs typeface="Comic Sans MS"/>
               </a:rPr>
-              <a:t> 12F.</a:t>
+              <a:t> </a:t>
+            </a:r>
+            <a:r>
+              <a:rPr lang="en-US" sz="1200" dirty="0" smtClean="0">
+                <a:latin typeface="Comic Sans MS"/>
+                <a:cs typeface="Comic Sans MS"/>
+              </a:rPr>
+              <a:t>14W.</a:t>
             </a:r>
             <a:fld id="{93DA0692-DAF7-4AFE-9BE7-E02439D3694A}" type="slidenum">
               <a:rPr lang="en-US" sz="1200" smtClean="0">
@@ -9554,7 +9640,14 @@
                 <a:latin typeface="Comic Sans MS"/>
                 <a:cs typeface="Comic Sans MS"/>
               </a:rPr>
-              <a:t> 12F.</a:t>
+              <a:t> </a:t>
+            </a:r>
+            <a:r>
+              <a:rPr lang="en-US" sz="1200" dirty="0" smtClean="0">
+                <a:latin typeface="Comic Sans MS"/>
+                <a:cs typeface="Comic Sans MS"/>
+              </a:rPr>
+              <a:t>14W.</a:t>
             </a:r>
             <a:fld id="{93DA0692-DAF7-4AFE-9BE7-E02439D3694A}" type="slidenum">
               <a:rPr lang="en-US" sz="1200" smtClean="0">
@@ -9889,7 +9982,14 @@
                 <a:latin typeface="Comic Sans MS"/>
                 <a:cs typeface="Comic Sans MS"/>
               </a:rPr>
-              <a:t> 12F.</a:t>
+              <a:t> </a:t>
+            </a:r>
+            <a:r>
+              <a:rPr lang="en-US" sz="1200" dirty="0" smtClean="0">
+                <a:latin typeface="Comic Sans MS"/>
+                <a:cs typeface="Comic Sans MS"/>
+              </a:rPr>
+              <a:t>14W.</a:t>
             </a:r>
             <a:fld id="{93DA0692-DAF7-4AFE-9BE7-E02439D3694A}" type="slidenum">
               <a:rPr lang="en-US" sz="1200" smtClean="0">
@@ -10226,7 +10326,7 @@
           <a:p>
             <a:pPr marL="342900" marR="0" lvl="0" indent="-342900" algn="l" defTabSz="914400" rtl="0" eaLnBrk="1" fontAlgn="base" latinLnBrk="0" hangingPunct="1">
               <a:lnSpc>
-                <a:spcPct val="100000"/>
+                <a:spcPct val="120000"/>
               </a:lnSpc>
               <a:spcBef>
                 <a:spcPts val="0"/>
@@ -10305,7 +10405,7 @@
         </p:nvSpPr>
         <p:spPr bwMode="auto">
           <a:xfrm>
-            <a:off x="304800" y="2895600"/>
+            <a:off x="304800" y="3077040"/>
             <a:ext cx="8077200" cy="2877711"/>
           </a:xfrm>
           <a:prstGeom prst="rect">
@@ -10487,7 +10587,7 @@
           <a:graphicData uri="http://schemas.openxmlformats.org/presentationml/2006/ole">
             <mc:AlternateContent xmlns:mc="http://schemas.openxmlformats.org/markup-compatibility/2006">
               <mc:Choice xmlns:v="urn:schemas-microsoft-com:vml" Requires="v">
-                <p:oleObj spid="_x0000_s182276" name="Equation" r:id="rId4" imgW="419040" imgH="419040" progId="Equation.DSMT4">
+                <p:oleObj spid="_x0000_s182279" name="Equation" r:id="rId4" imgW="419040" imgH="419040" progId="Equation.DSMT4">
                   <p:embed/>
                 </p:oleObj>
               </mc:Choice>
@@ -10549,7 +10649,7 @@
         </p:nvSpPr>
         <p:spPr bwMode="auto">
           <a:xfrm>
-            <a:off x="1143000" y="2895600"/>
+            <a:off x="1029600" y="3043020"/>
             <a:ext cx="6705600" cy="1066800"/>
           </a:xfrm>
           <a:prstGeom prst="rect">
@@ -10674,7 +10774,14 @@
                 <a:latin typeface="Comic Sans MS"/>
                 <a:cs typeface="Comic Sans MS"/>
               </a:rPr>
-              <a:t> 12F.</a:t>
+              <a:t> </a:t>
+            </a:r>
+            <a:r>
+              <a:rPr lang="en-US" sz="1200" dirty="0" smtClean="0">
+                <a:latin typeface="Comic Sans MS"/>
+                <a:cs typeface="Comic Sans MS"/>
+              </a:rPr>
+              <a:t>14W.</a:t>
             </a:r>
             <a:fld id="{93DA0692-DAF7-4AFE-9BE7-E02439D3694A}" type="slidenum">
               <a:rPr lang="en-US" sz="1200" smtClean="0">
@@ -11018,7 +11125,7 @@
           <a:graphicData uri="http://schemas.openxmlformats.org/presentationml/2006/ole">
             <mc:AlternateContent xmlns:mc="http://schemas.openxmlformats.org/markup-compatibility/2006">
               <mc:Choice xmlns:v="urn:schemas-microsoft-com:vml" Requires="v">
-                <p:oleObj spid="_x0000_s184324" name="Equation" r:id="rId4" imgW="1498600" imgH="431800" progId="Equation.DSMT4">
+                <p:oleObj spid="_x0000_s184327" name="Equation" r:id="rId4" imgW="1498600" imgH="431800" progId="Equation.DSMT4">
                   <p:embed/>
                 </p:oleObj>
               </mc:Choice>
@@ -11251,7 +11358,14 @@
                 <a:latin typeface="Comic Sans MS"/>
                 <a:cs typeface="Comic Sans MS"/>
               </a:rPr>
-              <a:t> 12F.</a:t>
+              <a:t> </a:t>
+            </a:r>
+            <a:r>
+              <a:rPr lang="en-US" sz="1200" dirty="0" smtClean="0">
+                <a:latin typeface="Comic Sans MS"/>
+                <a:cs typeface="Comic Sans MS"/>
+              </a:rPr>
+              <a:t>14W.</a:t>
             </a:r>
             <a:fld id="{93DA0692-DAF7-4AFE-9BE7-E02439D3694A}" type="slidenum">
               <a:rPr lang="en-US" sz="1200" smtClean="0">
@@ -11457,7 +11571,7 @@
           <a:graphicData uri="http://schemas.openxmlformats.org/presentationml/2006/ole">
             <mc:AlternateContent xmlns:mc="http://schemas.openxmlformats.org/markup-compatibility/2006">
               <mc:Choice xmlns:v="urn:schemas-microsoft-com:vml" Requires="v">
-                <p:oleObj spid="_x0000_s186372" name="Equation" r:id="rId4" imgW="1574800" imgH="419100" progId="Equation.DSMT4">
+                <p:oleObj spid="_x0000_s186375" name="Equation" r:id="rId4" imgW="1574800" imgH="419100" progId="Equation.DSMT4">
                   <p:embed/>
                 </p:oleObj>
               </mc:Choice>
@@ -11581,7 +11695,14 @@
                 <a:latin typeface="Comic Sans MS"/>
                 <a:cs typeface="Comic Sans MS"/>
               </a:rPr>
-              <a:t> 12F.</a:t>
+              <a:t> </a:t>
+            </a:r>
+            <a:r>
+              <a:rPr lang="en-US" sz="1200" dirty="0" smtClean="0">
+                <a:latin typeface="Comic Sans MS"/>
+                <a:cs typeface="Comic Sans MS"/>
+              </a:rPr>
+              <a:t>14W.</a:t>
             </a:r>
             <a:fld id="{93DA0692-DAF7-4AFE-9BE7-E02439D3694A}" type="slidenum">
               <a:rPr lang="en-US" sz="1200" smtClean="0">
@@ -11685,7 +11806,7 @@
           <a:graphicData uri="http://schemas.openxmlformats.org/presentationml/2006/ole">
             <mc:AlternateContent xmlns:mc="http://schemas.openxmlformats.org/markup-compatibility/2006">
               <mc:Choice xmlns:v="urn:schemas-microsoft-com:vml" Requires="v">
-                <p:oleObj spid="_x0000_s188423" name="Equation" r:id="rId4" imgW="1854200" imgH="431800" progId="Equation.DSMT4">
+                <p:oleObj spid="_x0000_s188432" name="Equation" r:id="rId4" imgW="1854200" imgH="431800" progId="Equation.DSMT4">
                   <p:embed/>
                 </p:oleObj>
               </mc:Choice>
@@ -11755,7 +11876,7 @@
           <a:graphicData uri="http://schemas.openxmlformats.org/presentationml/2006/ole">
             <mc:AlternateContent xmlns:mc="http://schemas.openxmlformats.org/markup-compatibility/2006">
               <mc:Choice xmlns:v="urn:schemas-microsoft-com:vml" Requires="v">
-                <p:oleObj spid="_x0000_s188424" name="Equation" r:id="rId6" imgW="1485900" imgH="431800" progId="Equation.DSMT4">
+                <p:oleObj spid="_x0000_s188433" name="Equation" r:id="rId6" imgW="1485900" imgH="431800" progId="Equation.DSMT4">
                   <p:embed/>
                 </p:oleObj>
               </mc:Choice>
@@ -11825,7 +11946,7 @@
           <a:graphicData uri="http://schemas.openxmlformats.org/presentationml/2006/ole">
             <mc:AlternateContent xmlns:mc="http://schemas.openxmlformats.org/markup-compatibility/2006">
               <mc:Choice xmlns:v="urn:schemas-microsoft-com:vml" Requires="v">
-                <p:oleObj spid="_x0000_s188425" name="Equation" r:id="rId8" imgW="1752600" imgH="546100" progId="Equation.DSMT4">
+                <p:oleObj spid="_x0000_s188434" name="Equation" r:id="rId8" imgW="1752600" imgH="546100" progId="Equation.DSMT4">
                   <p:embed/>
                 </p:oleObj>
               </mc:Choice>
@@ -11895,7 +12016,7 @@
           <a:graphicData uri="http://schemas.openxmlformats.org/presentationml/2006/ole">
             <mc:AlternateContent xmlns:mc="http://schemas.openxmlformats.org/markup-compatibility/2006">
               <mc:Choice xmlns:v="urn:schemas-microsoft-com:vml" Requires="v">
-                <p:oleObj spid="_x0000_s188426" name="Equation" r:id="rId10" imgW="1663700" imgH="431800" progId="Equation.DSMT4">
+                <p:oleObj spid="_x0000_s188435" name="Equation" r:id="rId10" imgW="1663700" imgH="431800" progId="Equation.DSMT4">
                   <p:embed/>
                 </p:oleObj>
               </mc:Choice>
@@ -12019,7 +12140,14 @@
                 <a:latin typeface="Comic Sans MS"/>
                 <a:cs typeface="Comic Sans MS"/>
               </a:rPr>
-              <a:t> 12F.</a:t>
+              <a:t> </a:t>
+            </a:r>
+            <a:r>
+              <a:rPr lang="en-US" sz="1200" dirty="0" smtClean="0">
+                <a:latin typeface="Comic Sans MS"/>
+                <a:cs typeface="Comic Sans MS"/>
+              </a:rPr>
+              <a:t>14W.</a:t>
             </a:r>
             <a:fld id="{93DA0692-DAF7-4AFE-9BE7-E02439D3694A}" type="slidenum">
               <a:rPr lang="en-US" sz="1200" smtClean="0">
@@ -12384,7 +12512,7 @@
           <a:graphicData uri="http://schemas.openxmlformats.org/presentationml/2006/ole">
             <mc:AlternateContent xmlns:mc="http://schemas.openxmlformats.org/markup-compatibility/2006">
               <mc:Choice xmlns:v="urn:schemas-microsoft-com:vml" Requires="v">
-                <p:oleObj spid="_x0000_s190468" name="Equation" r:id="rId4" imgW="914400" imgH="220320" progId="Equation.DSMT4">
+                <p:oleObj spid="_x0000_s190471" name="Equation" r:id="rId4" imgW="914400" imgH="220320" progId="Equation.DSMT4">
                   <p:embed/>
                 </p:oleObj>
               </mc:Choice>
@@ -12661,7 +12789,14 @@
                 <a:latin typeface="Comic Sans MS"/>
                 <a:cs typeface="Comic Sans MS"/>
               </a:rPr>
-              <a:t> 12F.</a:t>
+              <a:t> </a:t>
+            </a:r>
+            <a:r>
+              <a:rPr lang="en-US" sz="1200" dirty="0" smtClean="0">
+                <a:latin typeface="Comic Sans MS"/>
+                <a:cs typeface="Comic Sans MS"/>
+              </a:rPr>
+              <a:t>14W.</a:t>
             </a:r>
             <a:fld id="{93DA0692-DAF7-4AFE-9BE7-E02439D3694A}" type="slidenum">
               <a:rPr lang="en-US" sz="1200" smtClean="0">
@@ -12807,7 +12942,11 @@
             </a:r>
             <a:r>
               <a:rPr lang="en-US" dirty="0" smtClean="0"/>
-              <a:t> 12F.</a:t>
+              <a:t> </a:t>
+            </a:r>
+            <a:r>
+              <a:rPr lang="en-US" dirty="0" smtClean="0"/>
+              <a:t>14W.</a:t>
             </a:r>
             <a:fld id="{93DA0692-DAF7-4AFE-9BE7-E02439D3694A}" type="slidenum">
               <a:rPr lang="en-US" smtClean="0"/>
@@ -13000,7 +13139,14 @@
                 <a:latin typeface="Comic Sans MS"/>
                 <a:cs typeface="Comic Sans MS"/>
               </a:rPr>
-              <a:t> 12F.</a:t>
+              <a:t> </a:t>
+            </a:r>
+            <a:r>
+              <a:rPr lang="en-US" sz="1200" dirty="0" smtClean="0">
+                <a:latin typeface="Comic Sans MS"/>
+                <a:cs typeface="Comic Sans MS"/>
+              </a:rPr>
+              <a:t>14W.</a:t>
             </a:r>
             <a:fld id="{93DA0692-DAF7-4AFE-9BE7-E02439D3694A}" type="slidenum">
               <a:rPr lang="en-US" sz="1200" smtClean="0">
@@ -13078,7 +13224,11 @@
             </a:r>
             <a:r>
               <a:rPr lang="en-US" dirty="0" smtClean="0"/>
-              <a:t> 12F.</a:t>
+              <a:t> </a:t>
+            </a:r>
+            <a:r>
+              <a:rPr lang="en-US" dirty="0" smtClean="0"/>
+              <a:t>14W.</a:t>
             </a:r>
             <a:fld id="{39196791-36AF-407D-9527-253971E27E13}" type="slidenum">
               <a:rPr lang="en-US" smtClean="0"/>
@@ -13186,7 +13336,7 @@
           <a:graphicData uri="http://schemas.openxmlformats.org/presentationml/2006/ole">
             <mc:AlternateContent xmlns:mc="http://schemas.openxmlformats.org/markup-compatibility/2006">
               <mc:Choice xmlns:v="urn:schemas-microsoft-com:vml" Requires="v">
-                <p:oleObj spid="_x0000_s486407" name="Equation" r:id="rId4" imgW="2171700" imgH="533400" progId="Equation.DSMT4">
+                <p:oleObj spid="_x0000_s486412" name="Equation" r:id="rId4" imgW="2171700" imgH="533400" progId="Equation.DSMT4">
                   <p:embed/>
                 </p:oleObj>
               </mc:Choice>
@@ -13284,7 +13434,7 @@
           <a:graphicData uri="http://schemas.openxmlformats.org/presentationml/2006/ole">
             <mc:AlternateContent xmlns:mc="http://schemas.openxmlformats.org/markup-compatibility/2006">
               <mc:Choice xmlns:v="urn:schemas-microsoft-com:vml" Requires="v">
-                <p:oleObj spid="_x0000_s486408" name="Equation" r:id="rId6" imgW="1308100" imgH="342900" progId="Equation.DSMT4">
+                <p:oleObj spid="_x0000_s486413" name="Equation" r:id="rId6" imgW="1308100" imgH="342900" progId="Equation.DSMT4">
                   <p:embed/>
                 </p:oleObj>
               </mc:Choice>
@@ -13978,7 +14128,14 @@
                 <a:latin typeface="Comic Sans MS"/>
                 <a:cs typeface="Comic Sans MS"/>
               </a:rPr>
-              <a:t> 12F.</a:t>
+              <a:t> </a:t>
+            </a:r>
+            <a:r>
+              <a:rPr lang="en-US" sz="1200" dirty="0" smtClean="0">
+                <a:latin typeface="Comic Sans MS"/>
+                <a:cs typeface="Comic Sans MS"/>
+              </a:rPr>
+              <a:t>14W.</a:t>
             </a:r>
             <a:fld id="{93DA0692-DAF7-4AFE-9BE7-E02439D3694A}" type="slidenum">
               <a:rPr lang="en-US" sz="1200" smtClean="0">
@@ -14434,7 +14591,7 @@
           <a:graphicData uri="http://schemas.openxmlformats.org/presentationml/2006/ole">
             <mc:AlternateContent xmlns:mc="http://schemas.openxmlformats.org/markup-compatibility/2006">
               <mc:Choice xmlns:v="urn:schemas-microsoft-com:vml" Requires="v">
-                <p:oleObj spid="_x0000_s196613" name="Equation" r:id="rId4" imgW="1447800" imgH="533400" progId="Equation.DSMT4">
+                <p:oleObj spid="_x0000_s196618" name="Equation" r:id="rId4" imgW="1447800" imgH="533400" progId="Equation.DSMT4">
                   <p:embed/>
                 </p:oleObj>
               </mc:Choice>
@@ -14607,7 +14764,7 @@
           <a:graphicData uri="http://schemas.openxmlformats.org/presentationml/2006/ole">
             <mc:AlternateContent xmlns:mc="http://schemas.openxmlformats.org/markup-compatibility/2006">
               <mc:Choice xmlns:v="urn:schemas-microsoft-com:vml" Requires="v">
-                <p:oleObj spid="_x0000_s196614" name="Equation" r:id="rId6" imgW="1981200" imgH="495300" progId="Equation.DSMT4">
+                <p:oleObj spid="_x0000_s196619" name="Equation" r:id="rId6" imgW="1981200" imgH="495300" progId="Equation.DSMT4">
                   <p:embed/>
                 </p:oleObj>
               </mc:Choice>
@@ -14699,7 +14856,14 @@
                 <a:latin typeface="Comic Sans MS"/>
                 <a:cs typeface="Comic Sans MS"/>
               </a:rPr>
-              <a:t> 12F.</a:t>
+              <a:t> </a:t>
+            </a:r>
+            <a:r>
+              <a:rPr lang="en-US" sz="1200" dirty="0" smtClean="0">
+                <a:latin typeface="Comic Sans MS"/>
+                <a:cs typeface="Comic Sans MS"/>
+              </a:rPr>
+              <a:t>14W.</a:t>
             </a:r>
             <a:fld id="{93DA0692-DAF7-4AFE-9BE7-E02439D3694A}" type="slidenum">
               <a:rPr lang="en-US" sz="1200" smtClean="0">
@@ -14898,7 +15062,7 @@
           <a:graphicData uri="http://schemas.openxmlformats.org/presentationml/2006/ole">
             <mc:AlternateContent xmlns:mc="http://schemas.openxmlformats.org/markup-compatibility/2006">
               <mc:Choice xmlns:v="urn:schemas-microsoft-com:vml" Requires="v">
-                <p:oleObj spid="_x0000_s198661" name="Equation" r:id="rId4" imgW="1143000" imgH="533400" progId="Equation.DSMT4">
+                <p:oleObj spid="_x0000_s198666" name="Equation" r:id="rId4" imgW="1143000" imgH="533400" progId="Equation.DSMT4">
                   <p:embed/>
                 </p:oleObj>
               </mc:Choice>
@@ -15071,7 +15235,7 @@
           <a:graphicData uri="http://schemas.openxmlformats.org/presentationml/2006/ole">
             <mc:AlternateContent xmlns:mc="http://schemas.openxmlformats.org/markup-compatibility/2006">
               <mc:Choice xmlns:v="urn:schemas-microsoft-com:vml" Requires="v">
-                <p:oleObj spid="_x0000_s198662" name="Equation" r:id="rId6" imgW="1955520" imgH="444240" progId="Equation.DSMT4">
+                <p:oleObj spid="_x0000_s198667" name="Equation" r:id="rId6" imgW="1955520" imgH="444240" progId="Equation.DSMT4">
                   <p:embed/>
                 </p:oleObj>
               </mc:Choice>
@@ -15163,7 +15327,14 @@
                 <a:latin typeface="Comic Sans MS"/>
                 <a:cs typeface="Comic Sans MS"/>
               </a:rPr>
-              <a:t> 12F.</a:t>
+              <a:t> </a:t>
+            </a:r>
+            <a:r>
+              <a:rPr lang="en-US" sz="1200" dirty="0" smtClean="0">
+                <a:latin typeface="Comic Sans MS"/>
+                <a:cs typeface="Comic Sans MS"/>
+              </a:rPr>
+              <a:t>14W.</a:t>
             </a:r>
             <a:fld id="{93DA0692-DAF7-4AFE-9BE7-E02439D3694A}" type="slidenum">
               <a:rPr lang="en-US" sz="1200" smtClean="0">
@@ -15233,7 +15404,7 @@
           <a:graphicData uri="http://schemas.openxmlformats.org/presentationml/2006/ole">
             <mc:AlternateContent xmlns:mc="http://schemas.openxmlformats.org/markup-compatibility/2006">
               <mc:Choice xmlns:v="urn:schemas-microsoft-com:vml" Requires="v">
-                <p:oleObj spid="_x0000_s264196" name="Equation" r:id="rId4" imgW="1143000" imgH="533400" progId="Equation.DSMT4">
+                <p:oleObj spid="_x0000_s264199" name="Equation" r:id="rId4" imgW="1143000" imgH="533400" progId="Equation.DSMT4">
                   <p:embed/>
                 </p:oleObj>
               </mc:Choice>
@@ -15419,7 +15590,14 @@
                 <a:latin typeface="Comic Sans MS"/>
                 <a:cs typeface="Comic Sans MS"/>
               </a:rPr>
-              <a:t> 12F.</a:t>
+              <a:t> </a:t>
+            </a:r>
+            <a:r>
+              <a:rPr lang="en-US" sz="1200" dirty="0" smtClean="0">
+                <a:latin typeface="Comic Sans MS"/>
+                <a:cs typeface="Comic Sans MS"/>
+              </a:rPr>
+              <a:t>14W.</a:t>
             </a:r>
             <a:fld id="{93DA0692-DAF7-4AFE-9BE7-E02439D3694A}" type="slidenum">
               <a:rPr lang="en-US" sz="1200" smtClean="0">
@@ -15489,7 +15667,7 @@
           <a:graphicData uri="http://schemas.openxmlformats.org/presentationml/2006/ole">
             <mc:AlternateContent xmlns:mc="http://schemas.openxmlformats.org/markup-compatibility/2006">
               <mc:Choice xmlns:v="urn:schemas-microsoft-com:vml" Requires="v">
-                <p:oleObj spid="_x0000_s560133" name="Equation" r:id="rId4" imgW="1447800" imgH="533400" progId="Equation.DSMT4">
+                <p:oleObj spid="_x0000_s560138" name="Equation" r:id="rId4" imgW="1447800" imgH="533400" progId="Equation.DSMT4">
                   <p:embed/>
                 </p:oleObj>
               </mc:Choice>
@@ -15591,7 +15769,7 @@
           <a:graphicData uri="http://schemas.openxmlformats.org/presentationml/2006/ole">
             <mc:AlternateContent xmlns:mc="http://schemas.openxmlformats.org/markup-compatibility/2006">
               <mc:Choice xmlns:v="urn:schemas-microsoft-com:vml" Requires="v">
-                <p:oleObj spid="_x0000_s560134" name="Equation" r:id="rId6" imgW="1981200" imgH="495300" progId="Equation.DSMT4">
+                <p:oleObj spid="_x0000_s560139" name="Equation" r:id="rId6" imgW="1981200" imgH="495300" progId="Equation.DSMT4">
                   <p:embed/>
                 </p:oleObj>
               </mc:Choice>
@@ -15683,7 +15861,14 @@
                 <a:latin typeface="Comic Sans MS"/>
                 <a:cs typeface="Comic Sans MS"/>
               </a:rPr>
-              <a:t> 12F.</a:t>
+              <a:t> </a:t>
+            </a:r>
+            <a:r>
+              <a:rPr lang="en-US" sz="1200" dirty="0" smtClean="0">
+                <a:latin typeface="Comic Sans MS"/>
+                <a:cs typeface="Comic Sans MS"/>
+              </a:rPr>
+              <a:t>14W.</a:t>
             </a:r>
             <a:fld id="{93DA0692-DAF7-4AFE-9BE7-E02439D3694A}" type="slidenum">
               <a:rPr lang="en-US" sz="1200" smtClean="0">
@@ -15854,7 +16039,7 @@
           <a:graphicData uri="http://schemas.openxmlformats.org/presentationml/2006/ole">
             <mc:AlternateContent xmlns:mc="http://schemas.openxmlformats.org/markup-compatibility/2006">
               <mc:Choice xmlns:v="urn:schemas-microsoft-com:vml" Requires="v">
-                <p:oleObj spid="_x0000_s200710" name="Equation" r:id="rId4" imgW="1536480" imgH="507960" progId="Equation.DSMT4">
+                <p:oleObj spid="_x0000_s200717" name="Equation" r:id="rId4" imgW="1536480" imgH="507960" progId="Equation.DSMT4">
                   <p:embed/>
                 </p:oleObj>
               </mc:Choice>
@@ -15924,7 +16109,7 @@
           <a:graphicData uri="http://schemas.openxmlformats.org/presentationml/2006/ole">
             <mc:AlternateContent xmlns:mc="http://schemas.openxmlformats.org/markup-compatibility/2006">
               <mc:Choice xmlns:v="urn:schemas-microsoft-com:vml" Requires="v">
-                <p:oleObj spid="_x0000_s200711" name="Equation" r:id="rId6" imgW="1955520" imgH="507960" progId="Equation.DSMT4">
+                <p:oleObj spid="_x0000_s200718" name="Equation" r:id="rId6" imgW="1955520" imgH="507960" progId="Equation.DSMT4">
                   <p:embed/>
                 </p:oleObj>
               </mc:Choice>
@@ -15994,7 +16179,7 @@
           <a:graphicData uri="http://schemas.openxmlformats.org/presentationml/2006/ole">
             <mc:AlternateContent xmlns:mc="http://schemas.openxmlformats.org/markup-compatibility/2006">
               <mc:Choice xmlns:v="urn:schemas-microsoft-com:vml" Requires="v">
-                <p:oleObj spid="_x0000_s200712" name="Equation" r:id="rId8" imgW="863280" imgH="228600" progId="Equation.DSMT4">
+                <p:oleObj spid="_x0000_s200719" name="Equation" r:id="rId8" imgW="863280" imgH="228600" progId="Equation.DSMT4">
                   <p:embed/>
                 </p:oleObj>
               </mc:Choice>
@@ -16086,7 +16271,14 @@
                 <a:latin typeface="Comic Sans MS"/>
                 <a:cs typeface="Comic Sans MS"/>
               </a:rPr>
-              <a:t> 12F.</a:t>
+              <a:t> </a:t>
+            </a:r>
+            <a:r>
+              <a:rPr lang="en-US" sz="1200" dirty="0" smtClean="0">
+                <a:latin typeface="Comic Sans MS"/>
+                <a:cs typeface="Comic Sans MS"/>
+              </a:rPr>
+              <a:t>14W.</a:t>
             </a:r>
             <a:fld id="{93DA0692-DAF7-4AFE-9BE7-E02439D3694A}" type="slidenum">
               <a:rPr lang="en-US" sz="1200" smtClean="0">
@@ -16277,7 +16469,7 @@
           <a:graphicData uri="http://schemas.openxmlformats.org/presentationml/2006/ole">
             <mc:AlternateContent xmlns:mc="http://schemas.openxmlformats.org/markup-compatibility/2006">
               <mc:Choice xmlns:v="urn:schemas-microsoft-com:vml" Requires="v">
-                <p:oleObj spid="_x0000_s202757" name="Equation" r:id="rId4" imgW="1739880" imgH="507960" progId="Equation.DSMT4">
+                <p:oleObj spid="_x0000_s202762" name="Equation" r:id="rId4" imgW="1739880" imgH="507960" progId="Equation.DSMT4">
                   <p:embed/>
                 </p:oleObj>
               </mc:Choice>
@@ -16374,7 +16566,7 @@
           <a:graphicData uri="http://schemas.openxmlformats.org/presentationml/2006/ole">
             <mc:AlternateContent xmlns:mc="http://schemas.openxmlformats.org/markup-compatibility/2006">
               <mc:Choice xmlns:v="urn:schemas-microsoft-com:vml" Requires="v">
-                <p:oleObj spid="_x0000_s202758" name="Equation" r:id="rId6" imgW="1955520" imgH="507960" progId="Equation.DSMT4">
+                <p:oleObj spid="_x0000_s202763" name="Equation" r:id="rId6" imgW="1955520" imgH="507960" progId="Equation.DSMT4">
                   <p:embed/>
                 </p:oleObj>
               </mc:Choice>
@@ -16466,7 +16658,14 @@
                 <a:latin typeface="Comic Sans MS"/>
                 <a:cs typeface="Comic Sans MS"/>
               </a:rPr>
-              <a:t> 12F.</a:t>
+              <a:t> </a:t>
+            </a:r>
+            <a:r>
+              <a:rPr lang="en-US" sz="1200" dirty="0" smtClean="0">
+                <a:latin typeface="Comic Sans MS"/>
+                <a:cs typeface="Comic Sans MS"/>
+              </a:rPr>
+              <a:t>14W.</a:t>
             </a:r>
             <a:fld id="{93DA0692-DAF7-4AFE-9BE7-E02439D3694A}" type="slidenum">
               <a:rPr lang="en-US" sz="1200" smtClean="0">
@@ -16612,7 +16811,7 @@
           <a:graphicData uri="http://schemas.openxmlformats.org/presentationml/2006/ole">
             <mc:AlternateContent xmlns:mc="http://schemas.openxmlformats.org/markup-compatibility/2006">
               <mc:Choice xmlns:v="urn:schemas-microsoft-com:vml" Requires="v">
-                <p:oleObj spid="_x0000_s399365" name="Equation" r:id="rId4" imgW="1739880" imgH="507960" progId="Equation.DSMT4">
+                <p:oleObj spid="_x0000_s399370" name="Equation" r:id="rId4" imgW="1739880" imgH="507960" progId="Equation.DSMT4">
                   <p:embed/>
                 </p:oleObj>
               </mc:Choice>
@@ -16709,7 +16908,7 @@
           <a:graphicData uri="http://schemas.openxmlformats.org/presentationml/2006/ole">
             <mc:AlternateContent xmlns:mc="http://schemas.openxmlformats.org/markup-compatibility/2006">
               <mc:Choice xmlns:v="urn:schemas-microsoft-com:vml" Requires="v">
-                <p:oleObj spid="_x0000_s399366" name="Equation" r:id="rId6" imgW="1879600" imgH="533400" progId="Equation.DSMT4">
+                <p:oleObj spid="_x0000_s399371" name="Equation" r:id="rId6" imgW="1879600" imgH="533400" progId="Equation.DSMT4">
                   <p:embed/>
                 </p:oleObj>
               </mc:Choice>
@@ -16801,7 +17000,14 @@
                 <a:latin typeface="Comic Sans MS"/>
                 <a:cs typeface="Comic Sans MS"/>
               </a:rPr>
-              <a:t> 12F.</a:t>
+              <a:t> </a:t>
+            </a:r>
+            <a:r>
+              <a:rPr lang="en-US" sz="1200" dirty="0" smtClean="0">
+                <a:latin typeface="Comic Sans MS"/>
+                <a:cs typeface="Comic Sans MS"/>
+              </a:rPr>
+              <a:t>14W.</a:t>
             </a:r>
             <a:fld id="{93DA0692-DAF7-4AFE-9BE7-E02439D3694A}" type="slidenum">
               <a:rPr lang="en-US" sz="1200" smtClean="0">
@@ -17098,7 +17304,14 @@
                 <a:latin typeface="Comic Sans MS"/>
                 <a:cs typeface="Comic Sans MS"/>
               </a:rPr>
-              <a:t> 12F.</a:t>
+              <a:t> </a:t>
+            </a:r>
+            <a:r>
+              <a:rPr lang="en-US" sz="1200" dirty="0" smtClean="0">
+                <a:latin typeface="Comic Sans MS"/>
+                <a:cs typeface="Comic Sans MS"/>
+              </a:rPr>
+              <a:t>14W.</a:t>
             </a:r>
             <a:fld id="{93DA0692-DAF7-4AFE-9BE7-E02439D3694A}" type="slidenum">
               <a:rPr lang="en-US" sz="1200" smtClean="0">
@@ -17426,7 +17639,7 @@
           <a:graphicData uri="http://schemas.openxmlformats.org/presentationml/2006/ole">
             <mc:AlternateContent xmlns:mc="http://schemas.openxmlformats.org/markup-compatibility/2006">
               <mc:Choice xmlns:v="urn:schemas-microsoft-com:vml" Requires="v">
-                <p:oleObj spid="_x0000_s206855" name="Equation" r:id="rId4" imgW="2260440" imgH="507960" progId="Equation.DSMT4">
+                <p:oleObj spid="_x0000_s206864" name="Equation" r:id="rId4" imgW="2260440" imgH="507960" progId="Equation.DSMT4">
                   <p:embed/>
                 </p:oleObj>
               </mc:Choice>
@@ -17492,7 +17705,7 @@
           <a:graphicData uri="http://schemas.openxmlformats.org/presentationml/2006/ole">
             <mc:AlternateContent xmlns:mc="http://schemas.openxmlformats.org/markup-compatibility/2006">
               <mc:Choice xmlns:v="urn:schemas-microsoft-com:vml" Requires="v">
-                <p:oleObj spid="_x0000_s206856" name="Equation" r:id="rId6" imgW="2184400" imgH="508000" progId="Equation.DSMT4">
+                <p:oleObj spid="_x0000_s206865" name="Equation" r:id="rId6" imgW="2184400" imgH="508000" progId="Equation.DSMT4">
                   <p:embed/>
                 </p:oleObj>
               </mc:Choice>
@@ -17553,7 +17766,7 @@
           <a:graphicData uri="http://schemas.openxmlformats.org/presentationml/2006/ole">
             <mc:AlternateContent xmlns:mc="http://schemas.openxmlformats.org/markup-compatibility/2006">
               <mc:Choice xmlns:v="urn:schemas-microsoft-com:vml" Requires="v">
-                <p:oleObj spid="_x0000_s206857" name="Equation" r:id="rId8" imgW="1739880" imgH="507960" progId="Equation.DSMT4">
+                <p:oleObj spid="_x0000_s206866" name="Equation" r:id="rId8" imgW="1739880" imgH="507960" progId="Equation.DSMT4">
                   <p:embed/>
                 </p:oleObj>
               </mc:Choice>
@@ -17677,7 +17890,14 @@
                 <a:latin typeface="Comic Sans MS"/>
                 <a:cs typeface="Comic Sans MS"/>
               </a:rPr>
-              <a:t> 12F.</a:t>
+              <a:t> </a:t>
+            </a:r>
+            <a:r>
+              <a:rPr lang="en-US" sz="1200" dirty="0" smtClean="0">
+                <a:latin typeface="Comic Sans MS"/>
+                <a:cs typeface="Comic Sans MS"/>
+              </a:rPr>
+              <a:t>14W.</a:t>
             </a:r>
             <a:fld id="{93DA0692-DAF7-4AFE-9BE7-E02439D3694A}" type="slidenum">
               <a:rPr lang="en-US" sz="1200" smtClean="0">
@@ -17712,7 +17932,7 @@
           <a:graphicData uri="http://schemas.openxmlformats.org/presentationml/2006/ole">
             <mc:AlternateContent xmlns:mc="http://schemas.openxmlformats.org/markup-compatibility/2006">
               <mc:Choice xmlns:v="urn:schemas-microsoft-com:vml" Requires="v">
-                <p:oleObj spid="_x0000_s206858" name="Equation" r:id="rId10" imgW="1180800" imgH="304560" progId="Equation.DSMT4">
+                <p:oleObj spid="_x0000_s206867" name="Equation" r:id="rId10" imgW="1180800" imgH="304560" progId="Equation.DSMT4">
                   <p:embed/>
                 </p:oleObj>
               </mc:Choice>
@@ -17915,7 +18135,7 @@
           <a:graphicData uri="http://schemas.openxmlformats.org/presentationml/2006/ole">
             <mc:AlternateContent xmlns:mc="http://schemas.openxmlformats.org/markup-compatibility/2006">
               <mc:Choice xmlns:v="urn:schemas-microsoft-com:vml" Requires="v">
-                <p:oleObj spid="_x0000_s210949" name="Equation" r:id="rId4" imgW="1676400" imgH="495300" progId="Equation.DSMT4">
+                <p:oleObj spid="_x0000_s210954" name="Equation" r:id="rId4" imgW="1676400" imgH="495300" progId="Equation.DSMT4">
                   <p:embed/>
                 </p:oleObj>
               </mc:Choice>
@@ -17985,7 +18205,7 @@
           <a:graphicData uri="http://schemas.openxmlformats.org/presentationml/2006/ole">
             <mc:AlternateContent xmlns:mc="http://schemas.openxmlformats.org/markup-compatibility/2006">
               <mc:Choice xmlns:v="urn:schemas-microsoft-com:vml" Requires="v">
-                <p:oleObj spid="_x0000_s210950" name="Equation" r:id="rId6" imgW="2019240" imgH="342720" progId="Equation.DSMT4">
+                <p:oleObj spid="_x0000_s210955" name="Equation" r:id="rId6" imgW="2019240" imgH="342720" progId="Equation.DSMT4">
                   <p:embed/>
                 </p:oleObj>
               </mc:Choice>
@@ -18220,7 +18440,14 @@
                 <a:latin typeface="Comic Sans MS"/>
                 <a:cs typeface="Comic Sans MS"/>
               </a:rPr>
-              <a:t> 12F.</a:t>
+              <a:t> </a:t>
+            </a:r>
+            <a:r>
+              <a:rPr lang="en-US" sz="1200" dirty="0" smtClean="0">
+                <a:latin typeface="Comic Sans MS"/>
+                <a:cs typeface="Comic Sans MS"/>
+              </a:rPr>
+              <a:t>14W.</a:t>
             </a:r>
             <a:fld id="{93DA0692-DAF7-4AFE-9BE7-E02439D3694A}" type="slidenum">
               <a:rPr lang="en-US" sz="1200" smtClean="0">
@@ -18888,7 +19115,7 @@
           <a:graphicData uri="http://schemas.openxmlformats.org/presentationml/2006/ole">
             <mc:AlternateContent xmlns:mc="http://schemas.openxmlformats.org/markup-compatibility/2006">
               <mc:Choice xmlns:v="urn:schemas-microsoft-com:vml" Requires="v">
-                <p:oleObj spid="_x0000_s212996" name="Equation" r:id="rId4" imgW="914400" imgH="220320" progId="Equation.DSMT4">
+                <p:oleObj spid="_x0000_s212999" name="Equation" r:id="rId4" imgW="914400" imgH="220320" progId="Equation.DSMT4">
                   <p:embed/>
                 </p:oleObj>
               </mc:Choice>
@@ -19020,7 +19247,14 @@
                 <a:latin typeface="Comic Sans MS"/>
                 <a:cs typeface="Comic Sans MS"/>
               </a:rPr>
-              <a:t> 12F.</a:t>
+              <a:t> </a:t>
+            </a:r>
+            <a:r>
+              <a:rPr lang="en-US" sz="1200" dirty="0" smtClean="0">
+                <a:latin typeface="Comic Sans MS"/>
+                <a:cs typeface="Comic Sans MS"/>
+              </a:rPr>
+              <a:t>14W.</a:t>
             </a:r>
             <a:fld id="{93DA0692-DAF7-4AFE-9BE7-E02439D3694A}" type="slidenum">
               <a:rPr lang="en-US" sz="1200" smtClean="0">
@@ -19794,7 +20028,7 @@
           <a:graphicData uri="http://schemas.openxmlformats.org/presentationml/2006/ole">
             <mc:AlternateContent xmlns:mc="http://schemas.openxmlformats.org/markup-compatibility/2006">
               <mc:Choice xmlns:v="urn:schemas-microsoft-com:vml" Requires="v">
-                <p:oleObj spid="_x0000_s1029" name="Equation" r:id="rId4" imgW="914400" imgH="220320" progId="Equation.DSMT4">
+                <p:oleObj spid="_x0000_s1034" name="Equation" r:id="rId4" imgW="914400" imgH="220320" progId="Equation.DSMT4">
                   <p:embed/>
                 </p:oleObj>
               </mc:Choice>
@@ -19864,7 +20098,7 @@
           <a:graphicData uri="http://schemas.openxmlformats.org/presentationml/2006/ole">
             <mc:AlternateContent xmlns:mc="http://schemas.openxmlformats.org/markup-compatibility/2006">
               <mc:Choice xmlns:v="urn:schemas-microsoft-com:vml" Requires="v">
-                <p:oleObj spid="_x0000_s1030" name="Equation" r:id="rId6" imgW="634680" imgH="304560" progId="Equation.DSMT4">
+                <p:oleObj spid="_x0000_s1035" name="Equation" r:id="rId6" imgW="634680" imgH="304560" progId="Equation.DSMT4">
                   <p:embed/>
                 </p:oleObj>
               </mc:Choice>
@@ -20078,7 +20312,14 @@
                 <a:latin typeface="Comic Sans MS"/>
                 <a:cs typeface="Comic Sans MS"/>
               </a:rPr>
-              <a:t> 12F.</a:t>
+              <a:t> </a:t>
+            </a:r>
+            <a:r>
+              <a:rPr lang="en-US" sz="1200" dirty="0" smtClean="0">
+                <a:latin typeface="Comic Sans MS"/>
+                <a:cs typeface="Comic Sans MS"/>
+              </a:rPr>
+              <a:t>14W.</a:t>
             </a:r>
             <a:fld id="{93DA0692-DAF7-4AFE-9BE7-E02439D3694A}" type="slidenum">
               <a:rPr lang="en-US" sz="1200" smtClean="0">
@@ -20740,7 +20981,14 @@
                 <a:latin typeface="Comic Sans MS"/>
                 <a:cs typeface="Comic Sans MS"/>
               </a:rPr>
-              <a:t> 12F.</a:t>
+              <a:t> </a:t>
+            </a:r>
+            <a:r>
+              <a:rPr lang="en-US" sz="1200" dirty="0" smtClean="0">
+                <a:latin typeface="Comic Sans MS"/>
+                <a:cs typeface="Comic Sans MS"/>
+              </a:rPr>
+              <a:t>14W.</a:t>
             </a:r>
             <a:fld id="{93DA0692-DAF7-4AFE-9BE7-E02439D3694A}" type="slidenum">
               <a:rPr lang="en-US" sz="1200" smtClean="0">
@@ -21439,7 +21687,11 @@
             </a:r>
             <a:r>
               <a:rPr lang="en-US" dirty="0" smtClean="0"/>
-              <a:t> 12F.</a:t>
+              <a:t> </a:t>
+            </a:r>
+            <a:r>
+              <a:rPr lang="en-US" dirty="0" smtClean="0"/>
+              <a:t>14W.</a:t>
             </a:r>
             <a:fld id="{93DA0692-DAF7-4AFE-9BE7-E02439D3694A}" type="slidenum">
               <a:rPr lang="en-US" smtClean="0"/>
@@ -21543,7 +21795,7 @@
           <a:graphicData uri="http://schemas.openxmlformats.org/presentationml/2006/ole">
             <mc:AlternateContent xmlns:mc="http://schemas.openxmlformats.org/markup-compatibility/2006">
               <mc:Choice xmlns:v="urn:schemas-microsoft-com:vml" Requires="v">
-                <p:oleObj spid="_x0000_s217096" name="Equation" r:id="rId4" imgW="330200" imgH="520700" progId="Equation.DSMT4">
+                <p:oleObj spid="_x0000_s217099" name="Equation" r:id="rId4" imgW="330200" imgH="520700" progId="Equation.DSMT4">
                   <p:embed/>
                 </p:oleObj>
               </mc:Choice>
@@ -22646,22 +22898,28 @@
           <p:cNvGraphicFramePr>
             <a:graphicFrameLocks noChangeAspect="1"/>
           </p:cNvGraphicFramePr>
-          <p:nvPr/>
+          <p:nvPr>
+            <p:extLst>
+              <p:ext uri="{D42A27DB-BD31-4B8C-83A1-F6EECF244321}">
+                <p14:modId xmlns:p14="http://schemas.microsoft.com/office/powerpoint/2010/main" val="2518032061"/>
+              </p:ext>
+            </p:extLst>
+          </p:nvPr>
         </p:nvGraphicFramePr>
         <p:xfrm>
-          <a:off x="6647815" y="4648200"/>
-          <a:ext cx="1124585" cy="1204912"/>
+          <a:off x="6648450" y="4729163"/>
+          <a:ext cx="1123950" cy="1042987"/>
         </p:xfrm>
         <a:graphic>
           <a:graphicData uri="http://schemas.openxmlformats.org/presentationml/2006/ole">
             <mc:AlternateContent xmlns:mc="http://schemas.openxmlformats.org/markup-compatibility/2006">
               <mc:Choice xmlns:v="urn:schemas-microsoft-com:vml" Requires="v">
-                <p:oleObj spid="_x0000_s219140" name="Equation" r:id="rId4" imgW="177480" imgH="190440" progId="Equation.DSMT4">
+                <p:oleObj spid="_x0000_s219144" name="Equation" r:id="rId4" imgW="177800" imgH="165100" progId="Equation.DSMT4">
                   <p:embed/>
                 </p:oleObj>
               </mc:Choice>
               <mc:Fallback>
-                <p:oleObj name="Equation" r:id="rId4" imgW="177480" imgH="190440" progId="Equation.DSMT4">
+                <p:oleObj name="Equation" r:id="rId4" imgW="177800" imgH="165100" progId="Equation.DSMT4">
                   <p:embed/>
                   <p:pic>
                     <p:nvPicPr>
@@ -22672,13 +22930,7 @@
                       <p:nvPr/>
                     </p:nvPicPr>
                     <p:blipFill>
-                      <a:blip r:embed="rId5">
-                        <a:extLst>
-                          <a:ext uri="{28A0092B-C50C-407E-A947-70E740481C1C}">
-                            <a14:useLocalDpi xmlns:a14="http://schemas.microsoft.com/office/drawing/2010/main" val="0"/>
-                          </a:ext>
-                        </a:extLst>
-                      </a:blip>
+                      <a:blip r:embed="rId5"/>
                       <a:srcRect/>
                       <a:stretch>
                         <a:fillRect/>
@@ -22686,8 +22938,8 @@
                     </p:blipFill>
                     <p:spPr bwMode="auto">
                       <a:xfrm>
-                        <a:off x="6647815" y="4648200"/>
-                        <a:ext cx="1124585" cy="1204912"/>
+                        <a:off x="6648450" y="4729163"/>
+                        <a:ext cx="1123950" cy="1042987"/>
                       </a:xfrm>
                       <a:prstGeom prst="rect">
                         <a:avLst/>
@@ -22893,7 +23145,14 @@
                 <a:latin typeface="Comic Sans MS"/>
                 <a:cs typeface="Comic Sans MS"/>
               </a:rPr>
-              <a:t> 12F.</a:t>
+              <a:t> </a:t>
+            </a:r>
+            <a:r>
+              <a:rPr lang="en-US" sz="1200" dirty="0" smtClean="0">
+                <a:latin typeface="Comic Sans MS"/>
+                <a:cs typeface="Comic Sans MS"/>
+              </a:rPr>
+              <a:t>14W.</a:t>
             </a:r>
             <a:fld id="{93DA0692-DAF7-4AFE-9BE7-E02439D3694A}" type="slidenum">
               <a:rPr lang="en-US" sz="1200" smtClean="0">
@@ -23897,7 +24156,7 @@
           <a:graphicData uri="http://schemas.openxmlformats.org/presentationml/2006/ole">
             <mc:AlternateContent xmlns:mc="http://schemas.openxmlformats.org/markup-compatibility/2006">
               <mc:Choice xmlns:v="urn:schemas-microsoft-com:vml" Requires="v">
-                <p:oleObj spid="_x0000_s221188" name="Equation" r:id="rId4" imgW="914400" imgH="220320" progId="Equation.DSMT4">
+                <p:oleObj spid="_x0000_s221191" name="Equation" r:id="rId4" imgW="914400" imgH="220320" progId="Equation.DSMT4">
                   <p:embed/>
                 </p:oleObj>
               </mc:Choice>
@@ -23989,7 +24248,14 @@
                 <a:latin typeface="Comic Sans MS"/>
                 <a:cs typeface="Comic Sans MS"/>
               </a:rPr>
-              <a:t> 12F.</a:t>
+              <a:t> </a:t>
+            </a:r>
+            <a:r>
+              <a:rPr lang="en-US" sz="1200" dirty="0" smtClean="0">
+                <a:latin typeface="Comic Sans MS"/>
+                <a:cs typeface="Comic Sans MS"/>
+              </a:rPr>
+              <a:t>14W.</a:t>
             </a:r>
             <a:fld id="{93DA0692-DAF7-4AFE-9BE7-E02439D3694A}" type="slidenum">
               <a:rPr lang="en-US" sz="1200" smtClean="0">
@@ -24920,7 +25186,7 @@
           <a:graphicData uri="http://schemas.openxmlformats.org/presentationml/2006/ole">
             <mc:AlternateContent xmlns:mc="http://schemas.openxmlformats.org/markup-compatibility/2006">
               <mc:Choice xmlns:v="urn:schemas-microsoft-com:vml" Requires="v">
-                <p:oleObj spid="_x0000_s223236" name="Equation" r:id="rId4" imgW="914400" imgH="220320" progId="Equation.DSMT4">
+                <p:oleObj spid="_x0000_s223239" name="Equation" r:id="rId4" imgW="914400" imgH="220320" progId="Equation.DSMT4">
                   <p:embed/>
                 </p:oleObj>
               </mc:Choice>
@@ -25206,7 +25472,14 @@
                 <a:latin typeface="Comic Sans MS"/>
                 <a:cs typeface="Comic Sans MS"/>
               </a:rPr>
-              <a:t> 12F.</a:t>
+              <a:t> </a:t>
+            </a:r>
+            <a:r>
+              <a:rPr lang="en-US" sz="1200" dirty="0" smtClean="0">
+                <a:latin typeface="Comic Sans MS"/>
+                <a:cs typeface="Comic Sans MS"/>
+              </a:rPr>
+              <a:t>14W.</a:t>
             </a:r>
             <a:fld id="{93DA0692-DAF7-4AFE-9BE7-E02439D3694A}" type="slidenum">
               <a:rPr lang="en-US" sz="1200" smtClean="0">
@@ -26339,7 +26612,7 @@
           <a:graphicData uri="http://schemas.openxmlformats.org/presentationml/2006/ole">
             <mc:AlternateContent xmlns:mc="http://schemas.openxmlformats.org/markup-compatibility/2006">
               <mc:Choice xmlns:v="urn:schemas-microsoft-com:vml" Requires="v">
-                <p:oleObj spid="_x0000_s225284" name="Equation" r:id="rId4" imgW="914400" imgH="220320" progId="Equation.DSMT4">
+                <p:oleObj spid="_x0000_s225287" name="Equation" r:id="rId4" imgW="914400" imgH="220320" progId="Equation.DSMT4">
                   <p:embed/>
                 </p:oleObj>
               </mc:Choice>
@@ -26431,7 +26704,14 @@
                 <a:latin typeface="Comic Sans MS"/>
                 <a:cs typeface="Comic Sans MS"/>
               </a:rPr>
-              <a:t> 12F.</a:t>
+              <a:t> </a:t>
+            </a:r>
+            <a:r>
+              <a:rPr lang="en-US" sz="1200" dirty="0" smtClean="0">
+                <a:latin typeface="Comic Sans MS"/>
+                <a:cs typeface="Comic Sans MS"/>
+              </a:rPr>
+              <a:t>14W.</a:t>
             </a:r>
             <a:fld id="{93DA0692-DAF7-4AFE-9BE7-E02439D3694A}" type="slidenum">
               <a:rPr lang="en-US" sz="1200" smtClean="0">
@@ -26841,7 +27121,14 @@
                 <a:latin typeface="Comic Sans MS"/>
                 <a:cs typeface="Comic Sans MS"/>
               </a:rPr>
-              <a:t> 12F.</a:t>
+              <a:t> </a:t>
+            </a:r>
+            <a:r>
+              <a:rPr lang="en-US" sz="1200" dirty="0" smtClean="0">
+                <a:latin typeface="Comic Sans MS"/>
+                <a:cs typeface="Comic Sans MS"/>
+              </a:rPr>
+              <a:t>14W.</a:t>
             </a:r>
             <a:fld id="{93DA0692-DAF7-4AFE-9BE7-E02439D3694A}" type="slidenum">
               <a:rPr lang="en-US" sz="1200" smtClean="0">
@@ -27010,7 +27297,7 @@
           <a:graphicData uri="http://schemas.openxmlformats.org/presentationml/2006/ole">
             <mc:AlternateContent xmlns:mc="http://schemas.openxmlformats.org/markup-compatibility/2006">
               <mc:Choice xmlns:v="urn:schemas-microsoft-com:vml" Requires="v">
-                <p:oleObj spid="_x0000_s227332" name="Equation" r:id="rId4" imgW="279360" imgH="457200" progId="Equation.DSMT4">
+                <p:oleObj spid="_x0000_s227335" name="Equation" r:id="rId4" imgW="279360" imgH="457200" progId="Equation.DSMT4">
                   <p:embed/>
                 </p:oleObj>
               </mc:Choice>
@@ -27101,7 +27388,14 @@
                 <a:latin typeface="Comic Sans MS"/>
                 <a:cs typeface="Comic Sans MS"/>
               </a:rPr>
-              <a:t> 12F.</a:t>
+              <a:t> </a:t>
+            </a:r>
+            <a:r>
+              <a:rPr lang="en-US" sz="1200" dirty="0" smtClean="0">
+                <a:latin typeface="Comic Sans MS"/>
+                <a:cs typeface="Comic Sans MS"/>
+              </a:rPr>
+              <a:t>14W.</a:t>
             </a:r>
             <a:fld id="{93DA0692-DAF7-4AFE-9BE7-E02439D3694A}" type="slidenum">
               <a:rPr lang="en-US" sz="1200" smtClean="0">
@@ -27432,7 +27726,14 @@
                 <a:latin typeface="Comic Sans MS"/>
                 <a:cs typeface="Comic Sans MS"/>
               </a:rPr>
-              <a:t> 12F.</a:t>
+              <a:t> </a:t>
+            </a:r>
+            <a:r>
+              <a:rPr lang="en-US" sz="1200" dirty="0" smtClean="0">
+                <a:latin typeface="Comic Sans MS"/>
+                <a:cs typeface="Comic Sans MS"/>
+              </a:rPr>
+              <a:t>14W.</a:t>
             </a:r>
             <a:fld id="{93DA0692-DAF7-4AFE-9BE7-E02439D3694A}" type="slidenum">
               <a:rPr lang="en-US" sz="1200" smtClean="0">
@@ -28079,7 +28380,14 @@
                 <a:latin typeface="Comic Sans MS"/>
                 <a:cs typeface="Comic Sans MS"/>
               </a:rPr>
-              <a:t> 12F.</a:t>
+              <a:t> </a:t>
+            </a:r>
+            <a:r>
+              <a:rPr lang="en-US" sz="1200" dirty="0" smtClean="0">
+                <a:latin typeface="Comic Sans MS"/>
+                <a:cs typeface="Comic Sans MS"/>
+              </a:rPr>
+              <a:t>14W.</a:t>
             </a:r>
             <a:fld id="{93DA0692-DAF7-4AFE-9BE7-E02439D3694A}" type="slidenum">
               <a:rPr lang="en-US" sz="1200" smtClean="0">
@@ -28676,7 +28984,7 @@
           <a:graphicData uri="http://schemas.openxmlformats.org/presentationml/2006/ole">
             <mc:AlternateContent xmlns:mc="http://schemas.openxmlformats.org/markup-compatibility/2006">
               <mc:Choice xmlns:v="urn:schemas-microsoft-com:vml" Requires="v">
-                <p:oleObj spid="_x0000_s231428" name="Equation" r:id="rId4" imgW="2222280" imgH="457200" progId="Equation.DSMT4">
+                <p:oleObj spid="_x0000_s231431" name="Equation" r:id="rId4" imgW="2222280" imgH="457200" progId="Equation.DSMT4">
                   <p:embed/>
                 </p:oleObj>
               </mc:Choice>
@@ -28865,7 +29173,14 @@
                 <a:latin typeface="Comic Sans MS"/>
                 <a:cs typeface="Comic Sans MS"/>
               </a:rPr>
-              <a:t> 12F.</a:t>
+              <a:t> </a:t>
+            </a:r>
+            <a:r>
+              <a:rPr lang="en-US" sz="1200" dirty="0" smtClean="0">
+                <a:latin typeface="Comic Sans MS"/>
+                <a:cs typeface="Comic Sans MS"/>
+              </a:rPr>
+              <a:t>14W.</a:t>
             </a:r>
             <a:fld id="{93DA0692-DAF7-4AFE-9BE7-E02439D3694A}" type="slidenum">
               <a:rPr lang="en-US" sz="1200" smtClean="0">
@@ -29457,7 +29772,14 @@
                 <a:latin typeface="Comic Sans MS"/>
                 <a:cs typeface="Comic Sans MS"/>
               </a:rPr>
-              <a:t> 12F.</a:t>
+              <a:t> </a:t>
+            </a:r>
+            <a:r>
+              <a:rPr lang="en-US" sz="1200" dirty="0" smtClean="0">
+                <a:latin typeface="Comic Sans MS"/>
+                <a:cs typeface="Comic Sans MS"/>
+              </a:rPr>
+              <a:t>14W.</a:t>
             </a:r>
             <a:fld id="{93DA0692-DAF7-4AFE-9BE7-E02439D3694A}" type="slidenum">
               <a:rPr lang="en-US" sz="1200" smtClean="0">
@@ -30569,7 +30891,14 @@
                 <a:latin typeface="Comic Sans MS"/>
                 <a:cs typeface="Comic Sans MS"/>
               </a:rPr>
-              <a:t> 12F.</a:t>
+              <a:t> </a:t>
+            </a:r>
+            <a:r>
+              <a:rPr lang="en-US" sz="1200" dirty="0" smtClean="0">
+                <a:latin typeface="Comic Sans MS"/>
+                <a:cs typeface="Comic Sans MS"/>
+              </a:rPr>
+              <a:t>14W.</a:t>
             </a:r>
             <a:fld id="{93DA0692-DAF7-4AFE-9BE7-E02439D3694A}" type="slidenum">
               <a:rPr lang="en-US" sz="1200" smtClean="0">
@@ -30906,7 +31235,7 @@
           <a:graphicData uri="http://schemas.openxmlformats.org/presentationml/2006/ole">
             <mc:AlternateContent xmlns:mc="http://schemas.openxmlformats.org/markup-compatibility/2006">
               <mc:Choice xmlns:v="urn:schemas-microsoft-com:vml" Requires="v">
-                <p:oleObj spid="_x0000_s239620" name="Equation" r:id="rId4" imgW="1701800" imgH="304800" progId="Equation.DSMT4">
+                <p:oleObj spid="_x0000_s239623" name="Equation" r:id="rId4" imgW="1701800" imgH="304800" progId="Equation.DSMT4">
                   <p:embed/>
                 </p:oleObj>
               </mc:Choice>
@@ -31129,7 +31458,14 @@
                 <a:latin typeface="Comic Sans MS"/>
                 <a:cs typeface="Comic Sans MS"/>
               </a:rPr>
-              <a:t> 12F.</a:t>
+              <a:t> </a:t>
+            </a:r>
+            <a:r>
+              <a:rPr lang="en-US" sz="1200" dirty="0" smtClean="0">
+                <a:latin typeface="Comic Sans MS"/>
+                <a:cs typeface="Comic Sans MS"/>
+              </a:rPr>
+              <a:t>14W.</a:t>
             </a:r>
             <a:fld id="{93DA0692-DAF7-4AFE-9BE7-E02439D3694A}" type="slidenum">
               <a:rPr lang="en-US" sz="1200" smtClean="0">
@@ -31360,22 +31696,28 @@
           <p:cNvGraphicFramePr>
             <a:graphicFrameLocks noChangeAspect="1"/>
           </p:cNvGraphicFramePr>
-          <p:nvPr/>
+          <p:nvPr>
+            <p:extLst>
+              <p:ext uri="{D42A27DB-BD31-4B8C-83A1-F6EECF244321}">
+                <p14:modId xmlns:p14="http://schemas.microsoft.com/office/powerpoint/2010/main" val="2611907196"/>
+              </p:ext>
+            </p:extLst>
+          </p:nvPr>
         </p:nvGraphicFramePr>
         <p:xfrm>
-          <a:off x="357188" y="1498600"/>
-          <a:ext cx="8429625" cy="1117600"/>
+          <a:off x="255588" y="1397000"/>
+          <a:ext cx="8632825" cy="1320800"/>
         </p:xfrm>
         <a:graphic>
           <a:graphicData uri="http://schemas.openxmlformats.org/presentationml/2006/ole">
             <mc:AlternateContent xmlns:mc="http://schemas.openxmlformats.org/markup-compatibility/2006">
               <mc:Choice xmlns:v="urn:schemas-microsoft-com:vml" Requires="v">
-                <p:oleObj spid="_x0000_s241669" name="Equation" r:id="rId4" imgW="2108160" imgH="279360" progId="Equation.DSMT4">
+                <p:oleObj spid="_x0000_s241676" name="Equation" r:id="rId4" imgW="2159000" imgH="330200" progId="Equation.DSMT4">
                   <p:embed/>
                 </p:oleObj>
               </mc:Choice>
               <mc:Fallback>
-                <p:oleObj name="Equation" r:id="rId4" imgW="2108160" imgH="279360" progId="Equation.DSMT4">
+                <p:oleObj name="Equation" r:id="rId4" imgW="2159000" imgH="330200" progId="Equation.DSMT4">
                   <p:embed/>
                   <p:pic>
                     <p:nvPicPr>
@@ -31386,13 +31728,7 @@
                       <p:nvPr/>
                     </p:nvPicPr>
                     <p:blipFill>
-                      <a:blip r:embed="rId5">
-                        <a:extLst>
-                          <a:ext uri="{28A0092B-C50C-407E-A947-70E740481C1C}">
-                            <a14:useLocalDpi xmlns:a14="http://schemas.microsoft.com/office/drawing/2010/main" val="0"/>
-                          </a:ext>
-                        </a:extLst>
-                      </a:blip>
+                      <a:blip r:embed="rId5"/>
                       <a:srcRect/>
                       <a:stretch>
                         <a:fillRect/>
@@ -31400,8 +31736,8 @@
                     </p:blipFill>
                     <p:spPr bwMode="auto">
                       <a:xfrm>
-                        <a:off x="357188" y="1498600"/>
-                        <a:ext cx="8429625" cy="1117600"/>
+                        <a:off x="255588" y="1397000"/>
+                        <a:ext cx="8632825" cy="1320800"/>
                       </a:xfrm>
                       <a:prstGeom prst="rect">
                         <a:avLst/>
@@ -31462,22 +31798,28 @@
           <p:cNvGraphicFramePr>
             <a:graphicFrameLocks noChangeAspect="1"/>
           </p:cNvGraphicFramePr>
-          <p:nvPr/>
+          <p:nvPr>
+            <p:extLst>
+              <p:ext uri="{D42A27DB-BD31-4B8C-83A1-F6EECF244321}">
+                <p14:modId xmlns:p14="http://schemas.microsoft.com/office/powerpoint/2010/main" val="1161826319"/>
+              </p:ext>
+            </p:extLst>
+          </p:nvPr>
         </p:nvGraphicFramePr>
         <p:xfrm>
-          <a:off x="538399" y="3315462"/>
-          <a:ext cx="8172450" cy="2568575"/>
+          <a:off x="639763" y="3314700"/>
+          <a:ext cx="7967662" cy="2568575"/>
         </p:xfrm>
         <a:graphic>
           <a:graphicData uri="http://schemas.openxmlformats.org/presentationml/2006/ole">
             <mc:AlternateContent xmlns:mc="http://schemas.openxmlformats.org/markup-compatibility/2006">
               <mc:Choice xmlns:v="urn:schemas-microsoft-com:vml" Requires="v">
-                <p:oleObj spid="_x0000_s241670" name="Equation" r:id="rId6" imgW="2019300" imgH="635000" progId="Equation.DSMT4">
+                <p:oleObj spid="_x0000_s241677" name="Equation" r:id="rId6" imgW="1968500" imgH="635000" progId="Equation.DSMT4">
                   <p:embed/>
                 </p:oleObj>
               </mc:Choice>
               <mc:Fallback>
-                <p:oleObj name="Equation" r:id="rId6" imgW="2019300" imgH="635000" progId="Equation.DSMT4">
+                <p:oleObj name="Equation" r:id="rId6" imgW="1968500" imgH="635000" progId="Equation.DSMT4">
                   <p:embed/>
                   <p:pic>
                     <p:nvPicPr>
@@ -31488,13 +31830,7 @@
                       <p:nvPr/>
                     </p:nvPicPr>
                     <p:blipFill>
-                      <a:blip r:embed="rId7">
-                        <a:extLst>
-                          <a:ext uri="{28A0092B-C50C-407E-A947-70E740481C1C}">
-                            <a14:useLocalDpi xmlns:a14="http://schemas.microsoft.com/office/drawing/2010/main" val="0"/>
-                          </a:ext>
-                        </a:extLst>
-                      </a:blip>
+                      <a:blip r:embed="rId7"/>
                       <a:srcRect/>
                       <a:stretch>
                         <a:fillRect/>
@@ -31502,8 +31838,8 @@
                     </p:blipFill>
                     <p:spPr bwMode="auto">
                       <a:xfrm>
-                        <a:off x="538399" y="3315462"/>
-                        <a:ext cx="8172450" cy="2568575"/>
+                        <a:off x="639763" y="3314700"/>
+                        <a:ext cx="7967662" cy="2568575"/>
                       </a:xfrm>
                       <a:prstGeom prst="rect">
                         <a:avLst/>
@@ -31736,7 +32072,14 @@
                 <a:latin typeface="Comic Sans MS"/>
                 <a:cs typeface="Comic Sans MS"/>
               </a:rPr>
-              <a:t> 12F.</a:t>
+              <a:t> </a:t>
+            </a:r>
+            <a:r>
+              <a:rPr lang="en-US" sz="1200" dirty="0" smtClean="0">
+                <a:latin typeface="Comic Sans MS"/>
+                <a:cs typeface="Comic Sans MS"/>
+              </a:rPr>
+              <a:t>14W.</a:t>
             </a:r>
             <a:fld id="{93DA0692-DAF7-4AFE-9BE7-E02439D3694A}" type="slidenum">
               <a:rPr lang="en-US" sz="1200" smtClean="0">
@@ -31866,21 +32209,30 @@
                             </p:childTnLst>
                           </p:cTn>
                         </p:par>
+                      </p:childTnLst>
+                    </p:cTn>
+                  </p:par>
+                  <p:par>
+                    <p:cTn id="12" fill="hold">
+                      <p:stCondLst>
+                        <p:cond delay="indefinite"/>
+                      </p:stCondLst>
+                      <p:childTnLst>
                         <p:par>
-                          <p:cTn id="12" fill="hold">
+                          <p:cTn id="13" fill="hold">
                             <p:stCondLst>
-                              <p:cond delay="1000"/>
+                              <p:cond delay="0"/>
                             </p:stCondLst>
                             <p:childTnLst>
                               <p:par>
-                                <p:cTn id="13" presetID="15" presetClass="entr" presetSubtype="0" fill="hold" nodeType="afterEffect">
+                                <p:cTn id="14" presetID="15" presetClass="entr" presetSubtype="0" fill="hold" nodeType="clickEffect">
                                   <p:stCondLst>
                                     <p:cond delay="0"/>
                                   </p:stCondLst>
                                   <p:childTnLst>
                                     <p:set>
                                       <p:cBhvr>
-                                        <p:cTn id="14" dur="1" fill="hold">
+                                        <p:cTn id="15" dur="1" fill="hold">
                                           <p:stCondLst>
                                             <p:cond delay="0"/>
                                           </p:stCondLst>
@@ -31898,7 +32250,7 @@
                                     </p:set>
                                     <p:anim calcmode="lin" valueType="num">
                                       <p:cBhvr>
-                                        <p:cTn id="15" dur="1000" fill="hold"/>
+                                        <p:cTn id="16" dur="1000" fill="hold"/>
                                         <p:tgtEl>
                                           <p:spTgt spid="12"/>
                                         </p:tgtEl>
@@ -31921,7 +32273,7 @@
                                     </p:anim>
                                     <p:anim calcmode="lin" valueType="num">
                                       <p:cBhvr>
-                                        <p:cTn id="16" dur="1000" fill="hold"/>
+                                        <p:cTn id="17" dur="1000" fill="hold"/>
                                         <p:tgtEl>
                                           <p:spTgt spid="12"/>
                                         </p:tgtEl>
@@ -31944,7 +32296,7 @@
                                     </p:anim>
                                     <p:anim calcmode="lin" valueType="num">
                                       <p:cBhvr>
-                                        <p:cTn id="17" dur="1000" fill="hold"/>
+                                        <p:cTn id="18" dur="1000" fill="hold"/>
                                         <p:tgtEl>
                                           <p:spTgt spid="12"/>
                                         </p:tgtEl>
@@ -31967,7 +32319,7 @@
                                     </p:anim>
                                     <p:anim calcmode="lin" valueType="num">
                                       <p:cBhvr>
-                                        <p:cTn id="18" dur="1000" fill="hold"/>
+                                        <p:cTn id="19" dur="1000" fill="hold"/>
                                         <p:tgtEl>
                                           <p:spTgt spid="12"/>
                                         </p:tgtEl>
@@ -32133,7 +32485,7 @@
           <a:lstStyle/>
           <a:p>
             <a:r>
-              <a:rPr lang="en-US" sz="4800" i="0" dirty="0" err="1" smtClean="0">
+              <a:rPr lang="en-US" sz="4800" i="0" dirty="0" smtClean="0">
                 <a:solidFill>
                   <a:srgbClr val="0000FF"/>
                 </a:solidFill>
@@ -32161,7 +32513,27 @@
                 <a:latin typeface="Comic Sans MS" pitchFamily="66" charset="0"/>
                 <a:sym typeface="Symbol" pitchFamily="18" charset="2"/>
               </a:rPr>
-              <a:t> hat. Hats get scrambled </a:t>
+              <a:t> hat. </a:t>
+            </a:r>
+            <a:endParaRPr lang="en-US" sz="4800" i="0" dirty="0" smtClean="0">
+              <a:latin typeface="Comic Sans MS" pitchFamily="66" charset="0"/>
+              <a:sym typeface="Symbol" pitchFamily="18" charset="2"/>
+            </a:endParaRPr>
+          </a:p>
+          <a:p>
+            <a:r>
+              <a:rPr lang="en-US" sz="4800" i="0" dirty="0" smtClean="0">
+                <a:latin typeface="Comic Sans MS" pitchFamily="66" charset="0"/>
+                <a:sym typeface="Symbol" pitchFamily="18" charset="2"/>
+              </a:rPr>
+              <a:t>Hats </a:t>
+            </a:r>
+            <a:r>
+              <a:rPr lang="en-US" sz="4800" i="0" dirty="0" smtClean="0">
+                <a:latin typeface="Comic Sans MS" pitchFamily="66" charset="0"/>
+                <a:sym typeface="Symbol" pitchFamily="18" charset="2"/>
+              </a:rPr>
+              <a:t>get scrambled </a:t>
             </a:r>
             <a:r>
               <a:rPr lang="en-US" sz="4800" dirty="0" smtClean="0">
@@ -32290,7 +32662,14 @@
                 <a:latin typeface="Comic Sans MS"/>
                 <a:cs typeface="Comic Sans MS"/>
               </a:rPr>
-              <a:t> 12F.</a:t>
+              <a:t> </a:t>
+            </a:r>
+            <a:r>
+              <a:rPr lang="en-US" sz="1200" dirty="0" smtClean="0">
+                <a:latin typeface="Comic Sans MS"/>
+                <a:cs typeface="Comic Sans MS"/>
+              </a:rPr>
+              <a:t>14W.</a:t>
             </a:r>
             <a:fld id="{93DA0692-DAF7-4AFE-9BE7-E02439D3694A}" type="slidenum">
               <a:rPr lang="en-US" sz="1200" smtClean="0">
@@ -32320,7 +32699,274 @@
   <p:timing>
     <p:tnLst>
       <p:par>
-        <p:cTn xmlns:p14="http://schemas.microsoft.com/office/powerpoint/2010/main" id="1" dur="indefinite" restart="never" nodeType="tmRoot"/>
+        <p:cTn xmlns:p14="http://schemas.microsoft.com/office/powerpoint/2010/main" id="1" dur="indefinite" restart="never" nodeType="tmRoot">
+          <p:childTnLst>
+            <p:seq concurrent="1" nextAc="seek">
+              <p:cTn id="2" dur="indefinite" nodeType="mainSeq">
+                <p:childTnLst>
+                  <p:par>
+                    <p:cTn id="3" fill="hold">
+                      <p:stCondLst>
+                        <p:cond delay="indefinite"/>
+                      </p:stCondLst>
+                      <p:childTnLst>
+                        <p:par>
+                          <p:cTn id="4" fill="hold">
+                            <p:stCondLst>
+                              <p:cond delay="0"/>
+                            </p:stCondLst>
+                            <p:childTnLst>
+                              <p:par>
+                                <p:cTn id="5" presetID="10" presetClass="entr" presetSubtype="0" fill="hold" nodeType="clickEffect">
+                                  <p:stCondLst>
+                                    <p:cond delay="0"/>
+                                  </p:stCondLst>
+                                  <p:childTnLst>
+                                    <p:set>
+                                      <p:cBhvr>
+                                        <p:cTn id="6" dur="1" fill="hold">
+                                          <p:stCondLst>
+                                            <p:cond delay="0"/>
+                                          </p:stCondLst>
+                                        </p:cTn>
+                                        <p:tgtEl>
+                                          <p:spTgt spid="661508">
+                                            <p:txEl>
+                                              <p:pRg st="0" end="0"/>
+                                            </p:txEl>
+                                          </p:spTgt>
+                                        </p:tgtEl>
+                                        <p:attrNameLst>
+                                          <p:attrName>style.visibility</p:attrName>
+                                        </p:attrNameLst>
+                                      </p:cBhvr>
+                                      <p:to>
+                                        <p:strVal val="visible"/>
+                                      </p:to>
+                                    </p:set>
+                                    <p:animEffect transition="in" filter="fade">
+                                      <p:cBhvr>
+                                        <p:cTn id="7" dur="500"/>
+                                        <p:tgtEl>
+                                          <p:spTgt spid="661508">
+                                            <p:txEl>
+                                              <p:pRg st="0" end="0"/>
+                                            </p:txEl>
+                                          </p:spTgt>
+                                        </p:tgtEl>
+                                      </p:cBhvr>
+                                    </p:animEffect>
+                                  </p:childTnLst>
+                                </p:cTn>
+                              </p:par>
+                            </p:childTnLst>
+                          </p:cTn>
+                        </p:par>
+                      </p:childTnLst>
+                    </p:cTn>
+                  </p:par>
+                  <p:par>
+                    <p:cTn id="8" fill="hold">
+                      <p:stCondLst>
+                        <p:cond delay="indefinite"/>
+                      </p:stCondLst>
+                      <p:childTnLst>
+                        <p:par>
+                          <p:cTn id="9" fill="hold">
+                            <p:stCondLst>
+                              <p:cond delay="0"/>
+                            </p:stCondLst>
+                            <p:childTnLst>
+                              <p:par>
+                                <p:cTn id="10" presetID="10" presetClass="entr" presetSubtype="0" fill="hold" nodeType="clickEffect">
+                                  <p:stCondLst>
+                                    <p:cond delay="0"/>
+                                  </p:stCondLst>
+                                  <p:childTnLst>
+                                    <p:set>
+                                      <p:cBhvr>
+                                        <p:cTn id="11" dur="1" fill="hold">
+                                          <p:stCondLst>
+                                            <p:cond delay="0"/>
+                                          </p:stCondLst>
+                                        </p:cTn>
+                                        <p:tgtEl>
+                                          <p:spTgt spid="661508">
+                                            <p:txEl>
+                                              <p:pRg st="1" end="1"/>
+                                            </p:txEl>
+                                          </p:spTgt>
+                                        </p:tgtEl>
+                                        <p:attrNameLst>
+                                          <p:attrName>style.visibility</p:attrName>
+                                        </p:attrNameLst>
+                                      </p:cBhvr>
+                                      <p:to>
+                                        <p:strVal val="visible"/>
+                                      </p:to>
+                                    </p:set>
+                                    <p:animEffect transition="in" filter="fade">
+                                      <p:cBhvr>
+                                        <p:cTn id="12" dur="500"/>
+                                        <p:tgtEl>
+                                          <p:spTgt spid="661508">
+                                            <p:txEl>
+                                              <p:pRg st="1" end="1"/>
+                                            </p:txEl>
+                                          </p:spTgt>
+                                        </p:tgtEl>
+                                      </p:cBhvr>
+                                    </p:animEffect>
+                                  </p:childTnLst>
+                                </p:cTn>
+                              </p:par>
+                            </p:childTnLst>
+                          </p:cTn>
+                        </p:par>
+                      </p:childTnLst>
+                    </p:cTn>
+                  </p:par>
+                  <p:par>
+                    <p:cTn id="13" fill="hold">
+                      <p:stCondLst>
+                        <p:cond delay="indefinite"/>
+                      </p:stCondLst>
+                      <p:childTnLst>
+                        <p:par>
+                          <p:cTn id="14" fill="hold">
+                            <p:stCondLst>
+                              <p:cond delay="0"/>
+                            </p:stCondLst>
+                            <p:childTnLst>
+                              <p:par>
+                                <p:cTn id="15" presetID="10" presetClass="entr" presetSubtype="0" fill="hold" nodeType="clickEffect">
+                                  <p:stCondLst>
+                                    <p:cond delay="0"/>
+                                  </p:stCondLst>
+                                  <p:childTnLst>
+                                    <p:set>
+                                      <p:cBhvr>
+                                        <p:cTn id="16" dur="1" fill="hold">
+                                          <p:stCondLst>
+                                            <p:cond delay="0"/>
+                                          </p:stCondLst>
+                                        </p:cTn>
+                                        <p:tgtEl>
+                                          <p:spTgt spid="661508">
+                                            <p:txEl>
+                                              <p:pRg st="2" end="2"/>
+                                            </p:txEl>
+                                          </p:spTgt>
+                                        </p:tgtEl>
+                                        <p:attrNameLst>
+                                          <p:attrName>style.visibility</p:attrName>
+                                        </p:attrNameLst>
+                                      </p:cBhvr>
+                                      <p:to>
+                                        <p:strVal val="visible"/>
+                                      </p:to>
+                                    </p:set>
+                                    <p:animEffect transition="in" filter="fade">
+                                      <p:cBhvr>
+                                        <p:cTn id="17" dur="500"/>
+                                        <p:tgtEl>
+                                          <p:spTgt spid="661508">
+                                            <p:txEl>
+                                              <p:pRg st="2" end="2"/>
+                                            </p:txEl>
+                                          </p:spTgt>
+                                        </p:tgtEl>
+                                      </p:cBhvr>
+                                    </p:animEffect>
+                                  </p:childTnLst>
+                                </p:cTn>
+                              </p:par>
+                            </p:childTnLst>
+                          </p:cTn>
+                        </p:par>
+                      </p:childTnLst>
+                    </p:cTn>
+                  </p:par>
+                  <p:par>
+                    <p:cTn id="18" fill="hold">
+                      <p:stCondLst>
+                        <p:cond delay="indefinite"/>
+                      </p:stCondLst>
+                      <p:childTnLst>
+                        <p:par>
+                          <p:cTn id="19" fill="hold">
+                            <p:stCondLst>
+                              <p:cond delay="0"/>
+                            </p:stCondLst>
+                            <p:childTnLst>
+                              <p:par>
+                                <p:cTn id="20" presetID="10" presetClass="entr" presetSubtype="0" fill="hold" nodeType="clickEffect">
+                                  <p:stCondLst>
+                                    <p:cond delay="0"/>
+                                  </p:stCondLst>
+                                  <p:childTnLst>
+                                    <p:set>
+                                      <p:cBhvr>
+                                        <p:cTn id="21" dur="1" fill="hold">
+                                          <p:stCondLst>
+                                            <p:cond delay="0"/>
+                                          </p:stCondLst>
+                                        </p:cTn>
+                                        <p:tgtEl>
+                                          <p:spTgt spid="661508">
+                                            <p:txEl>
+                                              <p:pRg st="3" end="3"/>
+                                            </p:txEl>
+                                          </p:spTgt>
+                                        </p:tgtEl>
+                                        <p:attrNameLst>
+                                          <p:attrName>style.visibility</p:attrName>
+                                        </p:attrNameLst>
+                                      </p:cBhvr>
+                                      <p:to>
+                                        <p:strVal val="visible"/>
+                                      </p:to>
+                                    </p:set>
+                                    <p:animEffect transition="in" filter="fade">
+                                      <p:cBhvr>
+                                        <p:cTn id="22" dur="500"/>
+                                        <p:tgtEl>
+                                          <p:spTgt spid="661508">
+                                            <p:txEl>
+                                              <p:pRg st="3" end="3"/>
+                                            </p:txEl>
+                                          </p:spTgt>
+                                        </p:tgtEl>
+                                      </p:cBhvr>
+                                    </p:animEffect>
+                                  </p:childTnLst>
+                                </p:cTn>
+                              </p:par>
+                            </p:childTnLst>
+                          </p:cTn>
+                        </p:par>
+                      </p:childTnLst>
+                    </p:cTn>
+                  </p:par>
+                </p:childTnLst>
+              </p:cTn>
+              <p:prevCondLst>
+                <p:cond evt="onPrev" delay="0">
+                  <p:tgtEl>
+                    <p:sldTgt/>
+                  </p:tgtEl>
+                </p:cond>
+              </p:prevCondLst>
+              <p:nextCondLst>
+                <p:cond evt="onNext" delay="0">
+                  <p:tgtEl>
+                    <p:sldTgt/>
+                  </p:tgtEl>
+                </p:cond>
+              </p:nextCondLst>
+            </p:seq>
+          </p:childTnLst>
+        </p:cTn>
       </p:par>
     </p:tnLst>
   </p:timing>
@@ -32613,7 +33259,14 @@
                 <a:latin typeface="Comic Sans MS"/>
                 <a:cs typeface="Comic Sans MS"/>
               </a:rPr>
-              <a:t> 12F.</a:t>
+              <a:t> </a:t>
+            </a:r>
+            <a:r>
+              <a:rPr lang="en-US" sz="1200" dirty="0" smtClean="0">
+                <a:latin typeface="Comic Sans MS"/>
+                <a:cs typeface="Comic Sans MS"/>
+              </a:rPr>
+              <a:t>14W.</a:t>
             </a:r>
             <a:fld id="{93DA0692-DAF7-4AFE-9BE7-E02439D3694A}" type="slidenum">
               <a:rPr lang="en-US" sz="1200" smtClean="0">
@@ -32974,7 +33627,14 @@
                 <a:latin typeface="Comic Sans MS"/>
                 <a:cs typeface="Comic Sans MS"/>
               </a:rPr>
-              <a:t> 12F.</a:t>
+              <a:t> </a:t>
+            </a:r>
+            <a:r>
+              <a:rPr lang="en-US" sz="1200" dirty="0" smtClean="0">
+                <a:latin typeface="Comic Sans MS"/>
+                <a:cs typeface="Comic Sans MS"/>
+              </a:rPr>
+              <a:t>14W.</a:t>
             </a:r>
             <a:fld id="{93DA0692-DAF7-4AFE-9BE7-E02439D3694A}" type="slidenum">
               <a:rPr lang="en-US" sz="1200" smtClean="0">
@@ -33435,7 +34095,14 @@
                 <a:latin typeface="Comic Sans MS"/>
                 <a:cs typeface="Comic Sans MS"/>
               </a:rPr>
-              <a:t> 12F.</a:t>
+              <a:t> </a:t>
+            </a:r>
+            <a:r>
+              <a:rPr lang="en-US" sz="1200" dirty="0" smtClean="0">
+                <a:latin typeface="Comic Sans MS"/>
+                <a:cs typeface="Comic Sans MS"/>
+              </a:rPr>
+              <a:t>14W.</a:t>
             </a:r>
             <a:fld id="{93DA0692-DAF7-4AFE-9BE7-E02439D3694A}" type="slidenum">
               <a:rPr lang="en-US" sz="1200" smtClean="0">
@@ -34200,7 +34867,14 @@
                 <a:latin typeface="Comic Sans MS"/>
                 <a:cs typeface="Comic Sans MS"/>
               </a:rPr>
-              <a:t> 12F.</a:t>
+              <a:t> </a:t>
+            </a:r>
+            <a:r>
+              <a:rPr lang="en-US" sz="1200" dirty="0" smtClean="0">
+                <a:latin typeface="Comic Sans MS"/>
+                <a:cs typeface="Comic Sans MS"/>
+              </a:rPr>
+              <a:t>14W.</a:t>
             </a:r>
             <a:fld id="{93DA0692-DAF7-4AFE-9BE7-E02439D3694A}" type="slidenum">
               <a:rPr lang="en-US" sz="1200" smtClean="0">
@@ -34915,7 +35589,14 @@
                 <a:latin typeface="Comic Sans MS"/>
                 <a:cs typeface="Comic Sans MS"/>
               </a:rPr>
-              <a:t> 12F.</a:t>
+              <a:t> </a:t>
+            </a:r>
+            <a:r>
+              <a:rPr lang="en-US" sz="1200" dirty="0" smtClean="0">
+                <a:latin typeface="Comic Sans MS"/>
+                <a:cs typeface="Comic Sans MS"/>
+              </a:rPr>
+              <a:t>14W.</a:t>
             </a:r>
             <a:fld id="{93DA0692-DAF7-4AFE-9BE7-E02439D3694A}" type="slidenum">
               <a:rPr lang="en-US" sz="1200" smtClean="0">
@@ -35554,7 +36235,14 @@
                 <a:latin typeface="Comic Sans MS"/>
                 <a:cs typeface="Comic Sans MS"/>
               </a:rPr>
-              <a:t> 12F.</a:t>
+              <a:t> </a:t>
+            </a:r>
+            <a:r>
+              <a:rPr lang="en-US" sz="1200" dirty="0" smtClean="0">
+                <a:latin typeface="Comic Sans MS"/>
+                <a:cs typeface="Comic Sans MS"/>
+              </a:rPr>
+              <a:t>14W.</a:t>
             </a:r>
             <a:fld id="{93DA0692-DAF7-4AFE-9BE7-E02439D3694A}" type="slidenum">
               <a:rPr lang="en-US" sz="1200" smtClean="0">
@@ -36039,7 +36727,14 @@
                 <a:latin typeface="Comic Sans MS"/>
                 <a:cs typeface="Comic Sans MS"/>
               </a:rPr>
-              <a:t> 12F.</a:t>
+              <a:t> </a:t>
+            </a:r>
+            <a:r>
+              <a:rPr lang="en-US" sz="1200" dirty="0" smtClean="0">
+                <a:latin typeface="Comic Sans MS"/>
+                <a:cs typeface="Comic Sans MS"/>
+              </a:rPr>
+              <a:t>14W.</a:t>
             </a:r>
             <a:fld id="{93DA0692-DAF7-4AFE-9BE7-E02439D3694A}" type="slidenum">
               <a:rPr lang="en-US" sz="1200" smtClean="0">
@@ -36539,7 +37234,14 @@
                 <a:latin typeface="Comic Sans MS"/>
                 <a:cs typeface="Comic Sans MS"/>
               </a:rPr>
-              <a:t> 12F.</a:t>
+              <a:t> </a:t>
+            </a:r>
+            <a:r>
+              <a:rPr lang="en-US" sz="1200" dirty="0" smtClean="0">
+                <a:latin typeface="Comic Sans MS"/>
+                <a:cs typeface="Comic Sans MS"/>
+              </a:rPr>
+              <a:t>14W.</a:t>
             </a:r>
             <a:fld id="{93DA0692-DAF7-4AFE-9BE7-E02439D3694A}" type="slidenum">
               <a:rPr lang="en-US" sz="1200" smtClean="0">
@@ -37762,7 +38464,14 @@
                 <a:latin typeface="Comic Sans MS"/>
                 <a:cs typeface="Comic Sans MS"/>
               </a:rPr>
-              <a:t> 12F.</a:t>
+              <a:t> </a:t>
+            </a:r>
+            <a:r>
+              <a:rPr lang="en-US" sz="1200" dirty="0" smtClean="0">
+                <a:latin typeface="Comic Sans MS"/>
+                <a:cs typeface="Comic Sans MS"/>
+              </a:rPr>
+              <a:t>14W.</a:t>
             </a:r>
             <a:fld id="{93DA0692-DAF7-4AFE-9BE7-E02439D3694A}" type="slidenum">
               <a:rPr lang="en-US" sz="1200" smtClean="0">
@@ -38366,7 +39075,11 @@
             </a:r>
             <a:r>
               <a:rPr lang="en-US" dirty="0" smtClean="0"/>
-              <a:t> 12F.</a:t>
+              <a:t> </a:t>
+            </a:r>
+            <a:r>
+              <a:rPr lang="en-US" dirty="0" smtClean="0"/>
+              <a:t>14W.</a:t>
             </a:r>
             <a:fld id="{CE1FEF93-960A-4432-A981-01A75AA852BE}" type="slidenum">
               <a:rPr lang="en-US" smtClean="0"/>
@@ -38823,7 +39536,14 @@
                 <a:latin typeface="Comic Sans MS"/>
                 <a:cs typeface="Comic Sans MS"/>
               </a:rPr>
-              <a:t> 12F.</a:t>
+              <a:t> </a:t>
+            </a:r>
+            <a:r>
+              <a:rPr lang="en-US" sz="1200" dirty="0" smtClean="0">
+                <a:latin typeface="Comic Sans MS"/>
+                <a:cs typeface="Comic Sans MS"/>
+              </a:rPr>
+              <a:t>14W.</a:t>
             </a:r>
             <a:fld id="{93DA0692-DAF7-4AFE-9BE7-E02439D3694A}" type="slidenum">
               <a:rPr lang="en-US" sz="1200" smtClean="0">
@@ -39189,7 +39909,14 @@
                 <a:latin typeface="Comic Sans MS"/>
                 <a:cs typeface="Comic Sans MS"/>
               </a:rPr>
-              <a:t> 12F.</a:t>
+              <a:t> </a:t>
+            </a:r>
+            <a:r>
+              <a:rPr lang="en-US" sz="1200" dirty="0" smtClean="0">
+                <a:latin typeface="Comic Sans MS"/>
+                <a:cs typeface="Comic Sans MS"/>
+              </a:rPr>
+              <a:t>14W.</a:t>
             </a:r>
             <a:fld id="{93DA0692-DAF7-4AFE-9BE7-E02439D3694A}" type="slidenum">
               <a:rPr lang="en-US" sz="1200" smtClean="0">
@@ -39314,7 +40041,7 @@
           <a:graphicData uri="http://schemas.openxmlformats.org/presentationml/2006/ole">
             <mc:AlternateContent xmlns:mc="http://schemas.openxmlformats.org/markup-compatibility/2006">
               <mc:Choice xmlns:v="urn:schemas-microsoft-com:vml" Requires="v">
-                <p:oleObj spid="_x0000_s167943" name="Equation" r:id="rId5" imgW="1270000" imgH="596900" progId="Equation.DSMT4">
+                <p:oleObj spid="_x0000_s167952" name="Equation" r:id="rId5" imgW="1270000" imgH="596900" progId="Equation.DSMT4">
                   <p:embed/>
                 </p:oleObj>
               </mc:Choice>
@@ -39384,7 +40111,7 @@
           <a:graphicData uri="http://schemas.openxmlformats.org/presentationml/2006/ole">
             <mc:AlternateContent xmlns:mc="http://schemas.openxmlformats.org/markup-compatibility/2006">
               <mc:Choice xmlns:v="urn:schemas-microsoft-com:vml" Requires="v">
-                <p:oleObj spid="_x0000_s167944" name="Equation" r:id="rId7" imgW="1600200" imgH="596900" progId="Equation.DSMT4">
+                <p:oleObj spid="_x0000_s167953" name="Equation" r:id="rId7" imgW="1600200" imgH="596900" progId="Equation.DSMT4">
                   <p:embed/>
                 </p:oleObj>
               </mc:Choice>
@@ -39454,7 +40181,7 @@
           <a:graphicData uri="http://schemas.openxmlformats.org/presentationml/2006/ole">
             <mc:AlternateContent xmlns:mc="http://schemas.openxmlformats.org/markup-compatibility/2006">
               <mc:Choice xmlns:v="urn:schemas-microsoft-com:vml" Requires="v">
-                <p:oleObj spid="_x0000_s167945" name="Equation" r:id="rId9" imgW="1727200" imgH="596900" progId="Equation.DSMT4">
+                <p:oleObj spid="_x0000_s167954" name="Equation" r:id="rId9" imgW="1727200" imgH="596900" progId="Equation.DSMT4">
                   <p:embed/>
                 </p:oleObj>
               </mc:Choice>
@@ -39524,7 +40251,7 @@
           <a:graphicData uri="http://schemas.openxmlformats.org/presentationml/2006/ole">
             <mc:AlternateContent xmlns:mc="http://schemas.openxmlformats.org/markup-compatibility/2006">
               <mc:Choice xmlns:v="urn:schemas-microsoft-com:vml" Requires="v">
-                <p:oleObj spid="_x0000_s167946" name="Equation" r:id="rId11" imgW="1257300" imgH="596900" progId="Equation.DSMT4">
+                <p:oleObj spid="_x0000_s167955" name="Equation" r:id="rId11" imgW="1257300" imgH="596900" progId="Equation.DSMT4">
                   <p:embed/>
                 </p:oleObj>
               </mc:Choice>
@@ -39616,7 +40343,14 @@
                 <a:latin typeface="Comic Sans MS"/>
                 <a:cs typeface="Comic Sans MS"/>
               </a:rPr>
-              <a:t> 12F.</a:t>
+              <a:t> </a:t>
+            </a:r>
+            <a:r>
+              <a:rPr lang="en-US" sz="1200" dirty="0" smtClean="0">
+                <a:latin typeface="Comic Sans MS"/>
+                <a:cs typeface="Comic Sans MS"/>
+              </a:rPr>
+              <a:t>14W.</a:t>
             </a:r>
             <a:fld id="{93DA0692-DAF7-4AFE-9BE7-E02439D3694A}" type="slidenum">
               <a:rPr lang="en-US" sz="1200" smtClean="0">
@@ -40490,7 +41224,14 @@
                 <a:latin typeface="Comic Sans MS"/>
                 <a:cs typeface="Comic Sans MS"/>
               </a:rPr>
-              <a:t> 12F.</a:t>
+              <a:t> </a:t>
+            </a:r>
+            <a:r>
+              <a:rPr lang="en-US" sz="1200" dirty="0" smtClean="0">
+                <a:latin typeface="Comic Sans MS"/>
+                <a:cs typeface="Comic Sans MS"/>
+              </a:rPr>
+              <a:t>14W.</a:t>
             </a:r>
             <a:fld id="{93DA0692-DAF7-4AFE-9BE7-E02439D3694A}" type="slidenum">
               <a:rPr lang="en-US" sz="1200" smtClean="0">

--- a/fall11/slidesF11/slides14w.pptx
+++ b/fall11/slidesF11/slides14w.pptx
@@ -5,10 +5,10 @@
     <p:sldMasterId id="2147483648" r:id="rId1"/>
   </p:sldMasterIdLst>
   <p:notesMasterIdLst>
-    <p:notesMasterId r:id="rId59"/>
+    <p:notesMasterId r:id="rId60"/>
   </p:notesMasterIdLst>
   <p:handoutMasterIdLst>
-    <p:handoutMasterId r:id="rId60"/>
+    <p:handoutMasterId r:id="rId61"/>
   </p:handoutMasterIdLst>
   <p:sldIdLst>
     <p:sldId id="302" r:id="rId2"/>
@@ -46,28 +46,29 @@
     <p:sldId id="366" r:id="rId34"/>
     <p:sldId id="333" r:id="rId35"/>
     <p:sldId id="334" r:id="rId36"/>
-    <p:sldId id="335" r:id="rId37"/>
-    <p:sldId id="336" r:id="rId38"/>
-    <p:sldId id="337" r:id="rId39"/>
-    <p:sldId id="338" r:id="rId40"/>
-    <p:sldId id="339" r:id="rId41"/>
-    <p:sldId id="363" r:id="rId42"/>
-    <p:sldId id="340" r:id="rId43"/>
-    <p:sldId id="341" r:id="rId44"/>
-    <p:sldId id="342" r:id="rId45"/>
-    <p:sldId id="343" r:id="rId46"/>
-    <p:sldId id="345" r:id="rId47"/>
-    <p:sldId id="346" r:id="rId48"/>
-    <p:sldId id="367" r:id="rId49"/>
-    <p:sldId id="348" r:id="rId50"/>
-    <p:sldId id="368" r:id="rId51"/>
-    <p:sldId id="349" r:id="rId52"/>
-    <p:sldId id="350" r:id="rId53"/>
-    <p:sldId id="352" r:id="rId54"/>
-    <p:sldId id="351" r:id="rId55"/>
-    <p:sldId id="353" r:id="rId56"/>
-    <p:sldId id="354" r:id="rId57"/>
-    <p:sldId id="285" r:id="rId58"/>
+    <p:sldId id="369" r:id="rId37"/>
+    <p:sldId id="335" r:id="rId38"/>
+    <p:sldId id="336" r:id="rId39"/>
+    <p:sldId id="337" r:id="rId40"/>
+    <p:sldId id="338" r:id="rId41"/>
+    <p:sldId id="339" r:id="rId42"/>
+    <p:sldId id="363" r:id="rId43"/>
+    <p:sldId id="340" r:id="rId44"/>
+    <p:sldId id="341" r:id="rId45"/>
+    <p:sldId id="342" r:id="rId46"/>
+    <p:sldId id="343" r:id="rId47"/>
+    <p:sldId id="345" r:id="rId48"/>
+    <p:sldId id="346" r:id="rId49"/>
+    <p:sldId id="367" r:id="rId50"/>
+    <p:sldId id="348" r:id="rId51"/>
+    <p:sldId id="368" r:id="rId52"/>
+    <p:sldId id="349" r:id="rId53"/>
+    <p:sldId id="350" r:id="rId54"/>
+    <p:sldId id="352" r:id="rId55"/>
+    <p:sldId id="351" r:id="rId56"/>
+    <p:sldId id="353" r:id="rId57"/>
+    <p:sldId id="354" r:id="rId58"/>
+    <p:sldId id="285" r:id="rId59"/>
   </p:sldIdLst>
   <p:sldSz cx="9144000" cy="6858000" type="screen4x3"/>
   <p:notesSz cx="7315200" cy="9601200"/>
@@ -4006,6 +4007,94 @@
       </p:grpSpPr>
       <p:sp>
         <p:nvSpPr>
+          <p:cNvPr id="57346" name="Rectangle 7"/>
+          <p:cNvSpPr>
+            <a:spLocks noGrp="1" noChangeArrowheads="1"/>
+          </p:cNvSpPr>
+          <p:nvPr>
+            <p:ph type="sldNum" sz="quarter" idx="5"/>
+          </p:nvPr>
+        </p:nvSpPr>
+        <p:spPr>
+          <a:noFill/>
+        </p:spPr>
+        <p:txBody>
+          <a:bodyPr/>
+          <a:lstStyle/>
+          <a:p>
+            <a:fld id="{7565D4D2-208B-4D6C-A324-34D49BC6D600}" type="slidenum">
+              <a:rPr lang="en-US" smtClean="0"/>
+              <a:pPr/>
+              <a:t>41</a:t>
+            </a:fld>
+            <a:endParaRPr lang="en-US" smtClean="0"/>
+          </a:p>
+        </p:txBody>
+      </p:sp>
+      <p:sp>
+        <p:nvSpPr>
+          <p:cNvPr id="57347" name="Rectangle 2"/>
+          <p:cNvSpPr>
+            <a:spLocks noGrp="1" noRot="1" noChangeAspect="1" noChangeArrowheads="1" noTextEdit="1"/>
+          </p:cNvSpPr>
+          <p:nvPr>
+            <p:ph type="sldImg"/>
+          </p:nvPr>
+        </p:nvSpPr>
+        <p:spPr>
+          <a:ln/>
+        </p:spPr>
+      </p:sp>
+      <p:sp>
+        <p:nvSpPr>
+          <p:cNvPr id="57348" name="Rectangle 3"/>
+          <p:cNvSpPr>
+            <a:spLocks noGrp="1" noChangeArrowheads="1"/>
+          </p:cNvSpPr>
+          <p:nvPr>
+            <p:ph type="body" idx="1"/>
+          </p:nvPr>
+        </p:nvSpPr>
+        <p:spPr>
+          <a:noFill/>
+          <a:ln/>
+        </p:spPr>
+        <p:txBody>
+          <a:bodyPr/>
+          <a:lstStyle/>
+          <a:p>
+            <a:pPr eaLnBrk="1" hangingPunct="1"/>
+            <a:endParaRPr lang="en-US" smtClean="0"/>
+          </a:p>
+        </p:txBody>
+      </p:sp>
+    </p:spTree>
+  </p:cSld>
+  <p:clrMapOvr>
+    <a:masterClrMapping/>
+  </p:clrMapOvr>
+</p:notes>
+</file>
+
+<file path=ppt/notesSlides/notesSlide42.xml><?xml version="1.0" encoding="utf-8"?>
+<p:notes xmlns:a="http://schemas.openxmlformats.org/drawingml/2006/main" xmlns:r="http://schemas.openxmlformats.org/officeDocument/2006/relationships" xmlns:p="http://schemas.openxmlformats.org/presentationml/2006/main">
+  <p:cSld>
+    <p:spTree>
+      <p:nvGrpSpPr>
+        <p:cNvPr id="1" name=""/>
+        <p:cNvGrpSpPr/>
+        <p:nvPr/>
+      </p:nvGrpSpPr>
+      <p:grpSpPr>
+        <a:xfrm>
+          <a:off x="0" y="0"/>
+          <a:ext cx="0" cy="0"/>
+          <a:chOff x="0" y="0"/>
+          <a:chExt cx="0" cy="0"/>
+        </a:xfrm>
+      </p:grpSpPr>
+      <p:sp>
+        <p:nvSpPr>
           <p:cNvPr id="59394" name="Rectangle 7"/>
           <p:cNvSpPr>
             <a:spLocks noGrp="1" noChangeArrowheads="1"/>
@@ -4024,7 +4113,7 @@
             <a:fld id="{DD7FFA06-5A9D-44C7-A273-B94A3BB1CCC6}" type="slidenum">
               <a:rPr lang="en-US" smtClean="0"/>
               <a:pPr/>
-              <a:t>41</a:t>
+              <a:t>42</a:t>
             </a:fld>
             <a:endParaRPr lang="en-US" smtClean="0"/>
           </a:p>
@@ -4064,93 +4153,6 @@
           <a:p>
             <a:pPr eaLnBrk="1" hangingPunct="1"/>
             <a:endParaRPr lang="en-US" smtClean="0"/>
-          </a:p>
-        </p:txBody>
-      </p:sp>
-    </p:spTree>
-  </p:cSld>
-  <p:clrMapOvr>
-    <a:masterClrMapping/>
-  </p:clrMapOvr>
-</p:notes>
-</file>
-
-<file path=ppt/notesSlides/notesSlide42.xml><?xml version="1.0" encoding="utf-8"?>
-<p:notes xmlns:a="http://schemas.openxmlformats.org/drawingml/2006/main" xmlns:r="http://schemas.openxmlformats.org/officeDocument/2006/relationships" xmlns:p="http://schemas.openxmlformats.org/presentationml/2006/main">
-  <p:cSld>
-    <p:spTree>
-      <p:nvGrpSpPr>
-        <p:cNvPr id="1" name=""/>
-        <p:cNvGrpSpPr/>
-        <p:nvPr/>
-      </p:nvGrpSpPr>
-      <p:grpSpPr>
-        <a:xfrm>
-          <a:off x="0" y="0"/>
-          <a:ext cx="0" cy="0"/>
-          <a:chOff x="0" y="0"/>
-          <a:chExt cx="0" cy="0"/>
-        </a:xfrm>
-      </p:grpSpPr>
-      <p:sp>
-        <p:nvSpPr>
-          <p:cNvPr id="2" name="Slide Image Placeholder 1"/>
-          <p:cNvSpPr>
-            <a:spLocks noGrp="1" noRot="1" noChangeAspect="1"/>
-          </p:cNvSpPr>
-          <p:nvPr>
-            <p:ph type="sldImg"/>
-          </p:nvPr>
-        </p:nvSpPr>
-        <p:spPr/>
-      </p:sp>
-      <p:sp>
-        <p:nvSpPr>
-          <p:cNvPr id="3" name="Notes Placeholder 2"/>
-          <p:cNvSpPr>
-            <a:spLocks noGrp="1"/>
-          </p:cNvSpPr>
-          <p:nvPr>
-            <p:ph type="body" idx="1"/>
-          </p:nvPr>
-        </p:nvSpPr>
-        <p:spPr/>
-        <p:txBody>
-          <a:bodyPr>
-            <a:normAutofit/>
-          </a:bodyPr>
-          <a:lstStyle/>
-          <a:p>
-            <a:endParaRPr lang="en-US"/>
-          </a:p>
-        </p:txBody>
-      </p:sp>
-      <p:sp>
-        <p:nvSpPr>
-          <p:cNvPr id="4" name="Slide Number Placeholder 3"/>
-          <p:cNvSpPr>
-            <a:spLocks noGrp="1"/>
-          </p:cNvSpPr>
-          <p:nvPr>
-            <p:ph type="sldNum" sz="quarter" idx="10"/>
-          </p:nvPr>
-        </p:nvSpPr>
-        <p:spPr/>
-        <p:txBody>
-          <a:bodyPr/>
-          <a:lstStyle/>
-          <a:p>
-            <a:pPr>
-              <a:defRPr/>
-            </a:pPr>
-            <a:fld id="{95AA6155-33F1-4AB1-B9CE-6460C2E01BD9}" type="slidenum">
-              <a:rPr lang="en-US" smtClean="0"/>
-              <a:pPr>
-                <a:defRPr/>
-              </a:pPr>
-              <a:t>42</a:t>
-            </a:fld>
-            <a:endParaRPr lang="en-US"/>
           </a:p>
         </p:txBody>
       </p:sp>
@@ -4268,73 +4270,63 @@
       </p:grpSpPr>
       <p:sp>
         <p:nvSpPr>
-          <p:cNvPr id="61442" name="Rectangle 7"/>
+          <p:cNvPr id="2" name="Slide Image Placeholder 1"/>
           <p:cNvSpPr>
-            <a:spLocks noGrp="1" noChangeArrowheads="1"/>
-          </p:cNvSpPr>
-          <p:nvPr>
-            <p:ph type="sldNum" sz="quarter" idx="5"/>
-          </p:nvPr>
-        </p:nvSpPr>
-        <p:spPr>
-          <a:noFill/>
-        </p:spPr>
-        <p:txBody>
-          <a:bodyPr/>
-          <a:lstStyle/>
-          <a:p>
-            <a:fld id="{11D41461-3829-48DF-80FB-7D366BC2BABC}" type="slidenum">
-              <a:rPr lang="en-US" smtClean="0"/>
-              <a:pPr/>
-              <a:t>44</a:t>
-            </a:fld>
-            <a:endParaRPr lang="en-US" smtClean="0"/>
-          </a:p>
-        </p:txBody>
-      </p:sp>
-      <p:sp>
-        <p:nvSpPr>
-          <p:cNvPr id="61443" name="Rectangle 2"/>
-          <p:cNvSpPr>
-            <a:spLocks noGrp="1" noRot="1" noChangeAspect="1" noChangeArrowheads="1" noTextEdit="1"/>
+            <a:spLocks noGrp="1" noRot="1" noChangeAspect="1"/>
           </p:cNvSpPr>
           <p:nvPr>
             <p:ph type="sldImg"/>
           </p:nvPr>
         </p:nvSpPr>
-        <p:spPr>
-          <a:solidFill>
-            <a:srgbClr val="FFFFFF"/>
-          </a:solidFill>
-          <a:ln/>
-        </p:spPr>
+        <p:spPr/>
       </p:sp>
       <p:sp>
         <p:nvSpPr>
-          <p:cNvPr id="61444" name="Rectangle 3"/>
+          <p:cNvPr id="3" name="Notes Placeholder 2"/>
           <p:cNvSpPr>
-            <a:spLocks noGrp="1" noChangeArrowheads="1"/>
+            <a:spLocks noGrp="1"/>
           </p:cNvSpPr>
           <p:nvPr>
             <p:ph type="body" idx="1"/>
           </p:nvPr>
         </p:nvSpPr>
-        <p:spPr>
-          <a:solidFill>
-            <a:srgbClr val="FFFFFF"/>
-          </a:solidFill>
-          <a:ln>
-            <a:solidFill>
-              <a:srgbClr val="000000"/>
-            </a:solidFill>
-          </a:ln>
-        </p:spPr>
+        <p:spPr/>
+        <p:txBody>
+          <a:bodyPr>
+            <a:normAutofit/>
+          </a:bodyPr>
+          <a:lstStyle/>
+          <a:p>
+            <a:endParaRPr lang="en-US"/>
+          </a:p>
+        </p:txBody>
+      </p:sp>
+      <p:sp>
+        <p:nvSpPr>
+          <p:cNvPr id="4" name="Slide Number Placeholder 3"/>
+          <p:cNvSpPr>
+            <a:spLocks noGrp="1"/>
+          </p:cNvSpPr>
+          <p:nvPr>
+            <p:ph type="sldNum" sz="quarter" idx="10"/>
+          </p:nvPr>
+        </p:nvSpPr>
+        <p:spPr/>
         <p:txBody>
           <a:bodyPr/>
           <a:lstStyle/>
           <a:p>
-            <a:pPr eaLnBrk="1" hangingPunct="1"/>
-            <a:endParaRPr lang="en-US" smtClean="0"/>
+            <a:pPr>
+              <a:defRPr/>
+            </a:pPr>
+            <a:fld id="{95AA6155-33F1-4AB1-B9CE-6460C2E01BD9}" type="slidenum">
+              <a:rPr lang="en-US" smtClean="0"/>
+              <a:pPr>
+                <a:defRPr/>
+              </a:pPr>
+              <a:t>44</a:t>
+            </a:fld>
+            <a:endParaRPr lang="en-US"/>
           </a:p>
         </p:txBody>
       </p:sp>
@@ -4462,63 +4454,73 @@
       </p:grpSpPr>
       <p:sp>
         <p:nvSpPr>
-          <p:cNvPr id="2" name="Slide Image Placeholder 1"/>
+          <p:cNvPr id="61442" name="Rectangle 7"/>
           <p:cNvSpPr>
-            <a:spLocks noGrp="1" noRot="1" noChangeAspect="1"/>
+            <a:spLocks noGrp="1" noChangeArrowheads="1"/>
+          </p:cNvSpPr>
+          <p:nvPr>
+            <p:ph type="sldNum" sz="quarter" idx="5"/>
+          </p:nvPr>
+        </p:nvSpPr>
+        <p:spPr>
+          <a:noFill/>
+        </p:spPr>
+        <p:txBody>
+          <a:bodyPr/>
+          <a:lstStyle/>
+          <a:p>
+            <a:fld id="{11D41461-3829-48DF-80FB-7D366BC2BABC}" type="slidenum">
+              <a:rPr lang="en-US" smtClean="0"/>
+              <a:pPr/>
+              <a:t>46</a:t>
+            </a:fld>
+            <a:endParaRPr lang="en-US" smtClean="0"/>
+          </a:p>
+        </p:txBody>
+      </p:sp>
+      <p:sp>
+        <p:nvSpPr>
+          <p:cNvPr id="61443" name="Rectangle 2"/>
+          <p:cNvSpPr>
+            <a:spLocks noGrp="1" noRot="1" noChangeAspect="1" noChangeArrowheads="1" noTextEdit="1"/>
           </p:cNvSpPr>
           <p:nvPr>
             <p:ph type="sldImg"/>
           </p:nvPr>
         </p:nvSpPr>
-        <p:spPr/>
+        <p:spPr>
+          <a:solidFill>
+            <a:srgbClr val="FFFFFF"/>
+          </a:solidFill>
+          <a:ln/>
+        </p:spPr>
       </p:sp>
       <p:sp>
         <p:nvSpPr>
-          <p:cNvPr id="3" name="Notes Placeholder 2"/>
+          <p:cNvPr id="61444" name="Rectangle 3"/>
           <p:cNvSpPr>
-            <a:spLocks noGrp="1"/>
+            <a:spLocks noGrp="1" noChangeArrowheads="1"/>
           </p:cNvSpPr>
           <p:nvPr>
             <p:ph type="body" idx="1"/>
           </p:nvPr>
         </p:nvSpPr>
-        <p:spPr/>
-        <p:txBody>
-          <a:bodyPr>
-            <a:normAutofit/>
-          </a:bodyPr>
-          <a:lstStyle/>
-          <a:p>
-            <a:endParaRPr lang="en-US"/>
-          </a:p>
-        </p:txBody>
-      </p:sp>
-      <p:sp>
-        <p:nvSpPr>
-          <p:cNvPr id="4" name="Slide Number Placeholder 3"/>
-          <p:cNvSpPr>
-            <a:spLocks noGrp="1"/>
-          </p:cNvSpPr>
-          <p:nvPr>
-            <p:ph type="sldNum" sz="quarter" idx="10"/>
-          </p:nvPr>
-        </p:nvSpPr>
-        <p:spPr/>
+        <p:spPr>
+          <a:solidFill>
+            <a:srgbClr val="FFFFFF"/>
+          </a:solidFill>
+          <a:ln>
+            <a:solidFill>
+              <a:srgbClr val="000000"/>
+            </a:solidFill>
+          </a:ln>
+        </p:spPr>
         <p:txBody>
           <a:bodyPr/>
           <a:lstStyle/>
           <a:p>
-            <a:pPr>
-              <a:defRPr/>
-            </a:pPr>
-            <a:fld id="{95AA6155-33F1-4AB1-B9CE-6460C2E01BD9}" type="slidenum">
-              <a:rPr lang="en-US" smtClean="0"/>
-              <a:pPr>
-                <a:defRPr/>
-              </a:pPr>
-              <a:t>46</a:t>
-            </a:fld>
-            <a:endParaRPr lang="en-US"/>
+            <a:pPr eaLnBrk="1" hangingPunct="1"/>
+            <a:endParaRPr lang="en-US" smtClean="0"/>
           </a:p>
         </p:txBody>
       </p:sp>
@@ -4636,73 +4638,63 @@
       </p:grpSpPr>
       <p:sp>
         <p:nvSpPr>
-          <p:cNvPr id="62466" name="Rectangle 7"/>
+          <p:cNvPr id="2" name="Slide Image Placeholder 1"/>
           <p:cNvSpPr>
-            <a:spLocks noGrp="1" noChangeArrowheads="1"/>
-          </p:cNvSpPr>
-          <p:nvPr>
-            <p:ph type="sldNum" sz="quarter" idx="5"/>
-          </p:nvPr>
-        </p:nvSpPr>
-        <p:spPr>
-          <a:noFill/>
-        </p:spPr>
-        <p:txBody>
-          <a:bodyPr/>
-          <a:lstStyle/>
-          <a:p>
-            <a:fld id="{C6A956E4-DD51-498B-AD0B-E9FB2F35A500}" type="slidenum">
-              <a:rPr lang="en-US" smtClean="0"/>
-              <a:pPr/>
-              <a:t>48</a:t>
-            </a:fld>
-            <a:endParaRPr lang="en-US" smtClean="0"/>
-          </a:p>
-        </p:txBody>
-      </p:sp>
-      <p:sp>
-        <p:nvSpPr>
-          <p:cNvPr id="62467" name="Rectangle 2"/>
-          <p:cNvSpPr>
-            <a:spLocks noGrp="1" noRot="1" noChangeAspect="1" noChangeArrowheads="1" noTextEdit="1"/>
+            <a:spLocks noGrp="1" noRot="1" noChangeAspect="1"/>
           </p:cNvSpPr>
           <p:nvPr>
             <p:ph type="sldImg"/>
           </p:nvPr>
         </p:nvSpPr>
-        <p:spPr>
-          <a:solidFill>
-            <a:srgbClr val="FFFFFF"/>
-          </a:solidFill>
-          <a:ln/>
-        </p:spPr>
+        <p:spPr/>
       </p:sp>
       <p:sp>
         <p:nvSpPr>
-          <p:cNvPr id="62468" name="Rectangle 3"/>
+          <p:cNvPr id="3" name="Notes Placeholder 2"/>
           <p:cNvSpPr>
-            <a:spLocks noGrp="1" noChangeArrowheads="1"/>
+            <a:spLocks noGrp="1"/>
           </p:cNvSpPr>
           <p:nvPr>
             <p:ph type="body" idx="1"/>
           </p:nvPr>
         </p:nvSpPr>
-        <p:spPr>
-          <a:solidFill>
-            <a:srgbClr val="FFFFFF"/>
-          </a:solidFill>
-          <a:ln>
-            <a:solidFill>
-              <a:srgbClr val="000000"/>
-            </a:solidFill>
-          </a:ln>
-        </p:spPr>
+        <p:spPr/>
+        <p:txBody>
+          <a:bodyPr>
+            <a:normAutofit/>
+          </a:bodyPr>
+          <a:lstStyle/>
+          <a:p>
+            <a:endParaRPr lang="en-US"/>
+          </a:p>
+        </p:txBody>
+      </p:sp>
+      <p:sp>
+        <p:nvSpPr>
+          <p:cNvPr id="4" name="Slide Number Placeholder 3"/>
+          <p:cNvSpPr>
+            <a:spLocks noGrp="1"/>
+          </p:cNvSpPr>
+          <p:nvPr>
+            <p:ph type="sldNum" sz="quarter" idx="10"/>
+          </p:nvPr>
+        </p:nvSpPr>
+        <p:spPr/>
         <p:txBody>
           <a:bodyPr/>
           <a:lstStyle/>
           <a:p>
-            <a:pPr eaLnBrk="1" hangingPunct="1"/>
-            <a:endParaRPr lang="en-US" smtClean="0"/>
+            <a:pPr>
+              <a:defRPr/>
+            </a:pPr>
+            <a:fld id="{95AA6155-33F1-4AB1-B9CE-6460C2E01BD9}" type="slidenum">
+              <a:rPr lang="en-US" smtClean="0"/>
+              <a:pPr>
+                <a:defRPr/>
+              </a:pPr>
+              <a:t>48</a:t>
+            </a:fld>
+            <a:endParaRPr lang="en-US"/>
           </a:p>
         </p:txBody>
       </p:sp>
@@ -4733,7 +4725,7 @@
       </p:grpSpPr>
       <p:sp>
         <p:nvSpPr>
-          <p:cNvPr id="63490" name="Rectangle 7"/>
+          <p:cNvPr id="62466" name="Rectangle 7"/>
           <p:cNvSpPr>
             <a:spLocks noGrp="1" noChangeArrowheads="1"/>
           </p:cNvSpPr>
@@ -4748,7 +4740,7 @@
           <a:bodyPr/>
           <a:lstStyle/>
           <a:p>
-            <a:fld id="{392BE447-449A-4E02-ABD9-A6B64A6E95C8}" type="slidenum">
+            <a:fld id="{C6A956E4-DD51-498B-AD0B-E9FB2F35A500}" type="slidenum">
               <a:rPr lang="en-US" smtClean="0"/>
               <a:pPr/>
               <a:t>49</a:t>
@@ -4759,7 +4751,7 @@
       </p:sp>
       <p:sp>
         <p:nvSpPr>
-          <p:cNvPr id="63491" name="Rectangle 2"/>
+          <p:cNvPr id="62467" name="Rectangle 2"/>
           <p:cNvSpPr>
             <a:spLocks noGrp="1" noRot="1" noChangeAspect="1" noChangeArrowheads="1" noTextEdit="1"/>
           </p:cNvSpPr>
@@ -4776,7 +4768,7 @@
       </p:sp>
       <p:sp>
         <p:nvSpPr>
-          <p:cNvPr id="63492" name="Rectangle 3"/>
+          <p:cNvPr id="62468" name="Rectangle 3"/>
           <p:cNvSpPr>
             <a:spLocks noGrp="1" noChangeArrowheads="1"/>
           </p:cNvSpPr>
@@ -5015,7 +5007,7 @@
       </p:grpSpPr>
       <p:sp>
         <p:nvSpPr>
-          <p:cNvPr id="62466" name="Rectangle 7"/>
+          <p:cNvPr id="63490" name="Rectangle 7"/>
           <p:cNvSpPr>
             <a:spLocks noGrp="1" noChangeArrowheads="1"/>
           </p:cNvSpPr>
@@ -5030,7 +5022,7 @@
           <a:bodyPr/>
           <a:lstStyle/>
           <a:p>
-            <a:fld id="{C6A956E4-DD51-498B-AD0B-E9FB2F35A500}" type="slidenum">
+            <a:fld id="{392BE447-449A-4E02-ABD9-A6B64A6E95C8}" type="slidenum">
               <a:rPr lang="en-US" smtClean="0"/>
               <a:pPr/>
               <a:t>51</a:t>
@@ -5041,7 +5033,7 @@
       </p:sp>
       <p:sp>
         <p:nvSpPr>
-          <p:cNvPr id="62467" name="Rectangle 2"/>
+          <p:cNvPr id="63491" name="Rectangle 2"/>
           <p:cNvSpPr>
             <a:spLocks noGrp="1" noRot="1" noChangeAspect="1" noChangeArrowheads="1" noTextEdit="1"/>
           </p:cNvSpPr>
@@ -5058,7 +5050,7 @@
       </p:sp>
       <p:sp>
         <p:nvSpPr>
-          <p:cNvPr id="62468" name="Rectangle 3"/>
+          <p:cNvPr id="63492" name="Rectangle 3"/>
           <p:cNvSpPr>
             <a:spLocks noGrp="1" noChangeArrowheads="1"/>
           </p:cNvSpPr>
@@ -5112,7 +5104,7 @@
       </p:grpSpPr>
       <p:sp>
         <p:nvSpPr>
-          <p:cNvPr id="63490" name="Rectangle 7"/>
+          <p:cNvPr id="62466" name="Rectangle 7"/>
           <p:cNvSpPr>
             <a:spLocks noGrp="1" noChangeArrowheads="1"/>
           </p:cNvSpPr>
@@ -5127,7 +5119,7 @@
           <a:bodyPr/>
           <a:lstStyle/>
           <a:p>
-            <a:fld id="{392BE447-449A-4E02-ABD9-A6B64A6E95C8}" type="slidenum">
+            <a:fld id="{C6A956E4-DD51-498B-AD0B-E9FB2F35A500}" type="slidenum">
               <a:rPr lang="en-US" smtClean="0"/>
               <a:pPr/>
               <a:t>52</a:t>
@@ -5138,7 +5130,7 @@
       </p:sp>
       <p:sp>
         <p:nvSpPr>
-          <p:cNvPr id="63491" name="Rectangle 2"/>
+          <p:cNvPr id="62467" name="Rectangle 2"/>
           <p:cNvSpPr>
             <a:spLocks noGrp="1" noRot="1" noChangeAspect="1" noChangeArrowheads="1" noTextEdit="1"/>
           </p:cNvSpPr>
@@ -5155,7 +5147,7 @@
       </p:sp>
       <p:sp>
         <p:nvSpPr>
-          <p:cNvPr id="63492" name="Rectangle 3"/>
+          <p:cNvPr id="62468" name="Rectangle 3"/>
           <p:cNvSpPr>
             <a:spLocks noGrp="1" noChangeArrowheads="1"/>
           </p:cNvSpPr>
@@ -5403,7 +5395,7 @@
       </p:grpSpPr>
       <p:sp>
         <p:nvSpPr>
-          <p:cNvPr id="64514" name="Rectangle 7"/>
+          <p:cNvPr id="63490" name="Rectangle 7"/>
           <p:cNvSpPr>
             <a:spLocks noGrp="1" noChangeArrowheads="1"/>
           </p:cNvSpPr>
@@ -5418,7 +5410,7 @@
           <a:bodyPr/>
           <a:lstStyle/>
           <a:p>
-            <a:fld id="{9544F4BC-3F64-445A-BB97-C23C9D0169F7}" type="slidenum">
+            <a:fld id="{392BE447-449A-4E02-ABD9-A6B64A6E95C8}" type="slidenum">
               <a:rPr lang="en-US" smtClean="0"/>
               <a:pPr/>
               <a:t>55</a:t>
@@ -5429,7 +5421,7 @@
       </p:sp>
       <p:sp>
         <p:nvSpPr>
-          <p:cNvPr id="64515" name="Rectangle 2"/>
+          <p:cNvPr id="63491" name="Rectangle 2"/>
           <p:cNvSpPr>
             <a:spLocks noGrp="1" noRot="1" noChangeAspect="1" noChangeArrowheads="1" noTextEdit="1"/>
           </p:cNvSpPr>
@@ -5446,7 +5438,7 @@
       </p:sp>
       <p:sp>
         <p:nvSpPr>
-          <p:cNvPr id="64516" name="Rectangle 3"/>
+          <p:cNvPr id="63492" name="Rectangle 3"/>
           <p:cNvSpPr>
             <a:spLocks noGrp="1" noChangeArrowheads="1"/>
           </p:cNvSpPr>
@@ -5597,6 +5589,103 @@
       </p:grpSpPr>
       <p:sp>
         <p:nvSpPr>
+          <p:cNvPr id="64514" name="Rectangle 7"/>
+          <p:cNvSpPr>
+            <a:spLocks noGrp="1" noChangeArrowheads="1"/>
+          </p:cNvSpPr>
+          <p:nvPr>
+            <p:ph type="sldNum" sz="quarter" idx="5"/>
+          </p:nvPr>
+        </p:nvSpPr>
+        <p:spPr>
+          <a:noFill/>
+        </p:spPr>
+        <p:txBody>
+          <a:bodyPr/>
+          <a:lstStyle/>
+          <a:p>
+            <a:fld id="{9544F4BC-3F64-445A-BB97-C23C9D0169F7}" type="slidenum">
+              <a:rPr lang="en-US" smtClean="0"/>
+              <a:pPr/>
+              <a:t>57</a:t>
+            </a:fld>
+            <a:endParaRPr lang="en-US" smtClean="0"/>
+          </a:p>
+        </p:txBody>
+      </p:sp>
+      <p:sp>
+        <p:nvSpPr>
+          <p:cNvPr id="64515" name="Rectangle 2"/>
+          <p:cNvSpPr>
+            <a:spLocks noGrp="1" noRot="1" noChangeAspect="1" noChangeArrowheads="1" noTextEdit="1"/>
+          </p:cNvSpPr>
+          <p:nvPr>
+            <p:ph type="sldImg"/>
+          </p:nvPr>
+        </p:nvSpPr>
+        <p:spPr>
+          <a:solidFill>
+            <a:srgbClr val="FFFFFF"/>
+          </a:solidFill>
+          <a:ln/>
+        </p:spPr>
+      </p:sp>
+      <p:sp>
+        <p:nvSpPr>
+          <p:cNvPr id="64516" name="Rectangle 3"/>
+          <p:cNvSpPr>
+            <a:spLocks noGrp="1" noChangeArrowheads="1"/>
+          </p:cNvSpPr>
+          <p:nvPr>
+            <p:ph type="body" idx="1"/>
+          </p:nvPr>
+        </p:nvSpPr>
+        <p:spPr>
+          <a:solidFill>
+            <a:srgbClr val="FFFFFF"/>
+          </a:solidFill>
+          <a:ln>
+            <a:solidFill>
+              <a:srgbClr val="000000"/>
+            </a:solidFill>
+          </a:ln>
+        </p:spPr>
+        <p:txBody>
+          <a:bodyPr/>
+          <a:lstStyle/>
+          <a:p>
+            <a:pPr eaLnBrk="1" hangingPunct="1"/>
+            <a:endParaRPr lang="en-US" smtClean="0"/>
+          </a:p>
+        </p:txBody>
+      </p:sp>
+    </p:spTree>
+  </p:cSld>
+  <p:clrMapOvr>
+    <a:masterClrMapping/>
+  </p:clrMapOvr>
+</p:notes>
+</file>
+
+<file path=ppt/notesSlides/notesSlide58.xml><?xml version="1.0" encoding="utf-8"?>
+<p:notes xmlns:a="http://schemas.openxmlformats.org/drawingml/2006/main" xmlns:r="http://schemas.openxmlformats.org/officeDocument/2006/relationships" xmlns:p="http://schemas.openxmlformats.org/presentationml/2006/main">
+  <p:cSld>
+    <p:spTree>
+      <p:nvGrpSpPr>
+        <p:cNvPr id="1" name=""/>
+        <p:cNvGrpSpPr/>
+        <p:nvPr/>
+      </p:nvGrpSpPr>
+      <p:grpSpPr>
+        <a:xfrm>
+          <a:off x="0" y="0"/>
+          <a:ext cx="0" cy="0"/>
+          <a:chOff x="0" y="0"/>
+          <a:chExt cx="0" cy="0"/>
+        </a:xfrm>
+      </p:grpSpPr>
+      <p:sp>
+        <p:nvSpPr>
           <p:cNvPr id="75778" name="Rectangle 7"/>
           <p:cNvSpPr>
             <a:spLocks noGrp="1" noChangeArrowheads="1"/>
@@ -5615,7 +5704,7 @@
             <a:fld id="{529753CE-C8AA-4191-95F4-567722EC1BFB}" type="slidenum">
               <a:rPr lang="en-US" smtClean="0"/>
               <a:pPr/>
-              <a:t>57</a:t>
+              <a:t>58</a:t>
             </a:fld>
             <a:endParaRPr lang="en-US" smtClean="0"/>
           </a:p>
@@ -6159,11 +6248,7 @@
             </a:r>
             <a:r>
               <a:rPr lang="en-US" dirty="0" smtClean="0"/>
-              <a:t> </a:t>
-            </a:r>
-            <a:r>
-              <a:rPr lang="en-US" dirty="0" smtClean="0"/>
-              <a:t>14W.</a:t>
+              <a:t> 14W.</a:t>
             </a:r>
             <a:fld id="{FC9265C7-2444-489D-860F-86AAC4235083}" type="slidenum">
               <a:rPr lang="en-US" smtClean="0"/>
@@ -6338,11 +6423,7 @@
             </a:r>
             <a:r>
               <a:rPr lang="en-US" dirty="0" smtClean="0"/>
-              <a:t> </a:t>
-            </a:r>
-            <a:r>
-              <a:rPr lang="en-US" dirty="0" smtClean="0"/>
-              <a:t>14W.</a:t>
+              <a:t> 14W.</a:t>
             </a:r>
             <a:fld id="{7886A709-CED2-48A3-8616-B2655C008ECB}" type="slidenum">
               <a:rPr lang="en-US" smtClean="0"/>
@@ -6508,11 +6589,7 @@
             </a:r>
             <a:r>
               <a:rPr lang="en-US" dirty="0" smtClean="0"/>
-              <a:t> </a:t>
-            </a:r>
-            <a:r>
-              <a:rPr lang="en-US" dirty="0" smtClean="0"/>
-              <a:t>14W.</a:t>
+              <a:t> 14W.</a:t>
             </a:r>
             <a:fld id="{BF80F45E-FB96-45E0-92FC-8BB2C6497030}" type="slidenum">
               <a:rPr lang="en-US" smtClean="0"/>
@@ -6608,11 +6685,7 @@
             </a:r>
             <a:r>
               <a:rPr lang="en-US" dirty="0" smtClean="0"/>
-              <a:t> </a:t>
-            </a:r>
-            <a:r>
-              <a:rPr lang="en-US" dirty="0" smtClean="0"/>
-              <a:t>14W.</a:t>
+              <a:t> 14W.</a:t>
             </a:r>
             <a:fld id="{9B55653B-1858-43BF-A49A-533C730B553F}" type="slidenum">
               <a:rPr lang="en-US" smtClean="0"/>
@@ -6681,11 +6754,7 @@
             </a:r>
             <a:r>
               <a:rPr lang="en-US" dirty="0" smtClean="0"/>
-              <a:t> </a:t>
-            </a:r>
-            <a:r>
-              <a:rPr lang="en-US" dirty="0" smtClean="0"/>
-              <a:t>14W.</a:t>
+              <a:t> 14W.</a:t>
             </a:r>
             <a:fld id="{4E62291C-8AD8-4AE0-8F6D-A8437E91FB33}" type="slidenum">
               <a:rPr lang="en-US" smtClean="0"/>
@@ -6896,11 +6965,7 @@
             </a:r>
             <a:r>
               <a:rPr lang="en-US" dirty="0" smtClean="0"/>
-              <a:t> </a:t>
-            </a:r>
-            <a:r>
-              <a:rPr lang="en-US" dirty="0" smtClean="0"/>
-              <a:t>14W.</a:t>
+              <a:t> 14W.</a:t>
             </a:r>
             <a:fld id="{7886A709-CED2-48A3-8616-B2655C008ECB}" type="slidenum">
               <a:rPr lang="en-US" smtClean="0"/>
@@ -6996,37 +7061,7 @@
                 <a:uFillTx/>
                 <a:latin typeface="Comic Sans MS" pitchFamily="66" charset="0"/>
               </a:rPr>
-              <a:t>Albert R Meyer,            </a:t>
-            </a:r>
-            <a:r>
-              <a:rPr kumimoji="0" lang="en-US" sz="1200" b="0" i="0" u="none" strike="noStrike" kern="1200" cap="none" spc="0" normalizeH="0" baseline="0" noProof="0" dirty="0" smtClean="0">
-                <a:ln>
-                  <a:noFill/>
-                </a:ln>
-                <a:solidFill>
-                  <a:schemeClr val="tx1"/>
-                </a:solidFill>
-                <a:effectLst/>
-                <a:uLnTx/>
-                <a:uFillTx/>
-                <a:latin typeface="Comic Sans MS" pitchFamily="66" charset="0"/>
-              </a:rPr>
-              <a:t>December 7, </a:t>
-            </a:r>
-            <a:r>
-              <a:rPr kumimoji="0" lang="en-US" sz="1200" b="0" i="0" u="none" strike="noStrike" kern="1200" cap="none" spc="0" normalizeH="0" baseline="0" noProof="0" dirty="0" smtClean="0">
-                <a:ln>
-                  <a:noFill/>
-                </a:ln>
-                <a:solidFill>
-                  <a:schemeClr val="tx1"/>
-                </a:solidFill>
-                <a:effectLst/>
-                <a:uLnTx/>
-                <a:uFillTx/>
-                <a:latin typeface="Comic Sans MS" pitchFamily="66" charset="0"/>
-              </a:rPr>
-              <a:t>2011</a:t>
+              <a:t>Albert R Meyer,            December 7, 2011</a:t>
             </a:r>
             <a:endParaRPr kumimoji="0" lang="en-US" sz="1200" b="0" i="0" u="none" strike="noStrike" kern="1200" cap="none" spc="0" normalizeH="0" baseline="0" noProof="0" dirty="0">
               <a:ln>
@@ -7631,11 +7666,7 @@
             </a:r>
             <a:r>
               <a:rPr lang="en-US" dirty="0" smtClean="0"/>
-              <a:t> </a:t>
-            </a:r>
-            <a:r>
-              <a:rPr lang="en-US" dirty="0" smtClean="0"/>
-              <a:t>14W.</a:t>
+              <a:t> 14W.</a:t>
             </a:r>
             <a:fld id="{93DA0692-DAF7-4AFE-9BE7-E02439D3694A}" type="slidenum">
               <a:rPr lang="en-US" smtClean="0"/>
@@ -7904,29 +7935,6 @@
       </p:sp>
       <p:sp>
         <p:nvSpPr>
-          <p:cNvPr id="12291" name="Rectangle 2"/>
-          <p:cNvSpPr>
-            <a:spLocks noGrp="1" noChangeArrowheads="1"/>
-          </p:cNvSpPr>
-          <p:nvPr>
-            <p:ph type="title"/>
-          </p:nvPr>
-        </p:nvSpPr>
-        <p:spPr/>
-        <p:txBody>
-          <a:bodyPr/>
-          <a:lstStyle/>
-          <a:p>
-            <a:pPr eaLnBrk="1" hangingPunct="1"/>
-            <a:r>
-              <a:rPr lang="en-US" sz="4400" dirty="0" smtClean="0"/>
-              <a:t>Carnival Dice</a:t>
-            </a:r>
-          </a:p>
-        </p:txBody>
-      </p:sp>
-      <p:sp>
-        <p:nvSpPr>
           <p:cNvPr id="12292" name="Text Box 3"/>
           <p:cNvSpPr txBox="1">
             <a:spLocks noChangeArrowheads="1"/>
@@ -7997,14 +8005,7 @@
                 <a:latin typeface="Comic Sans MS"/>
                 <a:cs typeface="Comic Sans MS"/>
               </a:rPr>
-              <a:t> </a:t>
-            </a:r>
-            <a:r>
-              <a:rPr lang="en-US" sz="1200" dirty="0" smtClean="0">
-                <a:latin typeface="Comic Sans MS"/>
-                <a:cs typeface="Comic Sans MS"/>
-              </a:rPr>
-              <a:t>14W.</a:t>
+              <a:t> 14W.</a:t>
             </a:r>
             <a:fld id="{93DA0692-DAF7-4AFE-9BE7-E02439D3694A}" type="slidenum">
               <a:rPr lang="en-US" sz="1200" smtClean="0">
@@ -8023,6 +8024,66 @@
           </a:p>
         </p:txBody>
       </p:sp>
+      <p:sp>
+        <p:nvSpPr>
+          <p:cNvPr id="7" name="Rectangle 2"/>
+          <p:cNvSpPr>
+            <a:spLocks noGrp="1" noChangeArrowheads="1"/>
+          </p:cNvSpPr>
+          <p:nvPr>
+            <p:ph type="title"/>
+          </p:nvPr>
+        </p:nvSpPr>
+        <p:spPr>
+          <a:xfrm>
+            <a:off x="1409700" y="225425"/>
+            <a:ext cx="5652679" cy="819151"/>
+          </a:xfrm>
+        </p:spPr>
+        <p:txBody>
+          <a:bodyPr/>
+          <a:lstStyle/>
+          <a:p>
+            <a:pPr eaLnBrk="1" hangingPunct="1"/>
+            <a:r>
+              <a:rPr lang="en-US" sz="4800" dirty="0" smtClean="0"/>
+              <a:t>Carnival Dice</a:t>
+            </a:r>
+          </a:p>
+        </p:txBody>
+      </p:sp>
+      <p:pic>
+        <p:nvPicPr>
+          <p:cNvPr id="8" name="Picture 4" descr="j0258752[1]"/>
+          <p:cNvPicPr>
+            <a:picLocks noChangeAspect="1" noChangeArrowheads="1"/>
+          </p:cNvPicPr>
+          <p:nvPr/>
+        </p:nvPicPr>
+        <p:blipFill>
+          <a:blip r:embed="rId3" cstate="print"/>
+          <a:srcRect/>
+          <a:stretch>
+            <a:fillRect/>
+          </a:stretch>
+        </p:blipFill>
+        <p:spPr bwMode="auto">
+          <a:xfrm>
+            <a:off x="6705600" y="76200"/>
+            <a:ext cx="2133600" cy="1639888"/>
+          </a:xfrm>
+          <a:prstGeom prst="rect">
+            <a:avLst/>
+          </a:prstGeom>
+          <a:noFill/>
+          <a:ln w="9525">
+            <a:noFill/>
+            <a:miter lim="800000"/>
+            <a:headEnd/>
+            <a:tailEnd/>
+          </a:ln>
+        </p:spPr>
+      </p:pic>
     </p:spTree>
   </p:cSld>
   <p:clrMapOvr>
@@ -8293,7 +8354,7 @@
           <a:graphicData uri="http://schemas.openxmlformats.org/presentationml/2006/ole">
             <mc:AlternateContent xmlns:mc="http://schemas.openxmlformats.org/markup-compatibility/2006">
               <mc:Choice xmlns:v="urn:schemas-microsoft-com:vml" Requires="v">
-                <p:oleObj spid="_x0000_s174087" name="Equation" r:id="rId4" imgW="2006280" imgH="812520" progId="Equation.DSMT4">
+                <p:oleObj spid="_x0000_s174090" name="Equation" r:id="rId4" imgW="2006280" imgH="812520" progId="Equation.DSMT4">
                   <p:embed/>
                 </p:oleObj>
               </mc:Choice>
@@ -8349,29 +8410,6 @@
       </p:graphicFrame>
       <p:sp>
         <p:nvSpPr>
-          <p:cNvPr id="13314" name="Rectangle 2"/>
-          <p:cNvSpPr>
-            <a:spLocks noGrp="1" noChangeArrowheads="1"/>
-          </p:cNvSpPr>
-          <p:nvPr>
-            <p:ph type="title"/>
-          </p:nvPr>
-        </p:nvSpPr>
-        <p:spPr/>
-        <p:txBody>
-          <a:bodyPr/>
-          <a:lstStyle/>
-          <a:p>
-            <a:pPr eaLnBrk="1" hangingPunct="1"/>
-            <a:r>
-              <a:rPr lang="en-US" sz="4400" dirty="0" smtClean="0"/>
-              <a:t>Carnival Dice</a:t>
-            </a:r>
-          </a:p>
-        </p:txBody>
-      </p:sp>
-      <p:sp>
-        <p:nvSpPr>
           <p:cNvPr id="13315" name="Text Box 3"/>
           <p:cNvSpPr txBox="1">
             <a:spLocks noChangeArrowheads="1"/>
@@ -8539,14 +8577,7 @@
                 <a:latin typeface="Comic Sans MS"/>
                 <a:cs typeface="Comic Sans MS"/>
               </a:rPr>
-              <a:t> </a:t>
-            </a:r>
-            <a:r>
-              <a:rPr lang="en-US" sz="1200" dirty="0" smtClean="0">
-                <a:latin typeface="Comic Sans MS"/>
-                <a:cs typeface="Comic Sans MS"/>
-              </a:rPr>
-              <a:t>14W.</a:t>
+              <a:t> 14W.</a:t>
             </a:r>
             <a:fld id="{93DA0692-DAF7-4AFE-9BE7-E02439D3694A}" type="slidenum">
               <a:rPr lang="en-US" sz="1200" smtClean="0">
@@ -8565,6 +8596,66 @@
           </a:p>
         </p:txBody>
       </p:sp>
+      <p:sp>
+        <p:nvSpPr>
+          <p:cNvPr id="9" name="Rectangle 2"/>
+          <p:cNvSpPr>
+            <a:spLocks noGrp="1" noChangeArrowheads="1"/>
+          </p:cNvSpPr>
+          <p:nvPr>
+            <p:ph type="title"/>
+          </p:nvPr>
+        </p:nvSpPr>
+        <p:spPr>
+          <a:xfrm>
+            <a:off x="1409700" y="225425"/>
+            <a:ext cx="5652679" cy="819151"/>
+          </a:xfrm>
+        </p:spPr>
+        <p:txBody>
+          <a:bodyPr/>
+          <a:lstStyle/>
+          <a:p>
+            <a:pPr eaLnBrk="1" hangingPunct="1"/>
+            <a:r>
+              <a:rPr lang="en-US" sz="4800" dirty="0" smtClean="0"/>
+              <a:t>Carnival Dice</a:t>
+            </a:r>
+          </a:p>
+        </p:txBody>
+      </p:sp>
+      <p:pic>
+        <p:nvPicPr>
+          <p:cNvPr id="10" name="Picture 4" descr="j0258752[1]"/>
+          <p:cNvPicPr>
+            <a:picLocks noChangeAspect="1" noChangeArrowheads="1"/>
+          </p:cNvPicPr>
+          <p:nvPr/>
+        </p:nvPicPr>
+        <p:blipFill>
+          <a:blip r:embed="rId6" cstate="print"/>
+          <a:srcRect/>
+          <a:stretch>
+            <a:fillRect/>
+          </a:stretch>
+        </p:blipFill>
+        <p:spPr bwMode="auto">
+          <a:xfrm>
+            <a:off x="6705600" y="76200"/>
+            <a:ext cx="2133600" cy="1639888"/>
+          </a:xfrm>
+          <a:prstGeom prst="rect">
+            <a:avLst/>
+          </a:prstGeom>
+          <a:noFill/>
+          <a:ln w="9525">
+            <a:noFill/>
+            <a:miter lim="800000"/>
+            <a:headEnd/>
+            <a:tailEnd/>
+          </a:ln>
+        </p:spPr>
+      </p:pic>
     </p:spTree>
   </p:cSld>
   <p:clrMapOvr>
@@ -8692,7 +8783,7 @@
           <a:graphicData uri="http://schemas.openxmlformats.org/presentationml/2006/ole">
             <mc:AlternateContent xmlns:mc="http://schemas.openxmlformats.org/markup-compatibility/2006">
               <mc:Choice xmlns:v="urn:schemas-microsoft-com:vml" Requires="v">
-                <p:oleObj spid="_x0000_s176135" name="Equation" r:id="rId4" imgW="2006280" imgH="812520" progId="Equation.DSMT4">
+                <p:oleObj spid="_x0000_s176138" name="Equation" r:id="rId4" imgW="2006280" imgH="812520" progId="Equation.DSMT4">
                   <p:embed/>
                 </p:oleObj>
               </mc:Choice>
@@ -8748,29 +8839,6 @@
       </p:graphicFrame>
       <p:sp>
         <p:nvSpPr>
-          <p:cNvPr id="13314" name="Rectangle 2"/>
-          <p:cNvSpPr>
-            <a:spLocks noGrp="1" noChangeArrowheads="1"/>
-          </p:cNvSpPr>
-          <p:nvPr>
-            <p:ph type="title"/>
-          </p:nvPr>
-        </p:nvSpPr>
-        <p:spPr/>
-        <p:txBody>
-          <a:bodyPr/>
-          <a:lstStyle/>
-          <a:p>
-            <a:pPr eaLnBrk="1" hangingPunct="1"/>
-            <a:r>
-              <a:rPr lang="en-US" sz="4400" dirty="0" smtClean="0"/>
-              <a:t>Carnival Dice</a:t>
-            </a:r>
-          </a:p>
-        </p:txBody>
-      </p:sp>
-      <p:sp>
-        <p:nvSpPr>
           <p:cNvPr id="13315" name="Text Box 3"/>
           <p:cNvSpPr txBox="1">
             <a:spLocks noChangeArrowheads="1"/>
@@ -8987,14 +9055,7 @@
                 <a:latin typeface="Comic Sans MS"/>
                 <a:cs typeface="Comic Sans MS"/>
               </a:rPr>
-              <a:t> </a:t>
-            </a:r>
-            <a:r>
-              <a:rPr lang="en-US" sz="1200" dirty="0" smtClean="0">
-                <a:latin typeface="Comic Sans MS"/>
-                <a:cs typeface="Comic Sans MS"/>
-              </a:rPr>
-              <a:t>14W.</a:t>
+              <a:t> 14W.</a:t>
             </a:r>
             <a:fld id="{93DA0692-DAF7-4AFE-9BE7-E02439D3694A}" type="slidenum">
               <a:rPr lang="en-US" sz="1200" smtClean="0">
@@ -9051,14 +9112,7 @@
                 <a:latin typeface="Comic Sans MS"/>
                 <a:cs typeface="Comic Sans MS"/>
               </a:rPr>
-              <a:t> </a:t>
-            </a:r>
-            <a:r>
-              <a:rPr lang="en-US" sz="1200" dirty="0" smtClean="0">
-                <a:latin typeface="Comic Sans MS"/>
-                <a:cs typeface="Comic Sans MS"/>
-              </a:rPr>
-              <a:t>14W.</a:t>
+              <a:t> 14W.</a:t>
             </a:r>
             <a:fld id="{93DA0692-DAF7-4AFE-9BE7-E02439D3694A}" type="slidenum">
               <a:rPr lang="en-US" sz="1200" smtClean="0">
@@ -9077,6 +9131,66 @@
           </a:p>
         </p:txBody>
       </p:sp>
+      <p:sp>
+        <p:nvSpPr>
+          <p:cNvPr id="12" name="Rectangle 2"/>
+          <p:cNvSpPr>
+            <a:spLocks noGrp="1" noChangeArrowheads="1"/>
+          </p:cNvSpPr>
+          <p:nvPr>
+            <p:ph type="title"/>
+          </p:nvPr>
+        </p:nvSpPr>
+        <p:spPr>
+          <a:xfrm>
+            <a:off x="1409700" y="225425"/>
+            <a:ext cx="5652679" cy="819151"/>
+          </a:xfrm>
+        </p:spPr>
+        <p:txBody>
+          <a:bodyPr/>
+          <a:lstStyle/>
+          <a:p>
+            <a:pPr eaLnBrk="1" hangingPunct="1"/>
+            <a:r>
+              <a:rPr lang="en-US" sz="4800" dirty="0" smtClean="0"/>
+              <a:t>Carnival Dice</a:t>
+            </a:r>
+          </a:p>
+        </p:txBody>
+      </p:sp>
+      <p:pic>
+        <p:nvPicPr>
+          <p:cNvPr id="13" name="Picture 4" descr="j0258752[1]"/>
+          <p:cNvPicPr>
+            <a:picLocks noChangeAspect="1" noChangeArrowheads="1"/>
+          </p:cNvPicPr>
+          <p:nvPr/>
+        </p:nvPicPr>
+        <p:blipFill>
+          <a:blip r:embed="rId6" cstate="print"/>
+          <a:srcRect/>
+          <a:stretch>
+            <a:fillRect/>
+          </a:stretch>
+        </p:blipFill>
+        <p:spPr bwMode="auto">
+          <a:xfrm>
+            <a:off x="6705600" y="76200"/>
+            <a:ext cx="2133600" cy="1639888"/>
+          </a:xfrm>
+          <a:prstGeom prst="rect">
+            <a:avLst/>
+          </a:prstGeom>
+          <a:noFill/>
+          <a:ln w="9525">
+            <a:noFill/>
+            <a:miter lim="800000"/>
+            <a:headEnd/>
+            <a:tailEnd/>
+          </a:ln>
+        </p:spPr>
+      </p:pic>
     </p:spTree>
   </p:cSld>
   <p:clrMapOvr>
@@ -9377,31 +9491,6 @@
       </p:sp>
       <p:sp>
         <p:nvSpPr>
-          <p:cNvPr id="15363" name="Rectangle 4"/>
-          <p:cNvSpPr>
-            <a:spLocks noGrp="1" noChangeArrowheads="1"/>
-          </p:cNvSpPr>
-          <p:nvPr>
-            <p:ph type="title"/>
-          </p:nvPr>
-        </p:nvSpPr>
-        <p:spPr>
-          <a:noFill/>
-        </p:spPr>
-        <p:txBody>
-          <a:bodyPr/>
-          <a:lstStyle/>
-          <a:p>
-            <a:pPr eaLnBrk="1" hangingPunct="1"/>
-            <a:r>
-              <a:rPr lang="en-US" dirty="0" smtClean="0"/>
-              <a:t>Carnival Dice</a:t>
-            </a:r>
-          </a:p>
-        </p:txBody>
-      </p:sp>
-      <p:sp>
-        <p:nvSpPr>
           <p:cNvPr id="5" name="TextBox 4"/>
           <p:cNvSpPr txBox="1"/>
           <p:nvPr/>
@@ -9640,14 +9729,7 @@
                 <a:latin typeface="Comic Sans MS"/>
                 <a:cs typeface="Comic Sans MS"/>
               </a:rPr>
-              <a:t> </a:t>
-            </a:r>
-            <a:r>
-              <a:rPr lang="en-US" sz="1200" dirty="0" smtClean="0">
-                <a:latin typeface="Comic Sans MS"/>
-                <a:cs typeface="Comic Sans MS"/>
-              </a:rPr>
-              <a:t>14W.</a:t>
+              <a:t> 14W.</a:t>
             </a:r>
             <a:fld id="{93DA0692-DAF7-4AFE-9BE7-E02439D3694A}" type="slidenum">
               <a:rPr lang="en-US" sz="1200" smtClean="0">
@@ -9666,6 +9748,66 @@
           </a:p>
         </p:txBody>
       </p:sp>
+      <p:sp>
+        <p:nvSpPr>
+          <p:cNvPr id="7" name="Rectangle 2"/>
+          <p:cNvSpPr>
+            <a:spLocks noGrp="1" noChangeArrowheads="1"/>
+          </p:cNvSpPr>
+          <p:nvPr>
+            <p:ph type="title"/>
+          </p:nvPr>
+        </p:nvSpPr>
+        <p:spPr>
+          <a:xfrm>
+            <a:off x="1409700" y="225425"/>
+            <a:ext cx="5652679" cy="819151"/>
+          </a:xfrm>
+        </p:spPr>
+        <p:txBody>
+          <a:bodyPr/>
+          <a:lstStyle/>
+          <a:p>
+            <a:pPr eaLnBrk="1" hangingPunct="1"/>
+            <a:r>
+              <a:rPr lang="en-US" sz="4800" dirty="0" smtClean="0"/>
+              <a:t>Carnival Dice</a:t>
+            </a:r>
+          </a:p>
+        </p:txBody>
+      </p:sp>
+      <p:pic>
+        <p:nvPicPr>
+          <p:cNvPr id="8" name="Picture 4" descr="j0258752[1]"/>
+          <p:cNvPicPr>
+            <a:picLocks noChangeAspect="1" noChangeArrowheads="1"/>
+          </p:cNvPicPr>
+          <p:nvPr/>
+        </p:nvPicPr>
+        <p:blipFill>
+          <a:blip r:embed="rId3" cstate="print"/>
+          <a:srcRect/>
+          <a:stretch>
+            <a:fillRect/>
+          </a:stretch>
+        </p:blipFill>
+        <p:spPr bwMode="auto">
+          <a:xfrm>
+            <a:off x="6705600" y="76200"/>
+            <a:ext cx="2133600" cy="1639888"/>
+          </a:xfrm>
+          <a:prstGeom prst="rect">
+            <a:avLst/>
+          </a:prstGeom>
+          <a:noFill/>
+          <a:ln w="9525">
+            <a:noFill/>
+            <a:miter lim="800000"/>
+            <a:headEnd/>
+            <a:tailEnd/>
+          </a:ln>
+        </p:spPr>
+      </p:pic>
     </p:spTree>
   </p:cSld>
   <p:clrMapOvr>
@@ -9982,14 +10124,7 @@
                 <a:latin typeface="Comic Sans MS"/>
                 <a:cs typeface="Comic Sans MS"/>
               </a:rPr>
-              <a:t> </a:t>
-            </a:r>
-            <a:r>
-              <a:rPr lang="en-US" sz="1200" dirty="0" smtClean="0">
-                <a:latin typeface="Comic Sans MS"/>
-                <a:cs typeface="Comic Sans MS"/>
-              </a:rPr>
-              <a:t>14W.</a:t>
+              <a:t> 14W.</a:t>
             </a:r>
             <a:fld id="{93DA0692-DAF7-4AFE-9BE7-E02439D3694A}" type="slidenum">
               <a:rPr lang="en-US" sz="1200" smtClean="0">
@@ -10406,7 +10541,7 @@
         <p:spPr bwMode="auto">
           <a:xfrm>
             <a:off x="304800" y="3077040"/>
-            <a:ext cx="8077200" cy="2877711"/>
+            <a:ext cx="8077200" cy="2785378"/>
           </a:xfrm>
           <a:prstGeom prst="rect">
             <a:avLst/>
@@ -10430,10 +10565,16 @@
               <a:rPr lang="en-US" sz="5400" i="0" dirty="0" smtClean="0">
                 <a:latin typeface="Comic Sans MS" pitchFamily="66" charset="0"/>
               </a:rPr>
-              <a:t> E[</a:t>
-            </a:r>
-            <a:r>
-              <a:rPr lang="en-US" sz="5400" i="0" dirty="0" smtClean="0">
+              <a:t> </a:t>
+            </a:r>
+            <a:r>
+              <a:rPr lang="en-US" sz="6600" i="0" dirty="0" smtClean="0">
+                <a:latin typeface="Comic Sans MS" pitchFamily="66" charset="0"/>
+              </a:rPr>
+              <a:t>E[</a:t>
+            </a:r>
+            <a:r>
+              <a:rPr lang="en-US" sz="6600" i="0" dirty="0" smtClean="0">
                 <a:solidFill>
                   <a:srgbClr val="0000FF"/>
                 </a:solidFill>
@@ -10442,19 +10583,19 @@
               <a:t>R</a:t>
             </a:r>
             <a:r>
-              <a:rPr lang="en-US" sz="5400" i="0" dirty="0" smtClean="0">
+              <a:rPr lang="en-US" sz="6600" i="0" dirty="0" smtClean="0">
                 <a:latin typeface="Comic Sans MS" pitchFamily="66" charset="0"/>
               </a:rPr>
               <a:t>]::= </a:t>
             </a:r>
             <a:r>
-              <a:rPr lang="en-US" sz="5400" i="0" dirty="0">
+              <a:rPr lang="en-US" sz="6600" i="0" dirty="0">
                 <a:latin typeface="Comic Sans MS" pitchFamily="66" charset="0"/>
               </a:rPr>
               <a:t>∑</a:t>
             </a:r>
             <a:r>
-              <a:rPr lang="en-US" sz="5400" i="0" dirty="0" err="1" smtClean="0">
+              <a:rPr lang="en-US" sz="6600" i="0" dirty="0" err="1" smtClean="0">
                 <a:solidFill>
                   <a:srgbClr val="0000FF"/>
                 </a:solidFill>
@@ -10464,7 +10605,7 @@
               <a:t>v</a:t>
             </a:r>
             <a:r>
-              <a:rPr lang="en-US" sz="5400" i="0" dirty="0" err="1" smtClean="0">
+              <a:rPr lang="en-US" sz="6600" i="0" dirty="0" err="1" smtClean="0">
                 <a:latin typeface="Euclid Symbol" charset="2"/>
                 <a:cs typeface="Euclid Symbol" charset="2"/>
                 <a:sym typeface="Symbol" pitchFamily="18" charset="2"/>
@@ -10472,14 +10613,14 @@
               <a:t>⋅</a:t>
             </a:r>
             <a:r>
-              <a:rPr lang="en-US" sz="5400" i="0" dirty="0" err="1" smtClean="0">
+              <a:rPr lang="en-US" sz="6600" i="0" dirty="0" err="1" smtClean="0">
                 <a:latin typeface="Comic Sans MS" pitchFamily="66" charset="0"/>
                 <a:sym typeface="Symbol" pitchFamily="18" charset="2"/>
               </a:rPr>
               <a:t>Pr{</a:t>
             </a:r>
             <a:r>
-              <a:rPr lang="en-US" sz="5400" i="0" dirty="0" err="1" smtClean="0">
+              <a:rPr lang="en-US" sz="6600" i="0" dirty="0" err="1" smtClean="0">
                 <a:solidFill>
                   <a:srgbClr val="0000FF"/>
                 </a:solidFill>
@@ -10489,7 +10630,7 @@
               <a:t>R</a:t>
             </a:r>
             <a:r>
-              <a:rPr lang="en-US" sz="5400" i="0" dirty="0" smtClean="0">
+              <a:rPr lang="en-US" sz="6600" i="0" dirty="0" smtClean="0">
                 <a:solidFill>
                   <a:srgbClr val="0000FF"/>
                 </a:solidFill>
@@ -10499,7 +10640,7 @@
               <a:t> = v</a:t>
             </a:r>
             <a:r>
-              <a:rPr lang="en-US" sz="5400" i="0" dirty="0">
+              <a:rPr lang="en-US" sz="6600" i="0" dirty="0">
                 <a:latin typeface="Comic Sans MS" pitchFamily="66" charset="0"/>
                 <a:sym typeface="Symbol" pitchFamily="18" charset="2"/>
               </a:rPr>
@@ -10577,17 +10718,23 @@
           <p:cNvGraphicFramePr>
             <a:graphicFrameLocks noChangeAspect="1"/>
           </p:cNvGraphicFramePr>
-          <p:nvPr/>
+          <p:nvPr>
+            <p:extLst>
+              <p:ext uri="{D42A27DB-BD31-4B8C-83A1-F6EECF244321}">
+                <p14:modId xmlns:p14="http://schemas.microsoft.com/office/powerpoint/2010/main" val="2433006824"/>
+              </p:ext>
+            </p:extLst>
+          </p:nvPr>
         </p:nvGraphicFramePr>
         <p:xfrm>
-          <a:off x="7086600" y="3657600"/>
+          <a:off x="7086600" y="4108660"/>
           <a:ext cx="1752600" cy="1752600"/>
         </p:xfrm>
         <a:graphic>
           <a:graphicData uri="http://schemas.openxmlformats.org/presentationml/2006/ole">
             <mc:AlternateContent xmlns:mc="http://schemas.openxmlformats.org/markup-compatibility/2006">
               <mc:Choice xmlns:v="urn:schemas-microsoft-com:vml" Requires="v">
-                <p:oleObj spid="_x0000_s182279" name="Equation" r:id="rId4" imgW="419040" imgH="419040" progId="Equation.DSMT4">
+                <p:oleObj spid="_x0000_s182283" name="Equation" r:id="rId4" imgW="419040" imgH="419040" progId="Equation.DSMT4">
                   <p:embed/>
                 </p:oleObj>
               </mc:Choice>
@@ -10617,7 +10764,7 @@
                     </p:blipFill>
                     <p:spPr bwMode="auto">
                       <a:xfrm>
-                        <a:off x="7086600" y="3657600"/>
+                        <a:off x="7086600" y="4108660"/>
                         <a:ext cx="1752600" cy="1752600"/>
                       </a:xfrm>
                       <a:prstGeom prst="rect">
@@ -10649,8 +10796,8 @@
         </p:nvSpPr>
         <p:spPr bwMode="auto">
           <a:xfrm>
-            <a:off x="1029600" y="3043020"/>
-            <a:ext cx="6705600" cy="1066800"/>
+            <a:off x="545999" y="3074377"/>
+            <a:ext cx="7798289" cy="1175150"/>
           </a:xfrm>
           <a:prstGeom prst="rect">
             <a:avLst/>
@@ -10774,14 +10921,7 @@
                 <a:latin typeface="Comic Sans MS"/>
                 <a:cs typeface="Comic Sans MS"/>
               </a:rPr>
-              <a:t> </a:t>
-            </a:r>
-            <a:r>
-              <a:rPr lang="en-US" sz="1200" dirty="0" smtClean="0">
-                <a:latin typeface="Comic Sans MS"/>
-                <a:cs typeface="Comic Sans MS"/>
-              </a:rPr>
-              <a:t>14W.</a:t>
+              <a:t> 14W.</a:t>
             </a:r>
             <a:fld id="{93DA0692-DAF7-4AFE-9BE7-E02439D3694A}" type="slidenum">
               <a:rPr lang="en-US" sz="1200" smtClean="0">
@@ -10859,7 +10999,7 @@
                                     </p:set>
                                     <p:animEffect transition="in" filter="wipe(left)">
                                       <p:cBhvr>
-                                        <p:cTn id="7" dur="500"/>
+                                        <p:cTn id="7" dur="1000"/>
                                         <p:tgtEl>
                                           <p:spTgt spid="18436">
                                             <p:txEl>
@@ -10878,7 +11018,7 @@
                         <p:par>
                           <p:cTn id="8" fill="hold">
                             <p:stCondLst>
-                              <p:cond delay="500"/>
+                              <p:cond delay="1000"/>
                             </p:stCondLst>
                             <p:childTnLst>
                               <p:par>
@@ -11125,7 +11265,7 @@
           <a:graphicData uri="http://schemas.openxmlformats.org/presentationml/2006/ole">
             <mc:AlternateContent xmlns:mc="http://schemas.openxmlformats.org/markup-compatibility/2006">
               <mc:Choice xmlns:v="urn:schemas-microsoft-com:vml" Requires="v">
-                <p:oleObj spid="_x0000_s184327" name="Equation" r:id="rId4" imgW="1498600" imgH="431800" progId="Equation.DSMT4">
+                <p:oleObj spid="_x0000_s184331" name="Equation" r:id="rId4" imgW="1498600" imgH="431800" progId="Equation.DSMT4">
                   <p:embed/>
                 </p:oleObj>
               </mc:Choice>
@@ -11358,14 +11498,7 @@
                 <a:latin typeface="Comic Sans MS"/>
                 <a:cs typeface="Comic Sans MS"/>
               </a:rPr>
-              <a:t> </a:t>
-            </a:r>
-            <a:r>
-              <a:rPr lang="en-US" sz="1200" dirty="0" smtClean="0">
-                <a:latin typeface="Comic Sans MS"/>
-                <a:cs typeface="Comic Sans MS"/>
-              </a:rPr>
-              <a:t>14W.</a:t>
+              <a:t> 14W.</a:t>
             </a:r>
             <a:fld id="{93DA0692-DAF7-4AFE-9BE7-E02439D3694A}" type="slidenum">
               <a:rPr lang="en-US" sz="1200" smtClean="0">
@@ -11389,9 +11522,18 @@
   <p:clrMapOvr>
     <a:masterClrMapping/>
   </p:clrMapOvr>
-  <p:transition xmlns:p14="http://schemas.microsoft.com/office/powerpoint/2010/main">
-    <p:fade thruBlk="1"/>
-  </p:transition>
+  <mc:AlternateContent xmlns:mc="http://schemas.openxmlformats.org/markup-compatibility/2006">
+    <mc:Choice xmlns:p14="http://schemas.microsoft.com/office/powerpoint/2010/main" Requires="p14">
+      <p:transition spd="slow" p14:dur="1100">
+        <p:fade/>
+      </p:transition>
+    </mc:Choice>
+    <mc:Fallback>
+      <p:transition xmlns:p14="http://schemas.microsoft.com/office/powerpoint/2010/main" spd="slow">
+        <p:fade/>
+      </p:transition>
+    </mc:Fallback>
+  </mc:AlternateContent>
   <p:timing>
     <p:tnLst>
       <p:par>
@@ -11571,7 +11713,7 @@
           <a:graphicData uri="http://schemas.openxmlformats.org/presentationml/2006/ole">
             <mc:AlternateContent xmlns:mc="http://schemas.openxmlformats.org/markup-compatibility/2006">
               <mc:Choice xmlns:v="urn:schemas-microsoft-com:vml" Requires="v">
-                <p:oleObj spid="_x0000_s186375" name="Equation" r:id="rId4" imgW="1574800" imgH="419100" progId="Equation.DSMT4">
+                <p:oleObj spid="_x0000_s186378" name="Equation" r:id="rId4" imgW="1574800" imgH="419100" progId="Equation.DSMT4">
                   <p:embed/>
                 </p:oleObj>
               </mc:Choice>
@@ -11695,14 +11837,7 @@
                 <a:latin typeface="Comic Sans MS"/>
                 <a:cs typeface="Comic Sans MS"/>
               </a:rPr>
-              <a:t> </a:t>
-            </a:r>
-            <a:r>
-              <a:rPr lang="en-US" sz="1200" dirty="0" smtClean="0">
-                <a:latin typeface="Comic Sans MS"/>
-                <a:cs typeface="Comic Sans MS"/>
-              </a:rPr>
-              <a:t>14W.</a:t>
+              <a:t> 14W.</a:t>
             </a:r>
             <a:fld id="{93DA0692-DAF7-4AFE-9BE7-E02439D3694A}" type="slidenum">
               <a:rPr lang="en-US" sz="1200" smtClean="0">
@@ -11806,7 +11941,7 @@
           <a:graphicData uri="http://schemas.openxmlformats.org/presentationml/2006/ole">
             <mc:AlternateContent xmlns:mc="http://schemas.openxmlformats.org/markup-compatibility/2006">
               <mc:Choice xmlns:v="urn:schemas-microsoft-com:vml" Requires="v">
-                <p:oleObj spid="_x0000_s188432" name="Equation" r:id="rId4" imgW="1854200" imgH="431800" progId="Equation.DSMT4">
+                <p:oleObj spid="_x0000_s188441" name="Equation" r:id="rId4" imgW="1854200" imgH="431800" progId="Equation.DSMT4">
                   <p:embed/>
                 </p:oleObj>
               </mc:Choice>
@@ -11876,7 +12011,7 @@
           <a:graphicData uri="http://schemas.openxmlformats.org/presentationml/2006/ole">
             <mc:AlternateContent xmlns:mc="http://schemas.openxmlformats.org/markup-compatibility/2006">
               <mc:Choice xmlns:v="urn:schemas-microsoft-com:vml" Requires="v">
-                <p:oleObj spid="_x0000_s188433" name="Equation" r:id="rId6" imgW="1485900" imgH="431800" progId="Equation.DSMT4">
+                <p:oleObj spid="_x0000_s188442" name="Equation" r:id="rId6" imgW="1485900" imgH="431800" progId="Equation.DSMT4">
                   <p:embed/>
                 </p:oleObj>
               </mc:Choice>
@@ -11946,7 +12081,7 @@
           <a:graphicData uri="http://schemas.openxmlformats.org/presentationml/2006/ole">
             <mc:AlternateContent xmlns:mc="http://schemas.openxmlformats.org/markup-compatibility/2006">
               <mc:Choice xmlns:v="urn:schemas-microsoft-com:vml" Requires="v">
-                <p:oleObj spid="_x0000_s188434" name="Equation" r:id="rId8" imgW="1752600" imgH="546100" progId="Equation.DSMT4">
+                <p:oleObj spid="_x0000_s188443" name="Equation" r:id="rId8" imgW="1752600" imgH="546100" progId="Equation.DSMT4">
                   <p:embed/>
                 </p:oleObj>
               </mc:Choice>
@@ -12016,7 +12151,7 @@
           <a:graphicData uri="http://schemas.openxmlformats.org/presentationml/2006/ole">
             <mc:AlternateContent xmlns:mc="http://schemas.openxmlformats.org/markup-compatibility/2006">
               <mc:Choice xmlns:v="urn:schemas-microsoft-com:vml" Requires="v">
-                <p:oleObj spid="_x0000_s188435" name="Equation" r:id="rId10" imgW="1663700" imgH="431800" progId="Equation.DSMT4">
+                <p:oleObj spid="_x0000_s188444" name="Equation" r:id="rId10" imgW="1663700" imgH="431800" progId="Equation.DSMT4">
                   <p:embed/>
                 </p:oleObj>
               </mc:Choice>
@@ -12140,14 +12275,7 @@
                 <a:latin typeface="Comic Sans MS"/>
                 <a:cs typeface="Comic Sans MS"/>
               </a:rPr>
-              <a:t> </a:t>
-            </a:r>
-            <a:r>
-              <a:rPr lang="en-US" sz="1200" dirty="0" smtClean="0">
-                <a:latin typeface="Comic Sans MS"/>
-                <a:cs typeface="Comic Sans MS"/>
-              </a:rPr>
-              <a:t>14W.</a:t>
+              <a:t> 14W.</a:t>
             </a:r>
             <a:fld id="{93DA0692-DAF7-4AFE-9BE7-E02439D3694A}" type="slidenum">
               <a:rPr lang="en-US" sz="1200" smtClean="0">
@@ -12512,7 +12640,7 @@
           <a:graphicData uri="http://schemas.openxmlformats.org/presentationml/2006/ole">
             <mc:AlternateContent xmlns:mc="http://schemas.openxmlformats.org/markup-compatibility/2006">
               <mc:Choice xmlns:v="urn:schemas-microsoft-com:vml" Requires="v">
-                <p:oleObj spid="_x0000_s190471" name="Equation" r:id="rId4" imgW="914400" imgH="220320" progId="Equation.DSMT4">
+                <p:oleObj spid="_x0000_s190474" name="Equation" r:id="rId4" imgW="914400" imgH="220320" progId="Equation.DSMT4">
                   <p:embed/>
                 </p:oleObj>
               </mc:Choice>
@@ -12789,14 +12917,7 @@
                 <a:latin typeface="Comic Sans MS"/>
                 <a:cs typeface="Comic Sans MS"/>
               </a:rPr>
-              <a:t> </a:t>
-            </a:r>
-            <a:r>
-              <a:rPr lang="en-US" sz="1200" dirty="0" smtClean="0">
-                <a:latin typeface="Comic Sans MS"/>
-                <a:cs typeface="Comic Sans MS"/>
-              </a:rPr>
-              <a:t>14W.</a:t>
+              <a:t> 14W.</a:t>
             </a:r>
             <a:fld id="{93DA0692-DAF7-4AFE-9BE7-E02439D3694A}" type="slidenum">
               <a:rPr lang="en-US" sz="1200" smtClean="0">
@@ -12942,11 +13063,7 @@
             </a:r>
             <a:r>
               <a:rPr lang="en-US" dirty="0" smtClean="0"/>
-              <a:t> </a:t>
-            </a:r>
-            <a:r>
-              <a:rPr lang="en-US" dirty="0" smtClean="0"/>
-              <a:t>14W.</a:t>
+              <a:t> 14W.</a:t>
             </a:r>
             <a:fld id="{93DA0692-DAF7-4AFE-9BE7-E02439D3694A}" type="slidenum">
               <a:rPr lang="en-US" smtClean="0"/>
@@ -13139,14 +13256,7 @@
                 <a:latin typeface="Comic Sans MS"/>
                 <a:cs typeface="Comic Sans MS"/>
               </a:rPr>
-              <a:t> </a:t>
-            </a:r>
-            <a:r>
-              <a:rPr lang="en-US" sz="1200" dirty="0" smtClean="0">
-                <a:latin typeface="Comic Sans MS"/>
-                <a:cs typeface="Comic Sans MS"/>
-              </a:rPr>
-              <a:t>14W.</a:t>
+              <a:t> 14W.</a:t>
             </a:r>
             <a:fld id="{93DA0692-DAF7-4AFE-9BE7-E02439D3694A}" type="slidenum">
               <a:rPr lang="en-US" sz="1200" smtClean="0">
@@ -13224,11 +13334,7 @@
             </a:r>
             <a:r>
               <a:rPr lang="en-US" dirty="0" smtClean="0"/>
-              <a:t> </a:t>
-            </a:r>
-            <a:r>
-              <a:rPr lang="en-US" dirty="0" smtClean="0"/>
-              <a:t>14W.</a:t>
+              <a:t> 14W.</a:t>
             </a:r>
             <a:fld id="{39196791-36AF-407D-9527-253971E27E13}" type="slidenum">
               <a:rPr lang="en-US" smtClean="0"/>
@@ -13336,7 +13442,7 @@
           <a:graphicData uri="http://schemas.openxmlformats.org/presentationml/2006/ole">
             <mc:AlternateContent xmlns:mc="http://schemas.openxmlformats.org/markup-compatibility/2006">
               <mc:Choice xmlns:v="urn:schemas-microsoft-com:vml" Requires="v">
-                <p:oleObj spid="_x0000_s486412" name="Equation" r:id="rId4" imgW="2171700" imgH="533400" progId="Equation.DSMT4">
+                <p:oleObj spid="_x0000_s486417" name="Equation" r:id="rId4" imgW="2171700" imgH="533400" progId="Equation.DSMT4">
                   <p:embed/>
                 </p:oleObj>
               </mc:Choice>
@@ -13434,7 +13540,7 @@
           <a:graphicData uri="http://schemas.openxmlformats.org/presentationml/2006/ole">
             <mc:AlternateContent xmlns:mc="http://schemas.openxmlformats.org/markup-compatibility/2006">
               <mc:Choice xmlns:v="urn:schemas-microsoft-com:vml" Requires="v">
-                <p:oleObj spid="_x0000_s486413" name="Equation" r:id="rId6" imgW="1308100" imgH="342900" progId="Equation.DSMT4">
+                <p:oleObj spid="_x0000_s486418" name="Equation" r:id="rId6" imgW="1308100" imgH="342900" progId="Equation.DSMT4">
                   <p:embed/>
                 </p:oleObj>
               </mc:Choice>
@@ -14128,14 +14234,7 @@
                 <a:latin typeface="Comic Sans MS"/>
                 <a:cs typeface="Comic Sans MS"/>
               </a:rPr>
-              <a:t> </a:t>
-            </a:r>
-            <a:r>
-              <a:rPr lang="en-US" sz="1200" dirty="0" smtClean="0">
-                <a:latin typeface="Comic Sans MS"/>
-                <a:cs typeface="Comic Sans MS"/>
-              </a:rPr>
-              <a:t>14W.</a:t>
+              <a:t> 14W.</a:t>
             </a:r>
             <a:fld id="{93DA0692-DAF7-4AFE-9BE7-E02439D3694A}" type="slidenum">
               <a:rPr lang="en-US" sz="1200" smtClean="0">
@@ -14591,7 +14690,7 @@
           <a:graphicData uri="http://schemas.openxmlformats.org/presentationml/2006/ole">
             <mc:AlternateContent xmlns:mc="http://schemas.openxmlformats.org/markup-compatibility/2006">
               <mc:Choice xmlns:v="urn:schemas-microsoft-com:vml" Requires="v">
-                <p:oleObj spid="_x0000_s196618" name="Equation" r:id="rId4" imgW="1447800" imgH="533400" progId="Equation.DSMT4">
+                <p:oleObj spid="_x0000_s196623" name="Equation" r:id="rId4" imgW="1447800" imgH="533400" progId="Equation.DSMT4">
                   <p:embed/>
                 </p:oleObj>
               </mc:Choice>
@@ -14764,7 +14863,7 @@
           <a:graphicData uri="http://schemas.openxmlformats.org/presentationml/2006/ole">
             <mc:AlternateContent xmlns:mc="http://schemas.openxmlformats.org/markup-compatibility/2006">
               <mc:Choice xmlns:v="urn:schemas-microsoft-com:vml" Requires="v">
-                <p:oleObj spid="_x0000_s196619" name="Equation" r:id="rId6" imgW="1981200" imgH="495300" progId="Equation.DSMT4">
+                <p:oleObj spid="_x0000_s196624" name="Equation" r:id="rId6" imgW="1981200" imgH="495300" progId="Equation.DSMT4">
                   <p:embed/>
                 </p:oleObj>
               </mc:Choice>
@@ -14856,14 +14955,7 @@
                 <a:latin typeface="Comic Sans MS"/>
                 <a:cs typeface="Comic Sans MS"/>
               </a:rPr>
-              <a:t> </a:t>
-            </a:r>
-            <a:r>
-              <a:rPr lang="en-US" sz="1200" dirty="0" smtClean="0">
-                <a:latin typeface="Comic Sans MS"/>
-                <a:cs typeface="Comic Sans MS"/>
-              </a:rPr>
-              <a:t>14W.</a:t>
+              <a:t> 14W.</a:t>
             </a:r>
             <a:fld id="{93DA0692-DAF7-4AFE-9BE7-E02439D3694A}" type="slidenum">
               <a:rPr lang="en-US" sz="1200" smtClean="0">
@@ -15062,7 +15154,7 @@
           <a:graphicData uri="http://schemas.openxmlformats.org/presentationml/2006/ole">
             <mc:AlternateContent xmlns:mc="http://schemas.openxmlformats.org/markup-compatibility/2006">
               <mc:Choice xmlns:v="urn:schemas-microsoft-com:vml" Requires="v">
-                <p:oleObj spid="_x0000_s198666" name="Equation" r:id="rId4" imgW="1143000" imgH="533400" progId="Equation.DSMT4">
+                <p:oleObj spid="_x0000_s198671" name="Equation" r:id="rId4" imgW="1143000" imgH="533400" progId="Equation.DSMT4">
                   <p:embed/>
                 </p:oleObj>
               </mc:Choice>
@@ -15235,7 +15327,7 @@
           <a:graphicData uri="http://schemas.openxmlformats.org/presentationml/2006/ole">
             <mc:AlternateContent xmlns:mc="http://schemas.openxmlformats.org/markup-compatibility/2006">
               <mc:Choice xmlns:v="urn:schemas-microsoft-com:vml" Requires="v">
-                <p:oleObj spid="_x0000_s198667" name="Equation" r:id="rId6" imgW="1955520" imgH="444240" progId="Equation.DSMT4">
+                <p:oleObj spid="_x0000_s198672" name="Equation" r:id="rId6" imgW="1955520" imgH="444240" progId="Equation.DSMT4">
                   <p:embed/>
                 </p:oleObj>
               </mc:Choice>
@@ -15327,14 +15419,7 @@
                 <a:latin typeface="Comic Sans MS"/>
                 <a:cs typeface="Comic Sans MS"/>
               </a:rPr>
-              <a:t> </a:t>
-            </a:r>
-            <a:r>
-              <a:rPr lang="en-US" sz="1200" dirty="0" smtClean="0">
-                <a:latin typeface="Comic Sans MS"/>
-                <a:cs typeface="Comic Sans MS"/>
-              </a:rPr>
-              <a:t>14W.</a:t>
+              <a:t> 14W.</a:t>
             </a:r>
             <a:fld id="{93DA0692-DAF7-4AFE-9BE7-E02439D3694A}" type="slidenum">
               <a:rPr lang="en-US" sz="1200" smtClean="0">
@@ -15404,7 +15489,7 @@
           <a:graphicData uri="http://schemas.openxmlformats.org/presentationml/2006/ole">
             <mc:AlternateContent xmlns:mc="http://schemas.openxmlformats.org/markup-compatibility/2006">
               <mc:Choice xmlns:v="urn:schemas-microsoft-com:vml" Requires="v">
-                <p:oleObj spid="_x0000_s264199" name="Equation" r:id="rId4" imgW="1143000" imgH="533400" progId="Equation.DSMT4">
+                <p:oleObj spid="_x0000_s264202" name="Equation" r:id="rId4" imgW="1143000" imgH="533400" progId="Equation.DSMT4">
                   <p:embed/>
                 </p:oleObj>
               </mc:Choice>
@@ -15590,14 +15675,7 @@
                 <a:latin typeface="Comic Sans MS"/>
                 <a:cs typeface="Comic Sans MS"/>
               </a:rPr>
-              <a:t> </a:t>
-            </a:r>
-            <a:r>
-              <a:rPr lang="en-US" sz="1200" dirty="0" smtClean="0">
-                <a:latin typeface="Comic Sans MS"/>
-                <a:cs typeface="Comic Sans MS"/>
-              </a:rPr>
-              <a:t>14W.</a:t>
+              <a:t> 14W.</a:t>
             </a:r>
             <a:fld id="{93DA0692-DAF7-4AFE-9BE7-E02439D3694A}" type="slidenum">
               <a:rPr lang="en-US" sz="1200" smtClean="0">
@@ -15667,7 +15745,7 @@
           <a:graphicData uri="http://schemas.openxmlformats.org/presentationml/2006/ole">
             <mc:AlternateContent xmlns:mc="http://schemas.openxmlformats.org/markup-compatibility/2006">
               <mc:Choice xmlns:v="urn:schemas-microsoft-com:vml" Requires="v">
-                <p:oleObj spid="_x0000_s560138" name="Equation" r:id="rId4" imgW="1447800" imgH="533400" progId="Equation.DSMT4">
+                <p:oleObj spid="_x0000_s560143" name="Equation" r:id="rId4" imgW="1447800" imgH="533400" progId="Equation.DSMT4">
                   <p:embed/>
                 </p:oleObj>
               </mc:Choice>
@@ -15769,7 +15847,7 @@
           <a:graphicData uri="http://schemas.openxmlformats.org/presentationml/2006/ole">
             <mc:AlternateContent xmlns:mc="http://schemas.openxmlformats.org/markup-compatibility/2006">
               <mc:Choice xmlns:v="urn:schemas-microsoft-com:vml" Requires="v">
-                <p:oleObj spid="_x0000_s560139" name="Equation" r:id="rId6" imgW="1981200" imgH="495300" progId="Equation.DSMT4">
+                <p:oleObj spid="_x0000_s560144" name="Equation" r:id="rId6" imgW="1981200" imgH="495300" progId="Equation.DSMT4">
                   <p:embed/>
                 </p:oleObj>
               </mc:Choice>
@@ -15861,14 +15939,7 @@
                 <a:latin typeface="Comic Sans MS"/>
                 <a:cs typeface="Comic Sans MS"/>
               </a:rPr>
-              <a:t> </a:t>
-            </a:r>
-            <a:r>
-              <a:rPr lang="en-US" sz="1200" dirty="0" smtClean="0">
-                <a:latin typeface="Comic Sans MS"/>
-                <a:cs typeface="Comic Sans MS"/>
-              </a:rPr>
-              <a:t>14W.</a:t>
+              <a:t> 14W.</a:t>
             </a:r>
             <a:fld id="{93DA0692-DAF7-4AFE-9BE7-E02439D3694A}" type="slidenum">
               <a:rPr lang="en-US" sz="1200" smtClean="0">
@@ -16039,7 +16110,7 @@
           <a:graphicData uri="http://schemas.openxmlformats.org/presentationml/2006/ole">
             <mc:AlternateContent xmlns:mc="http://schemas.openxmlformats.org/markup-compatibility/2006">
               <mc:Choice xmlns:v="urn:schemas-microsoft-com:vml" Requires="v">
-                <p:oleObj spid="_x0000_s200717" name="Equation" r:id="rId4" imgW="1536480" imgH="507960" progId="Equation.DSMT4">
+                <p:oleObj spid="_x0000_s200724" name="Equation" r:id="rId4" imgW="1536480" imgH="507960" progId="Equation.DSMT4">
                   <p:embed/>
                 </p:oleObj>
               </mc:Choice>
@@ -16109,7 +16180,7 @@
           <a:graphicData uri="http://schemas.openxmlformats.org/presentationml/2006/ole">
             <mc:AlternateContent xmlns:mc="http://schemas.openxmlformats.org/markup-compatibility/2006">
               <mc:Choice xmlns:v="urn:schemas-microsoft-com:vml" Requires="v">
-                <p:oleObj spid="_x0000_s200718" name="Equation" r:id="rId6" imgW="1955520" imgH="507960" progId="Equation.DSMT4">
+                <p:oleObj spid="_x0000_s200725" name="Equation" r:id="rId6" imgW="1955520" imgH="507960" progId="Equation.DSMT4">
                   <p:embed/>
                 </p:oleObj>
               </mc:Choice>
@@ -16179,7 +16250,7 @@
           <a:graphicData uri="http://schemas.openxmlformats.org/presentationml/2006/ole">
             <mc:AlternateContent xmlns:mc="http://schemas.openxmlformats.org/markup-compatibility/2006">
               <mc:Choice xmlns:v="urn:schemas-microsoft-com:vml" Requires="v">
-                <p:oleObj spid="_x0000_s200719" name="Equation" r:id="rId8" imgW="863280" imgH="228600" progId="Equation.DSMT4">
+                <p:oleObj spid="_x0000_s200726" name="Equation" r:id="rId8" imgW="863280" imgH="228600" progId="Equation.DSMT4">
                   <p:embed/>
                 </p:oleObj>
               </mc:Choice>
@@ -16271,14 +16342,7 @@
                 <a:latin typeface="Comic Sans MS"/>
                 <a:cs typeface="Comic Sans MS"/>
               </a:rPr>
-              <a:t> </a:t>
-            </a:r>
-            <a:r>
-              <a:rPr lang="en-US" sz="1200" dirty="0" smtClean="0">
-                <a:latin typeface="Comic Sans MS"/>
-                <a:cs typeface="Comic Sans MS"/>
-              </a:rPr>
-              <a:t>14W.</a:t>
+              <a:t> 14W.</a:t>
             </a:r>
             <a:fld id="{93DA0692-DAF7-4AFE-9BE7-E02439D3694A}" type="slidenum">
               <a:rPr lang="en-US" sz="1200" smtClean="0">
@@ -16469,7 +16533,7 @@
           <a:graphicData uri="http://schemas.openxmlformats.org/presentationml/2006/ole">
             <mc:AlternateContent xmlns:mc="http://schemas.openxmlformats.org/markup-compatibility/2006">
               <mc:Choice xmlns:v="urn:schemas-microsoft-com:vml" Requires="v">
-                <p:oleObj spid="_x0000_s202762" name="Equation" r:id="rId4" imgW="1739880" imgH="507960" progId="Equation.DSMT4">
+                <p:oleObj spid="_x0000_s202767" name="Equation" r:id="rId4" imgW="1739880" imgH="507960" progId="Equation.DSMT4">
                   <p:embed/>
                 </p:oleObj>
               </mc:Choice>
@@ -16566,7 +16630,7 @@
           <a:graphicData uri="http://schemas.openxmlformats.org/presentationml/2006/ole">
             <mc:AlternateContent xmlns:mc="http://schemas.openxmlformats.org/markup-compatibility/2006">
               <mc:Choice xmlns:v="urn:schemas-microsoft-com:vml" Requires="v">
-                <p:oleObj spid="_x0000_s202763" name="Equation" r:id="rId6" imgW="1955520" imgH="507960" progId="Equation.DSMT4">
+                <p:oleObj spid="_x0000_s202768" name="Equation" r:id="rId6" imgW="1955520" imgH="507960" progId="Equation.DSMT4">
                   <p:embed/>
                 </p:oleObj>
               </mc:Choice>
@@ -16658,14 +16722,7 @@
                 <a:latin typeface="Comic Sans MS"/>
                 <a:cs typeface="Comic Sans MS"/>
               </a:rPr>
-              <a:t> </a:t>
-            </a:r>
-            <a:r>
-              <a:rPr lang="en-US" sz="1200" dirty="0" smtClean="0">
-                <a:latin typeface="Comic Sans MS"/>
-                <a:cs typeface="Comic Sans MS"/>
-              </a:rPr>
-              <a:t>14W.</a:t>
+              <a:t> 14W.</a:t>
             </a:r>
             <a:fld id="{93DA0692-DAF7-4AFE-9BE7-E02439D3694A}" type="slidenum">
               <a:rPr lang="en-US" sz="1200" smtClean="0">
@@ -16811,7 +16868,7 @@
           <a:graphicData uri="http://schemas.openxmlformats.org/presentationml/2006/ole">
             <mc:AlternateContent xmlns:mc="http://schemas.openxmlformats.org/markup-compatibility/2006">
               <mc:Choice xmlns:v="urn:schemas-microsoft-com:vml" Requires="v">
-                <p:oleObj spid="_x0000_s399370" name="Equation" r:id="rId4" imgW="1739880" imgH="507960" progId="Equation.DSMT4">
+                <p:oleObj spid="_x0000_s399375" name="Equation" r:id="rId4" imgW="1739880" imgH="507960" progId="Equation.DSMT4">
                   <p:embed/>
                 </p:oleObj>
               </mc:Choice>
@@ -16908,7 +16965,7 @@
           <a:graphicData uri="http://schemas.openxmlformats.org/presentationml/2006/ole">
             <mc:AlternateContent xmlns:mc="http://schemas.openxmlformats.org/markup-compatibility/2006">
               <mc:Choice xmlns:v="urn:schemas-microsoft-com:vml" Requires="v">
-                <p:oleObj spid="_x0000_s399371" name="Equation" r:id="rId6" imgW="1879600" imgH="533400" progId="Equation.DSMT4">
+                <p:oleObj spid="_x0000_s399376" name="Equation" r:id="rId6" imgW="1879600" imgH="533400" progId="Equation.DSMT4">
                   <p:embed/>
                 </p:oleObj>
               </mc:Choice>
@@ -17000,14 +17057,7 @@
                 <a:latin typeface="Comic Sans MS"/>
                 <a:cs typeface="Comic Sans MS"/>
               </a:rPr>
-              <a:t> </a:t>
-            </a:r>
-            <a:r>
-              <a:rPr lang="en-US" sz="1200" dirty="0" smtClean="0">
-                <a:latin typeface="Comic Sans MS"/>
-                <a:cs typeface="Comic Sans MS"/>
-              </a:rPr>
-              <a:t>14W.</a:t>
+              <a:t> 14W.</a:t>
             </a:r>
             <a:fld id="{93DA0692-DAF7-4AFE-9BE7-E02439D3694A}" type="slidenum">
               <a:rPr lang="en-US" sz="1200" smtClean="0">
@@ -17071,14 +17121,19 @@
             <p:ph type="title"/>
           </p:nvPr>
         </p:nvSpPr>
-        <p:spPr/>
+        <p:spPr>
+          <a:xfrm>
+            <a:off x="1409700" y="225425"/>
+            <a:ext cx="5652679" cy="819151"/>
+          </a:xfrm>
+        </p:spPr>
         <p:txBody>
           <a:bodyPr/>
           <a:lstStyle/>
           <a:p>
             <a:pPr eaLnBrk="1" hangingPunct="1"/>
             <a:r>
-              <a:rPr lang="en-US" sz="4400" smtClean="0"/>
+              <a:rPr lang="en-US" sz="4800" dirty="0" smtClean="0"/>
               <a:t>Carnival Dice</a:t>
             </a:r>
           </a:p>
@@ -17304,14 +17359,7 @@
                 <a:latin typeface="Comic Sans MS"/>
                 <a:cs typeface="Comic Sans MS"/>
               </a:rPr>
-              <a:t> </a:t>
-            </a:r>
-            <a:r>
-              <a:rPr lang="en-US" sz="1200" dirty="0" smtClean="0">
-                <a:latin typeface="Comic Sans MS"/>
-                <a:cs typeface="Comic Sans MS"/>
-              </a:rPr>
-              <a:t>14W.</a:t>
+              <a:t> 14W.</a:t>
             </a:r>
             <a:fld id="{93DA0692-DAF7-4AFE-9BE7-E02439D3694A}" type="slidenum">
               <a:rPr lang="en-US" sz="1200" smtClean="0">
@@ -17639,7 +17687,7 @@
           <a:graphicData uri="http://schemas.openxmlformats.org/presentationml/2006/ole">
             <mc:AlternateContent xmlns:mc="http://schemas.openxmlformats.org/markup-compatibility/2006">
               <mc:Choice xmlns:v="urn:schemas-microsoft-com:vml" Requires="v">
-                <p:oleObj spid="_x0000_s206864" name="Equation" r:id="rId4" imgW="2260440" imgH="507960" progId="Equation.DSMT4">
+                <p:oleObj spid="_x0000_s206873" name="Equation" r:id="rId4" imgW="2260440" imgH="507960" progId="Equation.DSMT4">
                   <p:embed/>
                 </p:oleObj>
               </mc:Choice>
@@ -17705,7 +17753,7 @@
           <a:graphicData uri="http://schemas.openxmlformats.org/presentationml/2006/ole">
             <mc:AlternateContent xmlns:mc="http://schemas.openxmlformats.org/markup-compatibility/2006">
               <mc:Choice xmlns:v="urn:schemas-microsoft-com:vml" Requires="v">
-                <p:oleObj spid="_x0000_s206865" name="Equation" r:id="rId6" imgW="2184400" imgH="508000" progId="Equation.DSMT4">
+                <p:oleObj spid="_x0000_s206874" name="Equation" r:id="rId6" imgW="2184400" imgH="508000" progId="Equation.DSMT4">
                   <p:embed/>
                 </p:oleObj>
               </mc:Choice>
@@ -17766,7 +17814,7 @@
           <a:graphicData uri="http://schemas.openxmlformats.org/presentationml/2006/ole">
             <mc:AlternateContent xmlns:mc="http://schemas.openxmlformats.org/markup-compatibility/2006">
               <mc:Choice xmlns:v="urn:schemas-microsoft-com:vml" Requires="v">
-                <p:oleObj spid="_x0000_s206866" name="Equation" r:id="rId8" imgW="1739880" imgH="507960" progId="Equation.DSMT4">
+                <p:oleObj spid="_x0000_s206875" name="Equation" r:id="rId8" imgW="1739880" imgH="507960" progId="Equation.DSMT4">
                   <p:embed/>
                 </p:oleObj>
               </mc:Choice>
@@ -17890,14 +17938,7 @@
                 <a:latin typeface="Comic Sans MS"/>
                 <a:cs typeface="Comic Sans MS"/>
               </a:rPr>
-              <a:t> </a:t>
-            </a:r>
-            <a:r>
-              <a:rPr lang="en-US" sz="1200" dirty="0" smtClean="0">
-                <a:latin typeface="Comic Sans MS"/>
-                <a:cs typeface="Comic Sans MS"/>
-              </a:rPr>
-              <a:t>14W.</a:t>
+              <a:t> 14W.</a:t>
             </a:r>
             <a:fld id="{93DA0692-DAF7-4AFE-9BE7-E02439D3694A}" type="slidenum">
               <a:rPr lang="en-US" sz="1200" smtClean="0">
@@ -17932,7 +17973,7 @@
           <a:graphicData uri="http://schemas.openxmlformats.org/presentationml/2006/ole">
             <mc:AlternateContent xmlns:mc="http://schemas.openxmlformats.org/markup-compatibility/2006">
               <mc:Choice xmlns:v="urn:schemas-microsoft-com:vml" Requires="v">
-                <p:oleObj spid="_x0000_s206867" name="Equation" r:id="rId10" imgW="1180800" imgH="304560" progId="Equation.DSMT4">
+                <p:oleObj spid="_x0000_s206876" name="Equation" r:id="rId10" imgW="1180800" imgH="304560" progId="Equation.DSMT4">
                   <p:embed/>
                 </p:oleObj>
               </mc:Choice>
@@ -18112,30 +18153,127 @@
           <a:lstStyle/>
           <a:p>
             <a:r>
-              <a:rPr lang="en-US" dirty="0" smtClean="0"/>
+              <a:rPr lang="en-US" sz="4000" dirty="0" smtClean="0"/>
               <a:t>Law of Total Expectation</a:t>
             </a:r>
-            <a:endParaRPr lang="en-US" dirty="0"/>
+            <a:endParaRPr lang="en-US" sz="4000" dirty="0"/>
+          </a:p>
+        </p:txBody>
+      </p:sp>
+      <p:sp>
+        <p:nvSpPr>
+          <p:cNvPr id="8" name="TextBox 7"/>
+          <p:cNvSpPr txBox="1"/>
+          <p:nvPr/>
+        </p:nvSpPr>
+        <p:spPr>
+          <a:xfrm>
+            <a:off x="314765" y="989511"/>
+            <a:ext cx="8162812" cy="830997"/>
+          </a:xfrm>
+          <a:prstGeom prst="rect">
+            <a:avLst/>
+          </a:prstGeom>
+          <a:noFill/>
+        </p:spPr>
+        <p:txBody>
+          <a:bodyPr wrap="none" rtlCol="0">
+            <a:spAutoFit/>
+          </a:bodyPr>
+          <a:lstStyle/>
+          <a:p>
+            <a:r>
+              <a:rPr lang="en-US" sz="4800" i="0" dirty="0" smtClean="0">
+                <a:latin typeface="+mj-lt"/>
+              </a:rPr>
+              <a:t>good for reasoning by cases</a:t>
+            </a:r>
+            <a:endParaRPr lang="en-US" sz="4800" i="0" dirty="0">
+              <a:latin typeface="+mj-lt"/>
+            </a:endParaRPr>
+          </a:p>
+        </p:txBody>
+      </p:sp>
+      <p:sp>
+        <p:nvSpPr>
+          <p:cNvPr id="9" name="Slide Number Placeholder 3"/>
+          <p:cNvSpPr>
+            <a:spLocks noGrp="1"/>
+          </p:cNvSpPr>
+          <p:nvPr>
+            <p:ph type="sldNum" sz="quarter" idx="4294967295"/>
+          </p:nvPr>
+        </p:nvSpPr>
+        <p:spPr>
+          <a:xfrm>
+            <a:off x="7554913" y="6577965"/>
+            <a:ext cx="1527175" cy="244475"/>
+          </a:xfrm>
+          <a:prstGeom prst="rect">
+            <a:avLst/>
+          </a:prstGeom>
+        </p:spPr>
+        <p:txBody>
+          <a:bodyPr/>
+          <a:lstStyle/>
+          <a:p>
+            <a:pPr>
+              <a:defRPr/>
+            </a:pPr>
+            <a:r>
+              <a:rPr lang="en-US" sz="1200" dirty="0" err="1">
+                <a:latin typeface="Comic Sans MS"/>
+                <a:cs typeface="Comic Sans MS"/>
+              </a:rPr>
+              <a:t>lec</a:t>
+            </a:r>
+            <a:r>
+              <a:rPr lang="en-US" sz="1200" dirty="0" smtClean="0">
+                <a:latin typeface="Comic Sans MS"/>
+                <a:cs typeface="Comic Sans MS"/>
+              </a:rPr>
+              <a:t> 14W.</a:t>
+            </a:r>
+            <a:fld id="{93DA0692-DAF7-4AFE-9BE7-E02439D3694A}" type="slidenum">
+              <a:rPr lang="en-US" sz="1200" smtClean="0">
+                <a:latin typeface="Comic Sans MS"/>
+                <a:cs typeface="Comic Sans MS"/>
+              </a:rPr>
+              <a:pPr>
+                <a:defRPr/>
+              </a:pPr>
+              <a:t>31</a:t>
+            </a:fld>
+            <a:endParaRPr lang="en-US" sz="1200" dirty="0">
+              <a:latin typeface="Comic Sans MS"/>
+              <a:cs typeface="Comic Sans MS"/>
+            </a:endParaRPr>
           </a:p>
         </p:txBody>
       </p:sp>
       <p:graphicFrame>
         <p:nvGraphicFramePr>
-          <p:cNvPr id="4" name="Object 3"/>
+          <p:cNvPr id="10" name="Object 9"/>
           <p:cNvGraphicFramePr>
             <a:graphicFrameLocks noChangeAspect="1"/>
           </p:cNvGraphicFramePr>
-          <p:nvPr/>
+          <p:nvPr>
+            <p:extLst>
+              <p:ext uri="{D42A27DB-BD31-4B8C-83A1-F6EECF244321}">
+                <p14:modId xmlns:p14="http://schemas.microsoft.com/office/powerpoint/2010/main" val="75323051"/>
+              </p:ext>
+            </p:extLst>
+          </p:nvPr>
         </p:nvGraphicFramePr>
         <p:xfrm>
-          <a:off x="420688" y="2863850"/>
+          <a:off x="435769" y="3754114"/>
           <a:ext cx="8272462" cy="2451100"/>
         </p:xfrm>
         <a:graphic>
           <a:graphicData uri="http://schemas.openxmlformats.org/presentationml/2006/ole">
             <mc:AlternateContent xmlns:mc="http://schemas.openxmlformats.org/markup-compatibility/2006">
               <mc:Choice xmlns:v="urn:schemas-microsoft-com:vml" Requires="v">
-                <p:oleObj spid="_x0000_s210954" name="Equation" r:id="rId4" imgW="1676400" imgH="495300" progId="Equation.DSMT4">
+                <p:oleObj spid="_x0000_s210963" name="Equation" r:id="rId4" imgW="1676400" imgH="495300" progId="Equation.DSMT4">
                   <p:embed/>
                 </p:oleObj>
               </mc:Choice>
@@ -18144,7 +18282,7 @@
                   <p:embed/>
                   <p:pic>
                     <p:nvPicPr>
-                      <p:cNvPr id="0" name="Picture 2"/>
+                      <p:cNvPr id="0" name=""/>
                       <p:cNvPicPr>
                         <a:picLocks noChangeAspect="1" noChangeArrowheads="1"/>
                       </p:cNvPicPr>
@@ -18165,7 +18303,7 @@
                     </p:blipFill>
                     <p:spPr bwMode="auto">
                       <a:xfrm>
-                        <a:off x="420688" y="2863850"/>
+                        <a:off x="435769" y="3754114"/>
                         <a:ext cx="8272462" cy="2451100"/>
                       </a:xfrm>
                       <a:prstGeom prst="rect">
@@ -18191,21 +18329,27 @@
       </p:graphicFrame>
       <p:graphicFrame>
         <p:nvGraphicFramePr>
-          <p:cNvPr id="84995" name="Object 3"/>
+          <p:cNvPr id="11" name="Object 3"/>
           <p:cNvGraphicFramePr>
             <a:graphicFrameLocks noChangeAspect="1"/>
           </p:cNvGraphicFramePr>
-          <p:nvPr/>
+          <p:nvPr>
+            <p:extLst>
+              <p:ext uri="{D42A27DB-BD31-4B8C-83A1-F6EECF244321}">
+                <p14:modId xmlns:p14="http://schemas.microsoft.com/office/powerpoint/2010/main" val="1790126597"/>
+              </p:ext>
+            </p:extLst>
+          </p:nvPr>
         </p:nvGraphicFramePr>
         <p:xfrm>
-          <a:off x="493070" y="1871663"/>
-          <a:ext cx="8269930" cy="1404937"/>
+          <a:off x="130050" y="2575832"/>
+          <a:ext cx="8973897" cy="1524530"/>
         </p:xfrm>
         <a:graphic>
           <a:graphicData uri="http://schemas.openxmlformats.org/presentationml/2006/ole">
             <mc:AlternateContent xmlns:mc="http://schemas.openxmlformats.org/markup-compatibility/2006">
               <mc:Choice xmlns:v="urn:schemas-microsoft-com:vml" Requires="v">
-                <p:oleObj spid="_x0000_s210955" name="Equation" r:id="rId6" imgW="2019240" imgH="342720" progId="Equation.DSMT4">
+                <p:oleObj spid="_x0000_s210964" name="Equation" r:id="rId6" imgW="2019240" imgH="342720" progId="Equation.DSMT4">
                   <p:embed/>
                 </p:oleObj>
               </mc:Choice>
@@ -18214,7 +18358,7 @@
                   <p:embed/>
                   <p:pic>
                     <p:nvPicPr>
-                      <p:cNvPr id="0" name="Picture 3"/>
+                      <p:cNvPr id="0" name=""/>
                       <p:cNvPicPr>
                         <a:picLocks noChangeAspect="1" noChangeArrowheads="1"/>
                       </p:cNvPicPr>
@@ -18235,22 +18379,14 @@
                     </p:blipFill>
                     <p:spPr bwMode="auto">
                       <a:xfrm>
-                        <a:off x="493070" y="1871663"/>
-                        <a:ext cx="8269930" cy="1404937"/>
+                        <a:off x="130050" y="2575832"/>
+                        <a:ext cx="8973897" cy="1524530"/>
                       </a:xfrm>
                       <a:prstGeom prst="rect">
                         <a:avLst/>
                       </a:prstGeom>
                       <a:noFill/>
-                      <a:extLst>
-                        <a:ext uri="{909E8E84-426E-40dd-AFC4-6F175D3DCCD1}">
-                          <a14:hiddenFill xmlns:a14="http://schemas.microsoft.com/office/drawing/2010/main">
-                            <a:solidFill>
-                              <a:srgbClr val="FFFFFF"/>
-                            </a:solidFill>
-                          </a14:hiddenFill>
-                        </a:ext>
-                      </a:extLst>
+                      <a:extLst/>
                     </p:spPr>
                   </p:pic>
                 </p:oleObj>
@@ -18261,13 +18397,13 @@
       </p:graphicFrame>
       <p:sp>
         <p:nvSpPr>
-          <p:cNvPr id="6" name="Rectangle 5"/>
+          <p:cNvPr id="12" name="Rectangle 11"/>
           <p:cNvSpPr/>
           <p:nvPr/>
         </p:nvSpPr>
         <p:spPr bwMode="auto">
           <a:xfrm>
-            <a:off x="457200" y="2895600"/>
+            <a:off x="472281" y="3785864"/>
             <a:ext cx="8229600" cy="2362200"/>
           </a:xfrm>
           <a:prstGeom prst="rect">
@@ -18324,14 +18460,14 @@
       </p:sp>
       <p:sp>
         <p:nvSpPr>
-          <p:cNvPr id="7" name="TextBox 6"/>
+          <p:cNvPr id="13" name="TextBox 12"/>
           <p:cNvSpPr txBox="1"/>
           <p:nvPr/>
         </p:nvSpPr>
         <p:spPr>
           <a:xfrm>
-            <a:off x="874751" y="1079061"/>
-            <a:ext cx="7394497" cy="769441"/>
+            <a:off x="116444" y="1779402"/>
+            <a:ext cx="9027556" cy="923330"/>
           </a:xfrm>
           <a:prstGeom prst="rect">
             <a:avLst/>
@@ -18345,13 +18481,13 @@
           <a:lstStyle/>
           <a:p>
             <a:r>
-              <a:rPr lang="en-US" sz="3600" i="0" dirty="0" smtClean="0">
+              <a:rPr lang="en-US" sz="4400" i="0" dirty="0" smtClean="0">
                 <a:latin typeface="+mj-lt"/>
               </a:rPr>
               <a:t>Def: </a:t>
             </a:r>
             <a:r>
-              <a:rPr lang="en-US" sz="4400" i="0" dirty="0" smtClean="0">
+              <a:rPr lang="en-US" sz="5400" i="0" dirty="0" smtClean="0">
                 <a:solidFill>
                   <a:srgbClr val="9B2894"/>
                 </a:solidFill>
@@ -18359,109 +18495,11 @@
               </a:rPr>
               <a:t>conditional expectation</a:t>
             </a:r>
-            <a:endParaRPr lang="en-US" sz="4400" i="0" dirty="0">
+            <a:endParaRPr lang="en-US" sz="5400" i="0" dirty="0">
               <a:solidFill>
                 <a:srgbClr val="9B2894"/>
               </a:solidFill>
               <a:latin typeface="+mj-lt"/>
-            </a:endParaRPr>
-          </a:p>
-        </p:txBody>
-      </p:sp>
-      <p:sp>
-        <p:nvSpPr>
-          <p:cNvPr id="8" name="TextBox 7"/>
-          <p:cNvSpPr txBox="1"/>
-          <p:nvPr/>
-        </p:nvSpPr>
-        <p:spPr>
-          <a:xfrm>
-            <a:off x="457200" y="5334000"/>
-            <a:ext cx="8162812" cy="830997"/>
-          </a:xfrm>
-          <a:prstGeom prst="rect">
-            <a:avLst/>
-          </a:prstGeom>
-          <a:noFill/>
-        </p:spPr>
-        <p:txBody>
-          <a:bodyPr wrap="none" rtlCol="0">
-            <a:spAutoFit/>
-          </a:bodyPr>
-          <a:lstStyle/>
-          <a:p>
-            <a:r>
-              <a:rPr lang="en-US" sz="4800" i="0" dirty="0" smtClean="0">
-                <a:latin typeface="+mj-lt"/>
-              </a:rPr>
-              <a:t>good for reasoning by cases</a:t>
-            </a:r>
-            <a:endParaRPr lang="en-US" sz="4800" i="0" dirty="0">
-              <a:latin typeface="+mj-lt"/>
-            </a:endParaRPr>
-          </a:p>
-        </p:txBody>
-      </p:sp>
-      <p:sp>
-        <p:nvSpPr>
-          <p:cNvPr id="9" name="Slide Number Placeholder 3"/>
-          <p:cNvSpPr>
-            <a:spLocks noGrp="1"/>
-          </p:cNvSpPr>
-          <p:nvPr>
-            <p:ph type="sldNum" sz="quarter" idx="4294967295"/>
-          </p:nvPr>
-        </p:nvSpPr>
-        <p:spPr>
-          <a:xfrm>
-            <a:off x="7554913" y="6577965"/>
-            <a:ext cx="1527175" cy="244475"/>
-          </a:xfrm>
-          <a:prstGeom prst="rect">
-            <a:avLst/>
-          </a:prstGeom>
-        </p:spPr>
-        <p:txBody>
-          <a:bodyPr/>
-          <a:lstStyle/>
-          <a:p>
-            <a:pPr>
-              <a:defRPr/>
-            </a:pPr>
-            <a:r>
-              <a:rPr lang="en-US" sz="1200" dirty="0" err="1">
-                <a:latin typeface="Comic Sans MS"/>
-                <a:cs typeface="Comic Sans MS"/>
-              </a:rPr>
-              <a:t>lec</a:t>
-            </a:r>
-            <a:r>
-              <a:rPr lang="en-US" sz="1200" dirty="0" smtClean="0">
-                <a:latin typeface="Comic Sans MS"/>
-                <a:cs typeface="Comic Sans MS"/>
-              </a:rPr>
-              <a:t> </a:t>
-            </a:r>
-            <a:r>
-              <a:rPr lang="en-US" sz="1200" dirty="0" smtClean="0">
-                <a:latin typeface="Comic Sans MS"/>
-                <a:cs typeface="Comic Sans MS"/>
-              </a:rPr>
-              <a:t>14W.</a:t>
-            </a:r>
-            <a:fld id="{93DA0692-DAF7-4AFE-9BE7-E02439D3694A}" type="slidenum">
-              <a:rPr lang="en-US" sz="1200" smtClean="0">
-                <a:latin typeface="Comic Sans MS"/>
-                <a:cs typeface="Comic Sans MS"/>
-              </a:rPr>
-              <a:pPr>
-                <a:defRPr/>
-              </a:pPr>
-              <a:t>31</a:t>
-            </a:fld>
-            <a:endParaRPr lang="en-US" sz="1200" dirty="0">
-              <a:latin typeface="Comic Sans MS"/>
-              <a:cs typeface="Comic Sans MS"/>
             </a:endParaRPr>
           </a:p>
         </p:txBody>
@@ -18471,9 +18509,18 @@
   <p:clrMapOvr>
     <a:masterClrMapping/>
   </p:clrMapOvr>
-  <p:transition xmlns:p14="http://schemas.microsoft.com/office/powerpoint/2010/main">
-    <p:fade/>
-  </p:transition>
+  <mc:AlternateContent xmlns:mc="http://schemas.openxmlformats.org/markup-compatibility/2006">
+    <mc:Choice xmlns:p14="http://schemas.microsoft.com/office/powerpoint/2010/main" Requires="p14">
+      <p:transition spd="slow" p14:dur="1100">
+        <p:fade/>
+      </p:transition>
+    </mc:Choice>
+    <mc:Fallback>
+      <p:transition xmlns:p14="http://schemas.microsoft.com/office/powerpoint/2010/main" spd="slow">
+        <p:fade/>
+      </p:transition>
+    </mc:Fallback>
+  </mc:AlternateContent>
   <p:timing>
     <p:tnLst>
       <p:par>
@@ -18495,7 +18542,7 @@
                             </p:stCondLst>
                             <p:childTnLst>
                               <p:par>
-                                <p:cTn id="5" presetID="22" presetClass="entr" presetSubtype="8" fill="hold" nodeType="clickEffect">
+                                <p:cTn id="5" presetID="9" presetClass="entr" presetSubtype="0" fill="hold" grpId="0" nodeType="clickEffect">
                                   <p:stCondLst>
                                     <p:cond delay="0"/>
                                   </p:stCondLst>
@@ -18508,7 +18555,7 @@
                                           </p:stCondLst>
                                         </p:cTn>
                                         <p:tgtEl>
-                                          <p:spTgt spid="84995"/>
+                                          <p:spTgt spid="8"/>
                                         </p:tgtEl>
                                         <p:attrNameLst>
                                           <p:attrName>style.visibility</p:attrName>
@@ -18518,11 +18565,11 @@
                                         <p:strVal val="visible"/>
                                       </p:to>
                                     </p:set>
-                                    <p:animEffect transition="in" filter="wipe(left)">
+                                    <p:animEffect transition="in" filter="dissolve">
                                       <p:cBhvr>
-                                        <p:cTn id="7" dur="1000"/>
+                                        <p:cTn id="7" dur="500"/>
                                         <p:tgtEl>
-                                          <p:spTgt spid="84995"/>
+                                          <p:spTgt spid="8"/>
                                         </p:tgtEl>
                                       </p:cBhvr>
                                     </p:animEffect>
@@ -18548,7 +18595,7 @@
                             </p:stCondLst>
                             <p:childTnLst>
                               <p:par>
-                                <p:cTn id="10" presetID="22" presetClass="entr" presetSubtype="8" fill="hold" nodeType="clickEffect">
+                                <p:cTn id="10" presetID="9" presetClass="entr" presetSubtype="0" fill="hold" grpId="0" nodeType="clickEffect">
                                   <p:stCondLst>
                                     <p:cond delay="0"/>
                                   </p:stCondLst>
@@ -18561,7 +18608,7 @@
                                           </p:stCondLst>
                                         </p:cTn>
                                         <p:tgtEl>
-                                          <p:spTgt spid="4"/>
+                                          <p:spTgt spid="13"/>
                                         </p:tgtEl>
                                         <p:attrNameLst>
                                           <p:attrName>style.visibility</p:attrName>
@@ -18571,11 +18618,11 @@
                                         <p:strVal val="visible"/>
                                       </p:to>
                                     </p:set>
-                                    <p:animEffect transition="in" filter="wipe(left)">
+                                    <p:animEffect transition="in" filter="dissolve">
                                       <p:cBhvr>
-                                        <p:cTn id="12" dur="1000"/>
+                                        <p:cTn id="12" dur="500"/>
                                         <p:tgtEl>
-                                          <p:spTgt spid="4"/>
+                                          <p:spTgt spid="13"/>
                                         </p:tgtEl>
                                       </p:cBhvr>
                                     </p:animEffect>
@@ -18601,7 +18648,7 @@
                             </p:stCondLst>
                             <p:childTnLst>
                               <p:par>
-                                <p:cTn id="15" presetID="9" presetClass="entr" presetSubtype="0" fill="hold" grpId="0" nodeType="clickEffect">
+                                <p:cTn id="15" presetID="22" presetClass="entr" presetSubtype="8" fill="hold" nodeType="clickEffect">
                                   <p:stCondLst>
                                     <p:cond delay="0"/>
                                   </p:stCondLst>
@@ -18614,7 +18661,7 @@
                                           </p:stCondLst>
                                         </p:cTn>
                                         <p:tgtEl>
-                                          <p:spTgt spid="2"/>
+                                          <p:spTgt spid="11"/>
                                         </p:tgtEl>
                                         <p:attrNameLst>
                                           <p:attrName>style.visibility</p:attrName>
@@ -18624,11 +18671,64 @@
                                         <p:strVal val="visible"/>
                                       </p:to>
                                     </p:set>
-                                    <p:animEffect transition="in" filter="dissolve">
+                                    <p:animEffect transition="in" filter="wipe(left)">
                                       <p:cBhvr>
-                                        <p:cTn id="17" dur="500"/>
+                                        <p:cTn id="17" dur="1000"/>
                                         <p:tgtEl>
-                                          <p:spTgt spid="2"/>
+                                          <p:spTgt spid="11"/>
+                                        </p:tgtEl>
+                                      </p:cBhvr>
+                                    </p:animEffect>
+                                  </p:childTnLst>
+                                </p:cTn>
+                              </p:par>
+                            </p:childTnLst>
+                          </p:cTn>
+                        </p:par>
+                      </p:childTnLst>
+                    </p:cTn>
+                  </p:par>
+                  <p:par>
+                    <p:cTn id="18" fill="hold">
+                      <p:stCondLst>
+                        <p:cond delay="indefinite"/>
+                      </p:stCondLst>
+                      <p:childTnLst>
+                        <p:par>
+                          <p:cTn id="19" fill="hold">
+                            <p:stCondLst>
+                              <p:cond delay="0"/>
+                            </p:stCondLst>
+                            <p:childTnLst>
+                              <p:par>
+                                <p:cTn id="20" presetID="22" presetClass="entr" presetSubtype="8" fill="hold" nodeType="clickEffect">
+                                  <p:stCondLst>
+                                    <p:cond delay="0"/>
+                                  </p:stCondLst>
+                                  <p:childTnLst>
+                                    <p:set>
+                                      <p:cBhvr>
+                                        <p:cTn id="21" dur="1" fill="hold">
+                                          <p:stCondLst>
+                                            <p:cond delay="0"/>
+                                          </p:stCondLst>
+                                        </p:cTn>
+                                        <p:tgtEl>
+                                          <p:spTgt spid="10"/>
+                                        </p:tgtEl>
+                                        <p:attrNameLst>
+                                          <p:attrName>style.visibility</p:attrName>
+                                        </p:attrNameLst>
+                                      </p:cBhvr>
+                                      <p:to>
+                                        <p:strVal val="visible"/>
+                                      </p:to>
+                                    </p:set>
+                                    <p:animEffect transition="in" filter="wipe(left)">
+                                      <p:cBhvr>
+                                        <p:cTn id="22" dur="1000"/>
+                                        <p:tgtEl>
+                                          <p:spTgt spid="10"/>
                                         </p:tgtEl>
                                       </p:cBhvr>
                                     </p:animEffect>
@@ -18639,26 +18739,26 @@
                           </p:cTn>
                         </p:par>
                         <p:par>
-                          <p:cTn id="18" fill="hold">
+                          <p:cTn id="23" fill="hold">
                             <p:stCondLst>
-                              <p:cond delay="500"/>
+                              <p:cond delay="1000"/>
                             </p:stCondLst>
                             <p:childTnLst>
                               <p:par>
-                                <p:cTn id="19" presetID="15" presetClass="entr" presetSubtype="0" fill="hold" grpId="0" nodeType="afterEffect">
+                                <p:cTn id="24" presetID="15" presetClass="entr" presetSubtype="0" fill="hold" grpId="0" nodeType="afterEffect">
                                   <p:stCondLst>
                                     <p:cond delay="0"/>
                                   </p:stCondLst>
                                   <p:childTnLst>
                                     <p:set>
                                       <p:cBhvr>
-                                        <p:cTn id="20" dur="1" fill="hold">
+                                        <p:cTn id="25" dur="1" fill="hold">
                                           <p:stCondLst>
                                             <p:cond delay="0"/>
                                           </p:stCondLst>
                                         </p:cTn>
                                         <p:tgtEl>
-                                          <p:spTgt spid="6"/>
+                                          <p:spTgt spid="12"/>
                                         </p:tgtEl>
                                         <p:attrNameLst>
                                           <p:attrName>style.visibility</p:attrName>
@@ -18670,9 +18770,9 @@
                                     </p:set>
                                     <p:anim calcmode="lin" valueType="num">
                                       <p:cBhvr>
-                                        <p:cTn id="21" dur="1000" fill="hold"/>
+                                        <p:cTn id="26" dur="1000" fill="hold"/>
                                         <p:tgtEl>
-                                          <p:spTgt spid="6"/>
+                                          <p:spTgt spid="12"/>
                                         </p:tgtEl>
                                         <p:attrNameLst>
                                           <p:attrName>ppt_w</p:attrName>
@@ -18693,9 +18793,9 @@
                                     </p:anim>
                                     <p:anim calcmode="lin" valueType="num">
                                       <p:cBhvr>
-                                        <p:cTn id="22" dur="1000" fill="hold"/>
+                                        <p:cTn id="27" dur="1000" fill="hold"/>
                                         <p:tgtEl>
-                                          <p:spTgt spid="6"/>
+                                          <p:spTgt spid="12"/>
                                         </p:tgtEl>
                                         <p:attrNameLst>
                                           <p:attrName>ppt_h</p:attrName>
@@ -18716,9 +18816,9 @@
                                     </p:anim>
                                     <p:anim calcmode="lin" valueType="num">
                                       <p:cBhvr>
-                                        <p:cTn id="23" dur="1000" fill="hold"/>
+                                        <p:cTn id="28" dur="1000" fill="hold"/>
                                         <p:tgtEl>
-                                          <p:spTgt spid="6"/>
+                                          <p:spTgt spid="12"/>
                                         </p:tgtEl>
                                         <p:attrNameLst>
                                           <p:attrName>ppt_x</p:attrName>
@@ -18739,9 +18839,9 @@
                                     </p:anim>
                                     <p:anim calcmode="lin" valueType="num">
                                       <p:cBhvr>
-                                        <p:cTn id="24" dur="1000" fill="hold"/>
+                                        <p:cTn id="29" dur="1000" fill="hold"/>
                                         <p:tgtEl>
-                                          <p:spTgt spid="6"/>
+                                          <p:spTgt spid="12"/>
                                         </p:tgtEl>
                                         <p:attrNameLst>
                                           <p:attrName>ppt_y</p:attrName>
@@ -18760,59 +18860,6 @@
                                         </p:tav>
                                       </p:tavLst>
                                     </p:anim>
-                                  </p:childTnLst>
-                                </p:cTn>
-                              </p:par>
-                            </p:childTnLst>
-                          </p:cTn>
-                        </p:par>
-                      </p:childTnLst>
-                    </p:cTn>
-                  </p:par>
-                  <p:par>
-                    <p:cTn id="25" fill="hold">
-                      <p:stCondLst>
-                        <p:cond delay="indefinite"/>
-                      </p:stCondLst>
-                      <p:childTnLst>
-                        <p:par>
-                          <p:cTn id="26" fill="hold">
-                            <p:stCondLst>
-                              <p:cond delay="0"/>
-                            </p:stCondLst>
-                            <p:childTnLst>
-                              <p:par>
-                                <p:cTn id="27" presetID="9" presetClass="entr" presetSubtype="0" fill="hold" grpId="0" nodeType="clickEffect">
-                                  <p:stCondLst>
-                                    <p:cond delay="0"/>
-                                  </p:stCondLst>
-                                  <p:childTnLst>
-                                    <p:set>
-                                      <p:cBhvr>
-                                        <p:cTn id="28" dur="1" fill="hold">
-                                          <p:stCondLst>
-                                            <p:cond delay="0"/>
-                                          </p:stCondLst>
-                                        </p:cTn>
-                                        <p:tgtEl>
-                                          <p:spTgt spid="8"/>
-                                        </p:tgtEl>
-                                        <p:attrNameLst>
-                                          <p:attrName>style.visibility</p:attrName>
-                                        </p:attrNameLst>
-                                      </p:cBhvr>
-                                      <p:to>
-                                        <p:strVal val="visible"/>
-                                      </p:to>
-                                    </p:set>
-                                    <p:animEffect transition="in" filter="dissolve">
-                                      <p:cBhvr>
-                                        <p:cTn id="29" dur="500"/>
-                                        <p:tgtEl>
-                                          <p:spTgt spid="8"/>
-                                        </p:tgtEl>
-                                      </p:cBhvr>
-                                    </p:animEffect>
                                   </p:childTnLst>
                                 </p:cTn>
                               </p:par>
@@ -18844,9 +18891,9 @@
       </p:par>
     </p:tnLst>
     <p:bldLst>
-      <p:bldP spid="2" grpId="0"/>
-      <p:bldP spid="6" grpId="0" animBg="1"/>
       <p:bldP spid="8" grpId="0"/>
+      <p:bldP spid="12" grpId="0" animBg="1"/>
+      <p:bldP spid="13" grpId="0"/>
     </p:bldLst>
   </p:timing>
 </p:sld>
@@ -19052,14 +19099,17 @@
                   <a:srgbClr val="0000FF"/>
                 </a:solidFill>
               </a:rPr>
-              <a:t>e(n-1)+p</a:t>
-            </a:r>
-          </a:p>
-          <a:p>
-            <a:pPr algn="ctr">
-              <a:buNone/>
-            </a:pPr>
-            <a:endParaRPr lang="en-US" sz="4400" dirty="0">
+              <a:t>e(n-1)+</a:t>
+            </a:r>
+            <a:r>
+              <a:rPr lang="en-US" sz="4400" dirty="0" smtClean="0">
+                <a:solidFill>
+                  <a:srgbClr val="0000FF"/>
+                </a:solidFill>
+              </a:rPr>
+              <a:t>p</a:t>
+            </a:r>
+            <a:endParaRPr lang="en-US" sz="4400" dirty="0" smtClean="0">
               <a:solidFill>
                 <a:srgbClr val="0000FF"/>
               </a:solidFill>
@@ -19115,7 +19165,7 @@
           <a:graphicData uri="http://schemas.openxmlformats.org/presentationml/2006/ole">
             <mc:AlternateContent xmlns:mc="http://schemas.openxmlformats.org/markup-compatibility/2006">
               <mc:Choice xmlns:v="urn:schemas-microsoft-com:vml" Requires="v">
-                <p:oleObj spid="_x0000_s212999" name="Equation" r:id="rId4" imgW="914400" imgH="220320" progId="Equation.DSMT4">
+                <p:oleObj spid="_x0000_s213004" name="Equation" r:id="rId4" imgW="914400" imgH="220320" progId="Equation.DSMT4">
                   <p:embed/>
                 </p:oleObj>
               </mc:Choice>
@@ -19178,7 +19228,7 @@
         <p:spPr>
           <a:xfrm>
             <a:off x="4702486" y="4876800"/>
-            <a:ext cx="3155556" cy="769441"/>
+            <a:ext cx="3612087" cy="769441"/>
           </a:xfrm>
           <a:prstGeom prst="rect">
             <a:avLst/>
@@ -19204,8 +19254,23 @@
                 </a:solidFill>
                 <a:latin typeface="+mj-lt"/>
               </a:rPr>
-              <a:t>e(n-2)+2p</a:t>
-            </a:r>
+              <a:t>e(n-2)+</a:t>
+            </a:r>
+            <a:r>
+              <a:rPr lang="en-US" sz="4400" i="0" dirty="0" smtClean="0">
+                <a:solidFill>
+                  <a:srgbClr val="0000FF"/>
+                </a:solidFill>
+                <a:latin typeface="+mj-lt"/>
+              </a:rPr>
+              <a:t>2p =</a:t>
+            </a:r>
+            <a:endParaRPr lang="en-US" sz="4400" i="0" dirty="0" smtClean="0">
+              <a:solidFill>
+                <a:srgbClr val="0000FF"/>
+              </a:solidFill>
+              <a:latin typeface="+mj-lt"/>
+            </a:endParaRPr>
           </a:p>
         </p:txBody>
       </p:sp>
@@ -19247,14 +19312,7 @@
                 <a:latin typeface="Comic Sans MS"/>
                 <a:cs typeface="Comic Sans MS"/>
               </a:rPr>
-              <a:t> </a:t>
-            </a:r>
-            <a:r>
-              <a:rPr lang="en-US" sz="1200" dirty="0" smtClean="0">
-                <a:latin typeface="Comic Sans MS"/>
-                <a:cs typeface="Comic Sans MS"/>
-              </a:rPr>
-              <a:t>14W.</a:t>
+              <a:t> 14W.</a:t>
             </a:r>
             <a:fld id="{93DA0692-DAF7-4AFE-9BE7-E02439D3694A}" type="slidenum">
               <a:rPr lang="en-US" sz="1200" smtClean="0">
@@ -19281,7 +19339,7 @@
         </p:nvSpPr>
         <p:spPr>
           <a:xfrm>
-            <a:off x="7830207" y="4808475"/>
+            <a:off x="8174437" y="4808475"/>
             <a:ext cx="646331" cy="646331"/>
           </a:xfrm>
           <a:prstGeom prst="rect">
@@ -20028,7 +20086,7 @@
           <a:graphicData uri="http://schemas.openxmlformats.org/presentationml/2006/ole">
             <mc:AlternateContent xmlns:mc="http://schemas.openxmlformats.org/markup-compatibility/2006">
               <mc:Choice xmlns:v="urn:schemas-microsoft-com:vml" Requires="v">
-                <p:oleObj spid="_x0000_s1034" name="Equation" r:id="rId4" imgW="914400" imgH="220320" progId="Equation.DSMT4">
+                <p:oleObj spid="_x0000_s1041" name="Equation" r:id="rId4" imgW="914400" imgH="220320" progId="Equation.DSMT4">
                   <p:embed/>
                 </p:oleObj>
               </mc:Choice>
@@ -20098,7 +20156,7 @@
           <a:graphicData uri="http://schemas.openxmlformats.org/presentationml/2006/ole">
             <mc:AlternateContent xmlns:mc="http://schemas.openxmlformats.org/markup-compatibility/2006">
               <mc:Choice xmlns:v="urn:schemas-microsoft-com:vml" Requires="v">
-                <p:oleObj spid="_x0000_s1035" name="Equation" r:id="rId6" imgW="634680" imgH="304560" progId="Equation.DSMT4">
+                <p:oleObj spid="_x0000_s1042" name="Equation" r:id="rId6" imgW="634680" imgH="304560" progId="Equation.DSMT4">
                   <p:embed/>
                 </p:oleObj>
               </mc:Choice>
@@ -20312,14 +20370,7 @@
                 <a:latin typeface="Comic Sans MS"/>
                 <a:cs typeface="Comic Sans MS"/>
               </a:rPr>
-              <a:t> </a:t>
-            </a:r>
-            <a:r>
-              <a:rPr lang="en-US" sz="1200" dirty="0" smtClean="0">
-                <a:latin typeface="Comic Sans MS"/>
-                <a:cs typeface="Comic Sans MS"/>
-              </a:rPr>
-              <a:t>14W.</a:t>
+              <a:t> 14W.</a:t>
             </a:r>
             <a:fld id="{93DA0692-DAF7-4AFE-9BE7-E02439D3694A}" type="slidenum">
               <a:rPr lang="en-US" sz="1200" smtClean="0">
@@ -20343,7 +20394,18 @@
   <p:clrMapOvr>
     <a:masterClrMapping/>
   </p:clrMapOvr>
-  <p:transition xmlns:p14="http://schemas.microsoft.com/office/powerpoint/2010/main"/>
+  <mc:AlternateContent xmlns:mc="http://schemas.openxmlformats.org/markup-compatibility/2006">
+    <mc:Choice xmlns:p14="http://schemas.microsoft.com/office/powerpoint/2010/main" Requires="p14">
+      <p:transition spd="med" p14:dur="700">
+        <p:fade/>
+      </p:transition>
+    </mc:Choice>
+    <mc:Fallback>
+      <p:transition xmlns:p14="http://schemas.microsoft.com/office/powerpoint/2010/main" spd="med">
+        <p:fade/>
+      </p:transition>
+    </mc:Fallback>
+  </mc:AlternateContent>
   <p:timing>
     <p:tnLst>
       <p:par>
@@ -20368,7 +20430,7 @@
                             </p:stCondLst>
                             <p:childTnLst>
                               <p:par>
-                                <p:cTn id="5" presetID="15" presetClass="entr" presetSubtype="0" fill="hold" nodeType="withEffect">
+                                <p:cTn id="5" presetID="15" presetClass="entr" presetSubtype="0" fill="hold" nodeType="afterEffect">
                                   <p:stCondLst>
                                     <p:cond delay="0"/>
                                   </p:stCondLst>
@@ -20630,7 +20692,7 @@
 </file>
 
 <file path=ppt/slides/slide34.xml><?xml version="1.0" encoding="utf-8"?>
-<p:sld xmlns:a="http://schemas.openxmlformats.org/drawingml/2006/main" xmlns:r="http://schemas.openxmlformats.org/officeDocument/2006/relationships" xmlns:p="http://schemas.openxmlformats.org/presentationml/2006/main" show="0">
+<p:sld xmlns:a="http://schemas.openxmlformats.org/drawingml/2006/main" xmlns:r="http://schemas.openxmlformats.org/officeDocument/2006/relationships" xmlns:p="http://schemas.openxmlformats.org/presentationml/2006/main">
   <p:cSld>
     <p:spTree>
       <p:nvGrpSpPr>
@@ -20981,14 +21043,7 @@
                 <a:latin typeface="Comic Sans MS"/>
                 <a:cs typeface="Comic Sans MS"/>
               </a:rPr>
-              <a:t> </a:t>
-            </a:r>
-            <a:r>
-              <a:rPr lang="en-US" sz="1200" dirty="0" smtClean="0">
-                <a:latin typeface="Comic Sans MS"/>
-                <a:cs typeface="Comic Sans MS"/>
-              </a:rPr>
-              <a:t>14W.</a:t>
+              <a:t> 14W.</a:t>
             </a:r>
             <a:fld id="{93DA0692-DAF7-4AFE-9BE7-E02439D3694A}" type="slidenum">
               <a:rPr lang="en-US" sz="1200" smtClean="0">
@@ -21049,7 +21104,7 @@
                                           </p:stCondLst>
                                         </p:cTn>
                                         <p:tgtEl>
-                                          <p:spTgt spid="25602"/>
+                                          <p:spTgt spid="628752"/>
                                         </p:tgtEl>
                                         <p:attrNameLst>
                                           <p:attrName>style.visibility</p:attrName>
@@ -21063,7 +21118,7 @@
                                       <p:cBhvr>
                                         <p:cTn id="7" dur="500"/>
                                         <p:tgtEl>
-                                          <p:spTgt spid="25602"/>
+                                          <p:spTgt spid="628752"/>
                                         </p:tgtEl>
                                       </p:cBhvr>
                                     </p:animEffect>
@@ -21333,14 +21388,14 @@
       </p:par>
     </p:tnLst>
     <p:bldLst>
-      <p:bldP spid="25602" grpId="0"/>
+      <p:bldP spid="628752" grpId="0"/>
     </p:bldLst>
   </p:timing>
 </p:sld>
 </file>
 
 <file path=ppt/slides/slide35.xml><?xml version="1.0" encoding="utf-8"?>
-<p:sld xmlns:a="http://schemas.openxmlformats.org/drawingml/2006/main" xmlns:r="http://schemas.openxmlformats.org/officeDocument/2006/relationships" xmlns:p="http://schemas.openxmlformats.org/presentationml/2006/main" show="0">
+<p:sld xmlns:a="http://schemas.openxmlformats.org/drawingml/2006/main" xmlns:r="http://schemas.openxmlformats.org/officeDocument/2006/relationships" xmlns:p="http://schemas.openxmlformats.org/presentationml/2006/main">
   <p:cSld>
     <p:spTree>
       <p:nvGrpSpPr>
@@ -21687,11 +21742,7 @@
             </a:r>
             <a:r>
               <a:rPr lang="en-US" dirty="0" smtClean="0"/>
-              <a:t> </a:t>
-            </a:r>
-            <a:r>
-              <a:rPr lang="en-US" dirty="0" smtClean="0"/>
-              <a:t>14W.</a:t>
+              <a:t> 14W.</a:t>
             </a:r>
             <a:fld id="{93DA0692-DAF7-4AFE-9BE7-E02439D3694A}" type="slidenum">
               <a:rPr lang="en-US" smtClean="0"/>
@@ -21779,77 +21830,6 @@
           </a:p>
         </p:txBody>
       </p:sp>
-      <p:graphicFrame>
-        <p:nvGraphicFramePr>
-          <p:cNvPr id="217094" name="Object 6"/>
-          <p:cNvGraphicFramePr>
-            <a:graphicFrameLocks noChangeAspect="1"/>
-          </p:cNvGraphicFramePr>
-          <p:nvPr/>
-        </p:nvGraphicFramePr>
-        <p:xfrm>
-          <a:off x="6062042" y="4021271"/>
-          <a:ext cx="1694727" cy="2671753"/>
-        </p:xfrm>
-        <a:graphic>
-          <a:graphicData uri="http://schemas.openxmlformats.org/presentationml/2006/ole">
-            <mc:AlternateContent xmlns:mc="http://schemas.openxmlformats.org/markup-compatibility/2006">
-              <mc:Choice xmlns:v="urn:schemas-microsoft-com:vml" Requires="v">
-                <p:oleObj spid="_x0000_s217099" name="Equation" r:id="rId4" imgW="330200" imgH="520700" progId="Equation.DSMT4">
-                  <p:embed/>
-                </p:oleObj>
-              </mc:Choice>
-              <mc:Fallback>
-                <p:oleObj name="Equation" r:id="rId4" imgW="330200" imgH="520700" progId="Equation.DSMT4">
-                  <p:embed/>
-                  <p:pic>
-                    <p:nvPicPr>
-                      <p:cNvPr id="0" name="Picture 6"/>
-                      <p:cNvPicPr>
-                        <a:picLocks noChangeAspect="1" noChangeArrowheads="1"/>
-                      </p:cNvPicPr>
-                      <p:nvPr/>
-                    </p:nvPicPr>
-                    <p:blipFill>
-                      <a:blip r:embed="rId5">
-                        <a:extLst>
-                          <a:ext uri="{28A0092B-C50C-407E-A947-70E740481C1C}">
-                            <a14:useLocalDpi xmlns:a14="http://schemas.microsoft.com/office/drawing/2010/main" val="0"/>
-                          </a:ext>
-                        </a:extLst>
-                      </a:blip>
-                      <a:srcRect/>
-                      <a:stretch>
-                        <a:fillRect/>
-                      </a:stretch>
-                    </p:blipFill>
-                    <p:spPr bwMode="auto">
-                      <a:xfrm>
-                        <a:off x="6062042" y="4021271"/>
-                        <a:ext cx="1694727" cy="2671753"/>
-                      </a:xfrm>
-                      <a:prstGeom prst="rect">
-                        <a:avLst/>
-                      </a:prstGeom>
-                      <a:solidFill>
-                        <a:srgbClr val="BAC5FF"/>
-                      </a:solidFill>
-                      <a:ln w="31750">
-                        <a:solidFill>
-                          <a:srgbClr val="FF00FF"/>
-                        </a:solidFill>
-                        <a:miter lim="800000"/>
-                        <a:headEnd/>
-                        <a:tailEnd/>
-                      </a:ln>
-                    </p:spPr>
-                  </p:pic>
-                </p:oleObj>
-              </mc:Fallback>
-            </mc:AlternateContent>
-          </a:graphicData>
-        </a:graphic>
-      </p:graphicFrame>
       <p:sp>
         <p:nvSpPr>
           <p:cNvPr id="14" name="Rectangle 2"/>
@@ -22132,112 +22112,6 @@
                       </p:childTnLst>
                     </p:cTn>
                   </p:par>
-                  <p:par>
-                    <p:cTn id="18" fill="hold">
-                      <p:stCondLst>
-                        <p:cond delay="indefinite"/>
-                      </p:stCondLst>
-                      <p:childTnLst>
-                        <p:par>
-                          <p:cTn id="19" fill="hold">
-                            <p:stCondLst>
-                              <p:cond delay="0"/>
-                            </p:stCondLst>
-                            <p:childTnLst>
-                              <p:par>
-                                <p:cTn id="20" presetID="10" presetClass="entr" presetSubtype="0" fill="hold" nodeType="clickEffect">
-                                  <p:stCondLst>
-                                    <p:cond delay="0"/>
-                                  </p:stCondLst>
-                                  <p:childTnLst>
-                                    <p:set>
-                                      <p:cBhvr>
-                                        <p:cTn id="21" dur="1" fill="hold">
-                                          <p:stCondLst>
-                                            <p:cond delay="0"/>
-                                          </p:stCondLst>
-                                        </p:cTn>
-                                        <p:tgtEl>
-                                          <p:spTgt spid="217094"/>
-                                        </p:tgtEl>
-                                        <p:attrNameLst>
-                                          <p:attrName>style.visibility</p:attrName>
-                                        </p:attrNameLst>
-                                      </p:cBhvr>
-                                      <p:to>
-                                        <p:strVal val="visible"/>
-                                      </p:to>
-                                    </p:set>
-                                    <p:animEffect transition="in" filter="fade">
-                                      <p:cBhvr>
-                                        <p:cTn id="22" dur="500"/>
-                                        <p:tgtEl>
-                                          <p:spTgt spid="217094"/>
-                                        </p:tgtEl>
-                                      </p:cBhvr>
-                                    </p:animEffect>
-                                  </p:childTnLst>
-                                </p:cTn>
-                              </p:par>
-                            </p:childTnLst>
-                          </p:cTn>
-                        </p:par>
-                      </p:childTnLst>
-                    </p:cTn>
-                  </p:par>
-                  <p:par>
-                    <p:cTn id="23" fill="hold">
-                      <p:stCondLst>
-                        <p:cond delay="indefinite"/>
-                      </p:stCondLst>
-                      <p:childTnLst>
-                        <p:par>
-                          <p:cTn id="24" fill="hold">
-                            <p:stCondLst>
-                              <p:cond delay="0"/>
-                            </p:stCondLst>
-                            <p:childTnLst>
-                              <p:par>
-                                <p:cTn id="25" presetID="9" presetClass="entr" presetSubtype="0" fill="hold" grpId="0" nodeType="clickEffect">
-                                  <p:stCondLst>
-                                    <p:cond delay="0"/>
-                                  </p:stCondLst>
-                                  <p:childTnLst>
-                                    <p:set>
-                                      <p:cBhvr>
-                                        <p:cTn id="26" dur="1" fill="hold">
-                                          <p:stCondLst>
-                                            <p:cond delay="0"/>
-                                          </p:stCondLst>
-                                        </p:cTn>
-                                        <p:tgtEl>
-                                          <p:spTgt spid="14"/>
-                                        </p:tgtEl>
-                                        <p:attrNameLst>
-                                          <p:attrName>style.visibility</p:attrName>
-                                        </p:attrNameLst>
-                                      </p:cBhvr>
-                                      <p:to>
-                                        <p:strVal val="visible"/>
-                                      </p:to>
-                                    </p:set>
-                                    <p:animEffect transition="in" filter="dissolve">
-                                      <p:cBhvr>
-                                        <p:cTn id="27" dur="500"/>
-                                        <p:tgtEl>
-                                          <p:spTgt spid="14"/>
-                                        </p:tgtEl>
-                                      </p:cBhvr>
-                                    </p:animEffect>
-                                  </p:childTnLst>
-                                </p:cTn>
-                              </p:par>
-                            </p:childTnLst>
-                          </p:cTn>
-                        </p:par>
-                      </p:childTnLst>
-                    </p:cTn>
-                  </p:par>
                 </p:childTnLst>
               </p:cTn>
               <p:prevCondLst>
@@ -22259,14 +22133,656 @@
         </p:cTn>
       </p:par>
     </p:tnLst>
-    <p:bldLst>
-      <p:bldP spid="14" grpId="0"/>
-    </p:bldLst>
   </p:timing>
 </p:sld>
 </file>
 
 <file path=ppt/slides/slide36.xml><?xml version="1.0" encoding="utf-8"?>
+<p:sld xmlns:a="http://schemas.openxmlformats.org/drawingml/2006/main" xmlns:r="http://schemas.openxmlformats.org/officeDocument/2006/relationships" xmlns:p="http://schemas.openxmlformats.org/presentationml/2006/main">
+  <p:cSld>
+    <p:spTree>
+      <p:nvGrpSpPr>
+        <p:cNvPr id="1" name=""/>
+        <p:cNvGrpSpPr/>
+        <p:nvPr/>
+      </p:nvGrpSpPr>
+      <p:grpSpPr>
+        <a:xfrm>
+          <a:off x="0" y="0"/>
+          <a:ext cx="0" cy="0"/>
+          <a:chOff x="0" y="0"/>
+          <a:chExt cx="0" cy="0"/>
+        </a:xfrm>
+      </p:grpSpPr>
+      <p:sp>
+        <p:nvSpPr>
+          <p:cNvPr id="5" name="Rectangle 4"/>
+          <p:cNvSpPr/>
+          <p:nvPr/>
+        </p:nvSpPr>
+        <p:spPr bwMode="auto">
+          <a:xfrm>
+            <a:off x="685800" y="1219200"/>
+            <a:ext cx="7924800" cy="838200"/>
+          </a:xfrm>
+          <a:prstGeom prst="rect">
+            <a:avLst/>
+          </a:prstGeom>
+          <a:noFill/>
+          <a:ln w="28575" cap="flat" cmpd="sng" algn="ctr">
+            <a:solidFill>
+              <a:srgbClr val="FF00FF"/>
+            </a:solidFill>
+            <a:prstDash val="solid"/>
+            <a:round/>
+            <a:headEnd type="none" w="med" len="med"/>
+            <a:tailEnd type="arrow" w="lg" len="lg"/>
+          </a:ln>
+          <a:effectLst/>
+        </p:spPr>
+        <p:txBody>
+          <a:bodyPr vert="horz" wrap="square" lIns="91440" tIns="45720" rIns="91440" bIns="45720" numCol="1" rtlCol="0" anchor="t" anchorCtr="0" compatLnSpc="1">
+            <a:prstTxWarp prst="textNoShape">
+              <a:avLst/>
+            </a:prstTxWarp>
+          </a:bodyPr>
+          <a:lstStyle/>
+          <a:p>
+            <a:pPr marL="0" marR="0" indent="0" algn="l" defTabSz="914400" rtl="0" eaLnBrk="1" fontAlgn="base" latinLnBrk="0" hangingPunct="1">
+              <a:lnSpc>
+                <a:spcPct val="100000"/>
+              </a:lnSpc>
+              <a:spcBef>
+                <a:spcPct val="0"/>
+              </a:spcBef>
+              <a:spcAft>
+                <a:spcPct val="0"/>
+              </a:spcAft>
+              <a:buClrTx/>
+              <a:buSzTx/>
+              <a:buFontTx/>
+              <a:buNone/>
+              <a:tabLst/>
+            </a:pPr>
+            <a:endParaRPr kumimoji="0" lang="en-US" sz="3600" b="0" i="1" u="none" strike="noStrike" cap="none" normalizeH="0" baseline="0" smtClean="0">
+              <a:ln>
+                <a:noFill/>
+              </a:ln>
+              <a:solidFill>
+                <a:schemeClr val="tx1"/>
+              </a:solidFill>
+              <a:effectLst/>
+              <a:latin typeface="Times New Roman" pitchFamily="18" charset="0"/>
+            </a:endParaRPr>
+          </a:p>
+        </p:txBody>
+      </p:sp>
+      <p:sp>
+        <p:nvSpPr>
+          <p:cNvPr id="628752" name="Rectangle 16"/>
+          <p:cNvSpPr>
+            <a:spLocks noChangeArrowheads="1"/>
+          </p:cNvSpPr>
+          <p:nvPr/>
+        </p:nvSpPr>
+        <p:spPr bwMode="auto">
+          <a:xfrm>
+            <a:off x="303999" y="1143000"/>
+            <a:ext cx="6321287" cy="4662815"/>
+          </a:xfrm>
+          <a:prstGeom prst="rect">
+            <a:avLst/>
+          </a:prstGeom>
+          <a:noFill/>
+          <a:ln w="28575">
+            <a:noFill/>
+            <a:miter lim="800000"/>
+            <a:headEnd/>
+            <a:tailEnd type="none" w="lg" len="lg"/>
+          </a:ln>
+        </p:spPr>
+        <p:txBody>
+          <a:bodyPr wrap="none">
+            <a:spAutoFit/>
+          </a:bodyPr>
+          <a:lstStyle/>
+          <a:p>
+            <a:pPr>
+              <a:spcBef>
+                <a:spcPts val="0"/>
+              </a:spcBef>
+            </a:pPr>
+            <a:endParaRPr lang="en-US" sz="6600" i="0" dirty="0" smtClean="0">
+              <a:solidFill>
+                <a:srgbClr val="0000FF"/>
+              </a:solidFill>
+              <a:latin typeface="Comic Sans MS" pitchFamily="66" charset="0"/>
+            </a:endParaRPr>
+          </a:p>
+          <a:p>
+            <a:pPr>
+              <a:spcBef>
+                <a:spcPts val="0"/>
+              </a:spcBef>
+            </a:pPr>
+            <a:r>
+              <a:rPr lang="en-US" sz="6600" i="0" dirty="0" smtClean="0">
+                <a:solidFill>
+                  <a:srgbClr val="0000FF"/>
+                </a:solidFill>
+                <a:latin typeface="Comic Sans MS" pitchFamily="66" charset="0"/>
+              </a:rPr>
+              <a:t>  </a:t>
+            </a:r>
+            <a:r>
+              <a:rPr lang="en-US" sz="6000" i="0" dirty="0" smtClean="0">
+                <a:solidFill>
+                  <a:srgbClr val="0000FF"/>
+                </a:solidFill>
+                <a:latin typeface="Comic Sans MS" pitchFamily="66" charset="0"/>
+              </a:rPr>
+              <a:t>= ∑</a:t>
+            </a:r>
+            <a:r>
+              <a:rPr lang="en-US" sz="6000" i="0" baseline="-25000" dirty="0" smtClean="0">
+                <a:solidFill>
+                  <a:srgbClr val="0000FF"/>
+                </a:solidFill>
+                <a:latin typeface="Comic Sans MS" pitchFamily="66" charset="0"/>
+              </a:rPr>
+              <a:t>n</a:t>
+            </a:r>
+            <a:r>
+              <a:rPr lang="en-US" sz="6000" i="0" baseline="-25000" dirty="0" smtClean="0">
+                <a:solidFill>
+                  <a:srgbClr val="0000FF"/>
+                </a:solidFill>
+                <a:latin typeface="Comic Sans MS" pitchFamily="66" charset="0"/>
+                <a:sym typeface="Euclid Symbol"/>
+              </a:rPr>
+              <a:t>&gt;0</a:t>
+            </a:r>
+            <a:r>
+              <a:rPr lang="en-US" sz="6000" i="0" dirty="0" smtClean="0">
+                <a:solidFill>
+                  <a:srgbClr val="0000FF"/>
+                </a:solidFill>
+                <a:latin typeface="Comic Sans MS" pitchFamily="66" charset="0"/>
+              </a:rPr>
+              <a:t> n</a:t>
+            </a:r>
+            <a:r>
+              <a:rPr lang="en-US" sz="6000" i="0" dirty="0" smtClean="0">
+                <a:latin typeface="Euclid Symbol" charset="2"/>
+                <a:cs typeface="Euclid Symbol" charset="2"/>
+                <a:sym typeface="Symbol" pitchFamily="18" charset="2"/>
+              </a:rPr>
+              <a:t>⋅</a:t>
+            </a:r>
+            <a:r>
+              <a:rPr lang="en-US" sz="6000" i="0" dirty="0" smtClean="0">
+                <a:solidFill>
+                  <a:srgbClr val="0000FF"/>
+                </a:solidFill>
+                <a:latin typeface="Comic Sans MS" pitchFamily="66" charset="0"/>
+              </a:rPr>
+              <a:t>q</a:t>
+            </a:r>
+            <a:r>
+              <a:rPr lang="en-US" sz="6000" i="0" baseline="30000" dirty="0" smtClean="0">
+                <a:solidFill>
+                  <a:srgbClr val="0000FF"/>
+                </a:solidFill>
+                <a:latin typeface="Comic Sans MS" pitchFamily="66" charset="0"/>
+              </a:rPr>
+              <a:t>n-1</a:t>
+            </a:r>
+            <a:r>
+              <a:rPr lang="en-US" sz="6000" i="0" dirty="0" smtClean="0">
+                <a:solidFill>
+                  <a:srgbClr val="0000FF"/>
+                </a:solidFill>
+                <a:latin typeface="Comic Sans MS" pitchFamily="66" charset="0"/>
+              </a:rPr>
+              <a:t>p</a:t>
+            </a:r>
+          </a:p>
+          <a:p>
+            <a:pPr>
+              <a:spcBef>
+                <a:spcPts val="1200"/>
+              </a:spcBef>
+            </a:pPr>
+            <a:r>
+              <a:rPr lang="en-US" sz="6000" i="0" dirty="0" smtClean="0">
+                <a:solidFill>
+                  <a:srgbClr val="0000FF"/>
+                </a:solidFill>
+                <a:latin typeface="Comic Sans MS" pitchFamily="66" charset="0"/>
+              </a:rPr>
+              <a:t>  = p ∑</a:t>
+            </a:r>
+            <a:r>
+              <a:rPr lang="en-US" sz="6000" i="0" baseline="-25000" dirty="0" smtClean="0">
+                <a:solidFill>
+                  <a:srgbClr val="0000FF"/>
+                </a:solidFill>
+                <a:latin typeface="Comic Sans MS" pitchFamily="66" charset="0"/>
+              </a:rPr>
+              <a:t>n</a:t>
+            </a:r>
+            <a:r>
+              <a:rPr lang="en-US" sz="6000" b="1" i="0" baseline="-25000" dirty="0" smtClean="0">
+                <a:solidFill>
+                  <a:srgbClr val="0000FF"/>
+                </a:solidFill>
+                <a:latin typeface="Euclid Symbol" charset="2"/>
+                <a:cs typeface="Euclid Symbol" charset="2"/>
+                <a:sym typeface="Euclid Symbol" pitchFamily="18" charset="2"/>
+              </a:rPr>
+              <a:t>≥</a:t>
+            </a:r>
+            <a:r>
+              <a:rPr lang="en-US" sz="6000" i="0" baseline="-25000" dirty="0" smtClean="0">
+                <a:solidFill>
+                  <a:srgbClr val="0000FF"/>
+                </a:solidFill>
+                <a:latin typeface="Comic Sans MS" pitchFamily="66" charset="0"/>
+              </a:rPr>
+              <a:t>0</a:t>
+            </a:r>
+            <a:r>
+              <a:rPr lang="en-US" sz="6000" i="0" dirty="0" smtClean="0">
+                <a:solidFill>
+                  <a:srgbClr val="0000FF"/>
+                </a:solidFill>
+                <a:latin typeface="Comic Sans MS" pitchFamily="66" charset="0"/>
+              </a:rPr>
+              <a:t> (n+1)q</a:t>
+            </a:r>
+            <a:r>
+              <a:rPr lang="en-US" sz="6000" i="0" baseline="30000" dirty="0" smtClean="0">
+                <a:solidFill>
+                  <a:srgbClr val="0000FF"/>
+                </a:solidFill>
+                <a:latin typeface="Comic Sans MS" pitchFamily="66" charset="0"/>
+              </a:rPr>
+              <a:t>n</a:t>
+            </a:r>
+          </a:p>
+          <a:p>
+            <a:pPr>
+              <a:lnSpc>
+                <a:spcPct val="150000"/>
+              </a:lnSpc>
+              <a:spcBef>
+                <a:spcPts val="1200"/>
+              </a:spcBef>
+            </a:pPr>
+            <a:r>
+              <a:rPr lang="en-US" sz="6000" i="0" dirty="0" smtClean="0">
+                <a:solidFill>
+                  <a:srgbClr val="0000FF"/>
+                </a:solidFill>
+                <a:latin typeface="Comic Sans MS" pitchFamily="66" charset="0"/>
+              </a:rPr>
+              <a:t>  = p (1/(1-q)</a:t>
+            </a:r>
+            <a:r>
+              <a:rPr lang="en-US" sz="6000" i="0" baseline="30000" dirty="0" smtClean="0">
+                <a:solidFill>
+                  <a:srgbClr val="0000FF"/>
+                </a:solidFill>
+                <a:latin typeface="Comic Sans MS" pitchFamily="66" charset="0"/>
+              </a:rPr>
+              <a:t>2</a:t>
+            </a:r>
+            <a:r>
+              <a:rPr lang="en-US" sz="6000" i="0" dirty="0" smtClean="0">
+                <a:solidFill>
+                  <a:srgbClr val="0000FF"/>
+                </a:solidFill>
+                <a:latin typeface="Comic Sans MS" pitchFamily="66" charset="0"/>
+              </a:rPr>
+              <a:t>) </a:t>
+            </a:r>
+            <a:r>
+              <a:rPr lang="en-US" sz="6000" i="0" dirty="0" smtClean="0">
+                <a:solidFill>
+                  <a:srgbClr val="0000FF"/>
+                </a:solidFill>
+                <a:latin typeface="Comic Sans MS" pitchFamily="66" charset="0"/>
+              </a:rPr>
+              <a:t>= </a:t>
+            </a:r>
+            <a:endParaRPr lang="en-US" sz="6000" i="0" baseline="30000" dirty="0">
+              <a:solidFill>
+                <a:srgbClr val="008000"/>
+              </a:solidFill>
+              <a:latin typeface="Comic Sans MS" pitchFamily="66" charset="0"/>
+            </a:endParaRPr>
+          </a:p>
+        </p:txBody>
+      </p:sp>
+      <p:sp>
+        <p:nvSpPr>
+          <p:cNvPr id="10" name="Slide Number Placeholder 3"/>
+          <p:cNvSpPr>
+            <a:spLocks noGrp="1"/>
+          </p:cNvSpPr>
+          <p:nvPr>
+            <p:ph type="sldNum" sz="quarter" idx="11"/>
+          </p:nvPr>
+        </p:nvSpPr>
+        <p:spPr/>
+        <p:txBody>
+          <a:bodyPr/>
+          <a:lstStyle/>
+          <a:p>
+            <a:r>
+              <a:rPr lang="en-US" dirty="0" err="1" smtClean="0"/>
+              <a:t>lec</a:t>
+            </a:r>
+            <a:r>
+              <a:rPr lang="en-US" dirty="0" smtClean="0"/>
+              <a:t> 14W.</a:t>
+            </a:r>
+            <a:fld id="{93DA0692-DAF7-4AFE-9BE7-E02439D3694A}" type="slidenum">
+              <a:rPr lang="en-US" smtClean="0"/>
+              <a:pPr/>
+              <a:t>36</a:t>
+            </a:fld>
+            <a:endParaRPr lang="en-US" dirty="0"/>
+          </a:p>
+        </p:txBody>
+      </p:sp>
+      <p:sp>
+        <p:nvSpPr>
+          <p:cNvPr id="11" name="Rectangle 16"/>
+          <p:cNvSpPr>
+            <a:spLocks noChangeArrowheads="1"/>
+          </p:cNvSpPr>
+          <p:nvPr/>
+        </p:nvSpPr>
+        <p:spPr bwMode="auto">
+          <a:xfrm>
+            <a:off x="644701" y="1226403"/>
+            <a:ext cx="7912744" cy="830997"/>
+          </a:xfrm>
+          <a:prstGeom prst="rect">
+            <a:avLst/>
+          </a:prstGeom>
+          <a:noFill/>
+          <a:ln w="28575">
+            <a:noFill/>
+            <a:miter lim="800000"/>
+            <a:headEnd/>
+            <a:tailEnd type="none" w="lg" len="lg"/>
+          </a:ln>
+        </p:spPr>
+        <p:txBody>
+          <a:bodyPr wrap="none">
+            <a:spAutoFit/>
+          </a:bodyPr>
+          <a:lstStyle/>
+          <a:p>
+            <a:pPr algn="ctr">
+              <a:spcBef>
+                <a:spcPts val="1200"/>
+              </a:spcBef>
+            </a:pPr>
+            <a:r>
+              <a:rPr lang="en-US" sz="4800" i="0" dirty="0">
+                <a:solidFill>
+                  <a:srgbClr val="0000FF"/>
+                </a:solidFill>
+                <a:latin typeface="Comic Sans MS" pitchFamily="66" charset="0"/>
+              </a:rPr>
+              <a:t>E[</a:t>
+            </a:r>
+            <a:r>
+              <a:rPr lang="en-US" sz="4800" i="0" dirty="0">
+                <a:solidFill>
+                  <a:srgbClr val="008000"/>
+                </a:solidFill>
+                <a:latin typeface="Comic Sans MS" pitchFamily="66" charset="0"/>
+              </a:rPr>
+              <a:t># flips until first head</a:t>
+            </a:r>
+            <a:r>
+              <a:rPr lang="en-US" sz="4800" i="0" dirty="0" smtClean="0">
+                <a:solidFill>
+                  <a:srgbClr val="0000FF"/>
+                </a:solidFill>
+                <a:latin typeface="Comic Sans MS" pitchFamily="66" charset="0"/>
+              </a:rPr>
+              <a:t>]</a:t>
+            </a:r>
+            <a:r>
+              <a:rPr lang="en-US" sz="4800" i="0" dirty="0" smtClean="0">
+                <a:latin typeface="Comic Sans MS" pitchFamily="66" charset="0"/>
+              </a:rPr>
+              <a:t>?</a:t>
+            </a:r>
+            <a:endParaRPr lang="en-US" sz="6000" i="0" dirty="0">
+              <a:solidFill>
+                <a:srgbClr val="008000"/>
+              </a:solidFill>
+              <a:latin typeface="Comic Sans MS" pitchFamily="66" charset="0"/>
+            </a:endParaRPr>
+          </a:p>
+        </p:txBody>
+      </p:sp>
+      <p:sp>
+        <p:nvSpPr>
+          <p:cNvPr id="14" name="Rectangle 2"/>
+          <p:cNvSpPr txBox="1">
+            <a:spLocks noChangeArrowheads="1"/>
+          </p:cNvSpPr>
+          <p:nvPr/>
+        </p:nvSpPr>
+        <p:spPr bwMode="auto">
+          <a:xfrm>
+            <a:off x="1600200" y="152400"/>
+            <a:ext cx="5943600" cy="1066800"/>
+          </a:xfrm>
+          <a:prstGeom prst="rect">
+            <a:avLst/>
+          </a:prstGeom>
+          <a:noFill/>
+          <a:ln w="9525">
+            <a:noFill/>
+            <a:miter lim="800000"/>
+            <a:headEnd/>
+            <a:tailEnd/>
+          </a:ln>
+        </p:spPr>
+        <p:txBody>
+          <a:bodyPr vert="horz" wrap="square" lIns="91440" tIns="45720" rIns="91440" bIns="45720" numCol="1" anchor="ctr" anchorCtr="0" compatLnSpc="1">
+            <a:prstTxWarp prst="textNoShape">
+              <a:avLst/>
+            </a:prstTxWarp>
+          </a:bodyPr>
+          <a:lstStyle/>
+          <a:p>
+            <a:pPr marL="0" marR="0" lvl="0" indent="0" algn="ctr" defTabSz="914400" rtl="0" eaLnBrk="1" fontAlgn="base" latinLnBrk="0" hangingPunct="1">
+              <a:lnSpc>
+                <a:spcPct val="100000"/>
+              </a:lnSpc>
+              <a:spcBef>
+                <a:spcPct val="0"/>
+              </a:spcBef>
+              <a:spcAft>
+                <a:spcPct val="0"/>
+              </a:spcAft>
+              <a:buClrTx/>
+              <a:buSzTx/>
+              <a:buFontTx/>
+              <a:buNone/>
+              <a:tabLst/>
+              <a:defRPr/>
+            </a:pPr>
+            <a:r>
+              <a:rPr kumimoji="0" lang="en-US" sz="3600" b="1" i="0" u="none" strike="noStrike" kern="0" cap="none" spc="0" normalizeH="0" baseline="0" noProof="0" smtClean="0">
+                <a:ln>
+                  <a:noFill/>
+                </a:ln>
+                <a:solidFill>
+                  <a:schemeClr val="tx2"/>
+                </a:solidFill>
+                <a:effectLst/>
+                <a:uLnTx/>
+                <a:uFillTx/>
+                <a:latin typeface="+mj-lt"/>
+                <a:ea typeface="+mj-ea"/>
+                <a:cs typeface="+mj-cs"/>
+              </a:rPr>
+              <a:t>Mean Time to “Failure”</a:t>
+            </a:r>
+            <a:endParaRPr kumimoji="0" lang="en-US" sz="3600" b="1" i="0" u="none" strike="noStrike" kern="0" cap="none" spc="0" normalizeH="0" baseline="0" noProof="0" dirty="0" smtClean="0">
+              <a:ln>
+                <a:noFill/>
+              </a:ln>
+              <a:solidFill>
+                <a:schemeClr val="tx2"/>
+              </a:solidFill>
+              <a:effectLst/>
+              <a:uLnTx/>
+              <a:uFillTx/>
+              <a:latin typeface="+mj-lt"/>
+              <a:ea typeface="+mj-ea"/>
+              <a:cs typeface="+mj-cs"/>
+            </a:endParaRPr>
+          </a:p>
+        </p:txBody>
+      </p:sp>
+      <p:graphicFrame>
+        <p:nvGraphicFramePr>
+          <p:cNvPr id="2" name="Object 1"/>
+          <p:cNvGraphicFramePr>
+            <a:graphicFrameLocks noChangeAspect="1"/>
+          </p:cNvGraphicFramePr>
+          <p:nvPr>
+            <p:extLst>
+              <p:ext uri="{D42A27DB-BD31-4B8C-83A1-F6EECF244321}">
+                <p14:modId xmlns:p14="http://schemas.microsoft.com/office/powerpoint/2010/main" val="1955079571"/>
+              </p:ext>
+            </p:extLst>
+          </p:nvPr>
+        </p:nvGraphicFramePr>
+        <p:xfrm>
+          <a:off x="6180071" y="3984988"/>
+          <a:ext cx="763614" cy="2545378"/>
+        </p:xfrm>
+        <a:graphic>
+          <a:graphicData uri="http://schemas.openxmlformats.org/presentationml/2006/ole">
+            <mc:AlternateContent xmlns:mc="http://schemas.openxmlformats.org/markup-compatibility/2006">
+              <mc:Choice xmlns:v="urn:schemas-microsoft-com:vml" Requires="v">
+                <p:oleObj spid="_x0000_s562178" name="Equation" r:id="rId4" imgW="152400" imgH="508000" progId="Equation.DSMT4">
+                  <p:embed/>
+                </p:oleObj>
+              </mc:Choice>
+              <mc:Fallback>
+                <p:oleObj name="Equation" r:id="rId4" imgW="152400" imgH="508000" progId="Equation.DSMT4">
+                  <p:embed/>
+                  <p:pic>
+                    <p:nvPicPr>
+                      <p:cNvPr id="0" name=""/>
+                      <p:cNvPicPr/>
+                      <p:nvPr/>
+                    </p:nvPicPr>
+                    <p:blipFill>
+                      <a:blip r:embed="rId5">
+                        <a:alphaModFix/>
+                      </a:blip>
+                      <a:stretch>
+                        <a:fillRect/>
+                      </a:stretch>
+                    </p:blipFill>
+                    <p:spPr>
+                      <a:xfrm>
+                        <a:off x="6180071" y="3984988"/>
+                        <a:ext cx="763614" cy="2545378"/>
+                      </a:xfrm>
+                      <a:prstGeom prst="rect">
+                        <a:avLst/>
+                      </a:prstGeom>
+                    </p:spPr>
+                  </p:pic>
+                </p:oleObj>
+              </mc:Fallback>
+            </mc:AlternateContent>
+          </a:graphicData>
+        </a:graphic>
+      </p:graphicFrame>
+      <p:sp>
+        <p:nvSpPr>
+          <p:cNvPr id="3" name="Rectangle 2"/>
+          <p:cNvSpPr/>
+          <p:nvPr/>
+        </p:nvSpPr>
+        <p:spPr>
+          <a:xfrm>
+            <a:off x="5994123" y="4320748"/>
+            <a:ext cx="1091998" cy="2124763"/>
+          </a:xfrm>
+          <a:prstGeom prst="rect">
+            <a:avLst/>
+          </a:prstGeom>
+          <a:noFill/>
+          <a:ln w="38100">
+            <a:solidFill>
+              <a:srgbClr val="FF00FF"/>
+            </a:solidFill>
+          </a:ln>
+        </p:spPr>
+        <p:style>
+          <a:lnRef idx="1">
+            <a:schemeClr val="accent1"/>
+          </a:lnRef>
+          <a:fillRef idx="3">
+            <a:schemeClr val="accent1"/>
+          </a:fillRef>
+          <a:effectRef idx="2">
+            <a:schemeClr val="accent1"/>
+          </a:effectRef>
+          <a:fontRef idx="minor">
+            <a:schemeClr val="lt1"/>
+          </a:fontRef>
+        </p:style>
+        <p:txBody>
+          <a:bodyPr rtlCol="0" anchor="ctr"/>
+          <a:lstStyle/>
+          <a:p>
+            <a:pPr algn="ctr"/>
+            <a:endParaRPr lang="en-US"/>
+          </a:p>
+        </p:txBody>
+      </p:sp>
+    </p:spTree>
+    <p:extLst>
+      <p:ext uri="{BB962C8B-B14F-4D97-AF65-F5344CB8AC3E}">
+        <p14:creationId xmlns:p14="http://schemas.microsoft.com/office/powerpoint/2010/main" val="172822636"/>
+      </p:ext>
+    </p:extLst>
+  </p:cSld>
+  <p:clrMapOvr>
+    <a:masterClrMapping/>
+  </p:clrMapOvr>
+  <p:transition xmlns:p14="http://schemas.microsoft.com/office/powerpoint/2010/main">
+    <p:fade/>
+  </p:transition>
+  <p:timing>
+    <p:tnLst>
+      <p:par>
+        <p:cTn xmlns:p14="http://schemas.microsoft.com/office/powerpoint/2010/main" id="1" dur="indefinite" restart="never" nodeType="tmRoot"/>
+      </p:par>
+    </p:tnLst>
+  </p:timing>
+</p:sld>
+</file>
+
+<file path=ppt/slides/slide37.xml><?xml version="1.0" encoding="utf-8"?>
 <p:sld xmlns:a="http://schemas.openxmlformats.org/drawingml/2006/main" xmlns:r="http://schemas.openxmlformats.org/officeDocument/2006/relationships" xmlns:p="http://schemas.openxmlformats.org/presentationml/2006/main">
   <p:cSld>
     <p:spTree>
@@ -22914,7 +23430,7 @@
           <a:graphicData uri="http://schemas.openxmlformats.org/presentationml/2006/ole">
             <mc:AlternateContent xmlns:mc="http://schemas.openxmlformats.org/markup-compatibility/2006">
               <mc:Choice xmlns:v="urn:schemas-microsoft-com:vml" Requires="v">
-                <p:oleObj spid="_x0000_s219144" name="Equation" r:id="rId4" imgW="177800" imgH="165100" progId="Equation.DSMT4">
+                <p:oleObj spid="_x0000_s219149" name="Equation" r:id="rId4" imgW="177800" imgH="165100" progId="Equation.DSMT4">
                   <p:embed/>
                 </p:oleObj>
               </mc:Choice>
@@ -23145,14 +23661,7 @@
                 <a:latin typeface="Comic Sans MS"/>
                 <a:cs typeface="Comic Sans MS"/>
               </a:rPr>
-              <a:t> </a:t>
-            </a:r>
-            <a:r>
-              <a:rPr lang="en-US" sz="1200" dirty="0" smtClean="0">
-                <a:latin typeface="Comic Sans MS"/>
-                <a:cs typeface="Comic Sans MS"/>
-              </a:rPr>
-              <a:t>14W.</a:t>
+              <a:t> 14W.</a:t>
             </a:r>
             <a:fld id="{93DA0692-DAF7-4AFE-9BE7-E02439D3694A}" type="slidenum">
               <a:rPr lang="en-US" sz="1200" smtClean="0">
@@ -23162,7 +23671,7 @@
               <a:pPr>
                 <a:defRPr/>
               </a:pPr>
-              <a:t>36</a:t>
+              <a:t>37</a:t>
             </a:fld>
             <a:endParaRPr lang="en-US" sz="1200" dirty="0">
               <a:latin typeface="Comic Sans MS"/>
@@ -23176,8 +23685,8 @@
   <p:clrMapOvr>
     <a:masterClrMapping/>
   </p:clrMapOvr>
-  <p:transition xmlns:p14="http://schemas.microsoft.com/office/powerpoint/2010/main">
-    <p:fade/>
+  <p:transition xmlns:p14="http://schemas.microsoft.com/office/powerpoint/2010/main" spd="slow">
+    <p:fade thruBlk="1"/>
   </p:transition>
   <p:timing>
     <p:tnLst>
@@ -23191,6 +23700,9 @@
                     <p:cTn id="3" fill="hold">
                       <p:stCondLst>
                         <p:cond delay="indefinite"/>
+                        <p:cond evt="onBegin" delay="0">
+                          <p:tn val="2"/>
+                        </p:cond>
                       </p:stCondLst>
                       <p:childTnLst>
                         <p:par>
@@ -23200,7 +23712,7 @@
                             </p:stCondLst>
                             <p:childTnLst>
                               <p:par>
-                                <p:cTn id="5" presetID="9" presetClass="entr" presetSubtype="0" fill="hold" grpId="0" nodeType="clickEffect">
+                                <p:cTn id="5" presetID="22" presetClass="entr" presetSubtype="1" fill="hold" nodeType="afterEffect">
                                   <p:stCondLst>
                                     <p:cond delay="0"/>
                                   </p:stCondLst>
@@ -23208,59 +23720,6 @@
                                     <p:set>
                                       <p:cBhvr>
                                         <p:cTn id="6" dur="1" fill="hold">
-                                          <p:stCondLst>
-                                            <p:cond delay="0"/>
-                                          </p:stCondLst>
-                                        </p:cTn>
-                                        <p:tgtEl>
-                                          <p:spTgt spid="25602"/>
-                                        </p:tgtEl>
-                                        <p:attrNameLst>
-                                          <p:attrName>style.visibility</p:attrName>
-                                        </p:attrNameLst>
-                                      </p:cBhvr>
-                                      <p:to>
-                                        <p:strVal val="visible"/>
-                                      </p:to>
-                                    </p:set>
-                                    <p:animEffect transition="in" filter="dissolve">
-                                      <p:cBhvr>
-                                        <p:cTn id="7" dur="500"/>
-                                        <p:tgtEl>
-                                          <p:spTgt spid="25602"/>
-                                        </p:tgtEl>
-                                      </p:cBhvr>
-                                    </p:animEffect>
-                                  </p:childTnLst>
-                                </p:cTn>
-                              </p:par>
-                            </p:childTnLst>
-                          </p:cTn>
-                        </p:par>
-                      </p:childTnLst>
-                    </p:cTn>
-                  </p:par>
-                  <p:par>
-                    <p:cTn id="8" fill="hold">
-                      <p:stCondLst>
-                        <p:cond delay="indefinite"/>
-                      </p:stCondLst>
-                      <p:childTnLst>
-                        <p:par>
-                          <p:cTn id="9" fill="hold">
-                            <p:stCondLst>
-                              <p:cond delay="0"/>
-                            </p:stCondLst>
-                            <p:childTnLst>
-                              <p:par>
-                                <p:cTn id="10" presetID="22" presetClass="entr" presetSubtype="1" fill="hold" nodeType="clickEffect">
-                                  <p:stCondLst>
-                                    <p:cond delay="0"/>
-                                  </p:stCondLst>
-                                  <p:childTnLst>
-                                    <p:set>
-                                      <p:cBhvr>
-                                        <p:cTn id="11" dur="1" fill="hold">
                                           <p:stCondLst>
                                             <p:cond delay="0"/>
                                           </p:stCondLst>
@@ -23278,7 +23737,7 @@
                                     </p:set>
                                     <p:animEffect transition="in" filter="wipe(up)">
                                       <p:cBhvr>
-                                        <p:cTn id="12" dur="500"/>
+                                        <p:cTn id="7" dur="500"/>
                                         <p:tgtEl>
                                           <p:spTgt spid="2"/>
                                         </p:tgtEl>
@@ -23291,20 +23750,20 @@
                           </p:cTn>
                         </p:par>
                         <p:par>
-                          <p:cTn id="13" fill="hold">
+                          <p:cTn id="8" fill="hold">
                             <p:stCondLst>
                               <p:cond delay="500"/>
                             </p:stCondLst>
                             <p:childTnLst>
                               <p:par>
-                                <p:cTn id="14" presetID="22" presetClass="entr" presetSubtype="1" fill="hold" nodeType="afterEffect">
+                                <p:cTn id="9" presetID="22" presetClass="entr" presetSubtype="1" fill="hold" nodeType="afterEffect">
                                   <p:stCondLst>
                                     <p:cond delay="0"/>
                                   </p:stCondLst>
                                   <p:childTnLst>
                                     <p:set>
                                       <p:cBhvr>
-                                        <p:cTn id="15" dur="1" fill="hold">
+                                        <p:cTn id="10" dur="1" fill="hold">
                                           <p:stCondLst>
                                             <p:cond delay="0"/>
                                           </p:stCondLst>
@@ -23322,7 +23781,7 @@
                                     </p:set>
                                     <p:animEffect transition="in" filter="wipe(up)">
                                       <p:cBhvr>
-                                        <p:cTn id="16" dur="500"/>
+                                        <p:cTn id="11" dur="500"/>
                                         <p:tgtEl>
                                           <p:spTgt spid="3"/>
                                         </p:tgtEl>
@@ -23335,20 +23794,20 @@
                           </p:cTn>
                         </p:par>
                         <p:par>
-                          <p:cTn id="17" fill="hold">
+                          <p:cTn id="12" fill="hold">
                             <p:stCondLst>
                               <p:cond delay="1000"/>
                             </p:stCondLst>
                             <p:childTnLst>
                               <p:par>
-                                <p:cTn id="18" presetID="22" presetClass="entr" presetSubtype="1" fill="hold" nodeType="afterEffect">
+                                <p:cTn id="13" presetID="22" presetClass="entr" presetSubtype="1" fill="hold" nodeType="afterEffect">
                                   <p:stCondLst>
                                     <p:cond delay="0"/>
                                   </p:stCondLst>
                                   <p:childTnLst>
                                     <p:set>
                                       <p:cBhvr>
-                                        <p:cTn id="19" dur="1" fill="hold">
+                                        <p:cTn id="14" dur="1" fill="hold">
                                           <p:stCondLst>
                                             <p:cond delay="0"/>
                                           </p:stCondLst>
@@ -23366,7 +23825,7 @@
                                     </p:set>
                                     <p:animEffect transition="in" filter="wipe(up)">
                                       <p:cBhvr>
-                                        <p:cTn id="20" dur="500"/>
+                                        <p:cTn id="15" dur="500"/>
                                         <p:tgtEl>
                                           <p:spTgt spid="4"/>
                                         </p:tgtEl>
@@ -23379,20 +23838,20 @@
                           </p:cTn>
                         </p:par>
                         <p:par>
-                          <p:cTn id="21" fill="hold">
+                          <p:cTn id="16" fill="hold">
                             <p:stCondLst>
                               <p:cond delay="1500"/>
                             </p:stCondLst>
                             <p:childTnLst>
                               <p:par>
-                                <p:cTn id="22" presetID="22" presetClass="entr" presetSubtype="1" fill="hold" nodeType="afterEffect">
+                                <p:cTn id="17" presetID="22" presetClass="entr" presetSubtype="1" fill="hold" nodeType="afterEffect">
                                   <p:stCondLst>
                                     <p:cond delay="0"/>
                                   </p:stCondLst>
                                   <p:childTnLst>
                                     <p:set>
                                       <p:cBhvr>
-                                        <p:cTn id="23" dur="1" fill="hold">
+                                        <p:cTn id="18" dur="1" fill="hold">
                                           <p:stCondLst>
                                             <p:cond delay="0"/>
                                           </p:stCondLst>
@@ -23410,7 +23869,7 @@
                                     </p:set>
                                     <p:animEffect transition="in" filter="wipe(up)">
                                       <p:cBhvr>
-                                        <p:cTn id="24" dur="500"/>
+                                        <p:cTn id="19" dur="500"/>
                                         <p:tgtEl>
                                           <p:spTgt spid="32"/>
                                         </p:tgtEl>
@@ -23426,26 +23885,26 @@
                     </p:cTn>
                   </p:par>
                   <p:par>
-                    <p:cTn id="25" fill="hold">
+                    <p:cTn id="20" fill="hold">
                       <p:stCondLst>
                         <p:cond delay="indefinite"/>
                       </p:stCondLst>
                       <p:childTnLst>
                         <p:par>
-                          <p:cTn id="26" fill="hold">
+                          <p:cTn id="21" fill="hold">
                             <p:stCondLst>
                               <p:cond delay="0"/>
                             </p:stCondLst>
                             <p:childTnLst>
                               <p:par>
-                                <p:cTn id="27" presetID="22" presetClass="entr" presetSubtype="2" fill="hold" grpId="0" nodeType="clickEffect">
+                                <p:cTn id="22" presetID="22" presetClass="entr" presetSubtype="2" fill="hold" grpId="0" nodeType="clickEffect">
                                   <p:stCondLst>
                                     <p:cond delay="0"/>
                                   </p:stCondLst>
                                   <p:childTnLst>
                                     <p:set>
                                       <p:cBhvr>
-                                        <p:cTn id="28" dur="1" fill="hold">
+                                        <p:cTn id="23" dur="1" fill="hold">
                                           <p:stCondLst>
                                             <p:cond delay="0"/>
                                           </p:stCondLst>
@@ -23463,7 +23922,7 @@
                                     </p:set>
                                     <p:animEffect transition="in" filter="wipe(right)">
                                       <p:cBhvr>
-                                        <p:cTn id="29" dur="500"/>
+                                        <p:cTn id="24" dur="500"/>
                                         <p:tgtEl>
                                           <p:spTgt spid="33"/>
                                         </p:tgtEl>
@@ -23473,14 +23932,14 @@
                                 </p:cTn>
                               </p:par>
                               <p:par>
-                                <p:cTn id="30" presetID="22" presetClass="entr" presetSubtype="2" fill="hold" grpId="0" nodeType="withEffect">
+                                <p:cTn id="25" presetID="22" presetClass="entr" presetSubtype="2" fill="hold" grpId="0" nodeType="withEffect">
                                   <p:stCondLst>
                                     <p:cond delay="0"/>
                                   </p:stCondLst>
                                   <p:childTnLst>
                                     <p:set>
                                       <p:cBhvr>
-                                        <p:cTn id="31" dur="1" fill="hold">
+                                        <p:cTn id="26" dur="1" fill="hold">
                                           <p:stCondLst>
                                             <p:cond delay="0"/>
                                           </p:stCondLst>
@@ -23498,7 +23957,7 @@
                                     </p:set>
                                     <p:animEffect transition="in" filter="wipe(right)">
                                       <p:cBhvr>
-                                        <p:cTn id="32" dur="500"/>
+                                        <p:cTn id="27" dur="500"/>
                                         <p:tgtEl>
                                           <p:spTgt spid="34"/>
                                         </p:tgtEl>
@@ -23535,7 +23994,6 @@
       </p:par>
     </p:tnLst>
     <p:bldLst>
-      <p:bldP spid="25602" grpId="0"/>
       <p:bldP spid="33" grpId="0"/>
       <p:bldP spid="34" grpId="0" animBg="1"/>
     </p:bldLst>
@@ -23543,7 +24001,7 @@
 </p:sld>
 </file>
 
-<file path=ppt/slides/slide37.xml><?xml version="1.0" encoding="utf-8"?>
+<file path=ppt/slides/slide38.xml><?xml version="1.0" encoding="utf-8"?>
 <p:sld xmlns:a="http://schemas.openxmlformats.org/drawingml/2006/main" xmlns:r="http://schemas.openxmlformats.org/officeDocument/2006/relationships" xmlns:p="http://schemas.openxmlformats.org/presentationml/2006/main">
   <p:cSld>
     <p:spTree>
@@ -24156,7 +24614,7 @@
           <a:graphicData uri="http://schemas.openxmlformats.org/presentationml/2006/ole">
             <mc:AlternateContent xmlns:mc="http://schemas.openxmlformats.org/markup-compatibility/2006">
               <mc:Choice xmlns:v="urn:schemas-microsoft-com:vml" Requires="v">
-                <p:oleObj spid="_x0000_s221191" name="Equation" r:id="rId4" imgW="914400" imgH="220320" progId="Equation.DSMT4">
+                <p:oleObj spid="_x0000_s221194" name="Equation" r:id="rId4" imgW="914400" imgH="220320" progId="Equation.DSMT4">
                   <p:embed/>
                 </p:oleObj>
               </mc:Choice>
@@ -24248,14 +24706,7 @@
                 <a:latin typeface="Comic Sans MS"/>
                 <a:cs typeface="Comic Sans MS"/>
               </a:rPr>
-              <a:t> </a:t>
-            </a:r>
-            <a:r>
-              <a:rPr lang="en-US" sz="1200" dirty="0" smtClean="0">
-                <a:latin typeface="Comic Sans MS"/>
-                <a:cs typeface="Comic Sans MS"/>
-              </a:rPr>
-              <a:t>14W.</a:t>
+              <a:t> 14W.</a:t>
             </a:r>
             <a:fld id="{93DA0692-DAF7-4AFE-9BE7-E02439D3694A}" type="slidenum">
               <a:rPr lang="en-US" sz="1200" smtClean="0">
@@ -24265,7 +24716,7 @@
               <a:pPr>
                 <a:defRPr/>
               </a:pPr>
-              <a:t>37</a:t>
+              <a:t>38</a:t>
             </a:fld>
             <a:endParaRPr lang="en-US" sz="1200" dirty="0">
               <a:latin typeface="Comic Sans MS"/>
@@ -24363,7 +24814,7 @@
 </p:sld>
 </file>
 
-<file path=ppt/slides/slide38.xml><?xml version="1.0" encoding="utf-8"?>
+<file path=ppt/slides/slide39.xml><?xml version="1.0" encoding="utf-8"?>
 <p:sld xmlns:a="http://schemas.openxmlformats.org/drawingml/2006/main" xmlns:r="http://schemas.openxmlformats.org/officeDocument/2006/relationships" xmlns:p="http://schemas.openxmlformats.org/presentationml/2006/main">
   <p:cSld>
     <p:spTree>
@@ -25186,7 +25637,7 @@
           <a:graphicData uri="http://schemas.openxmlformats.org/presentationml/2006/ole">
             <mc:AlternateContent xmlns:mc="http://schemas.openxmlformats.org/markup-compatibility/2006">
               <mc:Choice xmlns:v="urn:schemas-microsoft-com:vml" Requires="v">
-                <p:oleObj spid="_x0000_s223239" name="Equation" r:id="rId4" imgW="914400" imgH="220320" progId="Equation.DSMT4">
+                <p:oleObj spid="_x0000_s223242" name="Equation" r:id="rId4" imgW="914400" imgH="220320" progId="Equation.DSMT4">
                   <p:embed/>
                 </p:oleObj>
               </mc:Choice>
@@ -25472,14 +25923,7 @@
                 <a:latin typeface="Comic Sans MS"/>
                 <a:cs typeface="Comic Sans MS"/>
               </a:rPr>
-              <a:t> </a:t>
-            </a:r>
-            <a:r>
-              <a:rPr lang="en-US" sz="1200" dirty="0" smtClean="0">
-                <a:latin typeface="Comic Sans MS"/>
-                <a:cs typeface="Comic Sans MS"/>
-              </a:rPr>
-              <a:t>14W.</a:t>
+              <a:t> 14W.</a:t>
             </a:r>
             <a:fld id="{93DA0692-DAF7-4AFE-9BE7-E02439D3694A}" type="slidenum">
               <a:rPr lang="en-US" sz="1200" smtClean="0">
@@ -25489,7 +25933,7 @@
               <a:pPr>
                 <a:defRPr/>
               </a:pPr>
-              <a:t>38</a:t>
+              <a:t>39</a:t>
             </a:fld>
             <a:endParaRPr lang="en-US" sz="1200" dirty="0">
               <a:latin typeface="Comic Sans MS"/>
@@ -25879,7 +26323,294 @@
 </p:sld>
 </file>
 
-<file path=ppt/slides/slide39.xml><?xml version="1.0" encoding="utf-8"?>
+<file path=ppt/slides/slide4.xml><?xml version="1.0" encoding="utf-8"?>
+<p:sld xmlns:a="http://schemas.openxmlformats.org/drawingml/2006/main" xmlns:r="http://schemas.openxmlformats.org/officeDocument/2006/relationships" xmlns:p="http://schemas.openxmlformats.org/presentationml/2006/main" show="0">
+  <p:cSld>
+    <p:spTree>
+      <p:nvGrpSpPr>
+        <p:cNvPr id="1" name=""/>
+        <p:cNvGrpSpPr/>
+        <p:nvPr/>
+      </p:nvGrpSpPr>
+      <p:grpSpPr>
+        <a:xfrm>
+          <a:off x="0" y="0"/>
+          <a:ext cx="0" cy="0"/>
+          <a:chOff x="0" y="0"/>
+          <a:chExt cx="0" cy="0"/>
+        </a:xfrm>
+      </p:grpSpPr>
+      <p:sp>
+        <p:nvSpPr>
+          <p:cNvPr id="6147" name="Rectangle 3"/>
+          <p:cNvSpPr>
+            <a:spLocks noGrp="1" noChangeArrowheads="1"/>
+          </p:cNvSpPr>
+          <p:nvPr>
+            <p:ph type="body" idx="1"/>
+          </p:nvPr>
+        </p:nvSpPr>
+        <p:spPr>
+          <a:xfrm>
+            <a:off x="351693" y="1479059"/>
+            <a:ext cx="8458200" cy="3886200"/>
+          </a:xfrm>
+        </p:spPr>
+        <p:txBody>
+          <a:bodyPr/>
+          <a:lstStyle/>
+          <a:p>
+            <a:pPr eaLnBrk="1" hangingPunct="1">
+              <a:buFontTx/>
+              <a:buNone/>
+            </a:pPr>
+            <a:r>
+              <a:rPr lang="en-US" sz="6600" dirty="0" smtClean="0"/>
+              <a:t>clearly </a:t>
+            </a:r>
+            <a:r>
+              <a:rPr lang="en-US" sz="6600" dirty="0" smtClean="0">
+                <a:solidFill>
+                  <a:schemeClr val="accent2"/>
+                </a:solidFill>
+              </a:rPr>
+              <a:t>NOT </a:t>
+            </a:r>
+            <a:r>
+              <a:rPr lang="en-US" sz="6600" dirty="0" smtClean="0"/>
+              <a:t>fair:</a:t>
+            </a:r>
+          </a:p>
+          <a:p>
+            <a:pPr eaLnBrk="1" hangingPunct="1">
+              <a:buFontTx/>
+              <a:buNone/>
+            </a:pPr>
+            <a:r>
+              <a:rPr lang="en-US" sz="7200" dirty="0" smtClean="0"/>
+              <a:t>pr{win} = </a:t>
+            </a:r>
+            <a:r>
+              <a:rPr lang="en-US" sz="7200" dirty="0" smtClean="0">
+                <a:solidFill>
+                  <a:srgbClr val="0000FF"/>
+                </a:solidFill>
+              </a:rPr>
+              <a:t>1-(5/6)</a:t>
+            </a:r>
+            <a:r>
+              <a:rPr lang="en-US" sz="7200" baseline="30000" dirty="0" smtClean="0">
+                <a:solidFill>
+                  <a:srgbClr val="0000FF"/>
+                </a:solidFill>
+              </a:rPr>
+              <a:t>3</a:t>
+            </a:r>
+          </a:p>
+          <a:p>
+            <a:pPr eaLnBrk="1" hangingPunct="1">
+              <a:buFontTx/>
+              <a:buNone/>
+            </a:pPr>
+            <a:r>
+              <a:rPr lang="en-US" sz="7200" baseline="30000" dirty="0" smtClean="0"/>
+              <a:t> </a:t>
+            </a:r>
+            <a:r>
+              <a:rPr lang="en-US" sz="7200" dirty="0" smtClean="0"/>
+              <a:t>         </a:t>
+            </a:r>
+            <a:r>
+              <a:rPr lang="en-US" sz="7200" dirty="0" smtClean="0">
+                <a:solidFill>
+                  <a:srgbClr val="0000FF"/>
+                </a:solidFill>
+                <a:latin typeface="Euclid Symbol" charset="2"/>
+                <a:cs typeface="Euclid Symbol" charset="2"/>
+              </a:rPr>
+              <a:t>&lt;</a:t>
+            </a:r>
+            <a:r>
+              <a:rPr lang="en-US" sz="7200" dirty="0" smtClean="0"/>
+              <a:t> </a:t>
+            </a:r>
+            <a:r>
+              <a:rPr lang="en-US" sz="7200" dirty="0" smtClean="0">
+                <a:solidFill>
+                  <a:srgbClr val="0000FF"/>
+                </a:solidFill>
+              </a:rPr>
+              <a:t>0.43</a:t>
+            </a:r>
+            <a:r>
+              <a:rPr lang="en-US" sz="7200" dirty="0" smtClean="0"/>
+              <a:t> </a:t>
+            </a:r>
+            <a:r>
+              <a:rPr lang="en-US" sz="7200" dirty="0" smtClean="0">
+                <a:solidFill>
+                  <a:srgbClr val="FF0000"/>
+                </a:solidFill>
+                <a:latin typeface="Euclid Symbol" charset="2"/>
+                <a:cs typeface="Euclid Symbol" charset="2"/>
+              </a:rPr>
+              <a:t>&lt;</a:t>
+            </a:r>
+            <a:r>
+              <a:rPr lang="en-US" sz="7200" dirty="0" smtClean="0">
+                <a:solidFill>
+                  <a:schemeClr val="accent2"/>
+                </a:solidFill>
+              </a:rPr>
+              <a:t> </a:t>
+            </a:r>
+            <a:r>
+              <a:rPr lang="en-US" sz="7200" dirty="0" smtClean="0">
+                <a:solidFill>
+                  <a:srgbClr val="0000FF"/>
+                </a:solidFill>
+              </a:rPr>
+              <a:t>1/2</a:t>
+            </a:r>
+          </a:p>
+        </p:txBody>
+      </p:sp>
+      <p:sp>
+        <p:nvSpPr>
+          <p:cNvPr id="5" name="Slide Number Placeholder 3"/>
+          <p:cNvSpPr>
+            <a:spLocks noGrp="1"/>
+          </p:cNvSpPr>
+          <p:nvPr>
+            <p:ph type="sldNum" sz="quarter" idx="4294967295"/>
+          </p:nvPr>
+        </p:nvSpPr>
+        <p:spPr>
+          <a:xfrm>
+            <a:off x="7554913" y="6587734"/>
+            <a:ext cx="1527175" cy="244475"/>
+          </a:xfrm>
+          <a:prstGeom prst="rect">
+            <a:avLst/>
+          </a:prstGeom>
+        </p:spPr>
+        <p:txBody>
+          <a:bodyPr/>
+          <a:lstStyle/>
+          <a:p>
+            <a:pPr>
+              <a:defRPr/>
+            </a:pPr>
+            <a:r>
+              <a:rPr lang="en-US" sz="1200" dirty="0" err="1">
+                <a:latin typeface="Comic Sans MS"/>
+                <a:cs typeface="Comic Sans MS"/>
+              </a:rPr>
+              <a:t>lec</a:t>
+            </a:r>
+            <a:r>
+              <a:rPr lang="en-US" sz="1200" dirty="0" smtClean="0">
+                <a:latin typeface="Comic Sans MS"/>
+                <a:cs typeface="Comic Sans MS"/>
+              </a:rPr>
+              <a:t> 14W.</a:t>
+            </a:r>
+            <a:fld id="{93DA0692-DAF7-4AFE-9BE7-E02439D3694A}" type="slidenum">
+              <a:rPr lang="en-US" sz="1200" smtClean="0">
+                <a:latin typeface="Comic Sans MS"/>
+                <a:cs typeface="Comic Sans MS"/>
+              </a:rPr>
+              <a:pPr>
+                <a:defRPr/>
+              </a:pPr>
+              <a:t>4</a:t>
+            </a:fld>
+            <a:endParaRPr lang="en-US" sz="1200" dirty="0">
+              <a:latin typeface="Comic Sans MS"/>
+              <a:cs typeface="Comic Sans MS"/>
+            </a:endParaRPr>
+          </a:p>
+        </p:txBody>
+      </p:sp>
+      <p:sp>
+        <p:nvSpPr>
+          <p:cNvPr id="7" name="Rectangle 2"/>
+          <p:cNvSpPr>
+            <a:spLocks noGrp="1" noChangeArrowheads="1"/>
+          </p:cNvSpPr>
+          <p:nvPr>
+            <p:ph type="title"/>
+          </p:nvPr>
+        </p:nvSpPr>
+        <p:spPr>
+          <a:xfrm>
+            <a:off x="1409700" y="225425"/>
+            <a:ext cx="5652679" cy="819151"/>
+          </a:xfrm>
+        </p:spPr>
+        <p:txBody>
+          <a:bodyPr/>
+          <a:lstStyle/>
+          <a:p>
+            <a:pPr eaLnBrk="1" hangingPunct="1"/>
+            <a:r>
+              <a:rPr lang="en-US" sz="4800" dirty="0" smtClean="0"/>
+              <a:t>Carnival Dice</a:t>
+            </a:r>
+          </a:p>
+        </p:txBody>
+      </p:sp>
+      <p:pic>
+        <p:nvPicPr>
+          <p:cNvPr id="8" name="Picture 4" descr="j0258752[1]"/>
+          <p:cNvPicPr>
+            <a:picLocks noChangeAspect="1" noChangeArrowheads="1"/>
+          </p:cNvPicPr>
+          <p:nvPr/>
+        </p:nvPicPr>
+        <p:blipFill>
+          <a:blip r:embed="rId3" cstate="print"/>
+          <a:srcRect/>
+          <a:stretch>
+            <a:fillRect/>
+          </a:stretch>
+        </p:blipFill>
+        <p:spPr bwMode="auto">
+          <a:xfrm>
+            <a:off x="6705600" y="76200"/>
+            <a:ext cx="2133600" cy="1639888"/>
+          </a:xfrm>
+          <a:prstGeom prst="rect">
+            <a:avLst/>
+          </a:prstGeom>
+          <a:noFill/>
+          <a:ln w="9525">
+            <a:noFill/>
+            <a:miter lim="800000"/>
+            <a:headEnd/>
+            <a:tailEnd/>
+          </a:ln>
+        </p:spPr>
+      </p:pic>
+    </p:spTree>
+  </p:cSld>
+  <p:clrMapOvr>
+    <a:masterClrMapping/>
+  </p:clrMapOvr>
+  <p:transition xmlns:p14="http://schemas.microsoft.com/office/powerpoint/2010/main">
+    <p:fade/>
+  </p:transition>
+  <p:timing>
+    <p:tnLst>
+      <p:par>
+        <p:cTn xmlns:p14="http://schemas.microsoft.com/office/powerpoint/2010/main" id="1" dur="indefinite" restart="never" nodeType="tmRoot"/>
+      </p:par>
+    </p:tnLst>
+  </p:timing>
+</p:sld>
+</file>
+
+<file path=ppt/slides/slide40.xml><?xml version="1.0" encoding="utf-8"?>
 <p:sld xmlns:a="http://schemas.openxmlformats.org/drawingml/2006/main" xmlns:r="http://schemas.openxmlformats.org/officeDocument/2006/relationships" xmlns:p="http://schemas.openxmlformats.org/presentationml/2006/main">
   <p:cSld>
     <p:spTree>
@@ -26612,7 +27343,7 @@
           <a:graphicData uri="http://schemas.openxmlformats.org/presentationml/2006/ole">
             <mc:AlternateContent xmlns:mc="http://schemas.openxmlformats.org/markup-compatibility/2006">
               <mc:Choice xmlns:v="urn:schemas-microsoft-com:vml" Requires="v">
-                <p:oleObj spid="_x0000_s225287" name="Equation" r:id="rId4" imgW="914400" imgH="220320" progId="Equation.DSMT4">
+                <p:oleObj spid="_x0000_s225290" name="Equation" r:id="rId4" imgW="914400" imgH="220320" progId="Equation.DSMT4">
                   <p:embed/>
                 </p:oleObj>
               </mc:Choice>
@@ -26704,14 +27435,7 @@
                 <a:latin typeface="Comic Sans MS"/>
                 <a:cs typeface="Comic Sans MS"/>
               </a:rPr>
-              <a:t> </a:t>
-            </a:r>
-            <a:r>
-              <a:rPr lang="en-US" sz="1200" dirty="0" smtClean="0">
-                <a:latin typeface="Comic Sans MS"/>
-                <a:cs typeface="Comic Sans MS"/>
-              </a:rPr>
-              <a:t>14W.</a:t>
+              <a:t> 14W.</a:t>
             </a:r>
             <a:fld id="{93DA0692-DAF7-4AFE-9BE7-E02439D3694A}" type="slidenum">
               <a:rPr lang="en-US" sz="1200" smtClean="0">
@@ -26721,7 +27445,7 @@
               <a:pPr>
                 <a:defRPr/>
               </a:pPr>
-              <a:t>39</a:t>
+              <a:t>40</a:t>
             </a:fld>
             <a:endParaRPr lang="en-US" sz="1200" dirty="0">
               <a:latin typeface="Comic Sans MS"/>
@@ -26876,296 +27600,7 @@
 </p:sld>
 </file>
 
-<file path=ppt/slides/slide4.xml><?xml version="1.0" encoding="utf-8"?>
-<p:sld xmlns:a="http://schemas.openxmlformats.org/drawingml/2006/main" xmlns:r="http://schemas.openxmlformats.org/officeDocument/2006/relationships" xmlns:p="http://schemas.openxmlformats.org/presentationml/2006/main" show="0">
-  <p:cSld>
-    <p:spTree>
-      <p:nvGrpSpPr>
-        <p:cNvPr id="1" name=""/>
-        <p:cNvGrpSpPr/>
-        <p:nvPr/>
-      </p:nvGrpSpPr>
-      <p:grpSpPr>
-        <a:xfrm>
-          <a:off x="0" y="0"/>
-          <a:ext cx="0" cy="0"/>
-          <a:chOff x="0" y="0"/>
-          <a:chExt cx="0" cy="0"/>
-        </a:xfrm>
-      </p:grpSpPr>
-      <p:sp>
-        <p:nvSpPr>
-          <p:cNvPr id="6146" name="Rectangle 2"/>
-          <p:cNvSpPr>
-            <a:spLocks noGrp="1" noChangeArrowheads="1"/>
-          </p:cNvSpPr>
-          <p:nvPr>
-            <p:ph type="title"/>
-          </p:nvPr>
-        </p:nvSpPr>
-        <p:spPr/>
-        <p:txBody>
-          <a:bodyPr/>
-          <a:lstStyle/>
-          <a:p>
-            <a:pPr eaLnBrk="1" hangingPunct="1"/>
-            <a:r>
-              <a:rPr lang="en-US" sz="4400" smtClean="0"/>
-              <a:t>Carnival Dice</a:t>
-            </a:r>
-          </a:p>
-        </p:txBody>
-      </p:sp>
-      <p:sp>
-        <p:nvSpPr>
-          <p:cNvPr id="6147" name="Rectangle 3"/>
-          <p:cNvSpPr>
-            <a:spLocks noGrp="1" noChangeArrowheads="1"/>
-          </p:cNvSpPr>
-          <p:nvPr>
-            <p:ph type="body" idx="1"/>
-          </p:nvPr>
-        </p:nvSpPr>
-        <p:spPr>
-          <a:xfrm>
-            <a:off x="351693" y="1479059"/>
-            <a:ext cx="8458200" cy="3886200"/>
-          </a:xfrm>
-        </p:spPr>
-        <p:txBody>
-          <a:bodyPr/>
-          <a:lstStyle/>
-          <a:p>
-            <a:pPr eaLnBrk="1" hangingPunct="1">
-              <a:buFontTx/>
-              <a:buNone/>
-            </a:pPr>
-            <a:r>
-              <a:rPr lang="en-US" sz="6600" dirty="0" smtClean="0"/>
-              <a:t>clearly </a:t>
-            </a:r>
-            <a:r>
-              <a:rPr lang="en-US" sz="6600" dirty="0" smtClean="0">
-                <a:solidFill>
-                  <a:schemeClr val="accent2"/>
-                </a:solidFill>
-              </a:rPr>
-              <a:t>NOT </a:t>
-            </a:r>
-            <a:r>
-              <a:rPr lang="en-US" sz="6600" dirty="0" smtClean="0"/>
-              <a:t>fair:</a:t>
-            </a:r>
-          </a:p>
-          <a:p>
-            <a:pPr eaLnBrk="1" hangingPunct="1">
-              <a:buFontTx/>
-              <a:buNone/>
-            </a:pPr>
-            <a:r>
-              <a:rPr lang="en-US" sz="7200" dirty="0" smtClean="0"/>
-              <a:t>pr{win} = </a:t>
-            </a:r>
-            <a:r>
-              <a:rPr lang="en-US" sz="7200" dirty="0" smtClean="0">
-                <a:solidFill>
-                  <a:srgbClr val="0000FF"/>
-                </a:solidFill>
-              </a:rPr>
-              <a:t>1-(5/6)</a:t>
-            </a:r>
-            <a:r>
-              <a:rPr lang="en-US" sz="7200" baseline="30000" dirty="0" smtClean="0">
-                <a:solidFill>
-                  <a:srgbClr val="0000FF"/>
-                </a:solidFill>
-              </a:rPr>
-              <a:t>3</a:t>
-            </a:r>
-          </a:p>
-          <a:p>
-            <a:pPr eaLnBrk="1" hangingPunct="1">
-              <a:buFontTx/>
-              <a:buNone/>
-            </a:pPr>
-            <a:r>
-              <a:rPr lang="en-US" sz="7200" baseline="30000" dirty="0" smtClean="0"/>
-              <a:t> </a:t>
-            </a:r>
-            <a:r>
-              <a:rPr lang="en-US" sz="7200" dirty="0" smtClean="0"/>
-              <a:t>         </a:t>
-            </a:r>
-            <a:r>
-              <a:rPr lang="en-US" sz="7200" dirty="0" smtClean="0">
-                <a:solidFill>
-                  <a:srgbClr val="0000FF"/>
-                </a:solidFill>
-                <a:latin typeface="Euclid Symbol" charset="2"/>
-                <a:cs typeface="Euclid Symbol" charset="2"/>
-              </a:rPr>
-              <a:t>&lt;</a:t>
-            </a:r>
-            <a:r>
-              <a:rPr lang="en-US" sz="7200" dirty="0" smtClean="0"/>
-              <a:t> </a:t>
-            </a:r>
-            <a:r>
-              <a:rPr lang="en-US" sz="7200" dirty="0" smtClean="0">
-                <a:solidFill>
-                  <a:srgbClr val="0000FF"/>
-                </a:solidFill>
-              </a:rPr>
-              <a:t>0.43</a:t>
-            </a:r>
-            <a:r>
-              <a:rPr lang="en-US" sz="7200" dirty="0" smtClean="0"/>
-              <a:t> </a:t>
-            </a:r>
-            <a:r>
-              <a:rPr lang="en-US" sz="7200" dirty="0" smtClean="0">
-                <a:solidFill>
-                  <a:srgbClr val="FF0000"/>
-                </a:solidFill>
-                <a:latin typeface="Euclid Symbol" charset="2"/>
-                <a:cs typeface="Euclid Symbol" charset="2"/>
-              </a:rPr>
-              <a:t>&lt;</a:t>
-            </a:r>
-            <a:r>
-              <a:rPr lang="en-US" sz="7200" dirty="0" smtClean="0">
-                <a:solidFill>
-                  <a:schemeClr val="accent2"/>
-                </a:solidFill>
-              </a:rPr>
-              <a:t> </a:t>
-            </a:r>
-            <a:r>
-              <a:rPr lang="en-US" sz="7200" dirty="0" smtClean="0">
-                <a:solidFill>
-                  <a:srgbClr val="0000FF"/>
-                </a:solidFill>
-              </a:rPr>
-              <a:t>1/2</a:t>
-            </a:r>
-          </a:p>
-        </p:txBody>
-      </p:sp>
-      <p:pic>
-        <p:nvPicPr>
-          <p:cNvPr id="6148" name="Picture 4" descr="j0258752[1]"/>
-          <p:cNvPicPr>
-            <a:picLocks noChangeAspect="1" noChangeArrowheads="1"/>
-          </p:cNvPicPr>
-          <p:nvPr/>
-        </p:nvPicPr>
-        <p:blipFill>
-          <a:blip r:embed="rId3" cstate="print"/>
-          <a:srcRect/>
-          <a:stretch>
-            <a:fillRect/>
-          </a:stretch>
-        </p:blipFill>
-        <p:spPr bwMode="auto">
-          <a:xfrm>
-            <a:off x="6705600" y="76200"/>
-            <a:ext cx="2133600" cy="1639888"/>
-          </a:xfrm>
-          <a:prstGeom prst="rect">
-            <a:avLst/>
-          </a:prstGeom>
-          <a:noFill/>
-          <a:ln w="9525">
-            <a:noFill/>
-            <a:miter lim="800000"/>
-            <a:headEnd/>
-            <a:tailEnd/>
-          </a:ln>
-        </p:spPr>
-      </p:pic>
-      <p:sp>
-        <p:nvSpPr>
-          <p:cNvPr id="5" name="Slide Number Placeholder 3"/>
-          <p:cNvSpPr>
-            <a:spLocks noGrp="1"/>
-          </p:cNvSpPr>
-          <p:nvPr>
-            <p:ph type="sldNum" sz="quarter" idx="4294967295"/>
-          </p:nvPr>
-        </p:nvSpPr>
-        <p:spPr>
-          <a:xfrm>
-            <a:off x="7554913" y="6587734"/>
-            <a:ext cx="1527175" cy="244475"/>
-          </a:xfrm>
-          <a:prstGeom prst="rect">
-            <a:avLst/>
-          </a:prstGeom>
-        </p:spPr>
-        <p:txBody>
-          <a:bodyPr/>
-          <a:lstStyle/>
-          <a:p>
-            <a:pPr>
-              <a:defRPr/>
-            </a:pPr>
-            <a:r>
-              <a:rPr lang="en-US" sz="1200" dirty="0" err="1">
-                <a:latin typeface="Comic Sans MS"/>
-                <a:cs typeface="Comic Sans MS"/>
-              </a:rPr>
-              <a:t>lec</a:t>
-            </a:r>
-            <a:r>
-              <a:rPr lang="en-US" sz="1200" dirty="0" smtClean="0">
-                <a:latin typeface="Comic Sans MS"/>
-                <a:cs typeface="Comic Sans MS"/>
-              </a:rPr>
-              <a:t> </a:t>
-            </a:r>
-            <a:r>
-              <a:rPr lang="en-US" sz="1200" dirty="0" smtClean="0">
-                <a:latin typeface="Comic Sans MS"/>
-                <a:cs typeface="Comic Sans MS"/>
-              </a:rPr>
-              <a:t>14W.</a:t>
-            </a:r>
-            <a:fld id="{93DA0692-DAF7-4AFE-9BE7-E02439D3694A}" type="slidenum">
-              <a:rPr lang="en-US" sz="1200" smtClean="0">
-                <a:latin typeface="Comic Sans MS"/>
-                <a:cs typeface="Comic Sans MS"/>
-              </a:rPr>
-              <a:pPr>
-                <a:defRPr/>
-              </a:pPr>
-              <a:t>4</a:t>
-            </a:fld>
-            <a:endParaRPr lang="en-US" sz="1200" dirty="0">
-              <a:latin typeface="Comic Sans MS"/>
-              <a:cs typeface="Comic Sans MS"/>
-            </a:endParaRPr>
-          </a:p>
-        </p:txBody>
-      </p:sp>
-    </p:spTree>
-  </p:cSld>
-  <p:clrMapOvr>
-    <a:masterClrMapping/>
-  </p:clrMapOvr>
-  <p:transition xmlns:p14="http://schemas.microsoft.com/office/powerpoint/2010/main">
-    <p:fade/>
-  </p:transition>
-  <p:timing>
-    <p:tnLst>
-      <p:par>
-        <p:cTn xmlns:p14="http://schemas.microsoft.com/office/powerpoint/2010/main" id="1" dur="indefinite" restart="never" nodeType="tmRoot"/>
-      </p:par>
-    </p:tnLst>
-  </p:timing>
-</p:sld>
-</file>
-
-<file path=ppt/slides/slide40.xml><?xml version="1.0" encoding="utf-8"?>
+<file path=ppt/slides/slide41.xml><?xml version="1.0" encoding="utf-8"?>
 <p:sld xmlns:a="http://schemas.openxmlformats.org/drawingml/2006/main" xmlns:r="http://schemas.openxmlformats.org/officeDocument/2006/relationships" xmlns:p="http://schemas.openxmlformats.org/presentationml/2006/main">
   <p:cSld>
     <p:spTree>
@@ -27297,7 +27732,7 @@
           <a:graphicData uri="http://schemas.openxmlformats.org/presentationml/2006/ole">
             <mc:AlternateContent xmlns:mc="http://schemas.openxmlformats.org/markup-compatibility/2006">
               <mc:Choice xmlns:v="urn:schemas-microsoft-com:vml" Requires="v">
-                <p:oleObj spid="_x0000_s227335" name="Equation" r:id="rId4" imgW="279360" imgH="457200" progId="Equation.DSMT4">
+                <p:oleObj spid="_x0000_s227338" name="Equation" r:id="rId4" imgW="279360" imgH="457200" progId="Equation.DSMT4">
                   <p:embed/>
                 </p:oleObj>
               </mc:Choice>
@@ -27388,14 +27823,7 @@
                 <a:latin typeface="Comic Sans MS"/>
                 <a:cs typeface="Comic Sans MS"/>
               </a:rPr>
-              <a:t> </a:t>
-            </a:r>
-            <a:r>
-              <a:rPr lang="en-US" sz="1200" dirty="0" smtClean="0">
-                <a:latin typeface="Comic Sans MS"/>
-                <a:cs typeface="Comic Sans MS"/>
-              </a:rPr>
-              <a:t>14W.</a:t>
+              <a:t> 14W.</a:t>
             </a:r>
             <a:fld id="{93DA0692-DAF7-4AFE-9BE7-E02439D3694A}" type="slidenum">
               <a:rPr lang="en-US" sz="1200" smtClean="0">
@@ -27405,7 +27833,7 @@
               <a:pPr>
                 <a:defRPr/>
               </a:pPr>
-              <a:t>40</a:t>
+              <a:t>41</a:t>
             </a:fld>
             <a:endParaRPr lang="en-US" sz="1200" dirty="0">
               <a:latin typeface="Comic Sans MS"/>
@@ -27432,7 +27860,7 @@
 </p:sld>
 </file>
 
-<file path=ppt/slides/slide41.xml><?xml version="1.0" encoding="utf-8"?>
+<file path=ppt/slides/slide42.xml><?xml version="1.0" encoding="utf-8"?>
 <p:sld xmlns:a="http://schemas.openxmlformats.org/drawingml/2006/main" xmlns:r="http://schemas.openxmlformats.org/officeDocument/2006/relationships" xmlns:p="http://schemas.openxmlformats.org/presentationml/2006/main">
   <p:cSld>
     <p:spTree>
@@ -27466,7 +27894,7 @@
           <a:p>
             <a:pPr eaLnBrk="1" hangingPunct="1"/>
             <a:r>
-              <a:rPr lang="en-US" sz="3600" smtClean="0"/>
+              <a:rPr lang="en-US" sz="3600" dirty="0" smtClean="0"/>
               <a:t>Mean Time to Failure</a:t>
             </a:r>
           </a:p>
@@ -27726,14 +28154,7 @@
                 <a:latin typeface="Comic Sans MS"/>
                 <a:cs typeface="Comic Sans MS"/>
               </a:rPr>
-              <a:t> </a:t>
-            </a:r>
-            <a:r>
-              <a:rPr lang="en-US" sz="1200" dirty="0" smtClean="0">
-                <a:latin typeface="Comic Sans MS"/>
-                <a:cs typeface="Comic Sans MS"/>
-              </a:rPr>
-              <a:t>14W.</a:t>
+              <a:t> 14W.</a:t>
             </a:r>
             <a:fld id="{93DA0692-DAF7-4AFE-9BE7-E02439D3694A}" type="slidenum">
               <a:rPr lang="en-US" sz="1200" smtClean="0">
@@ -27743,7 +28164,7 @@
               <a:pPr>
                 <a:defRPr/>
               </a:pPr>
-              <a:t>41</a:t>
+              <a:t>42</a:t>
             </a:fld>
             <a:endParaRPr lang="en-US" sz="1200" dirty="0">
               <a:latin typeface="Comic Sans MS"/>
@@ -27781,7 +28202,7 @@
                             </p:stCondLst>
                             <p:childTnLst>
                               <p:par>
-                                <p:cTn id="5" presetID="1" presetClass="entr" presetSubtype="0" fill="hold" nodeType="clickEffect">
+                                <p:cTn id="5" presetID="2" presetClass="entr" presetSubtype="2" fill="hold" nodeType="clickEffect">
                                   <p:stCondLst>
                                     <p:cond delay="0"/>
                                   </p:stCondLst>
@@ -27789,6 +28210,88 @@
                                     <p:set>
                                       <p:cBhvr>
                                         <p:cTn id="6" dur="1" fill="hold">
+                                          <p:stCondLst>
+                                            <p:cond delay="0"/>
+                                          </p:stCondLst>
+                                        </p:cTn>
+                                        <p:tgtEl>
+                                          <p:spTgt spid="27652"/>
+                                        </p:tgtEl>
+                                        <p:attrNameLst>
+                                          <p:attrName>style.visibility</p:attrName>
+                                        </p:attrNameLst>
+                                      </p:cBhvr>
+                                      <p:to>
+                                        <p:strVal val="visible"/>
+                                      </p:to>
+                                    </p:set>
+                                    <p:anim calcmode="lin" valueType="num">
+                                      <p:cBhvr additive="base">
+                                        <p:cTn id="7" dur="500" fill="hold"/>
+                                        <p:tgtEl>
+                                          <p:spTgt spid="27652"/>
+                                        </p:tgtEl>
+                                        <p:attrNameLst>
+                                          <p:attrName>ppt_x</p:attrName>
+                                        </p:attrNameLst>
+                                      </p:cBhvr>
+                                      <p:tavLst>
+                                        <p:tav tm="0">
+                                          <p:val>
+                                            <p:strVal val="1+#ppt_w/2"/>
+                                          </p:val>
+                                        </p:tav>
+                                        <p:tav tm="100000">
+                                          <p:val>
+                                            <p:strVal val="#ppt_x"/>
+                                          </p:val>
+                                        </p:tav>
+                                      </p:tavLst>
+                                    </p:anim>
+                                    <p:anim calcmode="lin" valueType="num">
+                                      <p:cBhvr additive="base">
+                                        <p:cTn id="8" dur="500" fill="hold"/>
+                                        <p:tgtEl>
+                                          <p:spTgt spid="27652"/>
+                                        </p:tgtEl>
+                                        <p:attrNameLst>
+                                          <p:attrName>ppt_y</p:attrName>
+                                        </p:attrNameLst>
+                                      </p:cBhvr>
+                                      <p:tavLst>
+                                        <p:tav tm="0">
+                                          <p:val>
+                                            <p:strVal val="#ppt_y"/>
+                                          </p:val>
+                                        </p:tav>
+                                        <p:tav tm="100000">
+                                          <p:val>
+                                            <p:strVal val="#ppt_y"/>
+                                          </p:val>
+                                        </p:tav>
+                                      </p:tavLst>
+                                    </p:anim>
+                                  </p:childTnLst>
+                                </p:cTn>
+                              </p:par>
+                            </p:childTnLst>
+                          </p:cTn>
+                        </p:par>
+                        <p:par>
+                          <p:cTn id="9" fill="hold">
+                            <p:stCondLst>
+                              <p:cond delay="500"/>
+                            </p:stCondLst>
+                            <p:childTnLst>
+                              <p:par>
+                                <p:cTn id="10" presetID="9" presetClass="entr" presetSubtype="0" fill="hold" grpId="0" nodeType="afterEffect">
+                                  <p:stCondLst>
+                                    <p:cond delay="0"/>
+                                  </p:stCondLst>
+                                  <p:childTnLst>
+                                    <p:set>
+                                      <p:cBhvr>
+                                        <p:cTn id="11" dur="1" fill="hold">
                                           <p:stCondLst>
                                             <p:cond delay="0"/>
                                           </p:stCondLst>
@@ -27808,18 +28311,30 @@
                                         <p:strVal val="visible"/>
                                       </p:to>
                                     </p:set>
+                                    <p:animEffect transition="in" filter="dissolve">
+                                      <p:cBhvr>
+                                        <p:cTn id="12" dur="500"/>
+                                        <p:tgtEl>
+                                          <p:spTgt spid="626691">
+                                            <p:txEl>
+                                              <p:pRg st="1" end="1"/>
+                                            </p:txEl>
+                                          </p:spTgt>
+                                        </p:tgtEl>
+                                      </p:cBhvr>
+                                    </p:animEffect>
                                   </p:childTnLst>
                                 </p:cTn>
                               </p:par>
                               <p:par>
-                                <p:cTn id="7" presetID="1" presetClass="entr" presetSubtype="0" fill="hold" nodeType="withEffect">
+                                <p:cTn id="13" presetID="9" presetClass="entr" presetSubtype="0" fill="hold" grpId="0" nodeType="withEffect">
                                   <p:stCondLst>
                                     <p:cond delay="0"/>
                                   </p:stCondLst>
                                   <p:childTnLst>
                                     <p:set>
                                       <p:cBhvr>
-                                        <p:cTn id="8" dur="1" fill="hold">
+                                        <p:cTn id="14" dur="1" fill="hold">
                                           <p:stCondLst>
                                             <p:cond delay="0"/>
                                           </p:stCondLst>
@@ -27839,6 +28354,18 @@
                                         <p:strVal val="visible"/>
                                       </p:to>
                                     </p:set>
+                                    <p:animEffect transition="in" filter="dissolve">
+                                      <p:cBhvr>
+                                        <p:cTn id="15" dur="500"/>
+                                        <p:tgtEl>
+                                          <p:spTgt spid="626691">
+                                            <p:txEl>
+                                              <p:pRg st="2" end="2"/>
+                                            </p:txEl>
+                                          </p:spTgt>
+                                        </p:tgtEl>
+                                      </p:cBhvr>
+                                    </p:animEffect>
                                   </p:childTnLst>
                                 </p:cTn>
                               </p:par>
@@ -27849,26 +28376,26 @@
                     </p:cTn>
                   </p:par>
                   <p:par>
-                    <p:cTn id="9" fill="hold">
+                    <p:cTn id="16" fill="hold">
                       <p:stCondLst>
                         <p:cond delay="indefinite"/>
                       </p:stCondLst>
                       <p:childTnLst>
                         <p:par>
-                          <p:cTn id="10" fill="hold">
+                          <p:cTn id="17" fill="hold">
                             <p:stCondLst>
                               <p:cond delay="0"/>
                             </p:stCondLst>
                             <p:childTnLst>
                               <p:par>
-                                <p:cTn id="11" presetID="1" presetClass="entr" presetSubtype="0" fill="hold" nodeType="clickEffect">
+                                <p:cTn id="18" presetID="9" presetClass="entr" presetSubtype="0" fill="hold" grpId="0" nodeType="clickEffect">
                                   <p:stCondLst>
                                     <p:cond delay="0"/>
                                   </p:stCondLst>
                                   <p:childTnLst>
                                     <p:set>
                                       <p:cBhvr>
-                                        <p:cTn id="12" dur="1" fill="hold">
+                                        <p:cTn id="19" dur="1" fill="hold">
                                           <p:stCondLst>
                                             <p:cond delay="0"/>
                                           </p:stCondLst>
@@ -27888,18 +28415,39 @@
                                         <p:strVal val="visible"/>
                                       </p:to>
                                     </p:set>
+                                    <p:animEffect transition="in" filter="dissolve">
+                                      <p:cBhvr>
+                                        <p:cTn id="20" dur="500"/>
+                                        <p:tgtEl>
+                                          <p:spTgt spid="626691">
+                                            <p:txEl>
+                                              <p:pRg st="3" end="3"/>
+                                            </p:txEl>
+                                          </p:spTgt>
+                                        </p:tgtEl>
+                                      </p:cBhvr>
+                                    </p:animEffect>
                                   </p:childTnLst>
                                 </p:cTn>
                               </p:par>
+                            </p:childTnLst>
+                          </p:cTn>
+                        </p:par>
+                        <p:par>
+                          <p:cTn id="21" fill="hold">
+                            <p:stCondLst>
+                              <p:cond delay="500"/>
+                            </p:stCondLst>
+                            <p:childTnLst>
                               <p:par>
-                                <p:cTn id="13" presetID="1" presetClass="entr" presetSubtype="0" fill="hold" nodeType="withEffect">
+                                <p:cTn id="22" presetID="9" presetClass="entr" presetSubtype="0" fill="hold" grpId="0" nodeType="afterEffect">
                                   <p:stCondLst>
                                     <p:cond delay="0"/>
                                   </p:stCondLst>
                                   <p:childTnLst>
                                     <p:set>
                                       <p:cBhvr>
-                                        <p:cTn id="14" dur="1" fill="hold">
+                                        <p:cTn id="23" dur="1" fill="hold">
                                           <p:stCondLst>
                                             <p:cond delay="0"/>
                                           </p:stCondLst>
@@ -27919,6 +28467,18 @@
                                         <p:strVal val="visible"/>
                                       </p:to>
                                     </p:set>
+                                    <p:animEffect transition="in" filter="dissolve">
+                                      <p:cBhvr>
+                                        <p:cTn id="24" dur="500"/>
+                                        <p:tgtEl>
+                                          <p:spTgt spid="626691">
+                                            <p:txEl>
+                                              <p:pRg st="4" end="4"/>
+                                            </p:txEl>
+                                          </p:spTgt>
+                                        </p:tgtEl>
+                                      </p:cBhvr>
+                                    </p:animEffect>
                                   </p:childTnLst>
                                 </p:cTn>
                               </p:par>
@@ -27929,26 +28489,26 @@
                     </p:cTn>
                   </p:par>
                   <p:par>
-                    <p:cTn id="15" fill="hold">
+                    <p:cTn id="25" fill="hold">
                       <p:stCondLst>
                         <p:cond delay="indefinite"/>
                       </p:stCondLst>
                       <p:childTnLst>
                         <p:par>
-                          <p:cTn id="16" fill="hold">
+                          <p:cTn id="26" fill="hold">
                             <p:stCondLst>
                               <p:cond delay="0"/>
                             </p:stCondLst>
                             <p:childTnLst>
                               <p:par>
-                                <p:cTn id="17" presetID="9" presetClass="entr" presetSubtype="0" fill="hold" nodeType="clickEffect">
+                                <p:cTn id="27" presetID="9" presetClass="entr" presetSubtype="0" fill="hold" grpId="0" nodeType="clickEffect">
                                   <p:stCondLst>
                                     <p:cond delay="0"/>
                                   </p:stCondLst>
                                   <p:childTnLst>
                                     <p:set>
                                       <p:cBhvr>
-                                        <p:cTn id="18" dur="1" fill="hold">
+                                        <p:cTn id="28" dur="1" fill="hold">
                                           <p:stCondLst>
                                             <p:cond delay="0"/>
                                           </p:stCondLst>
@@ -27970,7 +28530,7 @@
                                     </p:set>
                                     <p:animEffect transition="in" filter="dissolve">
                                       <p:cBhvr>
-                                        <p:cTn id="19" dur="500"/>
+                                        <p:cTn id="29" dur="500"/>
                                         <p:tgtEl>
                                           <p:spTgt spid="626691">
                                             <p:txEl>
@@ -28010,11 +28570,14 @@
         </p:cTn>
       </p:par>
     </p:tnLst>
+    <p:bldLst>
+      <p:bldP spid="626691" grpId="0" build="p"/>
+    </p:bldLst>
   </p:timing>
 </p:sld>
 </file>
 
-<file path=ppt/slides/slide42.xml><?xml version="1.0" encoding="utf-8"?>
+<file path=ppt/slides/slide43.xml><?xml version="1.0" encoding="utf-8"?>
 <p:sld xmlns:a="http://schemas.openxmlformats.org/drawingml/2006/main" xmlns:r="http://schemas.openxmlformats.org/officeDocument/2006/relationships" xmlns:p="http://schemas.openxmlformats.org/presentationml/2006/main" show="0">
   <p:cSld>
     <p:spTree>
@@ -28380,14 +28943,7 @@
                 <a:latin typeface="Comic Sans MS"/>
                 <a:cs typeface="Comic Sans MS"/>
               </a:rPr>
-              <a:t> </a:t>
-            </a:r>
-            <a:r>
-              <a:rPr lang="en-US" sz="1200" dirty="0" smtClean="0">
-                <a:latin typeface="Comic Sans MS"/>
-                <a:cs typeface="Comic Sans MS"/>
-              </a:rPr>
-              <a:t>14W.</a:t>
+              <a:t> 14W.</a:t>
             </a:r>
             <a:fld id="{93DA0692-DAF7-4AFE-9BE7-E02439D3694A}" type="slidenum">
               <a:rPr lang="en-US" sz="1200" smtClean="0">
@@ -28397,7 +28953,7 @@
               <a:pPr>
                 <a:defRPr/>
               </a:pPr>
-              <a:t>42</a:t>
+              <a:t>43</a:t>
             </a:fld>
             <a:endParaRPr lang="en-US" sz="1200" dirty="0">
               <a:latin typeface="Comic Sans MS"/>
@@ -28859,7 +29415,7 @@
 </p:sld>
 </file>
 
-<file path=ppt/slides/slide43.xml><?xml version="1.0" encoding="utf-8"?>
+<file path=ppt/slides/slide44.xml><?xml version="1.0" encoding="utf-8"?>
 <p:sld xmlns:a="http://schemas.openxmlformats.org/drawingml/2006/main" xmlns:r="http://schemas.openxmlformats.org/officeDocument/2006/relationships" xmlns:p="http://schemas.openxmlformats.org/presentationml/2006/main" show="0">
   <p:cSld>
     <p:spTree>
@@ -28984,7 +29540,7 @@
           <a:graphicData uri="http://schemas.openxmlformats.org/presentationml/2006/ole">
             <mc:AlternateContent xmlns:mc="http://schemas.openxmlformats.org/markup-compatibility/2006">
               <mc:Choice xmlns:v="urn:schemas-microsoft-com:vml" Requires="v">
-                <p:oleObj spid="_x0000_s231431" name="Equation" r:id="rId4" imgW="2222280" imgH="457200" progId="Equation.DSMT4">
+                <p:oleObj spid="_x0000_s231434" name="Equation" r:id="rId4" imgW="2222280" imgH="457200" progId="Equation.DSMT4">
                   <p:embed/>
                 </p:oleObj>
               </mc:Choice>
@@ -29173,14 +29729,7 @@
                 <a:latin typeface="Comic Sans MS"/>
                 <a:cs typeface="Comic Sans MS"/>
               </a:rPr>
-              <a:t> </a:t>
-            </a:r>
-            <a:r>
-              <a:rPr lang="en-US" sz="1200" dirty="0" smtClean="0">
-                <a:latin typeface="Comic Sans MS"/>
-                <a:cs typeface="Comic Sans MS"/>
-              </a:rPr>
-              <a:t>14W.</a:t>
+              <a:t> 14W.</a:t>
             </a:r>
             <a:fld id="{93DA0692-DAF7-4AFE-9BE7-E02439D3694A}" type="slidenum">
               <a:rPr lang="en-US" sz="1200" smtClean="0">
@@ -29190,7 +29739,7 @@
               <a:pPr>
                 <a:defRPr/>
               </a:pPr>
-              <a:t>43</a:t>
+              <a:t>44</a:t>
             </a:fld>
             <a:endParaRPr lang="en-US" sz="1200" dirty="0">
               <a:latin typeface="Comic Sans MS"/>
@@ -29397,7 +29946,7 @@
 </p:sld>
 </file>
 
-<file path=ppt/slides/slide44.xml><?xml version="1.0" encoding="utf-8"?>
+<file path=ppt/slides/slide45.xml><?xml version="1.0" encoding="utf-8"?>
 <p:sld xmlns:a="http://schemas.openxmlformats.org/drawingml/2006/main" xmlns:r="http://schemas.openxmlformats.org/officeDocument/2006/relationships" xmlns:p="http://schemas.openxmlformats.org/presentationml/2006/main">
   <p:cSld>
     <p:spTree>
@@ -29772,14 +30321,7 @@
                 <a:latin typeface="Comic Sans MS"/>
                 <a:cs typeface="Comic Sans MS"/>
               </a:rPr>
-              <a:t> </a:t>
-            </a:r>
-            <a:r>
-              <a:rPr lang="en-US" sz="1200" dirty="0" smtClean="0">
-                <a:latin typeface="Comic Sans MS"/>
-                <a:cs typeface="Comic Sans MS"/>
-              </a:rPr>
-              <a:t>14W.</a:t>
+              <a:t> 14W.</a:t>
             </a:r>
             <a:fld id="{93DA0692-DAF7-4AFE-9BE7-E02439D3694A}" type="slidenum">
               <a:rPr lang="en-US" sz="1200" smtClean="0">
@@ -29789,7 +30331,7 @@
               <a:pPr>
                 <a:defRPr/>
               </a:pPr>
-              <a:t>44</a:t>
+              <a:t>45</a:t>
             </a:fld>
             <a:endParaRPr lang="en-US" sz="1200" dirty="0">
               <a:latin typeface="Comic Sans MS"/>
@@ -30121,7 +30663,7 @@
 </p:sld>
 </file>
 
-<file path=ppt/slides/slide45.xml><?xml version="1.0" encoding="utf-8"?>
+<file path=ppt/slides/slide46.xml><?xml version="1.0" encoding="utf-8"?>
 <p:sld xmlns:a="http://schemas.openxmlformats.org/drawingml/2006/main" xmlns:r="http://schemas.openxmlformats.org/officeDocument/2006/relationships" xmlns:p="http://schemas.openxmlformats.org/presentationml/2006/main" show="0">
   <p:cSld>
     <p:spTree>
@@ -30891,14 +31433,7 @@
                 <a:latin typeface="Comic Sans MS"/>
                 <a:cs typeface="Comic Sans MS"/>
               </a:rPr>
-              <a:t> </a:t>
-            </a:r>
-            <a:r>
-              <a:rPr lang="en-US" sz="1200" dirty="0" smtClean="0">
-                <a:latin typeface="Comic Sans MS"/>
-                <a:cs typeface="Comic Sans MS"/>
-              </a:rPr>
-              <a:t>14W.</a:t>
+              <a:t> 14W.</a:t>
             </a:r>
             <a:fld id="{93DA0692-DAF7-4AFE-9BE7-E02439D3694A}" type="slidenum">
               <a:rPr lang="en-US" sz="1200" smtClean="0">
@@ -30908,7 +31443,7 @@
               <a:pPr>
                 <a:defRPr/>
               </a:pPr>
-              <a:t>45</a:t>
+              <a:t>46</a:t>
             </a:fld>
             <a:endParaRPr lang="en-US" sz="1200" dirty="0">
               <a:latin typeface="Comic Sans MS"/>
@@ -31202,7 +31737,7 @@
 </p:sld>
 </file>
 
-<file path=ppt/slides/slide46.xml><?xml version="1.0" encoding="utf-8"?>
+<file path=ppt/slides/slide47.xml><?xml version="1.0" encoding="utf-8"?>
 <p:sld xmlns:a="http://schemas.openxmlformats.org/drawingml/2006/main" xmlns:r="http://schemas.openxmlformats.org/officeDocument/2006/relationships" xmlns:p="http://schemas.openxmlformats.org/presentationml/2006/main">
   <p:cSld>
     <p:spTree>
@@ -31235,7 +31770,7 @@
           <a:graphicData uri="http://schemas.openxmlformats.org/presentationml/2006/ole">
             <mc:AlternateContent xmlns:mc="http://schemas.openxmlformats.org/markup-compatibility/2006">
               <mc:Choice xmlns:v="urn:schemas-microsoft-com:vml" Requires="v">
-                <p:oleObj spid="_x0000_s239623" name="Equation" r:id="rId4" imgW="1701800" imgH="304800" progId="Equation.DSMT4">
+                <p:oleObj spid="_x0000_s239626" name="Equation" r:id="rId4" imgW="1701800" imgH="304800" progId="Equation.DSMT4">
                   <p:embed/>
                 </p:oleObj>
               </mc:Choice>
@@ -31458,14 +31993,7 @@
                 <a:latin typeface="Comic Sans MS"/>
                 <a:cs typeface="Comic Sans MS"/>
               </a:rPr>
-              <a:t> </a:t>
-            </a:r>
-            <a:r>
-              <a:rPr lang="en-US" sz="1200" dirty="0" smtClean="0">
-                <a:latin typeface="Comic Sans MS"/>
-                <a:cs typeface="Comic Sans MS"/>
-              </a:rPr>
-              <a:t>14W.</a:t>
+              <a:t> 14W.</a:t>
             </a:r>
             <a:fld id="{93DA0692-DAF7-4AFE-9BE7-E02439D3694A}" type="slidenum">
               <a:rPr lang="en-US" sz="1200" smtClean="0">
@@ -31475,7 +32003,7 @@
               <a:pPr>
                 <a:defRPr/>
               </a:pPr>
-              <a:t>46</a:t>
+              <a:t>47</a:t>
             </a:fld>
             <a:endParaRPr lang="en-US" sz="1200" dirty="0">
               <a:latin typeface="Comic Sans MS"/>
@@ -31673,7 +32201,7 @@
 </p:sld>
 </file>
 
-<file path=ppt/slides/slide47.xml><?xml version="1.0" encoding="utf-8"?>
+<file path=ppt/slides/slide48.xml><?xml version="1.0" encoding="utf-8"?>
 <p:sld xmlns:a="http://schemas.openxmlformats.org/drawingml/2006/main" xmlns:r="http://schemas.openxmlformats.org/officeDocument/2006/relationships" xmlns:p="http://schemas.openxmlformats.org/presentationml/2006/main">
   <p:cSld>
     <p:spTree>
@@ -31712,7 +32240,7 @@
           <a:graphicData uri="http://schemas.openxmlformats.org/presentationml/2006/ole">
             <mc:AlternateContent xmlns:mc="http://schemas.openxmlformats.org/markup-compatibility/2006">
               <mc:Choice xmlns:v="urn:schemas-microsoft-com:vml" Requires="v">
-                <p:oleObj spid="_x0000_s241676" name="Equation" r:id="rId4" imgW="2159000" imgH="330200" progId="Equation.DSMT4">
+                <p:oleObj spid="_x0000_s241683" name="Equation" r:id="rId4" imgW="2159000" imgH="330200" progId="Equation.DSMT4">
                   <p:embed/>
                 </p:oleObj>
               </mc:Choice>
@@ -31814,7 +32342,7 @@
           <a:graphicData uri="http://schemas.openxmlformats.org/presentationml/2006/ole">
             <mc:AlternateContent xmlns:mc="http://schemas.openxmlformats.org/markup-compatibility/2006">
               <mc:Choice xmlns:v="urn:schemas-microsoft-com:vml" Requires="v">
-                <p:oleObj spid="_x0000_s241677" name="Equation" r:id="rId6" imgW="1968500" imgH="635000" progId="Equation.DSMT4">
+                <p:oleObj spid="_x0000_s241684" name="Equation" r:id="rId6" imgW="1968500" imgH="635000" progId="Equation.DSMT4">
                   <p:embed/>
                 </p:oleObj>
               </mc:Choice>
@@ -31901,10 +32429,10 @@
         </p:nvGrpSpPr>
         <p:grpSpPr>
           <a:xfrm>
-            <a:off x="371592" y="1371600"/>
-            <a:ext cx="4891839" cy="4191000"/>
+            <a:off x="193542" y="1371600"/>
+            <a:ext cx="4886623" cy="4231128"/>
             <a:chOff x="371592" y="1371600"/>
-            <a:chExt cx="4891839" cy="4191000"/>
+            <a:chExt cx="4886623" cy="4231128"/>
           </a:xfrm>
         </p:grpSpPr>
         <p:sp>
@@ -31916,13 +32444,13 @@
           <p:spPr bwMode="auto">
             <a:xfrm>
               <a:off x="371592" y="1371600"/>
-              <a:ext cx="3250259" cy="1290696"/>
+              <a:ext cx="2845061" cy="1287322"/>
             </a:xfrm>
             <a:prstGeom prst="rect">
               <a:avLst/>
             </a:prstGeom>
             <a:noFill/>
-            <a:ln w="28575" cap="flat" cmpd="sng" algn="ctr">
+            <a:ln w="38100" cap="flat" cmpd="sng" algn="ctr">
               <a:solidFill>
                 <a:srgbClr val="FF00FF"/>
               </a:solidFill>
@@ -31978,14 +32506,14 @@
           </p:nvSpPr>
           <p:spPr bwMode="auto">
             <a:xfrm>
-              <a:off x="3587031" y="4724400"/>
-              <a:ext cx="1676400" cy="838200"/>
+              <a:off x="3786391" y="4736203"/>
+              <a:ext cx="1471824" cy="866525"/>
             </a:xfrm>
             <a:prstGeom prst="rect">
               <a:avLst/>
             </a:prstGeom>
             <a:noFill/>
-            <a:ln w="28575" cap="flat" cmpd="sng" algn="ctr">
+            <a:ln w="38100" cap="flat" cmpd="sng" algn="ctr">
               <a:solidFill>
                 <a:srgbClr val="FF00FF"/>
               </a:solidFill>
@@ -32072,14 +32600,7 @@
                 <a:latin typeface="Comic Sans MS"/>
                 <a:cs typeface="Comic Sans MS"/>
               </a:rPr>
-              <a:t> </a:t>
-            </a:r>
-            <a:r>
-              <a:rPr lang="en-US" sz="1200" dirty="0" smtClean="0">
-                <a:latin typeface="Comic Sans MS"/>
-                <a:cs typeface="Comic Sans MS"/>
-              </a:rPr>
-              <a:t>14W.</a:t>
+              <a:t> 14W.</a:t>
             </a:r>
             <a:fld id="{93DA0692-DAF7-4AFE-9BE7-E02439D3694A}" type="slidenum">
               <a:rPr lang="en-US" sz="1200" smtClean="0">
@@ -32089,7 +32610,7 @@
               <a:pPr>
                 <a:defRPr/>
               </a:pPr>
-              <a:t>47</a:t>
+              <a:t>48</a:t>
             </a:fld>
             <a:endParaRPr lang="en-US" sz="1200" dirty="0">
               <a:latin typeface="Comic Sans MS"/>
@@ -32127,7 +32648,7 @@
                             </p:stCondLst>
                             <p:childTnLst>
                               <p:par>
-                                <p:cTn id="5" presetID="1" presetClass="entr" presetSubtype="0" fill="hold" grpId="0" nodeType="clickEffect">
+                                <p:cTn id="5" presetID="9" presetClass="entr" presetSubtype="0" fill="hold" grpId="0" nodeType="clickEffect">
                                   <p:stCondLst>
                                     <p:cond delay="0"/>
                                   </p:stCondLst>
@@ -32150,6 +32671,14 @@
                                         <p:strVal val="visible"/>
                                       </p:to>
                                     </p:set>
+                                    <p:animEffect transition="in" filter="dissolve">
+                                      <p:cBhvr>
+                                        <p:cTn id="7" dur="500"/>
+                                        <p:tgtEl>
+                                          <p:spTgt spid="6"/>
+                                        </p:tgtEl>
+                                      </p:cBhvr>
+                                    </p:animEffect>
                                   </p:childTnLst>
                                 </p:cTn>
                               </p:par>
@@ -32160,26 +32689,26 @@
                     </p:cTn>
                   </p:par>
                   <p:par>
-                    <p:cTn id="7" fill="hold">
+                    <p:cTn id="8" fill="hold">
                       <p:stCondLst>
                         <p:cond delay="indefinite"/>
                       </p:stCondLst>
                       <p:childTnLst>
                         <p:par>
-                          <p:cTn id="8" fill="hold">
+                          <p:cTn id="9" fill="hold">
                             <p:stCondLst>
                               <p:cond delay="0"/>
                             </p:stCondLst>
                             <p:childTnLst>
                               <p:par>
-                                <p:cTn id="9" presetID="22" presetClass="entr" presetSubtype="1" fill="hold" nodeType="clickEffect">
+                                <p:cTn id="10" presetID="22" presetClass="entr" presetSubtype="1" fill="hold" nodeType="clickEffect">
                                   <p:stCondLst>
                                     <p:cond delay="0"/>
                                   </p:stCondLst>
                                   <p:childTnLst>
                                     <p:set>
                                       <p:cBhvr>
-                                        <p:cTn id="10" dur="1" fill="hold">
+                                        <p:cTn id="11" dur="1" fill="hold">
                                           <p:stCondLst>
                                             <p:cond delay="0"/>
                                           </p:stCondLst>
@@ -32197,7 +32726,7 @@
                                     </p:set>
                                     <p:animEffect transition="in" filter="wipe(up)">
                                       <p:cBhvr>
-                                        <p:cTn id="11" dur="1000"/>
+                                        <p:cTn id="12" dur="1000"/>
                                         <p:tgtEl>
                                           <p:spTgt spid="198659"/>
                                         </p:tgtEl>
@@ -32209,23 +32738,14 @@
                             </p:childTnLst>
                           </p:cTn>
                         </p:par>
-                      </p:childTnLst>
-                    </p:cTn>
-                  </p:par>
-                  <p:par>
-                    <p:cTn id="12" fill="hold">
-                      <p:stCondLst>
-                        <p:cond delay="indefinite"/>
-                      </p:stCondLst>
-                      <p:childTnLst>
                         <p:par>
                           <p:cTn id="13" fill="hold">
                             <p:stCondLst>
-                              <p:cond delay="0"/>
+                              <p:cond delay="1000"/>
                             </p:stCondLst>
                             <p:childTnLst>
                               <p:par>
-                                <p:cTn id="14" presetID="15" presetClass="entr" presetSubtype="0" fill="hold" nodeType="clickEffect">
+                                <p:cTn id="14" presetID="15" presetClass="entr" presetSubtype="0" fill="hold" nodeType="afterEffect">
                                   <p:stCondLst>
                                     <p:cond delay="0"/>
                                   </p:stCondLst>
@@ -32377,7 +32897,7 @@
 </p:sld>
 </file>
 
-<file path=ppt/slides/slide48.xml><?xml version="1.0" encoding="utf-8"?>
+<file path=ppt/slides/slide49.xml><?xml version="1.0" encoding="utf-8"?>
 <p:sld xmlns:a="http://schemas.openxmlformats.org/drawingml/2006/main" xmlns:r="http://schemas.openxmlformats.org/officeDocument/2006/relationships" xmlns:p="http://schemas.openxmlformats.org/presentationml/2006/main">
   <p:cSld>
     <p:spTree>
@@ -32515,10 +33035,6 @@
               </a:rPr>
               <a:t> hat. </a:t>
             </a:r>
-            <a:endParaRPr lang="en-US" sz="4800" i="0" dirty="0" smtClean="0">
-              <a:latin typeface="Comic Sans MS" pitchFamily="66" charset="0"/>
-              <a:sym typeface="Symbol" pitchFamily="18" charset="2"/>
-            </a:endParaRPr>
           </a:p>
           <a:p>
             <a:r>
@@ -32526,14 +33042,7 @@
                 <a:latin typeface="Comic Sans MS" pitchFamily="66" charset="0"/>
                 <a:sym typeface="Symbol" pitchFamily="18" charset="2"/>
               </a:rPr>
-              <a:t>Hats </a:t>
-            </a:r>
-            <a:r>
-              <a:rPr lang="en-US" sz="4800" i="0" dirty="0" smtClean="0">
-                <a:latin typeface="Comic Sans MS" pitchFamily="66" charset="0"/>
-                <a:sym typeface="Symbol" pitchFamily="18" charset="2"/>
-              </a:rPr>
-              <a:t>get scrambled </a:t>
+              <a:t>Hats get scrambled </a:t>
             </a:r>
             <a:r>
               <a:rPr lang="en-US" sz="4800" dirty="0" smtClean="0">
@@ -32662,14 +33171,7 @@
                 <a:latin typeface="Comic Sans MS"/>
                 <a:cs typeface="Comic Sans MS"/>
               </a:rPr>
-              <a:t> </a:t>
-            </a:r>
-            <a:r>
-              <a:rPr lang="en-US" sz="1200" dirty="0" smtClean="0">
-                <a:latin typeface="Comic Sans MS"/>
-                <a:cs typeface="Comic Sans MS"/>
-              </a:rPr>
-              <a:t>14W.</a:t>
+              <a:t> 14W.</a:t>
             </a:r>
             <a:fld id="{93DA0692-DAF7-4AFE-9BE7-E02439D3694A}" type="slidenum">
               <a:rPr lang="en-US" sz="1200" smtClean="0">
@@ -32679,7 +33181,7 @@
               <a:pPr>
                 <a:defRPr/>
               </a:pPr>
-              <a:t>48</a:t>
+              <a:t>49</a:t>
             </a:fld>
             <a:endParaRPr lang="en-US" sz="1200" dirty="0">
               <a:latin typeface="Comic Sans MS"/>
@@ -32973,439 +33475,6 @@
 </p:sld>
 </file>
 
-<file path=ppt/slides/slide49.xml><?xml version="1.0" encoding="utf-8"?>
-<p:sld xmlns:a="http://schemas.openxmlformats.org/drawingml/2006/main" xmlns:r="http://schemas.openxmlformats.org/officeDocument/2006/relationships" xmlns:p="http://schemas.openxmlformats.org/presentationml/2006/main">
-  <p:cSld>
-    <p:spTree>
-      <p:nvGrpSpPr>
-        <p:cNvPr id="1" name=""/>
-        <p:cNvGrpSpPr/>
-        <p:nvPr/>
-      </p:nvGrpSpPr>
-      <p:grpSpPr>
-        <a:xfrm>
-          <a:off x="0" y="0"/>
-          <a:ext cx="0" cy="0"/>
-          <a:chOff x="0" y="0"/>
-          <a:chExt cx="0" cy="0"/>
-        </a:xfrm>
-      </p:grpSpPr>
-      <p:sp>
-        <p:nvSpPr>
-          <p:cNvPr id="31747" name="Rectangle 3"/>
-          <p:cNvSpPr>
-            <a:spLocks noChangeArrowheads="1"/>
-          </p:cNvSpPr>
-          <p:nvPr/>
-        </p:nvSpPr>
-        <p:spPr bwMode="auto">
-          <a:xfrm>
-            <a:off x="1012825" y="2525713"/>
-            <a:ext cx="184150" cy="641350"/>
-          </a:xfrm>
-          <a:prstGeom prst="rect">
-            <a:avLst/>
-          </a:prstGeom>
-          <a:noFill/>
-          <a:ln w="28575">
-            <a:noFill/>
-            <a:miter lim="800000"/>
-            <a:headEnd/>
-            <a:tailEnd type="none" w="lg" len="lg"/>
-          </a:ln>
-        </p:spPr>
-        <p:txBody>
-          <a:bodyPr wrap="none">
-            <a:spAutoFit/>
-          </a:bodyPr>
-          <a:lstStyle/>
-          <a:p>
-            <a:endParaRPr lang="en-US" i="0"/>
-          </a:p>
-        </p:txBody>
-      </p:sp>
-      <p:sp>
-        <p:nvSpPr>
-          <p:cNvPr id="31748" name="Rectangle 4"/>
-          <p:cNvSpPr>
-            <a:spLocks noChangeArrowheads="1"/>
-          </p:cNvSpPr>
-          <p:nvPr/>
-        </p:nvSpPr>
-        <p:spPr bwMode="auto">
-          <a:xfrm>
-            <a:off x="228600" y="1143000"/>
-            <a:ext cx="8684680" cy="2714440"/>
-          </a:xfrm>
-          <a:prstGeom prst="rect">
-            <a:avLst/>
-          </a:prstGeom>
-          <a:noFill/>
-          <a:ln w="28575">
-            <a:noFill/>
-            <a:miter lim="800000"/>
-            <a:headEnd/>
-            <a:tailEnd type="none" w="lg" len="lg"/>
-          </a:ln>
-        </p:spPr>
-        <p:txBody>
-          <a:bodyPr/>
-          <a:lstStyle/>
-          <a:p>
-            <a:r>
-              <a:rPr lang="en-US" sz="4800" i="0" dirty="0">
-                <a:latin typeface="Comic Sans MS" pitchFamily="66" charset="0"/>
-                <a:sym typeface="Symbol" pitchFamily="18" charset="2"/>
-              </a:rPr>
-              <a:t>Let </a:t>
-            </a:r>
-            <a:r>
-              <a:rPr lang="en-US" sz="4800" i="0" dirty="0" err="1" smtClean="0">
-                <a:solidFill>
-                  <a:srgbClr val="0000FF"/>
-                </a:solidFill>
-                <a:latin typeface="Comic Sans MS" pitchFamily="66" charset="0"/>
-                <a:sym typeface="Symbol" pitchFamily="18" charset="2"/>
-              </a:rPr>
-              <a:t>R</a:t>
-            </a:r>
-            <a:r>
-              <a:rPr lang="en-US" sz="4800" i="0" baseline="-25000" dirty="0" err="1" smtClean="0">
-                <a:solidFill>
-                  <a:srgbClr val="0000FF"/>
-                </a:solidFill>
-                <a:latin typeface="Comic Sans MS" pitchFamily="66" charset="0"/>
-              </a:rPr>
-              <a:t>i</a:t>
-            </a:r>
-            <a:r>
-              <a:rPr lang="en-US" sz="4800" i="0" dirty="0" smtClean="0">
-                <a:latin typeface="Comic Sans MS" pitchFamily="66" charset="0"/>
-                <a:sym typeface="Symbol" pitchFamily="18" charset="2"/>
-              </a:rPr>
-              <a:t> be indicator for man #</a:t>
-            </a:r>
-            <a:r>
-              <a:rPr lang="en-US" sz="4800" i="0" dirty="0" err="1" smtClean="0">
-                <a:solidFill>
-                  <a:srgbClr val="0000FF"/>
-                </a:solidFill>
-                <a:latin typeface="Comic Sans MS" pitchFamily="66" charset="0"/>
-                <a:sym typeface="Symbol" pitchFamily="18" charset="2"/>
-              </a:rPr>
-              <a:t>i</a:t>
-            </a:r>
-            <a:r>
-              <a:rPr lang="en-US" sz="4800" i="0" dirty="0" smtClean="0">
-                <a:latin typeface="Comic Sans MS" pitchFamily="66" charset="0"/>
-                <a:sym typeface="Symbol" pitchFamily="18" charset="2"/>
-              </a:rPr>
-              <a:t> getting his own hat back.</a:t>
-            </a:r>
-          </a:p>
-          <a:p>
-            <a:r>
-              <a:rPr lang="en-US" sz="4800" dirty="0" err="1" smtClean="0">
-                <a:solidFill>
-                  <a:srgbClr val="0000FF"/>
-                </a:solidFill>
-                <a:latin typeface="Comic Sans MS" pitchFamily="66" charset="0"/>
-                <a:sym typeface="Symbol" pitchFamily="18" charset="2"/>
-              </a:rPr>
-              <a:t>R</a:t>
-            </a:r>
-            <a:r>
-              <a:rPr lang="en-US" sz="4800" baseline="-25000" dirty="0" err="1" smtClean="0">
-                <a:solidFill>
-                  <a:srgbClr val="0000FF"/>
-                </a:solidFill>
-                <a:latin typeface="Comic Sans MS" pitchFamily="66" charset="0"/>
-              </a:rPr>
-              <a:t>i</a:t>
-            </a:r>
-            <a:r>
-              <a:rPr lang="en-US" sz="4800" baseline="-25000" dirty="0" smtClean="0">
-                <a:solidFill>
-                  <a:srgbClr val="0000FF"/>
-                </a:solidFill>
-                <a:latin typeface="Comic Sans MS" pitchFamily="66" charset="0"/>
-              </a:rPr>
-              <a:t> </a:t>
-            </a:r>
-            <a:r>
-              <a:rPr lang="en-US" sz="4800" dirty="0" smtClean="0">
-                <a:solidFill>
-                  <a:schemeClr val="tx2"/>
-                </a:solidFill>
-                <a:latin typeface="Comic Sans MS" pitchFamily="66" charset="0"/>
-              </a:rPr>
-              <a:t>and</a:t>
-            </a:r>
-            <a:r>
-              <a:rPr lang="en-US" sz="4800" baseline="-25000" dirty="0" smtClean="0">
-                <a:solidFill>
-                  <a:schemeClr val="tx2"/>
-                </a:solidFill>
-                <a:latin typeface="Comic Sans MS" pitchFamily="66" charset="0"/>
-              </a:rPr>
-              <a:t> </a:t>
-            </a:r>
-            <a:r>
-              <a:rPr lang="en-US" sz="4800" dirty="0" err="1" smtClean="0">
-                <a:solidFill>
-                  <a:srgbClr val="0000FF"/>
-                </a:solidFill>
-                <a:latin typeface="Comic Sans MS" pitchFamily="66" charset="0"/>
-                <a:sym typeface="Symbol" pitchFamily="18" charset="2"/>
-              </a:rPr>
-              <a:t>R</a:t>
-            </a:r>
-            <a:r>
-              <a:rPr lang="en-US" sz="4800" baseline="-25000" dirty="0" err="1" smtClean="0">
-                <a:solidFill>
-                  <a:srgbClr val="0000FF"/>
-                </a:solidFill>
-                <a:latin typeface="Comic Sans MS" pitchFamily="66" charset="0"/>
-              </a:rPr>
-              <a:t>j</a:t>
-            </a:r>
-            <a:r>
-              <a:rPr lang="en-US" sz="4800" baseline="-25000" dirty="0" smtClean="0">
-                <a:solidFill>
-                  <a:srgbClr val="000000"/>
-                </a:solidFill>
-                <a:latin typeface="Comic Sans MS" pitchFamily="66" charset="0"/>
-              </a:rPr>
-              <a:t> </a:t>
-            </a:r>
-            <a:r>
-              <a:rPr lang="en-US" sz="4800" dirty="0" smtClean="0">
-                <a:solidFill>
-                  <a:srgbClr val="000000"/>
-                </a:solidFill>
-                <a:latin typeface="Comic Sans MS" pitchFamily="66" charset="0"/>
-              </a:rPr>
-              <a:t>are </a:t>
-            </a:r>
-            <a:r>
-              <a:rPr lang="en-US" sz="4800" dirty="0" smtClean="0">
-                <a:solidFill>
-                  <a:srgbClr val="FF0000"/>
-                </a:solidFill>
-                <a:latin typeface="Comic Sans MS" pitchFamily="66" charset="0"/>
-              </a:rPr>
-              <a:t>not</a:t>
-            </a:r>
-            <a:r>
-              <a:rPr lang="en-US" sz="4800" dirty="0" smtClean="0">
-                <a:solidFill>
-                  <a:srgbClr val="000000"/>
-                </a:solidFill>
-                <a:latin typeface="Comic Sans MS" pitchFamily="66" charset="0"/>
-              </a:rPr>
-              <a:t> independent!</a:t>
-            </a:r>
-            <a:endParaRPr lang="en-US" sz="4800" dirty="0" smtClean="0">
-              <a:solidFill>
-                <a:srgbClr val="000000"/>
-              </a:solidFill>
-              <a:latin typeface="Comic Sans MS" pitchFamily="66" charset="0"/>
-              <a:sym typeface="Symbol" pitchFamily="18" charset="2"/>
-            </a:endParaRPr>
-          </a:p>
-          <a:p>
-            <a:endParaRPr lang="en-US" sz="4800" dirty="0" smtClean="0">
-              <a:latin typeface="Comic Sans MS" pitchFamily="66" charset="0"/>
-              <a:sym typeface="Symbol" pitchFamily="18" charset="2"/>
-            </a:endParaRPr>
-          </a:p>
-        </p:txBody>
-      </p:sp>
-      <p:sp>
-        <p:nvSpPr>
-          <p:cNvPr id="6" name="Slide Number Placeholder 3"/>
-          <p:cNvSpPr>
-            <a:spLocks noGrp="1"/>
-          </p:cNvSpPr>
-          <p:nvPr>
-            <p:ph type="sldNum" sz="quarter" idx="4294967295"/>
-          </p:nvPr>
-        </p:nvSpPr>
-        <p:spPr>
-          <a:xfrm>
-            <a:off x="7554913" y="6577965"/>
-            <a:ext cx="1527175" cy="244475"/>
-          </a:xfrm>
-          <a:prstGeom prst="rect">
-            <a:avLst/>
-          </a:prstGeom>
-        </p:spPr>
-        <p:txBody>
-          <a:bodyPr/>
-          <a:lstStyle/>
-          <a:p>
-            <a:pPr>
-              <a:defRPr/>
-            </a:pPr>
-            <a:r>
-              <a:rPr lang="en-US" sz="1200" dirty="0" err="1">
-                <a:latin typeface="Comic Sans MS"/>
-                <a:cs typeface="Comic Sans MS"/>
-              </a:rPr>
-              <a:t>lec</a:t>
-            </a:r>
-            <a:r>
-              <a:rPr lang="en-US" sz="1200" dirty="0" smtClean="0">
-                <a:latin typeface="Comic Sans MS"/>
-                <a:cs typeface="Comic Sans MS"/>
-              </a:rPr>
-              <a:t> </a:t>
-            </a:r>
-            <a:r>
-              <a:rPr lang="en-US" sz="1200" dirty="0" smtClean="0">
-                <a:latin typeface="Comic Sans MS"/>
-                <a:cs typeface="Comic Sans MS"/>
-              </a:rPr>
-              <a:t>14W.</a:t>
-            </a:r>
-            <a:fld id="{93DA0692-DAF7-4AFE-9BE7-E02439D3694A}" type="slidenum">
-              <a:rPr lang="en-US" sz="1200" smtClean="0">
-                <a:latin typeface="Comic Sans MS"/>
-                <a:cs typeface="Comic Sans MS"/>
-              </a:rPr>
-              <a:pPr>
-                <a:defRPr/>
-              </a:pPr>
-              <a:t>49</a:t>
-            </a:fld>
-            <a:endParaRPr lang="en-US" sz="1200" dirty="0">
-              <a:latin typeface="Comic Sans MS"/>
-              <a:cs typeface="Comic Sans MS"/>
-            </a:endParaRPr>
-          </a:p>
-        </p:txBody>
-      </p:sp>
-      <p:sp>
-        <p:nvSpPr>
-          <p:cNvPr id="8" name="Rectangle 2"/>
-          <p:cNvSpPr>
-            <a:spLocks noGrp="1" noChangeArrowheads="1"/>
-          </p:cNvSpPr>
-          <p:nvPr>
-            <p:ph type="title"/>
-          </p:nvPr>
-        </p:nvSpPr>
-        <p:spPr>
-          <a:xfrm>
-            <a:off x="1039295" y="225425"/>
-            <a:ext cx="7270750" cy="684213"/>
-          </a:xfrm>
-        </p:spPr>
-        <p:txBody>
-          <a:bodyPr/>
-          <a:lstStyle/>
-          <a:p>
-            <a:pPr eaLnBrk="1" hangingPunct="1"/>
-            <a:r>
-              <a:rPr lang="en-US" sz="4000" dirty="0" smtClean="0"/>
-              <a:t>Expected #hats returned </a:t>
-            </a:r>
-          </a:p>
-        </p:txBody>
-      </p:sp>
-    </p:spTree>
-  </p:cSld>
-  <p:clrMapOvr>
-    <a:masterClrMapping/>
-  </p:clrMapOvr>
-  <p:transition xmlns:p14="http://schemas.microsoft.com/office/powerpoint/2010/main">
-    <p:fade/>
-  </p:transition>
-  <p:timing>
-    <p:tnLst>
-      <p:par>
-        <p:cTn xmlns:p14="http://schemas.microsoft.com/office/powerpoint/2010/main" id="1" dur="indefinite" restart="never" nodeType="tmRoot">
-          <p:childTnLst>
-            <p:seq concurrent="1" nextAc="seek">
-              <p:cTn id="2" dur="indefinite" nodeType="mainSeq">
-                <p:childTnLst>
-                  <p:par>
-                    <p:cTn id="3" fill="hold">
-                      <p:stCondLst>
-                        <p:cond delay="indefinite"/>
-                      </p:stCondLst>
-                      <p:childTnLst>
-                        <p:par>
-                          <p:cTn id="4" fill="hold">
-                            <p:stCondLst>
-                              <p:cond delay="0"/>
-                            </p:stCondLst>
-                            <p:childTnLst>
-                              <p:par>
-                                <p:cTn id="5" presetID="1" presetClass="entr" presetSubtype="0" fill="hold" grpId="0" nodeType="clickEffect">
-                                  <p:stCondLst>
-                                    <p:cond delay="0"/>
-                                  </p:stCondLst>
-                                  <p:childTnLst>
-                                    <p:set>
-                                      <p:cBhvr>
-                                        <p:cTn id="6" dur="1" fill="hold">
-                                          <p:stCondLst>
-                                            <p:cond delay="0"/>
-                                          </p:stCondLst>
-                                        </p:cTn>
-                                        <p:tgtEl>
-                                          <p:spTgt spid="31748">
-                                            <p:txEl>
-                                              <p:pRg st="1" end="1"/>
-                                            </p:txEl>
-                                          </p:spTgt>
-                                        </p:tgtEl>
-                                        <p:attrNameLst>
-                                          <p:attrName>style.visibility</p:attrName>
-                                        </p:attrNameLst>
-                                      </p:cBhvr>
-                                      <p:to>
-                                        <p:strVal val="visible"/>
-                                      </p:to>
-                                    </p:set>
-                                  </p:childTnLst>
-                                </p:cTn>
-                              </p:par>
-                            </p:childTnLst>
-                          </p:cTn>
-                        </p:par>
-                      </p:childTnLst>
-                    </p:cTn>
-                  </p:par>
-                </p:childTnLst>
-              </p:cTn>
-              <p:prevCondLst>
-                <p:cond evt="onPrev" delay="0">
-                  <p:tgtEl>
-                    <p:sldTgt/>
-                  </p:tgtEl>
-                </p:cond>
-              </p:prevCondLst>
-              <p:nextCondLst>
-                <p:cond evt="onNext" delay="0">
-                  <p:tgtEl>
-                    <p:sldTgt/>
-                  </p:tgtEl>
-                </p:cond>
-              </p:nextCondLst>
-            </p:seq>
-          </p:childTnLst>
-        </p:cTn>
-      </p:par>
-    </p:tnLst>
-    <p:bldLst>
-      <p:bldP spid="31748" grpId="0" uiExpand="1" build="p"/>
-    </p:bldLst>
-  </p:timing>
-</p:sld>
-</file>
-
 <file path=ppt/slides/slide5.xml><?xml version="1.0" encoding="utf-8"?>
 <p:sld xmlns:a="http://schemas.openxmlformats.org/drawingml/2006/main" xmlns:r="http://schemas.openxmlformats.org/officeDocument/2006/relationships" xmlns:p="http://schemas.openxmlformats.org/presentationml/2006/main">
   <p:cSld>
@@ -33425,29 +33494,6 @@
       </p:grpSpPr>
       <p:sp>
         <p:nvSpPr>
-          <p:cNvPr id="7170" name="Rectangle 2"/>
-          <p:cNvSpPr>
-            <a:spLocks noGrp="1" noChangeArrowheads="1"/>
-          </p:cNvSpPr>
-          <p:nvPr>
-            <p:ph type="title"/>
-          </p:nvPr>
-        </p:nvSpPr>
-        <p:spPr/>
-        <p:txBody>
-          <a:bodyPr/>
-          <a:lstStyle/>
-          <a:p>
-            <a:pPr eaLnBrk="1" hangingPunct="1"/>
-            <a:r>
-              <a:rPr lang="en-US" sz="4400" dirty="0" smtClean="0"/>
-              <a:t>Carnival Dice</a:t>
-            </a:r>
-          </a:p>
-        </p:txBody>
-      </p:sp>
-      <p:sp>
-        <p:nvSpPr>
           <p:cNvPr id="589827" name="Rectangle 3"/>
           <p:cNvSpPr>
             <a:spLocks noGrp="1" noChangeArrowheads="1"/>
@@ -33458,7 +33504,7 @@
         </p:nvSpPr>
         <p:spPr>
           <a:xfrm>
-            <a:off x="304800" y="1676400"/>
+            <a:off x="316670" y="1676400"/>
             <a:ext cx="8534400" cy="4038600"/>
           </a:xfrm>
         </p:spPr>
@@ -33557,38 +33603,6 @@
           </a:p>
         </p:txBody>
       </p:sp>
-      <p:pic>
-        <p:nvPicPr>
-          <p:cNvPr id="7172" name="Picture 4" descr="j0258752[1]"/>
-          <p:cNvPicPr>
-            <a:picLocks noChangeAspect="1" noChangeArrowheads="1"/>
-          </p:cNvPicPr>
-          <p:nvPr/>
-        </p:nvPicPr>
-        <p:blipFill>
-          <a:blip r:embed="rId3" cstate="print"/>
-          <a:srcRect/>
-          <a:stretch>
-            <a:fillRect/>
-          </a:stretch>
-        </p:blipFill>
-        <p:spPr bwMode="auto">
-          <a:xfrm>
-            <a:off x="5791200" y="76200"/>
-            <a:ext cx="2133600" cy="1639888"/>
-          </a:xfrm>
-          <a:prstGeom prst="rect">
-            <a:avLst/>
-          </a:prstGeom>
-          <a:noFill/>
-          <a:ln w="9525">
-            <a:noFill/>
-            <a:miter lim="800000"/>
-            <a:headEnd/>
-            <a:tailEnd/>
-          </a:ln>
-        </p:spPr>
-      </p:pic>
       <p:sp>
         <p:nvSpPr>
           <p:cNvPr id="5" name="Slide Number Placeholder 3"/>
@@ -33627,14 +33641,7 @@
                 <a:latin typeface="Comic Sans MS"/>
                 <a:cs typeface="Comic Sans MS"/>
               </a:rPr>
-              <a:t> </a:t>
-            </a:r>
-            <a:r>
-              <a:rPr lang="en-US" sz="1200" dirty="0" smtClean="0">
-                <a:latin typeface="Comic Sans MS"/>
-                <a:cs typeface="Comic Sans MS"/>
-              </a:rPr>
-              <a:t>14W.</a:t>
+              <a:t> 14W.</a:t>
             </a:r>
             <a:fld id="{93DA0692-DAF7-4AFE-9BE7-E02439D3694A}" type="slidenum">
               <a:rPr lang="en-US" sz="1200" smtClean="0">
@@ -33653,6 +33660,66 @@
           </a:p>
         </p:txBody>
       </p:sp>
+      <p:sp>
+        <p:nvSpPr>
+          <p:cNvPr id="7" name="Rectangle 2"/>
+          <p:cNvSpPr>
+            <a:spLocks noGrp="1" noChangeArrowheads="1"/>
+          </p:cNvSpPr>
+          <p:nvPr>
+            <p:ph type="title"/>
+          </p:nvPr>
+        </p:nvSpPr>
+        <p:spPr>
+          <a:xfrm>
+            <a:off x="1409700" y="225425"/>
+            <a:ext cx="5652679" cy="819151"/>
+          </a:xfrm>
+        </p:spPr>
+        <p:txBody>
+          <a:bodyPr/>
+          <a:lstStyle/>
+          <a:p>
+            <a:pPr eaLnBrk="1" hangingPunct="1"/>
+            <a:r>
+              <a:rPr lang="en-US" sz="4800" dirty="0" smtClean="0"/>
+              <a:t>Carnival Dice</a:t>
+            </a:r>
+          </a:p>
+        </p:txBody>
+      </p:sp>
+      <p:pic>
+        <p:nvPicPr>
+          <p:cNvPr id="8" name="Picture 4" descr="j0258752[1]"/>
+          <p:cNvPicPr>
+            <a:picLocks noChangeAspect="1" noChangeArrowheads="1"/>
+          </p:cNvPicPr>
+          <p:nvPr/>
+        </p:nvPicPr>
+        <p:blipFill>
+          <a:blip r:embed="rId3" cstate="print"/>
+          <a:srcRect/>
+          <a:stretch>
+            <a:fillRect/>
+          </a:stretch>
+        </p:blipFill>
+        <p:spPr bwMode="auto">
+          <a:xfrm>
+            <a:off x="6705600" y="76200"/>
+            <a:ext cx="2133600" cy="1639888"/>
+          </a:xfrm>
+          <a:prstGeom prst="rect">
+            <a:avLst/>
+          </a:prstGeom>
+          <a:noFill/>
+          <a:ln w="9525">
+            <a:noFill/>
+            <a:miter lim="800000"/>
+            <a:headEnd/>
+            <a:tailEnd/>
+          </a:ln>
+        </p:spPr>
+      </p:pic>
     </p:spTree>
   </p:cSld>
   <p:clrMapOvr>
@@ -33931,120 +33998,115 @@
                 <a:latin typeface="Comic Sans MS" pitchFamily="66" charset="0"/>
                 <a:sym typeface="Symbol" pitchFamily="18" charset="2"/>
               </a:rPr>
-              <a:t> getting his own hat </a:t>
+              <a:t> getting his own hat back.</a:t>
+            </a:r>
+          </a:p>
+          <a:p>
+            <a:r>
+              <a:rPr lang="en-US" sz="4800" dirty="0" err="1" smtClean="0">
+                <a:solidFill>
+                  <a:srgbClr val="0000FF"/>
+                </a:solidFill>
+                <a:latin typeface="Comic Sans MS" pitchFamily="66" charset="0"/>
+                <a:sym typeface="Symbol" pitchFamily="18" charset="2"/>
+              </a:rPr>
+              <a:t>R</a:t>
+            </a:r>
+            <a:r>
+              <a:rPr lang="en-US" sz="4800" baseline="-25000" dirty="0" err="1" smtClean="0">
+                <a:solidFill>
+                  <a:srgbClr val="0000FF"/>
+                </a:solidFill>
+                <a:latin typeface="Comic Sans MS" pitchFamily="66" charset="0"/>
+              </a:rPr>
+              <a:t>i</a:t>
+            </a:r>
+            <a:r>
+              <a:rPr lang="en-US" sz="4800" baseline="-25000" dirty="0" smtClean="0">
+                <a:solidFill>
+                  <a:srgbClr val="0000FF"/>
+                </a:solidFill>
+                <a:latin typeface="Comic Sans MS" pitchFamily="66" charset="0"/>
+              </a:rPr>
+              <a:t> </a:t>
             </a:r>
             <a:r>
               <a:rPr lang="en-US" sz="4800" dirty="0" smtClean="0">
+                <a:solidFill>
+                  <a:schemeClr val="tx2"/>
+                </a:solidFill>
+                <a:latin typeface="Comic Sans MS" pitchFamily="66" charset="0"/>
+              </a:rPr>
+              <a:t>and</a:t>
+            </a:r>
+            <a:r>
+              <a:rPr lang="en-US" sz="4800" baseline="-25000" dirty="0" smtClean="0">
+                <a:solidFill>
+                  <a:schemeClr val="tx2"/>
+                </a:solidFill>
+                <a:latin typeface="Comic Sans MS" pitchFamily="66" charset="0"/>
+              </a:rPr>
+              <a:t> </a:t>
+            </a:r>
+            <a:r>
+              <a:rPr lang="en-US" sz="4800" dirty="0" err="1" smtClean="0">
+                <a:solidFill>
+                  <a:srgbClr val="0000FF"/>
+                </a:solidFill>
                 <a:latin typeface="Comic Sans MS" pitchFamily="66" charset="0"/>
                 <a:sym typeface="Symbol" pitchFamily="18" charset="2"/>
               </a:rPr>
-              <a:t>back. </a:t>
-            </a:r>
-          </a:p>
-          <a:p>
+              <a:t>R</a:t>
+            </a:r>
+            <a:r>
+              <a:rPr lang="en-US" sz="4800" baseline="-25000" dirty="0" err="1" smtClean="0">
+                <a:solidFill>
+                  <a:srgbClr val="0000FF"/>
+                </a:solidFill>
+                <a:latin typeface="Comic Sans MS" pitchFamily="66" charset="0"/>
+              </a:rPr>
+              <a:t>j</a:t>
+            </a:r>
+            <a:r>
+              <a:rPr lang="en-US" sz="4800" baseline="-25000" dirty="0" smtClean="0">
+                <a:solidFill>
+                  <a:srgbClr val="000000"/>
+                </a:solidFill>
+                <a:latin typeface="Comic Sans MS" pitchFamily="66" charset="0"/>
+              </a:rPr>
+              <a:t> </a:t>
+            </a:r>
             <a:r>
               <a:rPr lang="en-US" sz="4800" dirty="0" smtClean="0">
                 <a:solidFill>
-                  <a:schemeClr val="tx2"/>
-                </a:solidFill>
-                <a:latin typeface="Comic Sans MS" pitchFamily="66" charset="0"/>
-                <a:sym typeface="Symbol" pitchFamily="18" charset="2"/>
-              </a:rPr>
-              <a:t>But</a:t>
+                  <a:srgbClr val="000000"/>
+                </a:solidFill>
+                <a:latin typeface="Comic Sans MS" pitchFamily="66" charset="0"/>
+              </a:rPr>
+              <a:t>are </a:t>
             </a:r>
             <a:r>
               <a:rPr lang="en-US" sz="4800" dirty="0" smtClean="0">
                 <a:solidFill>
-                  <a:srgbClr val="0000FF"/>
-                </a:solidFill>
-                <a:latin typeface="Comic Sans MS" pitchFamily="66" charset="0"/>
-                <a:sym typeface="Symbol" pitchFamily="18" charset="2"/>
-              </a:rPr>
-              <a:t> E[# hats returned] </a:t>
+                  <a:srgbClr val="FF0000"/>
+                </a:solidFill>
+                <a:latin typeface="Comic Sans MS" pitchFamily="66" charset="0"/>
+              </a:rPr>
+              <a:t>not</a:t>
             </a:r>
             <a:r>
               <a:rPr lang="en-US" sz="4800" dirty="0" smtClean="0">
-                <a:latin typeface="Comic Sans MS" pitchFamily="66" charset="0"/>
-                <a:sym typeface="Symbol" pitchFamily="18" charset="2"/>
-              </a:rPr>
-              <a:t>=</a:t>
-            </a:r>
-          </a:p>
-          <a:p>
-            <a:r>
-              <a:rPr lang="en-US" sz="4800" dirty="0" smtClean="0">
-                <a:solidFill>
-                  <a:srgbClr val="0000FF"/>
-                </a:solidFill>
-                <a:latin typeface="Comic Sans MS" pitchFamily="66" charset="0"/>
-              </a:rPr>
-              <a:t>  </a:t>
-            </a:r>
-            <a:r>
-              <a:rPr lang="en-US" sz="6000" dirty="0" smtClean="0">
-                <a:solidFill>
-                  <a:srgbClr val="0000FF"/>
-                </a:solidFill>
-                <a:latin typeface="Comic Sans MS" pitchFamily="66" charset="0"/>
-              </a:rPr>
-              <a:t> </a:t>
-            </a:r>
-            <a:r>
-              <a:rPr lang="en-US" sz="6000" dirty="0" err="1" smtClean="0">
-                <a:solidFill>
-                  <a:srgbClr val="0000FF"/>
-                </a:solidFill>
-                <a:latin typeface="Comic Sans MS" pitchFamily="66" charset="0"/>
-              </a:rPr>
-              <a:t>E[∑</a:t>
-            </a:r>
-            <a:r>
-              <a:rPr lang="en-US" sz="6000" baseline="-25000" dirty="0" err="1" smtClean="0">
-                <a:solidFill>
-                  <a:srgbClr val="0000FF"/>
-                </a:solidFill>
-                <a:latin typeface="Comic Sans MS" pitchFamily="66" charset="0"/>
-              </a:rPr>
-              <a:t>i</a:t>
-            </a:r>
-            <a:r>
-              <a:rPr lang="en-US" sz="6000" dirty="0" smtClean="0">
-                <a:solidFill>
-                  <a:srgbClr val="0000FF"/>
-                </a:solidFill>
-                <a:latin typeface="Comic Sans MS" pitchFamily="66" charset="0"/>
-              </a:rPr>
-              <a:t> </a:t>
-            </a:r>
-            <a:r>
-              <a:rPr lang="en-US" sz="6000" dirty="0" err="1" smtClean="0">
-                <a:solidFill>
-                  <a:srgbClr val="0000FF"/>
-                </a:solidFill>
-                <a:latin typeface="Comic Sans MS" pitchFamily="66" charset="0"/>
-                <a:sym typeface="Symbol" pitchFamily="18" charset="2"/>
-              </a:rPr>
-              <a:t>R</a:t>
-            </a:r>
-            <a:r>
-              <a:rPr lang="en-US" sz="6000" baseline="-25000" dirty="0" err="1" smtClean="0">
-                <a:solidFill>
-                  <a:srgbClr val="0000FF"/>
-                </a:solidFill>
-                <a:latin typeface="Comic Sans MS" pitchFamily="66" charset="0"/>
-              </a:rPr>
-              <a:t>i</a:t>
-            </a:r>
-            <a:r>
-              <a:rPr lang="en-US" sz="6000" dirty="0" smtClean="0">
-                <a:solidFill>
-                  <a:srgbClr val="0000FF"/>
-                </a:solidFill>
-                <a:latin typeface="Comic Sans MS" pitchFamily="66" charset="0"/>
-              </a:rPr>
-              <a:t>]</a:t>
-            </a:r>
-            <a:endParaRPr lang="en-US" sz="4800" i="0" dirty="0" smtClean="0">
+                <a:solidFill>
+                  <a:srgbClr val="000000"/>
+                </a:solidFill>
+                <a:latin typeface="Comic Sans MS" pitchFamily="66" charset="0"/>
+              </a:rPr>
+              <a:t> independent!</a:t>
+            </a:r>
+            <a:endParaRPr lang="en-US" sz="4800" dirty="0" smtClean="0">
+              <a:solidFill>
+                <a:srgbClr val="000000"/>
+              </a:solidFill>
               <a:latin typeface="Comic Sans MS" pitchFamily="66" charset="0"/>
               <a:sym typeface="Symbol" pitchFamily="18" charset="2"/>
             </a:endParaRPr>
@@ -34095,14 +34157,7 @@
                 <a:latin typeface="Comic Sans MS"/>
                 <a:cs typeface="Comic Sans MS"/>
               </a:rPr>
-              <a:t> </a:t>
-            </a:r>
-            <a:r>
-              <a:rPr lang="en-US" sz="1200" dirty="0" smtClean="0">
-                <a:latin typeface="Comic Sans MS"/>
-                <a:cs typeface="Comic Sans MS"/>
-              </a:rPr>
-              <a:t>14W.</a:t>
+              <a:t> 14W.</a:t>
             </a:r>
             <a:fld id="{93DA0692-DAF7-4AFE-9BE7-E02439D3694A}" type="slidenum">
               <a:rPr lang="en-US" sz="1200" smtClean="0">
@@ -34113,6 +34168,437 @@
                 <a:defRPr/>
               </a:pPr>
               <a:t>50</a:t>
+            </a:fld>
+            <a:endParaRPr lang="en-US" sz="1200" dirty="0">
+              <a:latin typeface="Comic Sans MS"/>
+              <a:cs typeface="Comic Sans MS"/>
+            </a:endParaRPr>
+          </a:p>
+        </p:txBody>
+      </p:sp>
+      <p:sp>
+        <p:nvSpPr>
+          <p:cNvPr id="8" name="Rectangle 2"/>
+          <p:cNvSpPr>
+            <a:spLocks noGrp="1" noChangeArrowheads="1"/>
+          </p:cNvSpPr>
+          <p:nvPr>
+            <p:ph type="title"/>
+          </p:nvPr>
+        </p:nvSpPr>
+        <p:spPr>
+          <a:xfrm>
+            <a:off x="1039295" y="225425"/>
+            <a:ext cx="7270750" cy="684213"/>
+          </a:xfrm>
+        </p:spPr>
+        <p:txBody>
+          <a:bodyPr/>
+          <a:lstStyle/>
+          <a:p>
+            <a:pPr eaLnBrk="1" hangingPunct="1"/>
+            <a:r>
+              <a:rPr lang="en-US" sz="4000" dirty="0" smtClean="0"/>
+              <a:t>Expected #hats returned </a:t>
+            </a:r>
+          </a:p>
+        </p:txBody>
+      </p:sp>
+    </p:spTree>
+  </p:cSld>
+  <p:clrMapOvr>
+    <a:masterClrMapping/>
+  </p:clrMapOvr>
+  <p:transition xmlns:p14="http://schemas.microsoft.com/office/powerpoint/2010/main">
+    <p:fade/>
+  </p:transition>
+  <p:timing>
+    <p:tnLst>
+      <p:par>
+        <p:cTn xmlns:p14="http://schemas.microsoft.com/office/powerpoint/2010/main" id="1" dur="indefinite" restart="never" nodeType="tmRoot">
+          <p:childTnLst>
+            <p:seq concurrent="1" nextAc="seek">
+              <p:cTn id="2" dur="indefinite" nodeType="mainSeq">
+                <p:childTnLst>
+                  <p:par>
+                    <p:cTn id="3" fill="hold">
+                      <p:stCondLst>
+                        <p:cond delay="indefinite"/>
+                      </p:stCondLst>
+                      <p:childTnLst>
+                        <p:par>
+                          <p:cTn id="4" fill="hold">
+                            <p:stCondLst>
+                              <p:cond delay="0"/>
+                            </p:stCondLst>
+                            <p:childTnLst>
+                              <p:par>
+                                <p:cTn id="5" presetID="1" presetClass="entr" presetSubtype="0" fill="hold" grpId="0" nodeType="clickEffect">
+                                  <p:stCondLst>
+                                    <p:cond delay="0"/>
+                                  </p:stCondLst>
+                                  <p:childTnLst>
+                                    <p:set>
+                                      <p:cBhvr>
+                                        <p:cTn id="6" dur="1" fill="hold">
+                                          <p:stCondLst>
+                                            <p:cond delay="0"/>
+                                          </p:stCondLst>
+                                        </p:cTn>
+                                        <p:tgtEl>
+                                          <p:spTgt spid="31748">
+                                            <p:txEl>
+                                              <p:pRg st="1" end="1"/>
+                                            </p:txEl>
+                                          </p:spTgt>
+                                        </p:tgtEl>
+                                        <p:attrNameLst>
+                                          <p:attrName>style.visibility</p:attrName>
+                                        </p:attrNameLst>
+                                      </p:cBhvr>
+                                      <p:to>
+                                        <p:strVal val="visible"/>
+                                      </p:to>
+                                    </p:set>
+                                  </p:childTnLst>
+                                </p:cTn>
+                              </p:par>
+                            </p:childTnLst>
+                          </p:cTn>
+                        </p:par>
+                      </p:childTnLst>
+                    </p:cTn>
+                  </p:par>
+                </p:childTnLst>
+              </p:cTn>
+              <p:prevCondLst>
+                <p:cond evt="onPrev" delay="0">
+                  <p:tgtEl>
+                    <p:sldTgt/>
+                  </p:tgtEl>
+                </p:cond>
+              </p:prevCondLst>
+              <p:nextCondLst>
+                <p:cond evt="onNext" delay="0">
+                  <p:tgtEl>
+                    <p:sldTgt/>
+                  </p:tgtEl>
+                </p:cond>
+              </p:nextCondLst>
+            </p:seq>
+          </p:childTnLst>
+        </p:cTn>
+      </p:par>
+    </p:tnLst>
+    <p:bldLst>
+      <p:bldP spid="31748" grpId="0" uiExpand="1" build="p"/>
+    </p:bldLst>
+  </p:timing>
+</p:sld>
+</file>
+
+<file path=ppt/slides/slide51.xml><?xml version="1.0" encoding="utf-8"?>
+<p:sld xmlns:a="http://schemas.openxmlformats.org/drawingml/2006/main" xmlns:r="http://schemas.openxmlformats.org/officeDocument/2006/relationships" xmlns:p="http://schemas.openxmlformats.org/presentationml/2006/main">
+  <p:cSld>
+    <p:spTree>
+      <p:nvGrpSpPr>
+        <p:cNvPr id="1" name=""/>
+        <p:cNvGrpSpPr/>
+        <p:nvPr/>
+      </p:nvGrpSpPr>
+      <p:grpSpPr>
+        <a:xfrm>
+          <a:off x="0" y="0"/>
+          <a:ext cx="0" cy="0"/>
+          <a:chOff x="0" y="0"/>
+          <a:chExt cx="0" cy="0"/>
+        </a:xfrm>
+      </p:grpSpPr>
+      <p:sp>
+        <p:nvSpPr>
+          <p:cNvPr id="31747" name="Rectangle 3"/>
+          <p:cNvSpPr>
+            <a:spLocks noChangeArrowheads="1"/>
+          </p:cNvSpPr>
+          <p:nvPr/>
+        </p:nvSpPr>
+        <p:spPr bwMode="auto">
+          <a:xfrm>
+            <a:off x="1012825" y="2525713"/>
+            <a:ext cx="184150" cy="641350"/>
+          </a:xfrm>
+          <a:prstGeom prst="rect">
+            <a:avLst/>
+          </a:prstGeom>
+          <a:noFill/>
+          <a:ln w="28575">
+            <a:noFill/>
+            <a:miter lim="800000"/>
+            <a:headEnd/>
+            <a:tailEnd type="none" w="lg" len="lg"/>
+          </a:ln>
+        </p:spPr>
+        <p:txBody>
+          <a:bodyPr wrap="none">
+            <a:spAutoFit/>
+          </a:bodyPr>
+          <a:lstStyle/>
+          <a:p>
+            <a:endParaRPr lang="en-US" i="0"/>
+          </a:p>
+        </p:txBody>
+      </p:sp>
+      <p:sp>
+        <p:nvSpPr>
+          <p:cNvPr id="31748" name="Rectangle 4"/>
+          <p:cNvSpPr>
+            <a:spLocks noChangeArrowheads="1"/>
+          </p:cNvSpPr>
+          <p:nvPr/>
+        </p:nvSpPr>
+        <p:spPr bwMode="auto">
+          <a:xfrm>
+            <a:off x="228600" y="1143000"/>
+            <a:ext cx="8684680" cy="2714440"/>
+          </a:xfrm>
+          <a:prstGeom prst="rect">
+            <a:avLst/>
+          </a:prstGeom>
+          <a:noFill/>
+          <a:ln w="28575">
+            <a:noFill/>
+            <a:miter lim="800000"/>
+            <a:headEnd/>
+            <a:tailEnd type="none" w="lg" len="lg"/>
+          </a:ln>
+        </p:spPr>
+        <p:txBody>
+          <a:bodyPr/>
+          <a:lstStyle/>
+          <a:p>
+            <a:r>
+              <a:rPr lang="en-US" sz="4800" i="0" dirty="0">
+                <a:latin typeface="Comic Sans MS" pitchFamily="66" charset="0"/>
+                <a:sym typeface="Symbol" pitchFamily="18" charset="2"/>
+              </a:rPr>
+              <a:t>Let </a:t>
+            </a:r>
+            <a:r>
+              <a:rPr lang="en-US" sz="4800" i="0" dirty="0" err="1" smtClean="0">
+                <a:solidFill>
+                  <a:srgbClr val="0000FF"/>
+                </a:solidFill>
+                <a:latin typeface="Comic Sans MS" pitchFamily="66" charset="0"/>
+                <a:sym typeface="Symbol" pitchFamily="18" charset="2"/>
+              </a:rPr>
+              <a:t>R</a:t>
+            </a:r>
+            <a:r>
+              <a:rPr lang="en-US" sz="4800" i="0" baseline="-25000" dirty="0" err="1" smtClean="0">
+                <a:solidFill>
+                  <a:srgbClr val="0000FF"/>
+                </a:solidFill>
+                <a:latin typeface="Comic Sans MS" pitchFamily="66" charset="0"/>
+              </a:rPr>
+              <a:t>i</a:t>
+            </a:r>
+            <a:r>
+              <a:rPr lang="en-US" sz="4800" i="0" dirty="0" smtClean="0">
+                <a:latin typeface="Comic Sans MS" pitchFamily="66" charset="0"/>
+                <a:sym typeface="Symbol" pitchFamily="18" charset="2"/>
+              </a:rPr>
+              <a:t> be indicator for man #</a:t>
+            </a:r>
+            <a:r>
+              <a:rPr lang="en-US" sz="4800" i="0" dirty="0" err="1" smtClean="0">
+                <a:solidFill>
+                  <a:srgbClr val="0000FF"/>
+                </a:solidFill>
+                <a:latin typeface="Comic Sans MS" pitchFamily="66" charset="0"/>
+                <a:sym typeface="Symbol" pitchFamily="18" charset="2"/>
+              </a:rPr>
+              <a:t>i</a:t>
+            </a:r>
+            <a:r>
+              <a:rPr lang="en-US" sz="4800" i="0" dirty="0" smtClean="0">
+                <a:latin typeface="Comic Sans MS" pitchFamily="66" charset="0"/>
+                <a:sym typeface="Symbol" pitchFamily="18" charset="2"/>
+              </a:rPr>
+              <a:t> getting his own hat </a:t>
+            </a:r>
+            <a:r>
+              <a:rPr lang="en-US" sz="4800" dirty="0" smtClean="0">
+                <a:latin typeface="Comic Sans MS" pitchFamily="66" charset="0"/>
+                <a:sym typeface="Symbol" pitchFamily="18" charset="2"/>
+              </a:rPr>
+              <a:t>back. </a:t>
+            </a:r>
+          </a:p>
+          <a:p>
+            <a:r>
+              <a:rPr lang="en-US" sz="4800" dirty="0" smtClean="0">
+                <a:solidFill>
+                  <a:schemeClr val="tx2"/>
+                </a:solidFill>
+                <a:latin typeface="Comic Sans MS" pitchFamily="66" charset="0"/>
+                <a:sym typeface="Symbol" pitchFamily="18" charset="2"/>
+              </a:rPr>
+              <a:t>But</a:t>
+            </a:r>
+            <a:r>
+              <a:rPr lang="en-US" sz="4800" dirty="0" smtClean="0">
+                <a:solidFill>
+                  <a:srgbClr val="0000FF"/>
+                </a:solidFill>
+                <a:latin typeface="Comic Sans MS" pitchFamily="66" charset="0"/>
+                <a:sym typeface="Symbol" pitchFamily="18" charset="2"/>
+              </a:rPr>
+              <a:t> E[# hats returned] </a:t>
+            </a:r>
+            <a:r>
+              <a:rPr lang="en-US" sz="4800" dirty="0" smtClean="0">
+                <a:latin typeface="Comic Sans MS" pitchFamily="66" charset="0"/>
+                <a:sym typeface="Symbol" pitchFamily="18" charset="2"/>
+              </a:rPr>
+              <a:t>=</a:t>
+            </a:r>
+          </a:p>
+          <a:p>
+            <a:r>
+              <a:rPr lang="en-US" sz="4800" dirty="0" smtClean="0">
+                <a:solidFill>
+                  <a:srgbClr val="0000FF"/>
+                </a:solidFill>
+                <a:latin typeface="Comic Sans MS" pitchFamily="66" charset="0"/>
+              </a:rPr>
+              <a:t>  </a:t>
+            </a:r>
+            <a:r>
+              <a:rPr lang="en-US" sz="6000" dirty="0" smtClean="0">
+                <a:solidFill>
+                  <a:srgbClr val="0000FF"/>
+                </a:solidFill>
+                <a:latin typeface="Comic Sans MS" pitchFamily="66" charset="0"/>
+              </a:rPr>
+              <a:t> </a:t>
+            </a:r>
+            <a:r>
+              <a:rPr lang="en-US" sz="6000" dirty="0" err="1" smtClean="0">
+                <a:solidFill>
+                  <a:srgbClr val="0000FF"/>
+                </a:solidFill>
+                <a:latin typeface="Comic Sans MS" pitchFamily="66" charset="0"/>
+              </a:rPr>
+              <a:t>E[∑</a:t>
+            </a:r>
+            <a:r>
+              <a:rPr lang="en-US" sz="6000" baseline="-25000" dirty="0" err="1" smtClean="0">
+                <a:solidFill>
+                  <a:srgbClr val="0000FF"/>
+                </a:solidFill>
+                <a:latin typeface="Comic Sans MS" pitchFamily="66" charset="0"/>
+              </a:rPr>
+              <a:t>i</a:t>
+            </a:r>
+            <a:r>
+              <a:rPr lang="en-US" sz="6000" dirty="0" smtClean="0">
+                <a:solidFill>
+                  <a:srgbClr val="0000FF"/>
+                </a:solidFill>
+                <a:latin typeface="Comic Sans MS" pitchFamily="66" charset="0"/>
+              </a:rPr>
+              <a:t> </a:t>
+            </a:r>
+            <a:r>
+              <a:rPr lang="en-US" sz="6000" dirty="0" err="1" smtClean="0">
+                <a:solidFill>
+                  <a:srgbClr val="0000FF"/>
+                </a:solidFill>
+                <a:latin typeface="Comic Sans MS" pitchFamily="66" charset="0"/>
+                <a:sym typeface="Symbol" pitchFamily="18" charset="2"/>
+              </a:rPr>
+              <a:t>R</a:t>
+            </a:r>
+            <a:r>
+              <a:rPr lang="en-US" sz="6000" baseline="-25000" dirty="0" err="1" smtClean="0">
+                <a:solidFill>
+                  <a:srgbClr val="0000FF"/>
+                </a:solidFill>
+                <a:latin typeface="Comic Sans MS" pitchFamily="66" charset="0"/>
+              </a:rPr>
+              <a:t>i</a:t>
+            </a:r>
+            <a:r>
+              <a:rPr lang="en-US" sz="6000" dirty="0" smtClean="0">
+                <a:solidFill>
+                  <a:srgbClr val="0000FF"/>
+                </a:solidFill>
+                <a:latin typeface="Comic Sans MS" pitchFamily="66" charset="0"/>
+              </a:rPr>
+              <a:t>]</a:t>
+            </a:r>
+            <a:endParaRPr lang="en-US" sz="4800" i="0" dirty="0" smtClean="0">
+              <a:latin typeface="Comic Sans MS" pitchFamily="66" charset="0"/>
+              <a:sym typeface="Symbol" pitchFamily="18" charset="2"/>
+            </a:endParaRPr>
+          </a:p>
+          <a:p>
+            <a:endParaRPr lang="en-US" sz="4800" dirty="0" smtClean="0">
+              <a:latin typeface="Comic Sans MS" pitchFamily="66" charset="0"/>
+              <a:sym typeface="Symbol" pitchFamily="18" charset="2"/>
+            </a:endParaRPr>
+          </a:p>
+        </p:txBody>
+      </p:sp>
+      <p:sp>
+        <p:nvSpPr>
+          <p:cNvPr id="6" name="Slide Number Placeholder 3"/>
+          <p:cNvSpPr>
+            <a:spLocks noGrp="1"/>
+          </p:cNvSpPr>
+          <p:nvPr>
+            <p:ph type="sldNum" sz="quarter" idx="4294967295"/>
+          </p:nvPr>
+        </p:nvSpPr>
+        <p:spPr>
+          <a:xfrm>
+            <a:off x="7554913" y="6577965"/>
+            <a:ext cx="1527175" cy="244475"/>
+          </a:xfrm>
+          <a:prstGeom prst="rect">
+            <a:avLst/>
+          </a:prstGeom>
+        </p:spPr>
+        <p:txBody>
+          <a:bodyPr/>
+          <a:lstStyle/>
+          <a:p>
+            <a:pPr>
+              <a:defRPr/>
+            </a:pPr>
+            <a:r>
+              <a:rPr lang="en-US" sz="1200" dirty="0" err="1">
+                <a:latin typeface="Comic Sans MS"/>
+                <a:cs typeface="Comic Sans MS"/>
+              </a:rPr>
+              <a:t>lec</a:t>
+            </a:r>
+            <a:r>
+              <a:rPr lang="en-US" sz="1200" dirty="0" smtClean="0">
+                <a:latin typeface="Comic Sans MS"/>
+                <a:cs typeface="Comic Sans MS"/>
+              </a:rPr>
+              <a:t> 14W.</a:t>
+            </a:r>
+            <a:fld id="{93DA0692-DAF7-4AFE-9BE7-E02439D3694A}" type="slidenum">
+              <a:rPr lang="en-US" sz="1200" smtClean="0">
+                <a:latin typeface="Comic Sans MS"/>
+                <a:cs typeface="Comic Sans MS"/>
+              </a:rPr>
+              <a:pPr>
+                <a:defRPr/>
+              </a:pPr>
+              <a:t>51</a:t>
             </a:fld>
             <a:endParaRPr lang="en-US" sz="1200" dirty="0">
               <a:latin typeface="Comic Sans MS"/>
@@ -34628,7 +35114,7 @@
 </p:sld>
 </file>
 
-<file path=ppt/slides/slide51.xml><?xml version="1.0" encoding="utf-8"?>
+<file path=ppt/slides/slide52.xml><?xml version="1.0" encoding="utf-8"?>
 <p:sld xmlns:a="http://schemas.openxmlformats.org/drawingml/2006/main" xmlns:r="http://schemas.openxmlformats.org/officeDocument/2006/relationships" xmlns:p="http://schemas.openxmlformats.org/presentationml/2006/main" show="0">
   <p:cSld>
     <p:spTree>
@@ -34867,14 +35353,7 @@
                 <a:latin typeface="Comic Sans MS"/>
                 <a:cs typeface="Comic Sans MS"/>
               </a:rPr>
-              <a:t> </a:t>
-            </a:r>
-            <a:r>
-              <a:rPr lang="en-US" sz="1200" dirty="0" smtClean="0">
-                <a:latin typeface="Comic Sans MS"/>
-                <a:cs typeface="Comic Sans MS"/>
-              </a:rPr>
-              <a:t>14W.</a:t>
+              <a:t> 14W.</a:t>
             </a:r>
             <a:fld id="{93DA0692-DAF7-4AFE-9BE7-E02439D3694A}" type="slidenum">
               <a:rPr lang="en-US" sz="1200" smtClean="0">
@@ -34884,7 +35363,7 @@
               <a:pPr>
                 <a:defRPr/>
               </a:pPr>
-              <a:t>51</a:t>
+              <a:t>52</a:t>
             </a:fld>
             <a:endParaRPr lang="en-US" sz="1200" dirty="0">
               <a:latin typeface="Comic Sans MS"/>
@@ -35117,7 +35596,7 @@
 </p:sld>
 </file>
 
-<file path=ppt/slides/slide52.xml><?xml version="1.0" encoding="utf-8"?>
+<file path=ppt/slides/slide53.xml><?xml version="1.0" encoding="utf-8"?>
 <p:sld xmlns:a="http://schemas.openxmlformats.org/drawingml/2006/main" xmlns:r="http://schemas.openxmlformats.org/officeDocument/2006/relationships" xmlns:p="http://schemas.openxmlformats.org/presentationml/2006/main" show="0">
   <p:cSld>
     <p:spTree>
@@ -35589,14 +36068,7 @@
                 <a:latin typeface="Comic Sans MS"/>
                 <a:cs typeface="Comic Sans MS"/>
               </a:rPr>
-              <a:t> </a:t>
-            </a:r>
-            <a:r>
-              <a:rPr lang="en-US" sz="1200" dirty="0" smtClean="0">
-                <a:latin typeface="Comic Sans MS"/>
-                <a:cs typeface="Comic Sans MS"/>
-              </a:rPr>
-              <a:t>14W.</a:t>
+              <a:t> 14W.</a:t>
             </a:r>
             <a:fld id="{93DA0692-DAF7-4AFE-9BE7-E02439D3694A}" type="slidenum">
               <a:rPr lang="en-US" sz="1200" smtClean="0">
@@ -35606,7 +36078,7 @@
               <a:pPr>
                 <a:defRPr/>
               </a:pPr>
-              <a:t>52</a:t>
+              <a:t>53</a:t>
             </a:fld>
             <a:endParaRPr lang="en-US" sz="1200" dirty="0">
               <a:latin typeface="Comic Sans MS"/>
@@ -35773,7 +36245,7 @@
 </p:sld>
 </file>
 
-<file path=ppt/slides/slide53.xml><?xml version="1.0" encoding="utf-8"?>
+<file path=ppt/slides/slide54.xml><?xml version="1.0" encoding="utf-8"?>
 <p:sld xmlns:a="http://schemas.openxmlformats.org/drawingml/2006/main" xmlns:r="http://schemas.openxmlformats.org/officeDocument/2006/relationships" xmlns:p="http://schemas.openxmlformats.org/presentationml/2006/main" show="0">
   <p:cSld>
     <p:spTree>
@@ -36235,14 +36707,7 @@
                 <a:latin typeface="Comic Sans MS"/>
                 <a:cs typeface="Comic Sans MS"/>
               </a:rPr>
-              <a:t> </a:t>
-            </a:r>
-            <a:r>
-              <a:rPr lang="en-US" sz="1200" dirty="0" smtClean="0">
-                <a:latin typeface="Comic Sans MS"/>
-                <a:cs typeface="Comic Sans MS"/>
-              </a:rPr>
-              <a:t>14W.</a:t>
+              <a:t> 14W.</a:t>
             </a:r>
             <a:fld id="{93DA0692-DAF7-4AFE-9BE7-E02439D3694A}" type="slidenum">
               <a:rPr lang="en-US" sz="1200" smtClean="0">
@@ -36252,7 +36717,7 @@
               <a:pPr>
                 <a:defRPr/>
               </a:pPr>
-              <a:t>53</a:t>
+              <a:t>54</a:t>
             </a:fld>
             <a:endParaRPr lang="en-US" sz="1200" dirty="0">
               <a:latin typeface="Comic Sans MS"/>
@@ -36476,7 +36941,7 @@
 </p:sld>
 </file>
 
-<file path=ppt/slides/slide54.xml><?xml version="1.0" encoding="utf-8"?>
+<file path=ppt/slides/slide55.xml><?xml version="1.0" encoding="utf-8"?>
 <p:sld xmlns:a="http://schemas.openxmlformats.org/drawingml/2006/main" xmlns:r="http://schemas.openxmlformats.org/officeDocument/2006/relationships" xmlns:p="http://schemas.openxmlformats.org/presentationml/2006/main" show="0">
   <p:cSld>
     <p:spTree>
@@ -36727,14 +37192,7 @@
                 <a:latin typeface="Comic Sans MS"/>
                 <a:cs typeface="Comic Sans MS"/>
               </a:rPr>
-              <a:t> </a:t>
-            </a:r>
-            <a:r>
-              <a:rPr lang="en-US" sz="1200" dirty="0" smtClean="0">
-                <a:latin typeface="Comic Sans MS"/>
-                <a:cs typeface="Comic Sans MS"/>
-              </a:rPr>
-              <a:t>14W.</a:t>
+              <a:t> 14W.</a:t>
             </a:r>
             <a:fld id="{93DA0692-DAF7-4AFE-9BE7-E02439D3694A}" type="slidenum">
               <a:rPr lang="en-US" sz="1200" smtClean="0">
@@ -36744,7 +37202,7 @@
               <a:pPr>
                 <a:defRPr/>
               </a:pPr>
-              <a:t>54</a:t>
+              <a:t>55</a:t>
             </a:fld>
             <a:endParaRPr lang="en-US" sz="1200" dirty="0">
               <a:latin typeface="Comic Sans MS"/>
@@ -36892,7 +37350,7 @@
 </p:sld>
 </file>
 
-<file path=ppt/slides/slide55.xml><?xml version="1.0" encoding="utf-8"?>
+<file path=ppt/slides/slide56.xml><?xml version="1.0" encoding="utf-8"?>
 <p:sld xmlns:a="http://schemas.openxmlformats.org/drawingml/2006/main" xmlns:r="http://schemas.openxmlformats.org/officeDocument/2006/relationships" xmlns:p="http://schemas.openxmlformats.org/presentationml/2006/main">
   <p:cSld>
     <p:spTree>
@@ -37234,14 +37692,7 @@
                 <a:latin typeface="Comic Sans MS"/>
                 <a:cs typeface="Comic Sans MS"/>
               </a:rPr>
-              <a:t> </a:t>
-            </a:r>
-            <a:r>
-              <a:rPr lang="en-US" sz="1200" dirty="0" smtClean="0">
-                <a:latin typeface="Comic Sans MS"/>
-                <a:cs typeface="Comic Sans MS"/>
-              </a:rPr>
-              <a:t>14W.</a:t>
+              <a:t> 14W.</a:t>
             </a:r>
             <a:fld id="{93DA0692-DAF7-4AFE-9BE7-E02439D3694A}" type="slidenum">
               <a:rPr lang="en-US" sz="1200" smtClean="0">
@@ -37251,7 +37702,7 @@
               <a:pPr>
                 <a:defRPr/>
               </a:pPr>
-              <a:t>55</a:t>
+              <a:t>56</a:t>
             </a:fld>
             <a:endParaRPr lang="en-US" sz="1200" dirty="0">
               <a:latin typeface="Comic Sans MS"/>
@@ -37490,7 +37941,7 @@
 </p:sld>
 </file>
 
-<file path=ppt/slides/slide56.xml><?xml version="1.0" encoding="utf-8"?>
+<file path=ppt/slides/slide57.xml><?xml version="1.0" encoding="utf-8"?>
 <p:sld xmlns:a="http://schemas.openxmlformats.org/drawingml/2006/main" xmlns:r="http://schemas.openxmlformats.org/officeDocument/2006/relationships" xmlns:p="http://schemas.openxmlformats.org/presentationml/2006/main" show="0">
   <p:cSld>
     <p:spTree>
@@ -38464,14 +38915,7 @@
                 <a:latin typeface="Comic Sans MS"/>
                 <a:cs typeface="Comic Sans MS"/>
               </a:rPr>
-              <a:t> </a:t>
-            </a:r>
-            <a:r>
-              <a:rPr lang="en-US" sz="1200" dirty="0" smtClean="0">
-                <a:latin typeface="Comic Sans MS"/>
-                <a:cs typeface="Comic Sans MS"/>
-              </a:rPr>
-              <a:t>14W.</a:t>
+              <a:t> 14W.</a:t>
             </a:r>
             <a:fld id="{93DA0692-DAF7-4AFE-9BE7-E02439D3694A}" type="slidenum">
               <a:rPr lang="en-US" sz="1200" smtClean="0">
@@ -38481,7 +38925,7 @@
               <a:pPr>
                 <a:defRPr/>
               </a:pPr>
-              <a:t>56</a:t>
+              <a:t>57</a:t>
             </a:fld>
             <a:endParaRPr lang="en-US" sz="1200" dirty="0">
               <a:latin typeface="Comic Sans MS"/>
@@ -39034,7 +39478,7 @@
 </p:sld>
 </file>
 
-<file path=ppt/slides/slide57.xml><?xml version="1.0" encoding="utf-8"?>
+<file path=ppt/slides/slide58.xml><?xml version="1.0" encoding="utf-8"?>
 <p:sld xmlns:a="http://schemas.openxmlformats.org/drawingml/2006/main" xmlns:r="http://schemas.openxmlformats.org/officeDocument/2006/relationships" xmlns:p="http://schemas.openxmlformats.org/presentationml/2006/main">
   <p:cSld>
     <p:spTree>
@@ -39075,18 +39519,14 @@
             </a:r>
             <a:r>
               <a:rPr lang="en-US" dirty="0" smtClean="0"/>
-              <a:t> </a:t>
-            </a:r>
-            <a:r>
-              <a:rPr lang="en-US" dirty="0" smtClean="0"/>
-              <a:t>14W.</a:t>
+              <a:t> 14W.</a:t>
             </a:r>
             <a:fld id="{CE1FEF93-960A-4432-A981-01A75AA852BE}" type="slidenum">
               <a:rPr lang="en-US" smtClean="0"/>
               <a:pPr>
                 <a:defRPr/>
               </a:pPr>
-              <a:t>57</a:t>
+              <a:t>58</a:t>
             </a:fld>
             <a:endParaRPr lang="en-US" dirty="0"/>
           </a:p>
@@ -39246,7 +39686,15 @@
                   <a:srgbClr val="0000FF"/>
                 </a:solidFill>
               </a:rPr>
-              <a:t> 5</a:t>
+              <a:t> </a:t>
+            </a:r>
+            <a:r>
+              <a:rPr lang="en-US" sz="5400" dirty="0" smtClean="0">
+                <a:solidFill>
+                  <a:srgbClr val="FF00FF"/>
+                </a:solidFill>
+              </a:rPr>
+              <a:t>5</a:t>
             </a:r>
             <a:r>
               <a:rPr lang="en-US" sz="5400" dirty="0" smtClean="0"/>
@@ -39326,7 +39774,23 @@
                   <a:srgbClr val="0000FF"/>
                 </a:solidFill>
               </a:rPr>
-              <a:t> 5,4,6</a:t>
+              <a:t> </a:t>
+            </a:r>
+            <a:r>
+              <a:rPr lang="en-US" sz="5400" dirty="0" smtClean="0">
+                <a:solidFill>
+                  <a:srgbClr val="FF00FF"/>
+                </a:solidFill>
+              </a:rPr>
+              <a:t>5</a:t>
+            </a:r>
+            <a:r>
+              <a:rPr lang="en-US" sz="5400" dirty="0" smtClean="0">
+                <a:solidFill>
+                  <a:srgbClr val="0000FF"/>
+                </a:solidFill>
+              </a:rPr>
+              <a:t>,4,6</a:t>
             </a:r>
             <a:r>
               <a:rPr lang="en-US" sz="5400" dirty="0" smtClean="0"/>
@@ -39364,7 +39828,31 @@
                   <a:srgbClr val="0000FF"/>
                 </a:solidFill>
               </a:rPr>
-              <a:t> 5,4,5</a:t>
+              <a:t> </a:t>
+            </a:r>
+            <a:r>
+              <a:rPr lang="en-US" sz="5400" dirty="0" smtClean="0">
+                <a:solidFill>
+                  <a:srgbClr val="FF00FF"/>
+                </a:solidFill>
+              </a:rPr>
+              <a:t>5</a:t>
+            </a:r>
+            <a:r>
+              <a:rPr lang="en-US" sz="5400" dirty="0" smtClean="0">
+                <a:solidFill>
+                  <a:srgbClr val="0000FF"/>
+                </a:solidFill>
+              </a:rPr>
+              <a:t>,4,</a:t>
+            </a:r>
+            <a:r>
+              <a:rPr lang="en-US" sz="5400" dirty="0" smtClean="0">
+                <a:solidFill>
+                  <a:srgbClr val="FF00FF"/>
+                </a:solidFill>
+              </a:rPr>
+              <a:t>5</a:t>
             </a:r>
             <a:r>
               <a:rPr lang="en-US" sz="5400" dirty="0" smtClean="0"/>
@@ -39402,7 +39890,47 @@
                   <a:srgbClr val="0000FF"/>
                 </a:solidFill>
               </a:rPr>
-              <a:t> 5,5,5</a:t>
+              <a:t> </a:t>
+            </a:r>
+            <a:r>
+              <a:rPr lang="en-US" sz="5400" dirty="0" smtClean="0">
+                <a:solidFill>
+                  <a:srgbClr val="FF00FF"/>
+                </a:solidFill>
+              </a:rPr>
+              <a:t>5</a:t>
+            </a:r>
+            <a:r>
+              <a:rPr lang="en-US" sz="5400" dirty="0" smtClean="0">
+                <a:solidFill>
+                  <a:srgbClr val="0000FF"/>
+                </a:solidFill>
+              </a:rPr>
+              <a:t>,</a:t>
+            </a:r>
+            <a:r>
+              <a:rPr lang="en-US" sz="5400" dirty="0" smtClean="0">
+                <a:solidFill>
+                  <a:srgbClr val="FF00FF"/>
+                </a:solidFill>
+              </a:rPr>
+              <a:t>5</a:t>
+            </a:r>
+            <a:r>
+              <a:rPr lang="en-US" sz="5400" dirty="0" smtClean="0">
+                <a:solidFill>
+                  <a:srgbClr val="0000FF"/>
+                </a:solidFill>
+              </a:rPr>
+              <a:t>,</a:t>
+            </a:r>
+            <a:r>
+              <a:rPr lang="en-US" sz="5400" dirty="0" smtClean="0">
+                <a:solidFill>
+                  <a:srgbClr val="FF00FF"/>
+                </a:solidFill>
+              </a:rPr>
+              <a:t>5</a:t>
             </a:r>
             <a:r>
               <a:rPr lang="en-US" sz="5400" dirty="0" smtClean="0"/>
@@ -39438,66 +39966,6 @@
           </a:p>
         </p:txBody>
       </p:sp>
-      <p:sp>
-        <p:nvSpPr>
-          <p:cNvPr id="4" name="Rectangle 2"/>
-          <p:cNvSpPr>
-            <a:spLocks noGrp="1" noChangeArrowheads="1"/>
-          </p:cNvSpPr>
-          <p:nvPr>
-            <p:ph type="title"/>
-          </p:nvPr>
-        </p:nvSpPr>
-        <p:spPr>
-          <a:xfrm>
-            <a:off x="1447800" y="304800"/>
-            <a:ext cx="7543800" cy="1143000"/>
-          </a:xfrm>
-        </p:spPr>
-        <p:txBody>
-          <a:bodyPr/>
-          <a:lstStyle/>
-          <a:p>
-            <a:pPr eaLnBrk="1" hangingPunct="1"/>
-            <a:r>
-              <a:rPr lang="en-US" sz="4400" dirty="0" smtClean="0"/>
-              <a:t>Carnival Dice</a:t>
-            </a:r>
-          </a:p>
-        </p:txBody>
-      </p:sp>
-      <p:pic>
-        <p:nvPicPr>
-          <p:cNvPr id="5" name="Picture 4" descr="j0258752[1]"/>
-          <p:cNvPicPr>
-            <a:picLocks noChangeAspect="1" noChangeArrowheads="1"/>
-          </p:cNvPicPr>
-          <p:nvPr/>
-        </p:nvPicPr>
-        <p:blipFill>
-          <a:blip r:embed="rId3" cstate="print"/>
-          <a:srcRect/>
-          <a:stretch>
-            <a:fillRect/>
-          </a:stretch>
-        </p:blipFill>
-        <p:spPr bwMode="auto">
-          <a:xfrm>
-            <a:off x="5791200" y="76200"/>
-            <a:ext cx="2133600" cy="1639888"/>
-          </a:xfrm>
-          <a:prstGeom prst="rect">
-            <a:avLst/>
-          </a:prstGeom>
-          <a:noFill/>
-          <a:ln w="9525">
-            <a:noFill/>
-            <a:miter lim="800000"/>
-            <a:headEnd/>
-            <a:tailEnd/>
-          </a:ln>
-        </p:spPr>
-      </p:pic>
       <p:sp>
         <p:nvSpPr>
           <p:cNvPr id="6" name="Slide Number Placeholder 3"/>
@@ -39536,14 +40004,7 @@
                 <a:latin typeface="Comic Sans MS"/>
                 <a:cs typeface="Comic Sans MS"/>
               </a:rPr>
-              <a:t> </a:t>
-            </a:r>
-            <a:r>
-              <a:rPr lang="en-US" sz="1200" dirty="0" smtClean="0">
-                <a:latin typeface="Comic Sans MS"/>
-                <a:cs typeface="Comic Sans MS"/>
-              </a:rPr>
-              <a:t>14W.</a:t>
+              <a:t> 14W.</a:t>
             </a:r>
             <a:fld id="{93DA0692-DAF7-4AFE-9BE7-E02439D3694A}" type="slidenum">
               <a:rPr lang="en-US" sz="1200" smtClean="0">
@@ -39562,6 +40023,66 @@
           </a:p>
         </p:txBody>
       </p:sp>
+      <p:sp>
+        <p:nvSpPr>
+          <p:cNvPr id="7" name="Rectangle 2"/>
+          <p:cNvSpPr>
+            <a:spLocks noGrp="1" noChangeArrowheads="1"/>
+          </p:cNvSpPr>
+          <p:nvPr>
+            <p:ph type="title"/>
+          </p:nvPr>
+        </p:nvSpPr>
+        <p:spPr>
+          <a:xfrm>
+            <a:off x="1409700" y="225425"/>
+            <a:ext cx="5652679" cy="819151"/>
+          </a:xfrm>
+        </p:spPr>
+        <p:txBody>
+          <a:bodyPr/>
+          <a:lstStyle/>
+          <a:p>
+            <a:pPr eaLnBrk="1" hangingPunct="1"/>
+            <a:r>
+              <a:rPr lang="en-US" sz="4800" dirty="0" smtClean="0"/>
+              <a:t>Carnival Dice</a:t>
+            </a:r>
+          </a:p>
+        </p:txBody>
+      </p:sp>
+      <p:pic>
+        <p:nvPicPr>
+          <p:cNvPr id="8" name="Picture 4" descr="j0258752[1]"/>
+          <p:cNvPicPr>
+            <a:picLocks noChangeAspect="1" noChangeArrowheads="1"/>
+          </p:cNvPicPr>
+          <p:nvPr/>
+        </p:nvPicPr>
+        <p:blipFill>
+          <a:blip r:embed="rId3" cstate="print"/>
+          <a:srcRect/>
+          <a:stretch>
+            <a:fillRect/>
+          </a:stretch>
+        </p:blipFill>
+        <p:spPr bwMode="auto">
+          <a:xfrm>
+            <a:off x="6705600" y="76200"/>
+            <a:ext cx="2133600" cy="1639888"/>
+          </a:xfrm>
+          <a:prstGeom prst="rect">
+            <a:avLst/>
+          </a:prstGeom>
+          <a:noFill/>
+          <a:ln w="9525">
+            <a:noFill/>
+            <a:miter lim="800000"/>
+            <a:headEnd/>
+            <a:tailEnd/>
+          </a:ln>
+        </p:spPr>
+      </p:pic>
     </p:spTree>
   </p:cSld>
   <p:clrMapOvr>
@@ -39769,29 +40290,6 @@
       </p:grpSpPr>
       <p:sp>
         <p:nvSpPr>
-          <p:cNvPr id="8194" name="Rectangle 2"/>
-          <p:cNvSpPr>
-            <a:spLocks noGrp="1" noChangeArrowheads="1"/>
-          </p:cNvSpPr>
-          <p:nvPr>
-            <p:ph type="title"/>
-          </p:nvPr>
-        </p:nvSpPr>
-        <p:spPr/>
-        <p:txBody>
-          <a:bodyPr/>
-          <a:lstStyle/>
-          <a:p>
-            <a:pPr eaLnBrk="1" hangingPunct="1"/>
-            <a:r>
-              <a:rPr lang="en-US" sz="4400" dirty="0" smtClean="0"/>
-              <a:t>Carnival Dice</a:t>
-            </a:r>
-          </a:p>
-        </p:txBody>
-      </p:sp>
-      <p:sp>
-        <p:nvSpPr>
           <p:cNvPr id="8195" name="Rectangle 3"/>
           <p:cNvSpPr>
             <a:spLocks noGrp="1" noChangeArrowheads="1"/>
@@ -39839,9 +40337,94 @@
           </a:p>
         </p:txBody>
       </p:sp>
+      <p:sp>
+        <p:nvSpPr>
+          <p:cNvPr id="5" name="Slide Number Placeholder 3"/>
+          <p:cNvSpPr>
+            <a:spLocks noGrp="1"/>
+          </p:cNvSpPr>
+          <p:nvPr>
+            <p:ph type="sldNum" sz="quarter" idx="4294967295"/>
+          </p:nvPr>
+        </p:nvSpPr>
+        <p:spPr>
+          <a:xfrm>
+            <a:off x="7554913" y="6577965"/>
+            <a:ext cx="1527175" cy="244475"/>
+          </a:xfrm>
+          <a:prstGeom prst="rect">
+            <a:avLst/>
+          </a:prstGeom>
+        </p:spPr>
+        <p:txBody>
+          <a:bodyPr/>
+          <a:lstStyle/>
+          <a:p>
+            <a:pPr>
+              <a:defRPr/>
+            </a:pPr>
+            <a:r>
+              <a:rPr lang="en-US" sz="1200" dirty="0" err="1">
+                <a:latin typeface="Comic Sans MS"/>
+                <a:cs typeface="Comic Sans MS"/>
+              </a:rPr>
+              <a:t>lec</a:t>
+            </a:r>
+            <a:r>
+              <a:rPr lang="en-US" sz="1200" dirty="0" smtClean="0">
+                <a:latin typeface="Comic Sans MS"/>
+                <a:cs typeface="Comic Sans MS"/>
+              </a:rPr>
+              <a:t> 14W.</a:t>
+            </a:r>
+            <a:fld id="{93DA0692-DAF7-4AFE-9BE7-E02439D3694A}" type="slidenum">
+              <a:rPr lang="en-US" sz="1200" smtClean="0">
+                <a:latin typeface="Comic Sans MS"/>
+                <a:cs typeface="Comic Sans MS"/>
+              </a:rPr>
+              <a:pPr>
+                <a:defRPr/>
+              </a:pPr>
+              <a:t>7</a:t>
+            </a:fld>
+            <a:endParaRPr lang="en-US" sz="1200" dirty="0">
+              <a:latin typeface="Comic Sans MS"/>
+              <a:cs typeface="Comic Sans MS"/>
+            </a:endParaRPr>
+          </a:p>
+        </p:txBody>
+      </p:sp>
+      <p:sp>
+        <p:nvSpPr>
+          <p:cNvPr id="7" name="Rectangle 2"/>
+          <p:cNvSpPr>
+            <a:spLocks noGrp="1" noChangeArrowheads="1"/>
+          </p:cNvSpPr>
+          <p:nvPr>
+            <p:ph type="title"/>
+          </p:nvPr>
+        </p:nvSpPr>
+        <p:spPr>
+          <a:xfrm>
+            <a:off x="1409700" y="225425"/>
+            <a:ext cx="5652679" cy="819151"/>
+          </a:xfrm>
+        </p:spPr>
+        <p:txBody>
+          <a:bodyPr/>
+          <a:lstStyle/>
+          <a:p>
+            <a:pPr eaLnBrk="1" hangingPunct="1"/>
+            <a:r>
+              <a:rPr lang="en-US" sz="4800" dirty="0" smtClean="0"/>
+              <a:t>Carnival Dice</a:t>
+            </a:r>
+          </a:p>
+        </p:txBody>
+      </p:sp>
       <p:pic>
         <p:nvPicPr>
-          <p:cNvPr id="8196" name="Picture 4" descr="j0258752[1]"/>
+          <p:cNvPr id="8" name="Picture 4" descr="j0258752[1]"/>
           <p:cNvPicPr>
             <a:picLocks noChangeAspect="1" noChangeArrowheads="1"/>
           </p:cNvPicPr>
@@ -39871,70 +40454,6 @@
           </a:ln>
         </p:spPr>
       </p:pic>
-      <p:sp>
-        <p:nvSpPr>
-          <p:cNvPr id="5" name="Slide Number Placeholder 3"/>
-          <p:cNvSpPr>
-            <a:spLocks noGrp="1"/>
-          </p:cNvSpPr>
-          <p:nvPr>
-            <p:ph type="sldNum" sz="quarter" idx="4294967295"/>
-          </p:nvPr>
-        </p:nvSpPr>
-        <p:spPr>
-          <a:xfrm>
-            <a:off x="7554913" y="6577965"/>
-            <a:ext cx="1527175" cy="244475"/>
-          </a:xfrm>
-          <a:prstGeom prst="rect">
-            <a:avLst/>
-          </a:prstGeom>
-        </p:spPr>
-        <p:txBody>
-          <a:bodyPr/>
-          <a:lstStyle/>
-          <a:p>
-            <a:pPr>
-              <a:defRPr/>
-            </a:pPr>
-            <a:r>
-              <a:rPr lang="en-US" sz="1200" dirty="0" err="1">
-                <a:latin typeface="Comic Sans MS"/>
-                <a:cs typeface="Comic Sans MS"/>
-              </a:rPr>
-              <a:t>lec</a:t>
-            </a:r>
-            <a:r>
-              <a:rPr lang="en-US" sz="1200" dirty="0" smtClean="0">
-                <a:latin typeface="Comic Sans MS"/>
-                <a:cs typeface="Comic Sans MS"/>
-              </a:rPr>
-              <a:t> </a:t>
-            </a:r>
-            <a:r>
-              <a:rPr lang="en-US" sz="1200" dirty="0" smtClean="0">
-                <a:latin typeface="Comic Sans MS"/>
-                <a:cs typeface="Comic Sans MS"/>
-              </a:rPr>
-              <a:t>14W.</a:t>
-            </a:r>
-            <a:fld id="{93DA0692-DAF7-4AFE-9BE7-E02439D3694A}" type="slidenum">
-              <a:rPr lang="en-US" sz="1200" smtClean="0">
-                <a:latin typeface="Comic Sans MS"/>
-                <a:cs typeface="Comic Sans MS"/>
-              </a:rPr>
-              <a:pPr>
-                <a:defRPr/>
-              </a:pPr>
-              <a:t>7</a:t>
-            </a:fld>
-            <a:endParaRPr lang="en-US" sz="1200" dirty="0">
-              <a:latin typeface="Comic Sans MS"/>
-              <a:cs typeface="Comic Sans MS"/>
-            </a:endParaRPr>
-          </a:p>
-        </p:txBody>
-      </p:sp>
     </p:spTree>
   </p:cSld>
   <p:clrMapOvr>
@@ -39970,61 +40489,6 @@
           <a:chExt cx="0" cy="0"/>
         </a:xfrm>
       </p:grpSpPr>
-      <p:sp>
-        <p:nvSpPr>
-          <p:cNvPr id="9218" name="Rectangle 2"/>
-          <p:cNvSpPr>
-            <a:spLocks noGrp="1" noChangeArrowheads="1"/>
-          </p:cNvSpPr>
-          <p:nvPr>
-            <p:ph type="title"/>
-          </p:nvPr>
-        </p:nvSpPr>
-        <p:spPr/>
-        <p:txBody>
-          <a:bodyPr/>
-          <a:lstStyle/>
-          <a:p>
-            <a:pPr eaLnBrk="1" hangingPunct="1"/>
-            <a:r>
-              <a:rPr lang="en-US" sz="4400" dirty="0" smtClean="0"/>
-              <a:t>Carnival Dice</a:t>
-            </a:r>
-          </a:p>
-        </p:txBody>
-      </p:sp>
-      <p:pic>
-        <p:nvPicPr>
-          <p:cNvPr id="9219" name="Picture 4" descr="j0258752[1]"/>
-          <p:cNvPicPr>
-            <a:picLocks noChangeAspect="1" noChangeArrowheads="1"/>
-          </p:cNvPicPr>
-          <p:nvPr/>
-        </p:nvPicPr>
-        <p:blipFill>
-          <a:blip r:embed="rId4" cstate="print"/>
-          <a:srcRect/>
-          <a:stretch>
-            <a:fillRect/>
-          </a:stretch>
-        </p:blipFill>
-        <p:spPr bwMode="auto">
-          <a:xfrm>
-            <a:off x="6705600" y="76200"/>
-            <a:ext cx="2133600" cy="1639888"/>
-          </a:xfrm>
-          <a:prstGeom prst="rect">
-            <a:avLst/>
-          </a:prstGeom>
-          <a:noFill/>
-          <a:ln w="9525">
-            <a:noFill/>
-            <a:miter lim="800000"/>
-            <a:headEnd/>
-            <a:tailEnd/>
-          </a:ln>
-        </p:spPr>
-      </p:pic>
       <p:graphicFrame>
         <p:nvGraphicFramePr>
           <p:cNvPr id="6" name="Object 5"/>
@@ -40041,12 +40505,12 @@
           <a:graphicData uri="http://schemas.openxmlformats.org/presentationml/2006/ole">
             <mc:AlternateContent xmlns:mc="http://schemas.openxmlformats.org/markup-compatibility/2006">
               <mc:Choice xmlns:v="urn:schemas-microsoft-com:vml" Requires="v">
-                <p:oleObj spid="_x0000_s167952" name="Equation" r:id="rId5" imgW="1270000" imgH="596900" progId="Equation.DSMT4">
+                <p:oleObj spid="_x0000_s167961" name="Equation" r:id="rId4" imgW="1270000" imgH="596900" progId="Equation.DSMT4">
                   <p:embed/>
                 </p:oleObj>
               </mc:Choice>
               <mc:Fallback>
-                <p:oleObj name="Equation" r:id="rId5" imgW="1270000" imgH="596900" progId="Equation.DSMT4">
+                <p:oleObj name="Equation" r:id="rId4" imgW="1270000" imgH="596900" progId="Equation.DSMT4">
                   <p:embed/>
                   <p:pic>
                     <p:nvPicPr>
@@ -40057,7 +40521,7 @@
                       <p:nvPr/>
                     </p:nvPicPr>
                     <p:blipFill>
-                      <a:blip r:embed="rId6">
+                      <a:blip r:embed="rId5">
                         <a:extLst>
                           <a:ext uri="{28A0092B-C50C-407E-A947-70E740481C1C}">
                             <a14:useLocalDpi xmlns:a14="http://schemas.microsoft.com/office/drawing/2010/main" val="0"/>
@@ -40111,12 +40575,12 @@
           <a:graphicData uri="http://schemas.openxmlformats.org/presentationml/2006/ole">
             <mc:AlternateContent xmlns:mc="http://schemas.openxmlformats.org/markup-compatibility/2006">
               <mc:Choice xmlns:v="urn:schemas-microsoft-com:vml" Requires="v">
-                <p:oleObj spid="_x0000_s167953" name="Equation" r:id="rId7" imgW="1600200" imgH="596900" progId="Equation.DSMT4">
+                <p:oleObj spid="_x0000_s167962" name="Equation" r:id="rId6" imgW="1600200" imgH="596900" progId="Equation.DSMT4">
                   <p:embed/>
                 </p:oleObj>
               </mc:Choice>
               <mc:Fallback>
-                <p:oleObj name="Equation" r:id="rId7" imgW="1600200" imgH="596900" progId="Equation.DSMT4">
+                <p:oleObj name="Equation" r:id="rId6" imgW="1600200" imgH="596900" progId="Equation.DSMT4">
                   <p:embed/>
                   <p:pic>
                     <p:nvPicPr>
@@ -40127,7 +40591,7 @@
                       <p:nvPr/>
                     </p:nvPicPr>
                     <p:blipFill>
-                      <a:blip r:embed="rId8">
+                      <a:blip r:embed="rId7">
                         <a:extLst>
                           <a:ext uri="{28A0092B-C50C-407E-A947-70E740481C1C}">
                             <a14:useLocalDpi xmlns:a14="http://schemas.microsoft.com/office/drawing/2010/main" val="0"/>
@@ -40181,12 +40645,12 @@
           <a:graphicData uri="http://schemas.openxmlformats.org/presentationml/2006/ole">
             <mc:AlternateContent xmlns:mc="http://schemas.openxmlformats.org/markup-compatibility/2006">
               <mc:Choice xmlns:v="urn:schemas-microsoft-com:vml" Requires="v">
-                <p:oleObj spid="_x0000_s167954" name="Equation" r:id="rId9" imgW="1727200" imgH="596900" progId="Equation.DSMT4">
+                <p:oleObj spid="_x0000_s167963" name="Equation" r:id="rId8" imgW="1727200" imgH="596900" progId="Equation.DSMT4">
                   <p:embed/>
                 </p:oleObj>
               </mc:Choice>
               <mc:Fallback>
-                <p:oleObj name="Equation" r:id="rId9" imgW="1727200" imgH="596900" progId="Equation.DSMT4">
+                <p:oleObj name="Equation" r:id="rId8" imgW="1727200" imgH="596900" progId="Equation.DSMT4">
                   <p:embed/>
                   <p:pic>
                     <p:nvPicPr>
@@ -40197,7 +40661,7 @@
                       <p:nvPr/>
                     </p:nvPicPr>
                     <p:blipFill>
-                      <a:blip r:embed="rId10">
+                      <a:blip r:embed="rId9">
                         <a:extLst>
                           <a:ext uri="{28A0092B-C50C-407E-A947-70E740481C1C}">
                             <a14:useLocalDpi xmlns:a14="http://schemas.microsoft.com/office/drawing/2010/main" val="0"/>
@@ -40251,12 +40715,12 @@
           <a:graphicData uri="http://schemas.openxmlformats.org/presentationml/2006/ole">
             <mc:AlternateContent xmlns:mc="http://schemas.openxmlformats.org/markup-compatibility/2006">
               <mc:Choice xmlns:v="urn:schemas-microsoft-com:vml" Requires="v">
-                <p:oleObj spid="_x0000_s167955" name="Equation" r:id="rId11" imgW="1257300" imgH="596900" progId="Equation.DSMT4">
+                <p:oleObj spid="_x0000_s167964" name="Equation" r:id="rId10" imgW="1257300" imgH="596900" progId="Equation.DSMT4">
                   <p:embed/>
                 </p:oleObj>
               </mc:Choice>
               <mc:Fallback>
-                <p:oleObj name="Equation" r:id="rId11" imgW="1257300" imgH="596900" progId="Equation.DSMT4">
+                <p:oleObj name="Equation" r:id="rId10" imgW="1257300" imgH="596900" progId="Equation.DSMT4">
                   <p:embed/>
                   <p:pic>
                     <p:nvPicPr>
@@ -40267,7 +40731,7 @@
                       <p:nvPr/>
                     </p:nvPicPr>
                     <p:blipFill>
-                      <a:blip r:embed="rId12">
+                      <a:blip r:embed="rId11">
                         <a:extLst>
                           <a:ext uri="{28A0092B-C50C-407E-A947-70E740481C1C}">
                             <a14:useLocalDpi xmlns:a14="http://schemas.microsoft.com/office/drawing/2010/main" val="0"/>
@@ -40343,14 +40807,7 @@
                 <a:latin typeface="Comic Sans MS"/>
                 <a:cs typeface="Comic Sans MS"/>
               </a:rPr>
-              <a:t> </a:t>
-            </a:r>
-            <a:r>
-              <a:rPr lang="en-US" sz="1200" dirty="0" smtClean="0">
-                <a:latin typeface="Comic Sans MS"/>
-                <a:cs typeface="Comic Sans MS"/>
-              </a:rPr>
-              <a:t>14W.</a:t>
+              <a:t> 14W.</a:t>
             </a:r>
             <a:fld id="{93DA0692-DAF7-4AFE-9BE7-E02439D3694A}" type="slidenum">
               <a:rPr lang="en-US" sz="1200" smtClean="0">
@@ -40369,6 +40826,66 @@
           </a:p>
         </p:txBody>
       </p:sp>
+      <p:sp>
+        <p:nvSpPr>
+          <p:cNvPr id="10" name="Rectangle 2"/>
+          <p:cNvSpPr>
+            <a:spLocks noGrp="1" noChangeArrowheads="1"/>
+          </p:cNvSpPr>
+          <p:nvPr>
+            <p:ph type="title"/>
+          </p:nvPr>
+        </p:nvSpPr>
+        <p:spPr>
+          <a:xfrm>
+            <a:off x="1409700" y="225425"/>
+            <a:ext cx="5652679" cy="819151"/>
+          </a:xfrm>
+        </p:spPr>
+        <p:txBody>
+          <a:bodyPr/>
+          <a:lstStyle/>
+          <a:p>
+            <a:pPr eaLnBrk="1" hangingPunct="1"/>
+            <a:r>
+              <a:rPr lang="en-US" sz="4800" dirty="0" smtClean="0"/>
+              <a:t>Carnival Dice</a:t>
+            </a:r>
+          </a:p>
+        </p:txBody>
+      </p:sp>
+      <p:pic>
+        <p:nvPicPr>
+          <p:cNvPr id="11" name="Picture 4" descr="j0258752[1]"/>
+          <p:cNvPicPr>
+            <a:picLocks noChangeAspect="1" noChangeArrowheads="1"/>
+          </p:cNvPicPr>
+          <p:nvPr/>
+        </p:nvPicPr>
+        <p:blipFill>
+          <a:blip r:embed="rId12" cstate="print"/>
+          <a:srcRect/>
+          <a:stretch>
+            <a:fillRect/>
+          </a:stretch>
+        </p:blipFill>
+        <p:spPr bwMode="auto">
+          <a:xfrm>
+            <a:off x="6705600" y="76200"/>
+            <a:ext cx="2133600" cy="1639888"/>
+          </a:xfrm>
+          <a:prstGeom prst="rect">
+            <a:avLst/>
+          </a:prstGeom>
+          <a:noFill/>
+          <a:ln w="9525">
+            <a:noFill/>
+            <a:miter lim="800000"/>
+            <a:headEnd/>
+            <a:tailEnd/>
+          </a:ln>
+        </p:spPr>
+      </p:pic>
     </p:spTree>
   </p:cSld>
   <p:clrMapOvr>
@@ -40586,29 +41103,6 @@
           <a:chExt cx="0" cy="0"/>
         </a:xfrm>
       </p:grpSpPr>
-      <p:sp>
-        <p:nvSpPr>
-          <p:cNvPr id="11266" name="Rectangle 2"/>
-          <p:cNvSpPr>
-            <a:spLocks noGrp="1" noChangeArrowheads="1"/>
-          </p:cNvSpPr>
-          <p:nvPr>
-            <p:ph type="title"/>
-          </p:nvPr>
-        </p:nvSpPr>
-        <p:spPr/>
-        <p:txBody>
-          <a:bodyPr/>
-          <a:lstStyle/>
-          <a:p>
-            <a:pPr eaLnBrk="1" hangingPunct="1"/>
-            <a:r>
-              <a:rPr lang="en-US" sz="4400" dirty="0" smtClean="0"/>
-              <a:t>Carnival Dice</a:t>
-            </a:r>
-          </a:p>
-        </p:txBody>
-      </p:sp>
       <p:graphicFrame>
         <p:nvGraphicFramePr>
           <p:cNvPr id="33" name="Table 32"/>
@@ -41224,14 +41718,7 @@
                 <a:latin typeface="Comic Sans MS"/>
                 <a:cs typeface="Comic Sans MS"/>
               </a:rPr>
-              <a:t> </a:t>
-            </a:r>
-            <a:r>
-              <a:rPr lang="en-US" sz="1200" dirty="0" smtClean="0">
-                <a:latin typeface="Comic Sans MS"/>
-                <a:cs typeface="Comic Sans MS"/>
-              </a:rPr>
-              <a:t>14W.</a:t>
+              <a:t> 14W.</a:t>
             </a:r>
             <a:fld id="{93DA0692-DAF7-4AFE-9BE7-E02439D3694A}" type="slidenum">
               <a:rPr lang="en-US" sz="1200" smtClean="0">
@@ -41250,6 +41737,66 @@
           </a:p>
         </p:txBody>
       </p:sp>
+      <p:sp>
+        <p:nvSpPr>
+          <p:cNvPr id="6" name="Rectangle 2"/>
+          <p:cNvSpPr>
+            <a:spLocks noGrp="1" noChangeArrowheads="1"/>
+          </p:cNvSpPr>
+          <p:nvPr>
+            <p:ph type="title"/>
+          </p:nvPr>
+        </p:nvSpPr>
+        <p:spPr>
+          <a:xfrm>
+            <a:off x="1409700" y="225425"/>
+            <a:ext cx="5652679" cy="819151"/>
+          </a:xfrm>
+        </p:spPr>
+        <p:txBody>
+          <a:bodyPr/>
+          <a:lstStyle/>
+          <a:p>
+            <a:pPr eaLnBrk="1" hangingPunct="1"/>
+            <a:r>
+              <a:rPr lang="en-US" sz="4800" dirty="0" smtClean="0"/>
+              <a:t>Carnival Dice</a:t>
+            </a:r>
+          </a:p>
+        </p:txBody>
+      </p:sp>
+      <p:pic>
+        <p:nvPicPr>
+          <p:cNvPr id="7" name="Picture 4" descr="j0258752[1]"/>
+          <p:cNvPicPr>
+            <a:picLocks noChangeAspect="1" noChangeArrowheads="1"/>
+          </p:cNvPicPr>
+          <p:nvPr/>
+        </p:nvPicPr>
+        <p:blipFill>
+          <a:blip r:embed="rId3" cstate="print"/>
+          <a:srcRect/>
+          <a:stretch>
+            <a:fillRect/>
+          </a:stretch>
+        </p:blipFill>
+        <p:spPr bwMode="auto">
+          <a:xfrm>
+            <a:off x="6705600" y="76200"/>
+            <a:ext cx="2133600" cy="1639888"/>
+          </a:xfrm>
+          <a:prstGeom prst="rect">
+            <a:avLst/>
+          </a:prstGeom>
+          <a:noFill/>
+          <a:ln w="9525">
+            <a:noFill/>
+            <a:miter lim="800000"/>
+            <a:headEnd/>
+            <a:tailEnd/>
+          </a:ln>
+        </p:spPr>
+      </p:pic>
     </p:spTree>
   </p:cSld>
   <p:clrMapOvr>

--- a/fall11/slidesF11/slides14w.pptx
+++ b/fall11/slidesF11/slides14w.pptx
@@ -8354,7 +8354,7 @@
           <a:graphicData uri="http://schemas.openxmlformats.org/presentationml/2006/ole">
             <mc:AlternateContent xmlns:mc="http://schemas.openxmlformats.org/markup-compatibility/2006">
               <mc:Choice xmlns:v="urn:schemas-microsoft-com:vml" Requires="v">
-                <p:oleObj spid="_x0000_s174090" name="Equation" r:id="rId4" imgW="2006280" imgH="812520" progId="Equation.DSMT4">
+                <p:oleObj spid="_x0000_s174093" name="Equation" r:id="rId4" imgW="2006280" imgH="812520" progId="Equation.DSMT4">
                   <p:embed/>
                 </p:oleObj>
               </mc:Choice>
@@ -8783,7 +8783,7 @@
           <a:graphicData uri="http://schemas.openxmlformats.org/presentationml/2006/ole">
             <mc:AlternateContent xmlns:mc="http://schemas.openxmlformats.org/markup-compatibility/2006">
               <mc:Choice xmlns:v="urn:schemas-microsoft-com:vml" Requires="v">
-                <p:oleObj spid="_x0000_s176138" name="Equation" r:id="rId4" imgW="2006280" imgH="812520" progId="Equation.DSMT4">
+                <p:oleObj spid="_x0000_s176141" name="Equation" r:id="rId4" imgW="2006280" imgH="812520" progId="Equation.DSMT4">
                   <p:embed/>
                 </p:oleObj>
               </mc:Choice>
@@ -10734,7 +10734,7 @@
           <a:graphicData uri="http://schemas.openxmlformats.org/presentationml/2006/ole">
             <mc:AlternateContent xmlns:mc="http://schemas.openxmlformats.org/markup-compatibility/2006">
               <mc:Choice xmlns:v="urn:schemas-microsoft-com:vml" Requires="v">
-                <p:oleObj spid="_x0000_s182283" name="Equation" r:id="rId4" imgW="419040" imgH="419040" progId="Equation.DSMT4">
+                <p:oleObj spid="_x0000_s182286" name="Equation" r:id="rId4" imgW="419040" imgH="419040" progId="Equation.DSMT4">
                   <p:embed/>
                 </p:oleObj>
               </mc:Choice>
@@ -11265,7 +11265,7 @@
           <a:graphicData uri="http://schemas.openxmlformats.org/presentationml/2006/ole">
             <mc:AlternateContent xmlns:mc="http://schemas.openxmlformats.org/markup-compatibility/2006">
               <mc:Choice xmlns:v="urn:schemas-microsoft-com:vml" Requires="v">
-                <p:oleObj spid="_x0000_s184331" name="Equation" r:id="rId4" imgW="1498600" imgH="431800" progId="Equation.DSMT4">
+                <p:oleObj spid="_x0000_s184334" name="Equation" r:id="rId4" imgW="1498600" imgH="431800" progId="Equation.DSMT4">
                   <p:embed/>
                 </p:oleObj>
               </mc:Choice>
@@ -11522,13 +11522,13 @@
   <p:clrMapOvr>
     <a:masterClrMapping/>
   </p:clrMapOvr>
-  <mc:AlternateContent xmlns:mc="http://schemas.openxmlformats.org/markup-compatibility/2006">
-    <mc:Choice xmlns:p14="http://schemas.microsoft.com/office/powerpoint/2010/main" Requires="p14">
+  <mc:AlternateContent xmlns:mc="http://schemas.openxmlformats.org/markup-compatibility/2006" xmlns:p14="http://schemas.microsoft.com/office/powerpoint/2010/main">
+    <mc:Choice Requires="p14">
       <p:transition spd="slow" p14:dur="1100">
         <p:fade/>
       </p:transition>
     </mc:Choice>
-    <mc:Fallback>
+    <mc:Fallback xmlns="">
       <p:transition xmlns:p14="http://schemas.microsoft.com/office/powerpoint/2010/main" spd="slow">
         <p:fade/>
       </p:transition>
@@ -11713,7 +11713,7 @@
           <a:graphicData uri="http://schemas.openxmlformats.org/presentationml/2006/ole">
             <mc:AlternateContent xmlns:mc="http://schemas.openxmlformats.org/markup-compatibility/2006">
               <mc:Choice xmlns:v="urn:schemas-microsoft-com:vml" Requires="v">
-                <p:oleObj spid="_x0000_s186378" name="Equation" r:id="rId4" imgW="1574800" imgH="419100" progId="Equation.DSMT4">
+                <p:oleObj spid="_x0000_s186381" name="Equation" r:id="rId4" imgW="1574800" imgH="419100" progId="Equation.DSMT4">
                   <p:embed/>
                 </p:oleObj>
               </mc:Choice>
@@ -11941,7 +11941,7 @@
           <a:graphicData uri="http://schemas.openxmlformats.org/presentationml/2006/ole">
             <mc:AlternateContent xmlns:mc="http://schemas.openxmlformats.org/markup-compatibility/2006">
               <mc:Choice xmlns:v="urn:schemas-microsoft-com:vml" Requires="v">
-                <p:oleObj spid="_x0000_s188441" name="Equation" r:id="rId4" imgW="1854200" imgH="431800" progId="Equation.DSMT4">
+                <p:oleObj spid="_x0000_s188450" name="Equation" r:id="rId4" imgW="1854200" imgH="431800" progId="Equation.DSMT4">
                   <p:embed/>
                 </p:oleObj>
               </mc:Choice>
@@ -12011,7 +12011,7 @@
           <a:graphicData uri="http://schemas.openxmlformats.org/presentationml/2006/ole">
             <mc:AlternateContent xmlns:mc="http://schemas.openxmlformats.org/markup-compatibility/2006">
               <mc:Choice xmlns:v="urn:schemas-microsoft-com:vml" Requires="v">
-                <p:oleObj spid="_x0000_s188442" name="Equation" r:id="rId6" imgW="1485900" imgH="431800" progId="Equation.DSMT4">
+                <p:oleObj spid="_x0000_s188451" name="Equation" r:id="rId6" imgW="1485900" imgH="431800" progId="Equation.DSMT4">
                   <p:embed/>
                 </p:oleObj>
               </mc:Choice>
@@ -12081,7 +12081,7 @@
           <a:graphicData uri="http://schemas.openxmlformats.org/presentationml/2006/ole">
             <mc:AlternateContent xmlns:mc="http://schemas.openxmlformats.org/markup-compatibility/2006">
               <mc:Choice xmlns:v="urn:schemas-microsoft-com:vml" Requires="v">
-                <p:oleObj spid="_x0000_s188443" name="Equation" r:id="rId8" imgW="1752600" imgH="546100" progId="Equation.DSMT4">
+                <p:oleObj spid="_x0000_s188452" name="Equation" r:id="rId8" imgW="1752600" imgH="546100" progId="Equation.DSMT4">
                   <p:embed/>
                 </p:oleObj>
               </mc:Choice>
@@ -12151,7 +12151,7 @@
           <a:graphicData uri="http://schemas.openxmlformats.org/presentationml/2006/ole">
             <mc:AlternateContent xmlns:mc="http://schemas.openxmlformats.org/markup-compatibility/2006">
               <mc:Choice xmlns:v="urn:schemas-microsoft-com:vml" Requires="v">
-                <p:oleObj spid="_x0000_s188444" name="Equation" r:id="rId10" imgW="1663700" imgH="431800" progId="Equation.DSMT4">
+                <p:oleObj spid="_x0000_s188453" name="Equation" r:id="rId10" imgW="1663700" imgH="431800" progId="Equation.DSMT4">
                   <p:embed/>
                 </p:oleObj>
               </mc:Choice>
@@ -12640,7 +12640,7 @@
           <a:graphicData uri="http://schemas.openxmlformats.org/presentationml/2006/ole">
             <mc:AlternateContent xmlns:mc="http://schemas.openxmlformats.org/markup-compatibility/2006">
               <mc:Choice xmlns:v="urn:schemas-microsoft-com:vml" Requires="v">
-                <p:oleObj spid="_x0000_s190474" name="Equation" r:id="rId4" imgW="914400" imgH="220320" progId="Equation.DSMT4">
+                <p:oleObj spid="_x0000_s190477" name="Equation" r:id="rId4" imgW="914400" imgH="220320" progId="Equation.DSMT4">
                   <p:embed/>
                 </p:oleObj>
               </mc:Choice>
@@ -13442,7 +13442,7 @@
           <a:graphicData uri="http://schemas.openxmlformats.org/presentationml/2006/ole">
             <mc:AlternateContent xmlns:mc="http://schemas.openxmlformats.org/markup-compatibility/2006">
               <mc:Choice xmlns:v="urn:schemas-microsoft-com:vml" Requires="v">
-                <p:oleObj spid="_x0000_s486417" name="Equation" r:id="rId4" imgW="2171700" imgH="533400" progId="Equation.DSMT4">
+                <p:oleObj spid="_x0000_s486422" name="Equation" r:id="rId4" imgW="2171700" imgH="533400" progId="Equation.DSMT4">
                   <p:embed/>
                 </p:oleObj>
               </mc:Choice>
@@ -13540,7 +13540,7 @@
           <a:graphicData uri="http://schemas.openxmlformats.org/presentationml/2006/ole">
             <mc:AlternateContent xmlns:mc="http://schemas.openxmlformats.org/markup-compatibility/2006">
               <mc:Choice xmlns:v="urn:schemas-microsoft-com:vml" Requires="v">
-                <p:oleObj spid="_x0000_s486418" name="Equation" r:id="rId6" imgW="1308100" imgH="342900" progId="Equation.DSMT4">
+                <p:oleObj spid="_x0000_s486423" name="Equation" r:id="rId6" imgW="1308100" imgH="342900" progId="Equation.DSMT4">
                   <p:embed/>
                 </p:oleObj>
               </mc:Choice>
@@ -14690,7 +14690,7 @@
           <a:graphicData uri="http://schemas.openxmlformats.org/presentationml/2006/ole">
             <mc:AlternateContent xmlns:mc="http://schemas.openxmlformats.org/markup-compatibility/2006">
               <mc:Choice xmlns:v="urn:schemas-microsoft-com:vml" Requires="v">
-                <p:oleObj spid="_x0000_s196623" name="Equation" r:id="rId4" imgW="1447800" imgH="533400" progId="Equation.DSMT4">
+                <p:oleObj spid="_x0000_s196628" name="Equation" r:id="rId4" imgW="1447800" imgH="533400" progId="Equation.DSMT4">
                   <p:embed/>
                 </p:oleObj>
               </mc:Choice>
@@ -14863,7 +14863,7 @@
           <a:graphicData uri="http://schemas.openxmlformats.org/presentationml/2006/ole">
             <mc:AlternateContent xmlns:mc="http://schemas.openxmlformats.org/markup-compatibility/2006">
               <mc:Choice xmlns:v="urn:schemas-microsoft-com:vml" Requires="v">
-                <p:oleObj spid="_x0000_s196624" name="Equation" r:id="rId6" imgW="1981200" imgH="495300" progId="Equation.DSMT4">
+                <p:oleObj spid="_x0000_s196629" name="Equation" r:id="rId6" imgW="1981200" imgH="495300" progId="Equation.DSMT4">
                   <p:embed/>
                 </p:oleObj>
               </mc:Choice>
@@ -15154,7 +15154,7 @@
           <a:graphicData uri="http://schemas.openxmlformats.org/presentationml/2006/ole">
             <mc:AlternateContent xmlns:mc="http://schemas.openxmlformats.org/markup-compatibility/2006">
               <mc:Choice xmlns:v="urn:schemas-microsoft-com:vml" Requires="v">
-                <p:oleObj spid="_x0000_s198671" name="Equation" r:id="rId4" imgW="1143000" imgH="533400" progId="Equation.DSMT4">
+                <p:oleObj spid="_x0000_s198676" name="Equation" r:id="rId4" imgW="1143000" imgH="533400" progId="Equation.DSMT4">
                   <p:embed/>
                 </p:oleObj>
               </mc:Choice>
@@ -15327,7 +15327,7 @@
           <a:graphicData uri="http://schemas.openxmlformats.org/presentationml/2006/ole">
             <mc:AlternateContent xmlns:mc="http://schemas.openxmlformats.org/markup-compatibility/2006">
               <mc:Choice xmlns:v="urn:schemas-microsoft-com:vml" Requires="v">
-                <p:oleObj spid="_x0000_s198672" name="Equation" r:id="rId6" imgW="1955520" imgH="444240" progId="Equation.DSMT4">
+                <p:oleObj spid="_x0000_s198677" name="Equation" r:id="rId6" imgW="1955520" imgH="444240" progId="Equation.DSMT4">
                   <p:embed/>
                 </p:oleObj>
               </mc:Choice>
@@ -15489,7 +15489,7 @@
           <a:graphicData uri="http://schemas.openxmlformats.org/presentationml/2006/ole">
             <mc:AlternateContent xmlns:mc="http://schemas.openxmlformats.org/markup-compatibility/2006">
               <mc:Choice xmlns:v="urn:schemas-microsoft-com:vml" Requires="v">
-                <p:oleObj spid="_x0000_s264202" name="Equation" r:id="rId4" imgW="1143000" imgH="533400" progId="Equation.DSMT4">
+                <p:oleObj spid="_x0000_s264205" name="Equation" r:id="rId4" imgW="1143000" imgH="533400" progId="Equation.DSMT4">
                   <p:embed/>
                 </p:oleObj>
               </mc:Choice>
@@ -15745,7 +15745,7 @@
           <a:graphicData uri="http://schemas.openxmlformats.org/presentationml/2006/ole">
             <mc:AlternateContent xmlns:mc="http://schemas.openxmlformats.org/markup-compatibility/2006">
               <mc:Choice xmlns:v="urn:schemas-microsoft-com:vml" Requires="v">
-                <p:oleObj spid="_x0000_s560143" name="Equation" r:id="rId4" imgW="1447800" imgH="533400" progId="Equation.DSMT4">
+                <p:oleObj spid="_x0000_s560148" name="Equation" r:id="rId4" imgW="1447800" imgH="533400" progId="Equation.DSMT4">
                   <p:embed/>
                 </p:oleObj>
               </mc:Choice>
@@ -15847,7 +15847,7 @@
           <a:graphicData uri="http://schemas.openxmlformats.org/presentationml/2006/ole">
             <mc:AlternateContent xmlns:mc="http://schemas.openxmlformats.org/markup-compatibility/2006">
               <mc:Choice xmlns:v="urn:schemas-microsoft-com:vml" Requires="v">
-                <p:oleObj spid="_x0000_s560144" name="Equation" r:id="rId6" imgW="1981200" imgH="495300" progId="Equation.DSMT4">
+                <p:oleObj spid="_x0000_s560149" name="Equation" r:id="rId6" imgW="1981200" imgH="495300" progId="Equation.DSMT4">
                   <p:embed/>
                 </p:oleObj>
               </mc:Choice>
@@ -16110,7 +16110,7 @@
           <a:graphicData uri="http://schemas.openxmlformats.org/presentationml/2006/ole">
             <mc:AlternateContent xmlns:mc="http://schemas.openxmlformats.org/markup-compatibility/2006">
               <mc:Choice xmlns:v="urn:schemas-microsoft-com:vml" Requires="v">
-                <p:oleObj spid="_x0000_s200724" name="Equation" r:id="rId4" imgW="1536480" imgH="507960" progId="Equation.DSMT4">
+                <p:oleObj spid="_x0000_s200731" name="Equation" r:id="rId4" imgW="1536480" imgH="507960" progId="Equation.DSMT4">
                   <p:embed/>
                 </p:oleObj>
               </mc:Choice>
@@ -16180,7 +16180,7 @@
           <a:graphicData uri="http://schemas.openxmlformats.org/presentationml/2006/ole">
             <mc:AlternateContent xmlns:mc="http://schemas.openxmlformats.org/markup-compatibility/2006">
               <mc:Choice xmlns:v="urn:schemas-microsoft-com:vml" Requires="v">
-                <p:oleObj spid="_x0000_s200725" name="Equation" r:id="rId6" imgW="1955520" imgH="507960" progId="Equation.DSMT4">
+                <p:oleObj spid="_x0000_s200732" name="Equation" r:id="rId6" imgW="1955520" imgH="507960" progId="Equation.DSMT4">
                   <p:embed/>
                 </p:oleObj>
               </mc:Choice>
@@ -16250,7 +16250,7 @@
           <a:graphicData uri="http://schemas.openxmlformats.org/presentationml/2006/ole">
             <mc:AlternateContent xmlns:mc="http://schemas.openxmlformats.org/markup-compatibility/2006">
               <mc:Choice xmlns:v="urn:schemas-microsoft-com:vml" Requires="v">
-                <p:oleObj spid="_x0000_s200726" name="Equation" r:id="rId8" imgW="863280" imgH="228600" progId="Equation.DSMT4">
+                <p:oleObj spid="_x0000_s200733" name="Equation" r:id="rId8" imgW="863280" imgH="228600" progId="Equation.DSMT4">
                   <p:embed/>
                 </p:oleObj>
               </mc:Choice>
@@ -16533,7 +16533,7 @@
           <a:graphicData uri="http://schemas.openxmlformats.org/presentationml/2006/ole">
             <mc:AlternateContent xmlns:mc="http://schemas.openxmlformats.org/markup-compatibility/2006">
               <mc:Choice xmlns:v="urn:schemas-microsoft-com:vml" Requires="v">
-                <p:oleObj spid="_x0000_s202767" name="Equation" r:id="rId4" imgW="1739880" imgH="507960" progId="Equation.DSMT4">
+                <p:oleObj spid="_x0000_s202772" name="Equation" r:id="rId4" imgW="1739880" imgH="507960" progId="Equation.DSMT4">
                   <p:embed/>
                 </p:oleObj>
               </mc:Choice>
@@ -16630,7 +16630,7 @@
           <a:graphicData uri="http://schemas.openxmlformats.org/presentationml/2006/ole">
             <mc:AlternateContent xmlns:mc="http://schemas.openxmlformats.org/markup-compatibility/2006">
               <mc:Choice xmlns:v="urn:schemas-microsoft-com:vml" Requires="v">
-                <p:oleObj spid="_x0000_s202768" name="Equation" r:id="rId6" imgW="1955520" imgH="507960" progId="Equation.DSMT4">
+                <p:oleObj spid="_x0000_s202773" name="Equation" r:id="rId6" imgW="1955520" imgH="507960" progId="Equation.DSMT4">
                   <p:embed/>
                 </p:oleObj>
               </mc:Choice>
@@ -16868,7 +16868,7 @@
           <a:graphicData uri="http://schemas.openxmlformats.org/presentationml/2006/ole">
             <mc:AlternateContent xmlns:mc="http://schemas.openxmlformats.org/markup-compatibility/2006">
               <mc:Choice xmlns:v="urn:schemas-microsoft-com:vml" Requires="v">
-                <p:oleObj spid="_x0000_s399375" name="Equation" r:id="rId4" imgW="1739880" imgH="507960" progId="Equation.DSMT4">
+                <p:oleObj spid="_x0000_s399380" name="Equation" r:id="rId4" imgW="1739880" imgH="507960" progId="Equation.DSMT4">
                   <p:embed/>
                 </p:oleObj>
               </mc:Choice>
@@ -16965,7 +16965,7 @@
           <a:graphicData uri="http://schemas.openxmlformats.org/presentationml/2006/ole">
             <mc:AlternateContent xmlns:mc="http://schemas.openxmlformats.org/markup-compatibility/2006">
               <mc:Choice xmlns:v="urn:schemas-microsoft-com:vml" Requires="v">
-                <p:oleObj spid="_x0000_s399376" name="Equation" r:id="rId6" imgW="1879600" imgH="533400" progId="Equation.DSMT4">
+                <p:oleObj spid="_x0000_s399381" name="Equation" r:id="rId6" imgW="1879600" imgH="533400" progId="Equation.DSMT4">
                   <p:embed/>
                 </p:oleObj>
               </mc:Choice>
@@ -17687,7 +17687,7 @@
           <a:graphicData uri="http://schemas.openxmlformats.org/presentationml/2006/ole">
             <mc:AlternateContent xmlns:mc="http://schemas.openxmlformats.org/markup-compatibility/2006">
               <mc:Choice xmlns:v="urn:schemas-microsoft-com:vml" Requires="v">
-                <p:oleObj spid="_x0000_s206873" name="Equation" r:id="rId4" imgW="2260440" imgH="507960" progId="Equation.DSMT4">
+                <p:oleObj spid="_x0000_s206882" name="Equation" r:id="rId4" imgW="2260440" imgH="507960" progId="Equation.DSMT4">
                   <p:embed/>
                 </p:oleObj>
               </mc:Choice>
@@ -17753,7 +17753,7 @@
           <a:graphicData uri="http://schemas.openxmlformats.org/presentationml/2006/ole">
             <mc:AlternateContent xmlns:mc="http://schemas.openxmlformats.org/markup-compatibility/2006">
               <mc:Choice xmlns:v="urn:schemas-microsoft-com:vml" Requires="v">
-                <p:oleObj spid="_x0000_s206874" name="Equation" r:id="rId6" imgW="2184400" imgH="508000" progId="Equation.DSMT4">
+                <p:oleObj spid="_x0000_s206883" name="Equation" r:id="rId6" imgW="2184400" imgH="508000" progId="Equation.DSMT4">
                   <p:embed/>
                 </p:oleObj>
               </mc:Choice>
@@ -17814,7 +17814,7 @@
           <a:graphicData uri="http://schemas.openxmlformats.org/presentationml/2006/ole">
             <mc:AlternateContent xmlns:mc="http://schemas.openxmlformats.org/markup-compatibility/2006">
               <mc:Choice xmlns:v="urn:schemas-microsoft-com:vml" Requires="v">
-                <p:oleObj spid="_x0000_s206875" name="Equation" r:id="rId8" imgW="1739880" imgH="507960" progId="Equation.DSMT4">
+                <p:oleObj spid="_x0000_s206884" name="Equation" r:id="rId8" imgW="1739880" imgH="507960" progId="Equation.DSMT4">
                   <p:embed/>
                 </p:oleObj>
               </mc:Choice>
@@ -17973,7 +17973,7 @@
           <a:graphicData uri="http://schemas.openxmlformats.org/presentationml/2006/ole">
             <mc:AlternateContent xmlns:mc="http://schemas.openxmlformats.org/markup-compatibility/2006">
               <mc:Choice xmlns:v="urn:schemas-microsoft-com:vml" Requires="v">
-                <p:oleObj spid="_x0000_s206876" name="Equation" r:id="rId10" imgW="1180800" imgH="304560" progId="Equation.DSMT4">
+                <p:oleObj spid="_x0000_s206885" name="Equation" r:id="rId10" imgW="1180800" imgH="304560" progId="Equation.DSMT4">
                   <p:embed/>
                 </p:oleObj>
               </mc:Choice>
@@ -18273,7 +18273,7 @@
           <a:graphicData uri="http://schemas.openxmlformats.org/presentationml/2006/ole">
             <mc:AlternateContent xmlns:mc="http://schemas.openxmlformats.org/markup-compatibility/2006">
               <mc:Choice xmlns:v="urn:schemas-microsoft-com:vml" Requires="v">
-                <p:oleObj spid="_x0000_s210963" name="Equation" r:id="rId4" imgW="1676400" imgH="495300" progId="Equation.DSMT4">
+                <p:oleObj spid="_x0000_s210968" name="Equation" r:id="rId4" imgW="1676400" imgH="495300" progId="Equation.DSMT4">
                   <p:embed/>
                 </p:oleObj>
               </mc:Choice>
@@ -18349,7 +18349,7 @@
           <a:graphicData uri="http://schemas.openxmlformats.org/presentationml/2006/ole">
             <mc:AlternateContent xmlns:mc="http://schemas.openxmlformats.org/markup-compatibility/2006">
               <mc:Choice xmlns:v="urn:schemas-microsoft-com:vml" Requires="v">
-                <p:oleObj spid="_x0000_s210964" name="Equation" r:id="rId6" imgW="2019240" imgH="342720" progId="Equation.DSMT4">
+                <p:oleObj spid="_x0000_s210969" name="Equation" r:id="rId6" imgW="2019240" imgH="342720" progId="Equation.DSMT4">
                   <p:embed/>
                 </p:oleObj>
               </mc:Choice>
@@ -18509,13 +18509,13 @@
   <p:clrMapOvr>
     <a:masterClrMapping/>
   </p:clrMapOvr>
-  <mc:AlternateContent xmlns:mc="http://schemas.openxmlformats.org/markup-compatibility/2006">
-    <mc:Choice xmlns:p14="http://schemas.microsoft.com/office/powerpoint/2010/main" Requires="p14">
+  <mc:AlternateContent xmlns:mc="http://schemas.openxmlformats.org/markup-compatibility/2006" xmlns:p14="http://schemas.microsoft.com/office/powerpoint/2010/main">
+    <mc:Choice Requires="p14">
       <p:transition spd="slow" p14:dur="1100">
         <p:fade/>
       </p:transition>
     </mc:Choice>
-    <mc:Fallback>
+    <mc:Fallback xmlns="">
       <p:transition xmlns:p14="http://schemas.microsoft.com/office/powerpoint/2010/main" spd="slow">
         <p:fade/>
       </p:transition>
@@ -19099,21 +19099,8 @@
                   <a:srgbClr val="0000FF"/>
                 </a:solidFill>
               </a:rPr>
-              <a:t>e(n-1)+</a:t>
-            </a:r>
-            <a:r>
-              <a:rPr lang="en-US" sz="4400" dirty="0" smtClean="0">
-                <a:solidFill>
-                  <a:srgbClr val="0000FF"/>
-                </a:solidFill>
-              </a:rPr>
-              <a:t>p</a:t>
-            </a:r>
-            <a:endParaRPr lang="en-US" sz="4400" dirty="0" smtClean="0">
-              <a:solidFill>
-                <a:srgbClr val="0000FF"/>
-              </a:solidFill>
-            </a:endParaRPr>
+              <a:t>e(n-1)+p</a:t>
+            </a:r>
           </a:p>
         </p:txBody>
       </p:sp>
@@ -19165,7 +19152,7 @@
           <a:graphicData uri="http://schemas.openxmlformats.org/presentationml/2006/ole">
             <mc:AlternateContent xmlns:mc="http://schemas.openxmlformats.org/markup-compatibility/2006">
               <mc:Choice xmlns:v="urn:schemas-microsoft-com:vml" Requires="v">
-                <p:oleObj spid="_x0000_s213004" name="Equation" r:id="rId4" imgW="914400" imgH="220320" progId="Equation.DSMT4">
+                <p:oleObj spid="_x0000_s213007" name="Equation" r:id="rId4" imgW="914400" imgH="220320" progId="Equation.DSMT4">
                   <p:embed/>
                 </p:oleObj>
               </mc:Choice>
@@ -19254,23 +19241,8 @@
                 </a:solidFill>
                 <a:latin typeface="+mj-lt"/>
               </a:rPr>
-              <a:t>e(n-2)+</a:t>
-            </a:r>
-            <a:r>
-              <a:rPr lang="en-US" sz="4400" i="0" dirty="0" smtClean="0">
-                <a:solidFill>
-                  <a:srgbClr val="0000FF"/>
-                </a:solidFill>
-                <a:latin typeface="+mj-lt"/>
-              </a:rPr>
-              <a:t>2p =</a:t>
-            </a:r>
-            <a:endParaRPr lang="en-US" sz="4400" i="0" dirty="0" smtClean="0">
-              <a:solidFill>
-                <a:srgbClr val="0000FF"/>
-              </a:solidFill>
-              <a:latin typeface="+mj-lt"/>
-            </a:endParaRPr>
+              <a:t>e(n-2)+2p =</a:t>
+            </a:r>
           </a:p>
         </p:txBody>
       </p:sp>
@@ -20086,7 +20058,7 @@
           <a:graphicData uri="http://schemas.openxmlformats.org/presentationml/2006/ole">
             <mc:AlternateContent xmlns:mc="http://schemas.openxmlformats.org/markup-compatibility/2006">
               <mc:Choice xmlns:v="urn:schemas-microsoft-com:vml" Requires="v">
-                <p:oleObj spid="_x0000_s1041" name="Equation" r:id="rId4" imgW="914400" imgH="220320" progId="Equation.DSMT4">
+                <p:oleObj spid="_x0000_s1046" name="Equation" r:id="rId4" imgW="914400" imgH="220320" progId="Equation.DSMT4">
                   <p:embed/>
                 </p:oleObj>
               </mc:Choice>
@@ -20156,7 +20128,7 @@
           <a:graphicData uri="http://schemas.openxmlformats.org/presentationml/2006/ole">
             <mc:AlternateContent xmlns:mc="http://schemas.openxmlformats.org/markup-compatibility/2006">
               <mc:Choice xmlns:v="urn:schemas-microsoft-com:vml" Requires="v">
-                <p:oleObj spid="_x0000_s1042" name="Equation" r:id="rId6" imgW="634680" imgH="304560" progId="Equation.DSMT4">
+                <p:oleObj spid="_x0000_s1047" name="Equation" r:id="rId6" imgW="634680" imgH="304560" progId="Equation.DSMT4">
                   <p:embed/>
                 </p:oleObj>
               </mc:Choice>
@@ -20394,13 +20366,13 @@
   <p:clrMapOvr>
     <a:masterClrMapping/>
   </p:clrMapOvr>
-  <mc:AlternateContent xmlns:mc="http://schemas.openxmlformats.org/markup-compatibility/2006">
-    <mc:Choice xmlns:p14="http://schemas.microsoft.com/office/powerpoint/2010/main" Requires="p14">
+  <mc:AlternateContent xmlns:mc="http://schemas.openxmlformats.org/markup-compatibility/2006" xmlns:p14="http://schemas.microsoft.com/office/powerpoint/2010/main">
+    <mc:Choice Requires="p14">
       <p:transition spd="med" p14:dur="700">
         <p:fade/>
       </p:transition>
     </mc:Choice>
-    <mc:Fallback>
+    <mc:Fallback xmlns="">
       <p:transition xmlns:p14="http://schemas.microsoft.com/office/powerpoint/2010/main" spd="med">
         <p:fade/>
       </p:transition>
@@ -21957,7 +21929,7 @@
                                         <p:tgtEl>
                                           <p:spTgt spid="628752">
                                             <p:txEl>
-                                              <p:pRg st="1" end="1"/>
+                                              <p:pRg st="2" end="2"/>
                                             </p:txEl>
                                           </p:spTgt>
                                         </p:tgtEl>
@@ -21975,7 +21947,7 @@
                                         <p:tgtEl>
                                           <p:spTgt spid="628752">
                                             <p:txEl>
-                                              <p:pRg st="1" end="1"/>
+                                              <p:pRg st="2" end="2"/>
                                             </p:txEl>
                                           </p:spTgt>
                                         </p:tgtEl>
@@ -22018,7 +21990,7 @@
                                         <p:tgtEl>
                                           <p:spTgt spid="628752">
                                             <p:txEl>
-                                              <p:pRg st="2" end="2"/>
+                                              <p:pRg st="3" end="3"/>
                                             </p:txEl>
                                           </p:spTgt>
                                         </p:tgtEl>
@@ -22033,67 +22005,6 @@
                                     <p:animEffect transition="in" filter="wipe(left)">
                                       <p:cBhvr>
                                         <p:cTn id="12" dur="1000"/>
-                                        <p:tgtEl>
-                                          <p:spTgt spid="628752">
-                                            <p:txEl>
-                                              <p:pRg st="2" end="2"/>
-                                            </p:txEl>
-                                          </p:spTgt>
-                                        </p:tgtEl>
-                                      </p:cBhvr>
-                                    </p:animEffect>
-                                  </p:childTnLst>
-                                </p:cTn>
-                              </p:par>
-                            </p:childTnLst>
-                          </p:cTn>
-                        </p:par>
-                      </p:childTnLst>
-                    </p:cTn>
-                  </p:par>
-                  <p:par>
-                    <p:cTn id="13" fill="hold">
-                      <p:stCondLst>
-                        <p:cond delay="indefinite"/>
-                      </p:stCondLst>
-                      <p:childTnLst>
-                        <p:par>
-                          <p:cTn id="14" fill="hold">
-                            <p:stCondLst>
-                              <p:cond delay="0"/>
-                            </p:stCondLst>
-                            <p:childTnLst>
-                              <p:par>
-                                <p:cTn id="15" presetID="22" presetClass="entr" presetSubtype="8" fill="hold" nodeType="clickEffect">
-                                  <p:stCondLst>
-                                    <p:cond delay="0"/>
-                                  </p:stCondLst>
-                                  <p:childTnLst>
-                                    <p:set>
-                                      <p:cBhvr>
-                                        <p:cTn id="16" dur="1" fill="hold">
-                                          <p:stCondLst>
-                                            <p:cond delay="0"/>
-                                          </p:stCondLst>
-                                        </p:cTn>
-                                        <p:tgtEl>
-                                          <p:spTgt spid="628752">
-                                            <p:txEl>
-                                              <p:pRg st="3" end="3"/>
-                                            </p:txEl>
-                                          </p:spTgt>
-                                        </p:tgtEl>
-                                        <p:attrNameLst>
-                                          <p:attrName>style.visibility</p:attrName>
-                                        </p:attrNameLst>
-                                      </p:cBhvr>
-                                      <p:to>
-                                        <p:strVal val="visible"/>
-                                      </p:to>
-                                    </p:set>
-                                    <p:animEffect transition="in" filter="wipe(left)">
-                                      <p:cBhvr>
-                                        <p:cTn id="17" dur="1000"/>
                                         <p:tgtEl>
                                           <p:spTgt spid="628752">
                                             <p:txEl>
@@ -22444,16 +22355,7 @@
                 </a:solidFill>
                 <a:latin typeface="Comic Sans MS" pitchFamily="66" charset="0"/>
               </a:rPr>
-              <a:t>) </a:t>
-            </a:r>
-            <a:r>
-              <a:rPr lang="en-US" sz="6000" i="0" dirty="0" smtClean="0">
-                <a:solidFill>
-                  <a:srgbClr val="0000FF"/>
-                </a:solidFill>
-                <a:latin typeface="Comic Sans MS" pitchFamily="66" charset="0"/>
-              </a:rPr>
-              <a:t>= </a:t>
+              <a:t>) = </a:t>
             </a:r>
             <a:endParaRPr lang="en-US" sz="6000" i="0" baseline="30000" dirty="0">
               <a:solidFill>
@@ -22678,7 +22580,7 @@
           <a:graphicData uri="http://schemas.openxmlformats.org/presentationml/2006/ole">
             <mc:AlternateContent xmlns:mc="http://schemas.openxmlformats.org/markup-compatibility/2006">
               <mc:Choice xmlns:v="urn:schemas-microsoft-com:vml" Requires="v">
-                <p:oleObj spid="_x0000_s562178" name="Equation" r:id="rId4" imgW="152400" imgH="508000" progId="Equation.DSMT4">
+                <p:oleObj spid="_x0000_s562181" name="Equation" r:id="rId4" imgW="152400" imgH="508000" progId="Equation.DSMT4">
                   <p:embed/>
                 </p:oleObj>
               </mc:Choice>
@@ -23430,7 +23332,7 @@
           <a:graphicData uri="http://schemas.openxmlformats.org/presentationml/2006/ole">
             <mc:AlternateContent xmlns:mc="http://schemas.openxmlformats.org/markup-compatibility/2006">
               <mc:Choice xmlns:v="urn:schemas-microsoft-com:vml" Requires="v">
-                <p:oleObj spid="_x0000_s219149" name="Equation" r:id="rId4" imgW="177800" imgH="165100" progId="Equation.DSMT4">
+                <p:oleObj spid="_x0000_s219152" name="Equation" r:id="rId4" imgW="177800" imgH="165100" progId="Equation.DSMT4">
                   <p:embed/>
                 </p:oleObj>
               </mc:Choice>
@@ -24614,7 +24516,7 @@
           <a:graphicData uri="http://schemas.openxmlformats.org/presentationml/2006/ole">
             <mc:AlternateContent xmlns:mc="http://schemas.openxmlformats.org/markup-compatibility/2006">
               <mc:Choice xmlns:v="urn:schemas-microsoft-com:vml" Requires="v">
-                <p:oleObj spid="_x0000_s221194" name="Equation" r:id="rId4" imgW="914400" imgH="220320" progId="Equation.DSMT4">
+                <p:oleObj spid="_x0000_s221197" name="Equation" r:id="rId4" imgW="914400" imgH="220320" progId="Equation.DSMT4">
                   <p:embed/>
                 </p:oleObj>
               </mc:Choice>
@@ -24754,7 +24656,7 @@
                             </p:stCondLst>
                             <p:childTnLst>
                               <p:par>
-                                <p:cTn id="5" presetID="1" presetClass="entr" presetSubtype="0" fill="hold" grpId="0" nodeType="clickEffect">
+                                <p:cTn id="5" presetID="9" presetClass="entr" presetSubtype="0" fill="hold" grpId="0" nodeType="clickEffect">
                                   <p:stCondLst>
                                     <p:cond delay="0"/>
                                   </p:stCondLst>
@@ -24777,6 +24679,14 @@
                                         <p:strVal val="visible"/>
                                       </p:to>
                                     </p:set>
+                                    <p:animEffect transition="in" filter="dissolve">
+                                      <p:cBhvr>
+                                        <p:cTn id="7" dur="500"/>
+                                        <p:tgtEl>
+                                          <p:spTgt spid="51"/>
+                                        </p:tgtEl>
+                                      </p:cBhvr>
+                                    </p:animEffect>
                                   </p:childTnLst>
                                 </p:cTn>
                               </p:par>
@@ -25637,7 +25547,7 @@
           <a:graphicData uri="http://schemas.openxmlformats.org/presentationml/2006/ole">
             <mc:AlternateContent xmlns:mc="http://schemas.openxmlformats.org/markup-compatibility/2006">
               <mc:Choice xmlns:v="urn:schemas-microsoft-com:vml" Requires="v">
-                <p:oleObj spid="_x0000_s223242" name="Equation" r:id="rId4" imgW="914400" imgH="220320" progId="Equation.DSMT4">
+                <p:oleObj spid="_x0000_s223245" name="Equation" r:id="rId4" imgW="914400" imgH="220320" progId="Equation.DSMT4">
                   <p:embed/>
                 </p:oleObj>
               </mc:Choice>
@@ -25974,7 +25884,7 @@
                             </p:stCondLst>
                             <p:childTnLst>
                               <p:par>
-                                <p:cTn id="5" presetID="2" presetClass="entr" presetSubtype="1" fill="hold" grpId="0" nodeType="afterEffect">
+                                <p:cTn id="5" presetID="22" presetClass="entr" presetSubtype="1" fill="hold" grpId="0" nodeType="withEffect">
                                   <p:stCondLst>
                                     <p:cond delay="0"/>
                                   </p:stCondLst>
@@ -25997,52 +25907,14 @@
                                         <p:strVal val="visible"/>
                                       </p:to>
                                     </p:set>
-                                    <p:anim calcmode="lin" valueType="num">
-                                      <p:cBhvr additive="base">
-                                        <p:cTn id="7" dur="500" fill="hold"/>
+                                    <p:animEffect transition="in" filter="wipe(up)">
+                                      <p:cBhvr>
+                                        <p:cTn id="7" dur="500"/>
                                         <p:tgtEl>
                                           <p:spTgt spid="50"/>
                                         </p:tgtEl>
-                                        <p:attrNameLst>
-                                          <p:attrName>ppt_x</p:attrName>
-                                        </p:attrNameLst>
                                       </p:cBhvr>
-                                      <p:tavLst>
-                                        <p:tav tm="0">
-                                          <p:val>
-                                            <p:strVal val="#ppt_x"/>
-                                          </p:val>
-                                        </p:tav>
-                                        <p:tav tm="100000">
-                                          <p:val>
-                                            <p:strVal val="#ppt_x"/>
-                                          </p:val>
-                                        </p:tav>
-                                      </p:tavLst>
-                                    </p:anim>
-                                    <p:anim calcmode="lin" valueType="num">
-                                      <p:cBhvr additive="base">
-                                        <p:cTn id="8" dur="500" fill="hold"/>
-                                        <p:tgtEl>
-                                          <p:spTgt spid="50"/>
-                                        </p:tgtEl>
-                                        <p:attrNameLst>
-                                          <p:attrName>ppt_y</p:attrName>
-                                        </p:attrNameLst>
-                                      </p:cBhvr>
-                                      <p:tavLst>
-                                        <p:tav tm="0">
-                                          <p:val>
-                                            <p:strVal val="0-#ppt_h/2"/>
-                                          </p:val>
-                                        </p:tav>
-                                        <p:tav tm="100000">
-                                          <p:val>
-                                            <p:strVal val="#ppt_y"/>
-                                          </p:val>
-                                        </p:tav>
-                                      </p:tavLst>
-                                    </p:anim>
+                                    </p:animEffect>
                                   </p:childTnLst>
                                 </p:cTn>
                               </p:par>
@@ -26050,20 +25922,20 @@
                           </p:cTn>
                         </p:par>
                         <p:par>
-                          <p:cTn id="9" fill="hold">
+                          <p:cTn id="8" fill="hold">
                             <p:stCondLst>
                               <p:cond delay="500"/>
                             </p:stCondLst>
                             <p:childTnLst>
                               <p:par>
-                                <p:cTn id="10" presetID="22" presetClass="entr" presetSubtype="8" fill="hold" grpId="0" nodeType="afterEffect">
+                                <p:cTn id="9" presetID="22" presetClass="entr" presetSubtype="8" fill="hold" grpId="0" nodeType="afterEffect">
                                   <p:stCondLst>
                                     <p:cond delay="0"/>
                                   </p:stCondLst>
                                   <p:childTnLst>
                                     <p:set>
                                       <p:cBhvr>
-                                        <p:cTn id="11" dur="1" fill="hold">
+                                        <p:cTn id="10" dur="1" fill="hold">
                                           <p:stCondLst>
                                             <p:cond delay="0"/>
                                           </p:stCondLst>
@@ -26081,7 +25953,7 @@
                                     </p:set>
                                     <p:animEffect transition="in" filter="wipe(left)">
                                       <p:cBhvr>
-                                        <p:cTn id="12" dur="2000"/>
+                                        <p:cTn id="11" dur="2000"/>
                                         <p:tgtEl>
                                           <p:spTgt spid="51"/>
                                         </p:tgtEl>
@@ -26097,26 +25969,26 @@
                     </p:cTn>
                   </p:par>
                   <p:par>
-                    <p:cTn id="13" fill="hold">
+                    <p:cTn id="12" fill="hold">
                       <p:stCondLst>
                         <p:cond delay="indefinite"/>
                       </p:stCondLst>
                       <p:childTnLst>
                         <p:par>
-                          <p:cTn id="14" fill="hold">
+                          <p:cTn id="13" fill="hold">
                             <p:stCondLst>
                               <p:cond delay="0"/>
                             </p:stCondLst>
                             <p:childTnLst>
                               <p:par>
-                                <p:cTn id="15" presetID="22" presetClass="entr" presetSubtype="1" fill="hold" grpId="0" nodeType="clickEffect">
+                                <p:cTn id="14" presetID="22" presetClass="entr" presetSubtype="1" fill="hold" grpId="0" nodeType="clickEffect">
                                   <p:stCondLst>
                                     <p:cond delay="0"/>
                                   </p:stCondLst>
                                   <p:childTnLst>
                                     <p:set>
                                       <p:cBhvr>
-                                        <p:cTn id="16" dur="1" fill="hold">
+                                        <p:cTn id="15" dur="1" fill="hold">
                                           <p:stCondLst>
                                             <p:cond delay="0"/>
                                           </p:stCondLst>
@@ -26134,7 +26006,7 @@
                                     </p:set>
                                     <p:animEffect transition="in" filter="wipe(up)">
                                       <p:cBhvr>
-                                        <p:cTn id="17" dur="500"/>
+                                        <p:cTn id="16" dur="500"/>
                                         <p:tgtEl>
                                           <p:spTgt spid="53"/>
                                         </p:tgtEl>
@@ -26147,20 +26019,20 @@
                           </p:cTn>
                         </p:par>
                         <p:par>
-                          <p:cTn id="18" fill="hold">
+                          <p:cTn id="17" fill="hold">
                             <p:stCondLst>
                               <p:cond delay="500"/>
                             </p:stCondLst>
                             <p:childTnLst>
                               <p:par>
-                                <p:cTn id="19" presetID="22" presetClass="entr" presetSubtype="1" fill="hold" grpId="0" nodeType="afterEffect">
+                                <p:cTn id="18" presetID="22" presetClass="entr" presetSubtype="1" fill="hold" grpId="0" nodeType="afterEffect">
                                   <p:stCondLst>
                                     <p:cond delay="0"/>
                                   </p:stCondLst>
                                   <p:childTnLst>
                                     <p:set>
                                       <p:cBhvr>
-                                        <p:cTn id="20" dur="1" fill="hold">
+                                        <p:cTn id="19" dur="1" fill="hold">
                                           <p:stCondLst>
                                             <p:cond delay="0"/>
                                           </p:stCondLst>
@@ -26178,7 +26050,7 @@
                                     </p:set>
                                     <p:animEffect transition="in" filter="wipe(up)">
                                       <p:cBhvr>
-                                        <p:cTn id="21" dur="500"/>
+                                        <p:cTn id="20" dur="500"/>
                                         <p:tgtEl>
                                           <p:spTgt spid="55"/>
                                         </p:tgtEl>
@@ -26194,26 +26066,26 @@
                     </p:cTn>
                   </p:par>
                   <p:par>
-                    <p:cTn id="22" fill="hold">
+                    <p:cTn id="21" fill="hold">
                       <p:stCondLst>
                         <p:cond delay="indefinite"/>
                       </p:stCondLst>
                       <p:childTnLst>
                         <p:par>
-                          <p:cTn id="23" fill="hold">
+                          <p:cTn id="22" fill="hold">
                             <p:stCondLst>
                               <p:cond delay="0"/>
                             </p:stCondLst>
                             <p:childTnLst>
                               <p:par>
-                                <p:cTn id="24" presetID="22" presetClass="entr" presetSubtype="1" fill="hold" grpId="0" nodeType="clickEffect">
+                                <p:cTn id="23" presetID="22" presetClass="entr" presetSubtype="1" fill="hold" grpId="0" nodeType="clickEffect">
                                   <p:stCondLst>
                                     <p:cond delay="0"/>
                                   </p:stCondLst>
                                   <p:childTnLst>
                                     <p:set>
                                       <p:cBhvr>
-                                        <p:cTn id="25" dur="1" fill="hold">
+                                        <p:cTn id="24" dur="1" fill="hold">
                                           <p:stCondLst>
                                             <p:cond delay="0"/>
                                           </p:stCondLst>
@@ -26231,7 +26103,7 @@
                                     </p:set>
                                     <p:animEffect transition="in" filter="wipe(up)">
                                       <p:cBhvr>
-                                        <p:cTn id="26" dur="500"/>
+                                        <p:cTn id="25" dur="500"/>
                                         <p:tgtEl>
                                           <p:spTgt spid="54"/>
                                         </p:tgtEl>
@@ -26244,20 +26116,20 @@
                           </p:cTn>
                         </p:par>
                         <p:par>
-                          <p:cTn id="27" fill="hold">
+                          <p:cTn id="26" fill="hold">
                             <p:stCondLst>
                               <p:cond delay="500"/>
                             </p:stCondLst>
                             <p:childTnLst>
                               <p:par>
-                                <p:cTn id="28" presetID="22" presetClass="entr" presetSubtype="1" fill="hold" grpId="0" nodeType="afterEffect">
+                                <p:cTn id="27" presetID="22" presetClass="entr" presetSubtype="1" fill="hold" grpId="0" nodeType="afterEffect">
                                   <p:stCondLst>
                                     <p:cond delay="0"/>
                                   </p:stCondLst>
                                   <p:childTnLst>
                                     <p:set>
                                       <p:cBhvr>
-                                        <p:cTn id="29" dur="1" fill="hold">
+                                        <p:cTn id="28" dur="1" fill="hold">
                                           <p:stCondLst>
                                             <p:cond delay="0"/>
                                           </p:stCondLst>
@@ -26275,7 +26147,7 @@
                                     </p:set>
                                     <p:animEffect transition="in" filter="wipe(up)">
                                       <p:cBhvr>
-                                        <p:cTn id="30" dur="500"/>
+                                        <p:cTn id="29" dur="500"/>
                                         <p:tgtEl>
                                           <p:spTgt spid="56"/>
                                         </p:tgtEl>
@@ -27343,7 +27215,7 @@
           <a:graphicData uri="http://schemas.openxmlformats.org/presentationml/2006/ole">
             <mc:AlternateContent xmlns:mc="http://schemas.openxmlformats.org/markup-compatibility/2006">
               <mc:Choice xmlns:v="urn:schemas-microsoft-com:vml" Requires="v">
-                <p:oleObj spid="_x0000_s225290" name="Equation" r:id="rId4" imgW="914400" imgH="220320" progId="Equation.DSMT4">
+                <p:oleObj spid="_x0000_s225293" name="Equation" r:id="rId4" imgW="914400" imgH="220320" progId="Equation.DSMT4">
                   <p:embed/>
                 </p:oleObj>
               </mc:Choice>
@@ -27732,7 +27604,7 @@
           <a:graphicData uri="http://schemas.openxmlformats.org/presentationml/2006/ole">
             <mc:AlternateContent xmlns:mc="http://schemas.openxmlformats.org/markup-compatibility/2006">
               <mc:Choice xmlns:v="urn:schemas-microsoft-com:vml" Requires="v">
-                <p:oleObj spid="_x0000_s227338" name="Equation" r:id="rId4" imgW="279360" imgH="457200" progId="Equation.DSMT4">
+                <p:oleObj spid="_x0000_s227341" name="Equation" r:id="rId4" imgW="279360" imgH="457200" progId="Equation.DSMT4">
                   <p:embed/>
                 </p:oleObj>
               </mc:Choice>
@@ -29540,7 +29412,7 @@
           <a:graphicData uri="http://schemas.openxmlformats.org/presentationml/2006/ole">
             <mc:AlternateContent xmlns:mc="http://schemas.openxmlformats.org/markup-compatibility/2006">
               <mc:Choice xmlns:v="urn:schemas-microsoft-com:vml" Requires="v">
-                <p:oleObj spid="_x0000_s231434" name="Equation" r:id="rId4" imgW="2222280" imgH="457200" progId="Equation.DSMT4">
+                <p:oleObj spid="_x0000_s231437" name="Equation" r:id="rId4" imgW="2222280" imgH="457200" progId="Equation.DSMT4">
                   <p:embed/>
                 </p:oleObj>
               </mc:Choice>
@@ -31770,7 +31642,7 @@
           <a:graphicData uri="http://schemas.openxmlformats.org/presentationml/2006/ole">
             <mc:AlternateContent xmlns:mc="http://schemas.openxmlformats.org/markup-compatibility/2006">
               <mc:Choice xmlns:v="urn:schemas-microsoft-com:vml" Requires="v">
-                <p:oleObj spid="_x0000_s239626" name="Equation" r:id="rId4" imgW="1701800" imgH="304800" progId="Equation.DSMT4">
+                <p:oleObj spid="_x0000_s239629" name="Equation" r:id="rId4" imgW="1701800" imgH="304800" progId="Equation.DSMT4">
                   <p:embed/>
                 </p:oleObj>
               </mc:Choice>
@@ -32114,7 +31986,7 @@
                                     </p:set>
                                     <p:animEffect transition="in" filter="dissolve">
                                       <p:cBhvr>
-                                        <p:cTn id="11" dur="1000"/>
+                                        <p:cTn id="11" dur="500"/>
                                         <p:tgtEl>
                                           <p:spTgt spid="11">
                                             <p:txEl>
@@ -32127,15 +31999,24 @@
                                   </p:childTnLst>
                                 </p:cTn>
                               </p:par>
+                            </p:childTnLst>
+                          </p:cTn>
+                        </p:par>
+                        <p:par>
+                          <p:cTn id="12" fill="hold">
+                            <p:stCondLst>
+                              <p:cond delay="1000"/>
+                            </p:stCondLst>
+                            <p:childTnLst>
                               <p:par>
-                                <p:cTn id="12" presetID="9" presetClass="entr" presetSubtype="0" fill="hold" nodeType="withEffect">
+                                <p:cTn id="13" presetID="9" presetClass="entr" presetSubtype="0" fill="hold" nodeType="afterEffect">
                                   <p:stCondLst>
                                     <p:cond delay="0"/>
                                   </p:stCondLst>
                                   <p:childTnLst>
                                     <p:set>
                                       <p:cBhvr>
-                                        <p:cTn id="13" dur="1" fill="hold">
+                                        <p:cTn id="14" dur="1" fill="hold">
                                           <p:stCondLst>
                                             <p:cond delay="0"/>
                                           </p:stCondLst>
@@ -32157,7 +32038,7 @@
                                     </p:set>
                                     <p:animEffect transition="in" filter="dissolve">
                                       <p:cBhvr>
-                                        <p:cTn id="14" dur="500"/>
+                                        <p:cTn id="15" dur="500"/>
                                         <p:tgtEl>
                                           <p:spTgt spid="11">
                                             <p:txEl>
@@ -32240,7 +32121,7 @@
           <a:graphicData uri="http://schemas.openxmlformats.org/presentationml/2006/ole">
             <mc:AlternateContent xmlns:mc="http://schemas.openxmlformats.org/markup-compatibility/2006">
               <mc:Choice xmlns:v="urn:schemas-microsoft-com:vml" Requires="v">
-                <p:oleObj spid="_x0000_s241683" name="Equation" r:id="rId4" imgW="2159000" imgH="330200" progId="Equation.DSMT4">
+                <p:oleObj spid="_x0000_s241688" name="Equation" r:id="rId4" imgW="2159000" imgH="330200" progId="Equation.DSMT4">
                   <p:embed/>
                 </p:oleObj>
               </mc:Choice>
@@ -32342,7 +32223,7 @@
           <a:graphicData uri="http://schemas.openxmlformats.org/presentationml/2006/ole">
             <mc:AlternateContent xmlns:mc="http://schemas.openxmlformats.org/markup-compatibility/2006">
               <mc:Choice xmlns:v="urn:schemas-microsoft-com:vml" Requires="v">
-                <p:oleObj spid="_x0000_s241684" name="Equation" r:id="rId6" imgW="1968500" imgH="635000" progId="Equation.DSMT4">
+                <p:oleObj spid="_x0000_s241689" name="Equation" r:id="rId6" imgW="1968500" imgH="635000" progId="Equation.DSMT4">
                   <p:embed/>
                 </p:oleObj>
               </mc:Choice>
@@ -40505,7 +40386,7 @@
           <a:graphicData uri="http://schemas.openxmlformats.org/presentationml/2006/ole">
             <mc:AlternateContent xmlns:mc="http://schemas.openxmlformats.org/markup-compatibility/2006">
               <mc:Choice xmlns:v="urn:schemas-microsoft-com:vml" Requires="v">
-                <p:oleObj spid="_x0000_s167961" name="Equation" r:id="rId4" imgW="1270000" imgH="596900" progId="Equation.DSMT4">
+                <p:oleObj spid="_x0000_s167970" name="Equation" r:id="rId4" imgW="1270000" imgH="596900" progId="Equation.DSMT4">
                   <p:embed/>
                 </p:oleObj>
               </mc:Choice>
@@ -40575,7 +40456,7 @@
           <a:graphicData uri="http://schemas.openxmlformats.org/presentationml/2006/ole">
             <mc:AlternateContent xmlns:mc="http://schemas.openxmlformats.org/markup-compatibility/2006">
               <mc:Choice xmlns:v="urn:schemas-microsoft-com:vml" Requires="v">
-                <p:oleObj spid="_x0000_s167962" name="Equation" r:id="rId6" imgW="1600200" imgH="596900" progId="Equation.DSMT4">
+                <p:oleObj spid="_x0000_s167971" name="Equation" r:id="rId6" imgW="1600200" imgH="596900" progId="Equation.DSMT4">
                   <p:embed/>
                 </p:oleObj>
               </mc:Choice>
@@ -40645,7 +40526,7 @@
           <a:graphicData uri="http://schemas.openxmlformats.org/presentationml/2006/ole">
             <mc:AlternateContent xmlns:mc="http://schemas.openxmlformats.org/markup-compatibility/2006">
               <mc:Choice xmlns:v="urn:schemas-microsoft-com:vml" Requires="v">
-                <p:oleObj spid="_x0000_s167963" name="Equation" r:id="rId8" imgW="1727200" imgH="596900" progId="Equation.DSMT4">
+                <p:oleObj spid="_x0000_s167972" name="Equation" r:id="rId8" imgW="1727200" imgH="596900" progId="Equation.DSMT4">
                   <p:embed/>
                 </p:oleObj>
               </mc:Choice>
@@ -40715,7 +40596,7 @@
           <a:graphicData uri="http://schemas.openxmlformats.org/presentationml/2006/ole">
             <mc:AlternateContent xmlns:mc="http://schemas.openxmlformats.org/markup-compatibility/2006">
               <mc:Choice xmlns:v="urn:schemas-microsoft-com:vml" Requires="v">
-                <p:oleObj spid="_x0000_s167964" name="Equation" r:id="rId10" imgW="1257300" imgH="596900" progId="Equation.DSMT4">
+                <p:oleObj spid="_x0000_s167973" name="Equation" r:id="rId10" imgW="1257300" imgH="596900" progId="Equation.DSMT4">
                   <p:embed/>
                 </p:oleObj>
               </mc:Choice>

--- a/fall11/slidesF11/slides14w.pptx
+++ b/fall11/slidesF11/slides14w.pptx
@@ -8354,7 +8354,7 @@
           <a:graphicData uri="http://schemas.openxmlformats.org/presentationml/2006/ole">
             <mc:AlternateContent xmlns:mc="http://schemas.openxmlformats.org/markup-compatibility/2006">
               <mc:Choice xmlns:v="urn:schemas-microsoft-com:vml" Requires="v">
-                <p:oleObj spid="_x0000_s174093" name="Equation" r:id="rId4" imgW="2006280" imgH="812520" progId="Equation.DSMT4">
+                <p:oleObj spid="_x0000_s174095" name="Equation" r:id="rId4" imgW="2006280" imgH="812520" progId="Equation.DSMT4">
                   <p:embed/>
                 </p:oleObj>
               </mc:Choice>
@@ -8783,7 +8783,7 @@
           <a:graphicData uri="http://schemas.openxmlformats.org/presentationml/2006/ole">
             <mc:AlternateContent xmlns:mc="http://schemas.openxmlformats.org/markup-compatibility/2006">
               <mc:Choice xmlns:v="urn:schemas-microsoft-com:vml" Requires="v">
-                <p:oleObj spid="_x0000_s176141" name="Equation" r:id="rId4" imgW="2006280" imgH="812520" progId="Equation.DSMT4">
+                <p:oleObj spid="_x0000_s176143" name="Equation" r:id="rId4" imgW="2006280" imgH="812520" progId="Equation.DSMT4">
                   <p:embed/>
                 </p:oleObj>
               </mc:Choice>
@@ -10734,7 +10734,7 @@
           <a:graphicData uri="http://schemas.openxmlformats.org/presentationml/2006/ole">
             <mc:AlternateContent xmlns:mc="http://schemas.openxmlformats.org/markup-compatibility/2006">
               <mc:Choice xmlns:v="urn:schemas-microsoft-com:vml" Requires="v">
-                <p:oleObj spid="_x0000_s182286" name="Equation" r:id="rId4" imgW="419040" imgH="419040" progId="Equation.DSMT4">
+                <p:oleObj spid="_x0000_s182288" name="Equation" r:id="rId4" imgW="419040" imgH="419040" progId="Equation.DSMT4">
                   <p:embed/>
                 </p:oleObj>
               </mc:Choice>
@@ -11265,7 +11265,7 @@
           <a:graphicData uri="http://schemas.openxmlformats.org/presentationml/2006/ole">
             <mc:AlternateContent xmlns:mc="http://schemas.openxmlformats.org/markup-compatibility/2006">
               <mc:Choice xmlns:v="urn:schemas-microsoft-com:vml" Requires="v">
-                <p:oleObj spid="_x0000_s184334" name="Equation" r:id="rId4" imgW="1498600" imgH="431800" progId="Equation.DSMT4">
+                <p:oleObj spid="_x0000_s184336" name="Equation" r:id="rId4" imgW="1498600" imgH="431800" progId="Equation.DSMT4">
                   <p:embed/>
                 </p:oleObj>
               </mc:Choice>
@@ -11713,7 +11713,7 @@
           <a:graphicData uri="http://schemas.openxmlformats.org/presentationml/2006/ole">
             <mc:AlternateContent xmlns:mc="http://schemas.openxmlformats.org/markup-compatibility/2006">
               <mc:Choice xmlns:v="urn:schemas-microsoft-com:vml" Requires="v">
-                <p:oleObj spid="_x0000_s186381" name="Equation" r:id="rId4" imgW="1574800" imgH="419100" progId="Equation.DSMT4">
+                <p:oleObj spid="_x0000_s186383" name="Equation" r:id="rId4" imgW="1574800" imgH="419100" progId="Equation.DSMT4">
                   <p:embed/>
                 </p:oleObj>
               </mc:Choice>
@@ -11941,7 +11941,7 @@
           <a:graphicData uri="http://schemas.openxmlformats.org/presentationml/2006/ole">
             <mc:AlternateContent xmlns:mc="http://schemas.openxmlformats.org/markup-compatibility/2006">
               <mc:Choice xmlns:v="urn:schemas-microsoft-com:vml" Requires="v">
-                <p:oleObj spid="_x0000_s188450" name="Equation" r:id="rId4" imgW="1854200" imgH="431800" progId="Equation.DSMT4">
+                <p:oleObj spid="_x0000_s188455" name="Equation" r:id="rId4" imgW="1854200" imgH="431800" progId="Equation.DSMT4">
                   <p:embed/>
                 </p:oleObj>
               </mc:Choice>
@@ -12011,7 +12011,7 @@
           <a:graphicData uri="http://schemas.openxmlformats.org/presentationml/2006/ole">
             <mc:AlternateContent xmlns:mc="http://schemas.openxmlformats.org/markup-compatibility/2006">
               <mc:Choice xmlns:v="urn:schemas-microsoft-com:vml" Requires="v">
-                <p:oleObj spid="_x0000_s188451" name="Equation" r:id="rId6" imgW="1485900" imgH="431800" progId="Equation.DSMT4">
+                <p:oleObj spid="_x0000_s188456" name="Equation" r:id="rId6" imgW="1485900" imgH="431800" progId="Equation.DSMT4">
                   <p:embed/>
                 </p:oleObj>
               </mc:Choice>
@@ -12081,7 +12081,7 @@
           <a:graphicData uri="http://schemas.openxmlformats.org/presentationml/2006/ole">
             <mc:AlternateContent xmlns:mc="http://schemas.openxmlformats.org/markup-compatibility/2006">
               <mc:Choice xmlns:v="urn:schemas-microsoft-com:vml" Requires="v">
-                <p:oleObj spid="_x0000_s188452" name="Equation" r:id="rId8" imgW="1752600" imgH="546100" progId="Equation.DSMT4">
+                <p:oleObj spid="_x0000_s188457" name="Equation" r:id="rId8" imgW="1752600" imgH="546100" progId="Equation.DSMT4">
                   <p:embed/>
                 </p:oleObj>
               </mc:Choice>
@@ -12151,7 +12151,7 @@
           <a:graphicData uri="http://schemas.openxmlformats.org/presentationml/2006/ole">
             <mc:AlternateContent xmlns:mc="http://schemas.openxmlformats.org/markup-compatibility/2006">
               <mc:Choice xmlns:v="urn:schemas-microsoft-com:vml" Requires="v">
-                <p:oleObj spid="_x0000_s188453" name="Equation" r:id="rId10" imgW="1663700" imgH="431800" progId="Equation.DSMT4">
+                <p:oleObj spid="_x0000_s188458" name="Equation" r:id="rId10" imgW="1663700" imgH="431800" progId="Equation.DSMT4">
                   <p:embed/>
                 </p:oleObj>
               </mc:Choice>
@@ -12640,7 +12640,7 @@
           <a:graphicData uri="http://schemas.openxmlformats.org/presentationml/2006/ole">
             <mc:AlternateContent xmlns:mc="http://schemas.openxmlformats.org/markup-compatibility/2006">
               <mc:Choice xmlns:v="urn:schemas-microsoft-com:vml" Requires="v">
-                <p:oleObj spid="_x0000_s190477" name="Equation" r:id="rId4" imgW="914400" imgH="220320" progId="Equation.DSMT4">
+                <p:oleObj spid="_x0000_s190479" name="Equation" r:id="rId4" imgW="914400" imgH="220320" progId="Equation.DSMT4">
                   <p:embed/>
                 </p:oleObj>
               </mc:Choice>
@@ -13442,7 +13442,7 @@
           <a:graphicData uri="http://schemas.openxmlformats.org/presentationml/2006/ole">
             <mc:AlternateContent xmlns:mc="http://schemas.openxmlformats.org/markup-compatibility/2006">
               <mc:Choice xmlns:v="urn:schemas-microsoft-com:vml" Requires="v">
-                <p:oleObj spid="_x0000_s486422" name="Equation" r:id="rId4" imgW="2171700" imgH="533400" progId="Equation.DSMT4">
+                <p:oleObj spid="_x0000_s486425" name="Equation" r:id="rId4" imgW="2171700" imgH="533400" progId="Equation.DSMT4">
                   <p:embed/>
                 </p:oleObj>
               </mc:Choice>
@@ -13540,7 +13540,7 @@
           <a:graphicData uri="http://schemas.openxmlformats.org/presentationml/2006/ole">
             <mc:AlternateContent xmlns:mc="http://schemas.openxmlformats.org/markup-compatibility/2006">
               <mc:Choice xmlns:v="urn:schemas-microsoft-com:vml" Requires="v">
-                <p:oleObj spid="_x0000_s486423" name="Equation" r:id="rId6" imgW="1308100" imgH="342900" progId="Equation.DSMT4">
+                <p:oleObj spid="_x0000_s486426" name="Equation" r:id="rId6" imgW="1308100" imgH="342900" progId="Equation.DSMT4">
                   <p:embed/>
                 </p:oleObj>
               </mc:Choice>
@@ -14690,7 +14690,7 @@
           <a:graphicData uri="http://schemas.openxmlformats.org/presentationml/2006/ole">
             <mc:AlternateContent xmlns:mc="http://schemas.openxmlformats.org/markup-compatibility/2006">
               <mc:Choice xmlns:v="urn:schemas-microsoft-com:vml" Requires="v">
-                <p:oleObj spid="_x0000_s196628" name="Equation" r:id="rId4" imgW="1447800" imgH="533400" progId="Equation.DSMT4">
+                <p:oleObj spid="_x0000_s196631" name="Equation" r:id="rId4" imgW="1447800" imgH="533400" progId="Equation.DSMT4">
                   <p:embed/>
                 </p:oleObj>
               </mc:Choice>
@@ -14863,7 +14863,7 @@
           <a:graphicData uri="http://schemas.openxmlformats.org/presentationml/2006/ole">
             <mc:AlternateContent xmlns:mc="http://schemas.openxmlformats.org/markup-compatibility/2006">
               <mc:Choice xmlns:v="urn:schemas-microsoft-com:vml" Requires="v">
-                <p:oleObj spid="_x0000_s196629" name="Equation" r:id="rId6" imgW="1981200" imgH="495300" progId="Equation.DSMT4">
+                <p:oleObj spid="_x0000_s196632" name="Equation" r:id="rId6" imgW="1981200" imgH="495300" progId="Equation.DSMT4">
                   <p:embed/>
                 </p:oleObj>
               </mc:Choice>
@@ -15154,7 +15154,7 @@
           <a:graphicData uri="http://schemas.openxmlformats.org/presentationml/2006/ole">
             <mc:AlternateContent xmlns:mc="http://schemas.openxmlformats.org/markup-compatibility/2006">
               <mc:Choice xmlns:v="urn:schemas-microsoft-com:vml" Requires="v">
-                <p:oleObj spid="_x0000_s198676" name="Equation" r:id="rId4" imgW="1143000" imgH="533400" progId="Equation.DSMT4">
+                <p:oleObj spid="_x0000_s198679" name="Equation" r:id="rId4" imgW="1143000" imgH="533400" progId="Equation.DSMT4">
                   <p:embed/>
                 </p:oleObj>
               </mc:Choice>
@@ -15327,7 +15327,7 @@
           <a:graphicData uri="http://schemas.openxmlformats.org/presentationml/2006/ole">
             <mc:AlternateContent xmlns:mc="http://schemas.openxmlformats.org/markup-compatibility/2006">
               <mc:Choice xmlns:v="urn:schemas-microsoft-com:vml" Requires="v">
-                <p:oleObj spid="_x0000_s198677" name="Equation" r:id="rId6" imgW="1955520" imgH="444240" progId="Equation.DSMT4">
+                <p:oleObj spid="_x0000_s198680" name="Equation" r:id="rId6" imgW="1955520" imgH="444240" progId="Equation.DSMT4">
                   <p:embed/>
                 </p:oleObj>
               </mc:Choice>
@@ -15489,7 +15489,7 @@
           <a:graphicData uri="http://schemas.openxmlformats.org/presentationml/2006/ole">
             <mc:AlternateContent xmlns:mc="http://schemas.openxmlformats.org/markup-compatibility/2006">
               <mc:Choice xmlns:v="urn:schemas-microsoft-com:vml" Requires="v">
-                <p:oleObj spid="_x0000_s264205" name="Equation" r:id="rId4" imgW="1143000" imgH="533400" progId="Equation.DSMT4">
+                <p:oleObj spid="_x0000_s264207" name="Equation" r:id="rId4" imgW="1143000" imgH="533400" progId="Equation.DSMT4">
                   <p:embed/>
                 </p:oleObj>
               </mc:Choice>
@@ -15745,7 +15745,7 @@
           <a:graphicData uri="http://schemas.openxmlformats.org/presentationml/2006/ole">
             <mc:AlternateContent xmlns:mc="http://schemas.openxmlformats.org/markup-compatibility/2006">
               <mc:Choice xmlns:v="urn:schemas-microsoft-com:vml" Requires="v">
-                <p:oleObj spid="_x0000_s560148" name="Equation" r:id="rId4" imgW="1447800" imgH="533400" progId="Equation.DSMT4">
+                <p:oleObj spid="_x0000_s560151" name="Equation" r:id="rId4" imgW="1447800" imgH="533400" progId="Equation.DSMT4">
                   <p:embed/>
                 </p:oleObj>
               </mc:Choice>
@@ -15847,7 +15847,7 @@
           <a:graphicData uri="http://schemas.openxmlformats.org/presentationml/2006/ole">
             <mc:AlternateContent xmlns:mc="http://schemas.openxmlformats.org/markup-compatibility/2006">
               <mc:Choice xmlns:v="urn:schemas-microsoft-com:vml" Requires="v">
-                <p:oleObj spid="_x0000_s560149" name="Equation" r:id="rId6" imgW="1981200" imgH="495300" progId="Equation.DSMT4">
+                <p:oleObj spid="_x0000_s560152" name="Equation" r:id="rId6" imgW="1981200" imgH="495300" progId="Equation.DSMT4">
                   <p:embed/>
                 </p:oleObj>
               </mc:Choice>
@@ -16110,7 +16110,7 @@
           <a:graphicData uri="http://schemas.openxmlformats.org/presentationml/2006/ole">
             <mc:AlternateContent xmlns:mc="http://schemas.openxmlformats.org/markup-compatibility/2006">
               <mc:Choice xmlns:v="urn:schemas-microsoft-com:vml" Requires="v">
-                <p:oleObj spid="_x0000_s200731" name="Equation" r:id="rId4" imgW="1536480" imgH="507960" progId="Equation.DSMT4">
+                <p:oleObj spid="_x0000_s200735" name="Equation" r:id="rId4" imgW="1536480" imgH="507960" progId="Equation.DSMT4">
                   <p:embed/>
                 </p:oleObj>
               </mc:Choice>
@@ -16180,7 +16180,7 @@
           <a:graphicData uri="http://schemas.openxmlformats.org/presentationml/2006/ole">
             <mc:AlternateContent xmlns:mc="http://schemas.openxmlformats.org/markup-compatibility/2006">
               <mc:Choice xmlns:v="urn:schemas-microsoft-com:vml" Requires="v">
-                <p:oleObj spid="_x0000_s200732" name="Equation" r:id="rId6" imgW="1955520" imgH="507960" progId="Equation.DSMT4">
+                <p:oleObj spid="_x0000_s200736" name="Equation" r:id="rId6" imgW="1955520" imgH="507960" progId="Equation.DSMT4">
                   <p:embed/>
                 </p:oleObj>
               </mc:Choice>
@@ -16250,7 +16250,7 @@
           <a:graphicData uri="http://schemas.openxmlformats.org/presentationml/2006/ole">
             <mc:AlternateContent xmlns:mc="http://schemas.openxmlformats.org/markup-compatibility/2006">
               <mc:Choice xmlns:v="urn:schemas-microsoft-com:vml" Requires="v">
-                <p:oleObj spid="_x0000_s200733" name="Equation" r:id="rId8" imgW="863280" imgH="228600" progId="Equation.DSMT4">
+                <p:oleObj spid="_x0000_s200737" name="Equation" r:id="rId8" imgW="863280" imgH="228600" progId="Equation.DSMT4">
                   <p:embed/>
                 </p:oleObj>
               </mc:Choice>
@@ -16533,7 +16533,7 @@
           <a:graphicData uri="http://schemas.openxmlformats.org/presentationml/2006/ole">
             <mc:AlternateContent xmlns:mc="http://schemas.openxmlformats.org/markup-compatibility/2006">
               <mc:Choice xmlns:v="urn:schemas-microsoft-com:vml" Requires="v">
-                <p:oleObj spid="_x0000_s202772" name="Equation" r:id="rId4" imgW="1739880" imgH="507960" progId="Equation.DSMT4">
+                <p:oleObj spid="_x0000_s202775" name="Equation" r:id="rId4" imgW="1739880" imgH="507960" progId="Equation.DSMT4">
                   <p:embed/>
                 </p:oleObj>
               </mc:Choice>
@@ -16630,7 +16630,7 @@
           <a:graphicData uri="http://schemas.openxmlformats.org/presentationml/2006/ole">
             <mc:AlternateContent xmlns:mc="http://schemas.openxmlformats.org/markup-compatibility/2006">
               <mc:Choice xmlns:v="urn:schemas-microsoft-com:vml" Requires="v">
-                <p:oleObj spid="_x0000_s202773" name="Equation" r:id="rId6" imgW="1955520" imgH="507960" progId="Equation.DSMT4">
+                <p:oleObj spid="_x0000_s202776" name="Equation" r:id="rId6" imgW="1955520" imgH="507960" progId="Equation.DSMT4">
                   <p:embed/>
                 </p:oleObj>
               </mc:Choice>
@@ -16868,7 +16868,7 @@
           <a:graphicData uri="http://schemas.openxmlformats.org/presentationml/2006/ole">
             <mc:AlternateContent xmlns:mc="http://schemas.openxmlformats.org/markup-compatibility/2006">
               <mc:Choice xmlns:v="urn:schemas-microsoft-com:vml" Requires="v">
-                <p:oleObj spid="_x0000_s399380" name="Equation" r:id="rId4" imgW="1739880" imgH="507960" progId="Equation.DSMT4">
+                <p:oleObj spid="_x0000_s399383" name="Equation" r:id="rId4" imgW="1739880" imgH="507960" progId="Equation.DSMT4">
                   <p:embed/>
                 </p:oleObj>
               </mc:Choice>
@@ -16965,7 +16965,7 @@
           <a:graphicData uri="http://schemas.openxmlformats.org/presentationml/2006/ole">
             <mc:AlternateContent xmlns:mc="http://schemas.openxmlformats.org/markup-compatibility/2006">
               <mc:Choice xmlns:v="urn:schemas-microsoft-com:vml" Requires="v">
-                <p:oleObj spid="_x0000_s399381" name="Equation" r:id="rId6" imgW="1879600" imgH="533400" progId="Equation.DSMT4">
+                <p:oleObj spid="_x0000_s399384" name="Equation" r:id="rId6" imgW="1879600" imgH="533400" progId="Equation.DSMT4">
                   <p:embed/>
                 </p:oleObj>
               </mc:Choice>
@@ -17687,7 +17687,7 @@
           <a:graphicData uri="http://schemas.openxmlformats.org/presentationml/2006/ole">
             <mc:AlternateContent xmlns:mc="http://schemas.openxmlformats.org/markup-compatibility/2006">
               <mc:Choice xmlns:v="urn:schemas-microsoft-com:vml" Requires="v">
-                <p:oleObj spid="_x0000_s206882" name="Equation" r:id="rId4" imgW="2260440" imgH="507960" progId="Equation.DSMT4">
+                <p:oleObj spid="_x0000_s206887" name="Equation" r:id="rId4" imgW="2260440" imgH="507960" progId="Equation.DSMT4">
                   <p:embed/>
                 </p:oleObj>
               </mc:Choice>
@@ -17753,7 +17753,7 @@
           <a:graphicData uri="http://schemas.openxmlformats.org/presentationml/2006/ole">
             <mc:AlternateContent xmlns:mc="http://schemas.openxmlformats.org/markup-compatibility/2006">
               <mc:Choice xmlns:v="urn:schemas-microsoft-com:vml" Requires="v">
-                <p:oleObj spid="_x0000_s206883" name="Equation" r:id="rId6" imgW="2184400" imgH="508000" progId="Equation.DSMT4">
+                <p:oleObj spid="_x0000_s206888" name="Equation" r:id="rId6" imgW="2184400" imgH="508000" progId="Equation.DSMT4">
                   <p:embed/>
                 </p:oleObj>
               </mc:Choice>
@@ -17814,7 +17814,7 @@
           <a:graphicData uri="http://schemas.openxmlformats.org/presentationml/2006/ole">
             <mc:AlternateContent xmlns:mc="http://schemas.openxmlformats.org/markup-compatibility/2006">
               <mc:Choice xmlns:v="urn:schemas-microsoft-com:vml" Requires="v">
-                <p:oleObj spid="_x0000_s206884" name="Equation" r:id="rId8" imgW="1739880" imgH="507960" progId="Equation.DSMT4">
+                <p:oleObj spid="_x0000_s206889" name="Equation" r:id="rId8" imgW="1739880" imgH="507960" progId="Equation.DSMT4">
                   <p:embed/>
                 </p:oleObj>
               </mc:Choice>
@@ -17973,7 +17973,7 @@
           <a:graphicData uri="http://schemas.openxmlformats.org/presentationml/2006/ole">
             <mc:AlternateContent xmlns:mc="http://schemas.openxmlformats.org/markup-compatibility/2006">
               <mc:Choice xmlns:v="urn:schemas-microsoft-com:vml" Requires="v">
-                <p:oleObj spid="_x0000_s206885" name="Equation" r:id="rId10" imgW="1180800" imgH="304560" progId="Equation.DSMT4">
+                <p:oleObj spid="_x0000_s206890" name="Equation" r:id="rId10" imgW="1180800" imgH="304560" progId="Equation.DSMT4">
                   <p:embed/>
                 </p:oleObj>
               </mc:Choice>
@@ -18273,7 +18273,7 @@
           <a:graphicData uri="http://schemas.openxmlformats.org/presentationml/2006/ole">
             <mc:AlternateContent xmlns:mc="http://schemas.openxmlformats.org/markup-compatibility/2006">
               <mc:Choice xmlns:v="urn:schemas-microsoft-com:vml" Requires="v">
-                <p:oleObj spid="_x0000_s210968" name="Equation" r:id="rId4" imgW="1676400" imgH="495300" progId="Equation.DSMT4">
+                <p:oleObj spid="_x0000_s210971" name="Equation" r:id="rId4" imgW="1676400" imgH="495300" progId="Equation.DSMT4">
                   <p:embed/>
                 </p:oleObj>
               </mc:Choice>
@@ -18349,7 +18349,7 @@
           <a:graphicData uri="http://schemas.openxmlformats.org/presentationml/2006/ole">
             <mc:AlternateContent xmlns:mc="http://schemas.openxmlformats.org/markup-compatibility/2006">
               <mc:Choice xmlns:v="urn:schemas-microsoft-com:vml" Requires="v">
-                <p:oleObj spid="_x0000_s210969" name="Equation" r:id="rId6" imgW="2019240" imgH="342720" progId="Equation.DSMT4">
+                <p:oleObj spid="_x0000_s210972" name="Equation" r:id="rId6" imgW="2019240" imgH="342720" progId="Equation.DSMT4">
                   <p:embed/>
                 </p:oleObj>
               </mc:Choice>
@@ -19152,7 +19152,7 @@
           <a:graphicData uri="http://schemas.openxmlformats.org/presentationml/2006/ole">
             <mc:AlternateContent xmlns:mc="http://schemas.openxmlformats.org/markup-compatibility/2006">
               <mc:Choice xmlns:v="urn:schemas-microsoft-com:vml" Requires="v">
-                <p:oleObj spid="_x0000_s213007" name="Equation" r:id="rId4" imgW="914400" imgH="220320" progId="Equation.DSMT4">
+                <p:oleObj spid="_x0000_s213009" name="Equation" r:id="rId4" imgW="914400" imgH="220320" progId="Equation.DSMT4">
                   <p:embed/>
                 </p:oleObj>
               </mc:Choice>
@@ -20058,7 +20058,7 @@
           <a:graphicData uri="http://schemas.openxmlformats.org/presentationml/2006/ole">
             <mc:AlternateContent xmlns:mc="http://schemas.openxmlformats.org/markup-compatibility/2006">
               <mc:Choice xmlns:v="urn:schemas-microsoft-com:vml" Requires="v">
-                <p:oleObj spid="_x0000_s1046" name="Equation" r:id="rId4" imgW="914400" imgH="220320" progId="Equation.DSMT4">
+                <p:oleObj spid="_x0000_s1049" name="Equation" r:id="rId4" imgW="914400" imgH="220320" progId="Equation.DSMT4">
                   <p:embed/>
                 </p:oleObj>
               </mc:Choice>
@@ -20128,7 +20128,7 @@
           <a:graphicData uri="http://schemas.openxmlformats.org/presentationml/2006/ole">
             <mc:AlternateContent xmlns:mc="http://schemas.openxmlformats.org/markup-compatibility/2006">
               <mc:Choice xmlns:v="urn:schemas-microsoft-com:vml" Requires="v">
-                <p:oleObj spid="_x0000_s1047" name="Equation" r:id="rId6" imgW="634680" imgH="304560" progId="Equation.DSMT4">
+                <p:oleObj spid="_x0000_s1050" name="Equation" r:id="rId6" imgW="634680" imgH="304560" progId="Equation.DSMT4">
                   <p:embed/>
                 </p:oleObj>
               </mc:Choice>
@@ -22580,7 +22580,7 @@
           <a:graphicData uri="http://schemas.openxmlformats.org/presentationml/2006/ole">
             <mc:AlternateContent xmlns:mc="http://schemas.openxmlformats.org/markup-compatibility/2006">
               <mc:Choice xmlns:v="urn:schemas-microsoft-com:vml" Requires="v">
-                <p:oleObj spid="_x0000_s562181" name="Equation" r:id="rId4" imgW="152400" imgH="508000" progId="Equation.DSMT4">
+                <p:oleObj spid="_x0000_s562183" name="Equation" r:id="rId4" imgW="152400" imgH="508000" progId="Equation.DSMT4">
                   <p:embed/>
                 </p:oleObj>
               </mc:Choice>
@@ -23332,7 +23332,7 @@
           <a:graphicData uri="http://schemas.openxmlformats.org/presentationml/2006/ole">
             <mc:AlternateContent xmlns:mc="http://schemas.openxmlformats.org/markup-compatibility/2006">
               <mc:Choice xmlns:v="urn:schemas-microsoft-com:vml" Requires="v">
-                <p:oleObj spid="_x0000_s219152" name="Equation" r:id="rId4" imgW="177800" imgH="165100" progId="Equation.DSMT4">
+                <p:oleObj spid="_x0000_s219154" name="Equation" r:id="rId4" imgW="177800" imgH="165100" progId="Equation.DSMT4">
                   <p:embed/>
                 </p:oleObj>
               </mc:Choice>
@@ -24516,7 +24516,7 @@
           <a:graphicData uri="http://schemas.openxmlformats.org/presentationml/2006/ole">
             <mc:AlternateContent xmlns:mc="http://schemas.openxmlformats.org/markup-compatibility/2006">
               <mc:Choice xmlns:v="urn:schemas-microsoft-com:vml" Requires="v">
-                <p:oleObj spid="_x0000_s221197" name="Equation" r:id="rId4" imgW="914400" imgH="220320" progId="Equation.DSMT4">
+                <p:oleObj spid="_x0000_s221199" name="Equation" r:id="rId4" imgW="914400" imgH="220320" progId="Equation.DSMT4">
                   <p:embed/>
                 </p:oleObj>
               </mc:Choice>
@@ -25547,7 +25547,7 @@
           <a:graphicData uri="http://schemas.openxmlformats.org/presentationml/2006/ole">
             <mc:AlternateContent xmlns:mc="http://schemas.openxmlformats.org/markup-compatibility/2006">
               <mc:Choice xmlns:v="urn:schemas-microsoft-com:vml" Requires="v">
-                <p:oleObj spid="_x0000_s223245" name="Equation" r:id="rId4" imgW="914400" imgH="220320" progId="Equation.DSMT4">
+                <p:oleObj spid="_x0000_s223247" name="Equation" r:id="rId4" imgW="914400" imgH="220320" progId="Equation.DSMT4">
                   <p:embed/>
                 </p:oleObj>
               </mc:Choice>
@@ -27215,7 +27215,7 @@
           <a:graphicData uri="http://schemas.openxmlformats.org/presentationml/2006/ole">
             <mc:AlternateContent xmlns:mc="http://schemas.openxmlformats.org/markup-compatibility/2006">
               <mc:Choice xmlns:v="urn:schemas-microsoft-com:vml" Requires="v">
-                <p:oleObj spid="_x0000_s225293" name="Equation" r:id="rId4" imgW="914400" imgH="220320" progId="Equation.DSMT4">
+                <p:oleObj spid="_x0000_s225295" name="Equation" r:id="rId4" imgW="914400" imgH="220320" progId="Equation.DSMT4">
                   <p:embed/>
                 </p:oleObj>
               </mc:Choice>
@@ -27604,7 +27604,7 @@
           <a:graphicData uri="http://schemas.openxmlformats.org/presentationml/2006/ole">
             <mc:AlternateContent xmlns:mc="http://schemas.openxmlformats.org/markup-compatibility/2006">
               <mc:Choice xmlns:v="urn:schemas-microsoft-com:vml" Requires="v">
-                <p:oleObj spid="_x0000_s227341" name="Equation" r:id="rId4" imgW="279360" imgH="457200" progId="Equation.DSMT4">
+                <p:oleObj spid="_x0000_s227343" name="Equation" r:id="rId4" imgW="279360" imgH="457200" progId="Equation.DSMT4">
                   <p:embed/>
                 </p:oleObj>
               </mc:Choice>
@@ -29412,7 +29412,7 @@
           <a:graphicData uri="http://schemas.openxmlformats.org/presentationml/2006/ole">
             <mc:AlternateContent xmlns:mc="http://schemas.openxmlformats.org/markup-compatibility/2006">
               <mc:Choice xmlns:v="urn:schemas-microsoft-com:vml" Requires="v">
-                <p:oleObj spid="_x0000_s231437" name="Equation" r:id="rId4" imgW="2222280" imgH="457200" progId="Equation.DSMT4">
+                <p:oleObj spid="_x0000_s231439" name="Equation" r:id="rId4" imgW="2222280" imgH="457200" progId="Equation.DSMT4">
                   <p:embed/>
                 </p:oleObj>
               </mc:Choice>
@@ -31642,7 +31642,7 @@
           <a:graphicData uri="http://schemas.openxmlformats.org/presentationml/2006/ole">
             <mc:AlternateContent xmlns:mc="http://schemas.openxmlformats.org/markup-compatibility/2006">
               <mc:Choice xmlns:v="urn:schemas-microsoft-com:vml" Requires="v">
-                <p:oleObj spid="_x0000_s239629" name="Equation" r:id="rId4" imgW="1701800" imgH="304800" progId="Equation.DSMT4">
+                <p:oleObj spid="_x0000_s239631" name="Equation" r:id="rId4" imgW="1701800" imgH="304800" progId="Equation.DSMT4">
                   <p:embed/>
                 </p:oleObj>
               </mc:Choice>
@@ -32121,7 +32121,7 @@
           <a:graphicData uri="http://schemas.openxmlformats.org/presentationml/2006/ole">
             <mc:AlternateContent xmlns:mc="http://schemas.openxmlformats.org/markup-compatibility/2006">
               <mc:Choice xmlns:v="urn:schemas-microsoft-com:vml" Requires="v">
-                <p:oleObj spid="_x0000_s241688" name="Equation" r:id="rId4" imgW="2159000" imgH="330200" progId="Equation.DSMT4">
+                <p:oleObj spid="_x0000_s241691" name="Equation" r:id="rId4" imgW="2159000" imgH="330200" progId="Equation.DSMT4">
                   <p:embed/>
                 </p:oleObj>
               </mc:Choice>
@@ -32223,7 +32223,7 @@
           <a:graphicData uri="http://schemas.openxmlformats.org/presentationml/2006/ole">
             <mc:AlternateContent xmlns:mc="http://schemas.openxmlformats.org/markup-compatibility/2006">
               <mc:Choice xmlns:v="urn:schemas-microsoft-com:vml" Requires="v">
-                <p:oleObj spid="_x0000_s241689" name="Equation" r:id="rId6" imgW="1968500" imgH="635000" progId="Equation.DSMT4">
+                <p:oleObj spid="_x0000_s241692" name="Equation" r:id="rId6" imgW="1968500" imgH="635000" progId="Equation.DSMT4">
                   <p:embed/>
                 </p:oleObj>
               </mc:Choice>
@@ -32779,7 +32779,7 @@
 </file>
 
 <file path=ppt/slides/slide49.xml><?xml version="1.0" encoding="utf-8"?>
-<p:sld xmlns:a="http://schemas.openxmlformats.org/drawingml/2006/main" xmlns:r="http://schemas.openxmlformats.org/officeDocument/2006/relationships" xmlns:p="http://schemas.openxmlformats.org/presentationml/2006/main">
+<p:sld xmlns:a="http://schemas.openxmlformats.org/drawingml/2006/main" xmlns:r="http://schemas.openxmlformats.org/officeDocument/2006/relationships" xmlns:p="http://schemas.openxmlformats.org/presentationml/2006/main" show="0">
   <p:cSld>
     <p:spTree>
       <p:nvGrpSpPr>
@@ -33753,7 +33753,7 @@
 </file>
 
 <file path=ppt/slides/slide50.xml><?xml version="1.0" encoding="utf-8"?>
-<p:sld xmlns:a="http://schemas.openxmlformats.org/drawingml/2006/main" xmlns:r="http://schemas.openxmlformats.org/officeDocument/2006/relationships" xmlns:p="http://schemas.openxmlformats.org/presentationml/2006/main">
+<p:sld xmlns:a="http://schemas.openxmlformats.org/drawingml/2006/main" xmlns:r="http://schemas.openxmlformats.org/officeDocument/2006/relationships" xmlns:p="http://schemas.openxmlformats.org/presentationml/2006/main" show="0">
   <p:cSld>
     <p:spTree>
       <p:nvGrpSpPr>
@@ -34179,7 +34179,7 @@
 </file>
 
 <file path=ppt/slides/slide51.xml><?xml version="1.0" encoding="utf-8"?>
-<p:sld xmlns:a="http://schemas.openxmlformats.org/drawingml/2006/main" xmlns:r="http://schemas.openxmlformats.org/officeDocument/2006/relationships" xmlns:p="http://schemas.openxmlformats.org/presentationml/2006/main">
+<p:sld xmlns:a="http://schemas.openxmlformats.org/drawingml/2006/main" xmlns:r="http://schemas.openxmlformats.org/officeDocument/2006/relationships" xmlns:p="http://schemas.openxmlformats.org/presentationml/2006/main" show="0">
   <p:cSld>
     <p:spTree>
       <p:nvGrpSpPr>
@@ -34996,7 +34996,7 @@
 </file>
 
 <file path=ppt/slides/slide52.xml><?xml version="1.0" encoding="utf-8"?>
-<p:sld xmlns:a="http://schemas.openxmlformats.org/drawingml/2006/main" xmlns:r="http://schemas.openxmlformats.org/officeDocument/2006/relationships" xmlns:p="http://schemas.openxmlformats.org/presentationml/2006/main" show="0">
+<p:sld xmlns:a="http://schemas.openxmlformats.org/drawingml/2006/main" xmlns:r="http://schemas.openxmlformats.org/officeDocument/2006/relationships" xmlns:p="http://schemas.openxmlformats.org/presentationml/2006/main">
   <p:cSld>
     <p:spTree>
       <p:nvGrpSpPr>
@@ -35478,7 +35478,7 @@
 </file>
 
 <file path=ppt/slides/slide53.xml><?xml version="1.0" encoding="utf-8"?>
-<p:sld xmlns:a="http://schemas.openxmlformats.org/drawingml/2006/main" xmlns:r="http://schemas.openxmlformats.org/officeDocument/2006/relationships" xmlns:p="http://schemas.openxmlformats.org/presentationml/2006/main" show="0">
+<p:sld xmlns:a="http://schemas.openxmlformats.org/drawingml/2006/main" xmlns:r="http://schemas.openxmlformats.org/officeDocument/2006/relationships" xmlns:p="http://schemas.openxmlformats.org/presentationml/2006/main">
   <p:cSld>
     <p:spTree>
       <p:nvGrpSpPr>
@@ -36127,7 +36127,7 @@
 </file>
 
 <file path=ppt/slides/slide54.xml><?xml version="1.0" encoding="utf-8"?>
-<p:sld xmlns:a="http://schemas.openxmlformats.org/drawingml/2006/main" xmlns:r="http://schemas.openxmlformats.org/officeDocument/2006/relationships" xmlns:p="http://schemas.openxmlformats.org/presentationml/2006/main" show="0">
+<p:sld xmlns:a="http://schemas.openxmlformats.org/drawingml/2006/main" xmlns:r="http://schemas.openxmlformats.org/officeDocument/2006/relationships" xmlns:p="http://schemas.openxmlformats.org/presentationml/2006/main">
   <p:cSld>
     <p:spTree>
       <p:nvGrpSpPr>
@@ -36823,7 +36823,7 @@
 </file>
 
 <file path=ppt/slides/slide55.xml><?xml version="1.0" encoding="utf-8"?>
-<p:sld xmlns:a="http://schemas.openxmlformats.org/drawingml/2006/main" xmlns:r="http://schemas.openxmlformats.org/officeDocument/2006/relationships" xmlns:p="http://schemas.openxmlformats.org/presentationml/2006/main" show="0">
+<p:sld xmlns:a="http://schemas.openxmlformats.org/drawingml/2006/main" xmlns:r="http://schemas.openxmlformats.org/officeDocument/2006/relationships" xmlns:p="http://schemas.openxmlformats.org/presentationml/2006/main">
   <p:cSld>
     <p:spTree>
       <p:nvGrpSpPr>
@@ -40386,7 +40386,7 @@
           <a:graphicData uri="http://schemas.openxmlformats.org/presentationml/2006/ole">
             <mc:AlternateContent xmlns:mc="http://schemas.openxmlformats.org/markup-compatibility/2006">
               <mc:Choice xmlns:v="urn:schemas-microsoft-com:vml" Requires="v">
-                <p:oleObj spid="_x0000_s167970" name="Equation" r:id="rId4" imgW="1270000" imgH="596900" progId="Equation.DSMT4">
+                <p:oleObj spid="_x0000_s167975" name="Equation" r:id="rId4" imgW="1270000" imgH="596900" progId="Equation.DSMT4">
                   <p:embed/>
                 </p:oleObj>
               </mc:Choice>
@@ -40456,7 +40456,7 @@
           <a:graphicData uri="http://schemas.openxmlformats.org/presentationml/2006/ole">
             <mc:AlternateContent xmlns:mc="http://schemas.openxmlformats.org/markup-compatibility/2006">
               <mc:Choice xmlns:v="urn:schemas-microsoft-com:vml" Requires="v">
-                <p:oleObj spid="_x0000_s167971" name="Equation" r:id="rId6" imgW="1600200" imgH="596900" progId="Equation.DSMT4">
+                <p:oleObj spid="_x0000_s167976" name="Equation" r:id="rId6" imgW="1600200" imgH="596900" progId="Equation.DSMT4">
                   <p:embed/>
                 </p:oleObj>
               </mc:Choice>
@@ -40526,7 +40526,7 @@
           <a:graphicData uri="http://schemas.openxmlformats.org/presentationml/2006/ole">
             <mc:AlternateContent xmlns:mc="http://schemas.openxmlformats.org/markup-compatibility/2006">
               <mc:Choice xmlns:v="urn:schemas-microsoft-com:vml" Requires="v">
-                <p:oleObj spid="_x0000_s167972" name="Equation" r:id="rId8" imgW="1727200" imgH="596900" progId="Equation.DSMT4">
+                <p:oleObj spid="_x0000_s167977" name="Equation" r:id="rId8" imgW="1727200" imgH="596900" progId="Equation.DSMT4">
                   <p:embed/>
                 </p:oleObj>
               </mc:Choice>
@@ -40596,7 +40596,7 @@
           <a:graphicData uri="http://schemas.openxmlformats.org/presentationml/2006/ole">
             <mc:AlternateContent xmlns:mc="http://schemas.openxmlformats.org/markup-compatibility/2006">
               <mc:Choice xmlns:v="urn:schemas-microsoft-com:vml" Requires="v">
-                <p:oleObj spid="_x0000_s167973" name="Equation" r:id="rId10" imgW="1257300" imgH="596900" progId="Equation.DSMT4">
+                <p:oleObj spid="_x0000_s167978" name="Equation" r:id="rId10" imgW="1257300" imgH="596900" progId="Equation.DSMT4">
                   <p:embed/>
                 </p:oleObj>
               </mc:Choice>
